--- a/BEMUTATÓ.pptx
+++ b/BEMUTATÓ.pptx
@@ -2,7 +2,7 @@
 <file path=ppt/presentation.xml><?xml version="1.0" encoding="utf-8"?>
 <p:presentation xmlns:a="http://schemas.openxmlformats.org/drawingml/2006/main" xmlns:r="http://schemas.openxmlformats.org/officeDocument/2006/relationships" xmlns:p="http://schemas.openxmlformats.org/presentationml/2006/main" saveSubsetFonts="1">
   <p:sldMasterIdLst>
-    <p:sldMasterId id="2147483728" r:id="rId1"/>
+    <p:sldMasterId id="2147483769" r:id="rId1"/>
   </p:sldMasterIdLst>
   <p:sldIdLst>
     <p:sldId id="256" r:id="rId2"/>
@@ -108,11 +108,792 @@
       </a:defRPr>
     </a:lvl9pPr>
   </p:defaultTextStyle>
+  <p:extLst>
+    <p:ext uri="{EFAFB233-063F-42B5-8137-9DF3F51BA10A}">
+      <p15:sldGuideLst xmlns:p15="http://schemas.microsoft.com/office/powerpoint/2012/main"/>
+    </p:ext>
+  </p:extLst>
 </p:presentation>
 </file>
 
+<file path=ppt/charts/chart1.xml><?xml version="1.0" encoding="utf-8"?>
+<c:chartSpace xmlns:c="http://schemas.openxmlformats.org/drawingml/2006/chart" xmlns:a="http://schemas.openxmlformats.org/drawingml/2006/main" xmlns:r="http://schemas.openxmlformats.org/officeDocument/2006/relationships" xmlns:c16r2="http://schemas.microsoft.com/office/drawing/2015/06/chart">
+  <c:date1904 val="0"/>
+  <c:lang val="hu-HU"/>
+  <c:roundedCorners val="0"/>
+  <mc:AlternateContent xmlns:mc="http://schemas.openxmlformats.org/markup-compatibility/2006">
+    <mc:Choice xmlns:c14="http://schemas.microsoft.com/office/drawing/2007/8/2/chart" Requires="c14">
+      <c14:style val="102"/>
+    </mc:Choice>
+    <mc:Fallback>
+      <c:style val="2"/>
+    </mc:Fallback>
+  </mc:AlternateContent>
+  <c:chart>
+    <c:autoTitleDeleted val="1"/>
+    <c:plotArea>
+      <c:layout/>
+      <c:pieChart>
+        <c:varyColors val="1"/>
+        <c:ser>
+          <c:idx val="0"/>
+          <c:order val="0"/>
+          <c:tx>
+            <c:strRef>
+              <c:f>Munka1!$B$1</c:f>
+              <c:strCache>
+                <c:ptCount val="1"/>
+                <c:pt idx="0">
+                  <c:v>Dolgozás aránya</c:v>
+                </c:pt>
+              </c:strCache>
+            </c:strRef>
+          </c:tx>
+          <c:dPt>
+            <c:idx val="0"/>
+            <c:bubble3D val="0"/>
+            <c:spPr>
+              <a:solidFill>
+                <a:srgbClr val="0070C0"/>
+              </a:solidFill>
+              <a:ln w="19050">
+                <a:solidFill>
+                  <a:schemeClr val="lt1"/>
+                </a:solidFill>
+              </a:ln>
+              <a:effectLst/>
+            </c:spPr>
+            <c:extLst>
+              <c:ext xmlns:c16="http://schemas.microsoft.com/office/drawing/2014/chart" uri="{C3380CC4-5D6E-409C-BE32-E72D297353CC}">
+                <c16:uniqueId val="{00000002-B921-4F61-A7FF-0C7CEEE9B017}"/>
+              </c:ext>
+            </c:extLst>
+          </c:dPt>
+          <c:dPt>
+            <c:idx val="1"/>
+            <c:bubble3D val="0"/>
+            <c:spPr>
+              <a:solidFill>
+                <a:srgbClr val="00B050"/>
+              </a:solidFill>
+              <a:ln w="19050">
+                <a:solidFill>
+                  <a:schemeClr val="lt1"/>
+                </a:solidFill>
+              </a:ln>
+              <a:effectLst/>
+            </c:spPr>
+            <c:extLst>
+              <c:ext xmlns:c16="http://schemas.microsoft.com/office/drawing/2014/chart" uri="{C3380CC4-5D6E-409C-BE32-E72D297353CC}">
+                <c16:uniqueId val="{00000001-B921-4F61-A7FF-0C7CEEE9B017}"/>
+              </c:ext>
+            </c:extLst>
+          </c:dPt>
+          <c:dLbls>
+            <c:spPr>
+              <a:noFill/>
+              <a:ln>
+                <a:noFill/>
+              </a:ln>
+              <a:effectLst/>
+            </c:spPr>
+            <c:txPr>
+              <a:bodyPr rot="0" spcFirstLastPara="1" vertOverflow="ellipsis" vert="horz" wrap="square" lIns="38100" tIns="19050" rIns="38100" bIns="19050" anchor="ctr" anchorCtr="1">
+                <a:spAutoFit/>
+              </a:bodyPr>
+              <a:lstStyle/>
+              <a:p>
+                <a:pPr>
+                  <a:defRPr sz="1800" b="0" i="0" u="none" strike="noStrike" kern="1200" baseline="0">
+                    <a:solidFill>
+                      <a:schemeClr val="tx1">
+                        <a:lumMod val="75000"/>
+                        <a:lumOff val="25000"/>
+                      </a:schemeClr>
+                    </a:solidFill>
+                    <a:latin typeface="+mn-lt"/>
+                    <a:ea typeface="+mn-ea"/>
+                    <a:cs typeface="+mn-cs"/>
+                  </a:defRPr>
+                </a:pPr>
+                <a:endParaRPr lang="hu-HU"/>
+              </a:p>
+            </c:txPr>
+            <c:dLblPos val="inEnd"/>
+            <c:showLegendKey val="0"/>
+            <c:showVal val="0"/>
+            <c:showCatName val="1"/>
+            <c:showSerName val="0"/>
+            <c:showPercent val="1"/>
+            <c:showBubbleSize val="0"/>
+            <c:showLeaderLines val="1"/>
+            <c:leaderLines>
+              <c:spPr>
+                <a:ln w="9525" cap="flat" cmpd="sng" algn="ctr">
+                  <a:solidFill>
+                    <a:schemeClr val="tx1">
+                      <a:lumMod val="35000"/>
+                      <a:lumOff val="65000"/>
+                    </a:schemeClr>
+                  </a:solidFill>
+                  <a:round/>
+                </a:ln>
+                <a:effectLst/>
+              </c:spPr>
+            </c:leaderLines>
+            <c:extLst>
+              <c:ext xmlns:c15="http://schemas.microsoft.com/office/drawing/2012/chart" uri="{CE6537A1-D6FC-4f65-9D91-7224C49458BB}"/>
+            </c:extLst>
+          </c:dLbls>
+          <c:cat>
+            <c:strRef>
+              <c:f>Munka1!$A$2:$A$3</c:f>
+              <c:strCache>
+                <c:ptCount val="2"/>
+                <c:pt idx="0">
+                  <c:v>Marcell</c:v>
+                </c:pt>
+                <c:pt idx="1">
+                  <c:v>Martin</c:v>
+                </c:pt>
+              </c:strCache>
+            </c:strRef>
+          </c:cat>
+          <c:val>
+            <c:numRef>
+              <c:f>Munka1!$B$2:$B$3</c:f>
+              <c:numCache>
+                <c:formatCode>General</c:formatCode>
+                <c:ptCount val="2"/>
+                <c:pt idx="0">
+                  <c:v>60</c:v>
+                </c:pt>
+                <c:pt idx="1">
+                  <c:v>40</c:v>
+                </c:pt>
+              </c:numCache>
+            </c:numRef>
+          </c:val>
+          <c:extLst>
+            <c:ext xmlns:c16="http://schemas.microsoft.com/office/drawing/2014/chart" uri="{C3380CC4-5D6E-409C-BE32-E72D297353CC}">
+              <c16:uniqueId val="{00000000-B921-4F61-A7FF-0C7CEEE9B017}"/>
+            </c:ext>
+          </c:extLst>
+        </c:ser>
+        <c:dLbls>
+          <c:showLegendKey val="0"/>
+          <c:showVal val="1"/>
+          <c:showCatName val="1"/>
+          <c:showSerName val="0"/>
+          <c:showPercent val="0"/>
+          <c:showBubbleSize val="0"/>
+          <c:showLeaderLines val="1"/>
+        </c:dLbls>
+        <c:firstSliceAng val="0"/>
+      </c:pieChart>
+      <c:spPr>
+        <a:noFill/>
+        <a:ln>
+          <a:noFill/>
+        </a:ln>
+        <a:effectLst/>
+      </c:spPr>
+    </c:plotArea>
+    <c:plotVisOnly val="1"/>
+    <c:dispBlanksAs val="gap"/>
+    <c:extLst>
+      <c:ext xmlns:c16r3="http://schemas.microsoft.com/office/drawing/2017/03/chart" uri="{56B9EC1D-385E-4148-901F-78D8002777C0}">
+        <c16r3:dataDisplayOptions16>
+          <c16r3:dispNaAsBlank val="1"/>
+        </c16r3:dataDisplayOptions16>
+      </c:ext>
+    </c:extLst>
+    <c:showDLblsOverMax val="0"/>
+  </c:chart>
+  <c:spPr>
+    <a:noFill/>
+    <a:ln>
+      <a:noFill/>
+    </a:ln>
+    <a:effectLst/>
+  </c:spPr>
+  <c:txPr>
+    <a:bodyPr/>
+    <a:lstStyle/>
+    <a:p>
+      <a:pPr>
+        <a:defRPr/>
+      </a:pPr>
+      <a:endParaRPr lang="hu-HU"/>
+    </a:p>
+  </c:txPr>
+  <c:externalData r:id="rId3">
+    <c:autoUpdate val="0"/>
+  </c:externalData>
+</c:chartSpace>
+</file>
+
+<file path=ppt/charts/colors1.xml><?xml version="1.0" encoding="utf-8"?>
+<cs:colorStyle xmlns:cs="http://schemas.microsoft.com/office/drawing/2012/chartStyle" xmlns:a="http://schemas.openxmlformats.org/drawingml/2006/main" meth="cycle" id="10">
+  <a:schemeClr val="accent1"/>
+  <a:schemeClr val="accent2"/>
+  <a:schemeClr val="accent3"/>
+  <a:schemeClr val="accent4"/>
+  <a:schemeClr val="accent5"/>
+  <a:schemeClr val="accent6"/>
+  <cs:variation/>
+  <cs:variation>
+    <a:lumMod val="60000"/>
+  </cs:variation>
+  <cs:variation>
+    <a:lumMod val="80000"/>
+    <a:lumOff val="20000"/>
+  </cs:variation>
+  <cs:variation>
+    <a:lumMod val="80000"/>
+  </cs:variation>
+  <cs:variation>
+    <a:lumMod val="60000"/>
+    <a:lumOff val="40000"/>
+  </cs:variation>
+  <cs:variation>
+    <a:lumMod val="50000"/>
+  </cs:variation>
+  <cs:variation>
+    <a:lumMod val="70000"/>
+    <a:lumOff val="30000"/>
+  </cs:variation>
+  <cs:variation>
+    <a:lumMod val="70000"/>
+  </cs:variation>
+  <cs:variation>
+    <a:lumMod val="50000"/>
+    <a:lumOff val="50000"/>
+  </cs:variation>
+</cs:colorStyle>
+</file>
+
+<file path=ppt/charts/style1.xml><?xml version="1.0" encoding="utf-8"?>
+<cs:chartStyle xmlns:cs="http://schemas.microsoft.com/office/drawing/2012/chartStyle" xmlns:a="http://schemas.openxmlformats.org/drawingml/2006/main" id="251">
+  <cs:axisTitle>
+    <cs:lnRef idx="0"/>
+    <cs:fillRef idx="0"/>
+    <cs:effectRef idx="0"/>
+    <cs:fontRef idx="minor">
+      <a:schemeClr val="tx1">
+        <a:lumMod val="65000"/>
+        <a:lumOff val="35000"/>
+      </a:schemeClr>
+    </cs:fontRef>
+    <cs:defRPr sz="1330" kern="1200"/>
+  </cs:axisTitle>
+  <cs:categoryAxis>
+    <cs:lnRef idx="0"/>
+    <cs:fillRef idx="0"/>
+    <cs:effectRef idx="0"/>
+    <cs:fontRef idx="minor">
+      <a:schemeClr val="tx1">
+        <a:lumMod val="65000"/>
+        <a:lumOff val="35000"/>
+      </a:schemeClr>
+    </cs:fontRef>
+    <cs:spPr>
+      <a:ln w="9525" cap="flat" cmpd="sng" algn="ctr">
+        <a:solidFill>
+          <a:schemeClr val="tx1">
+            <a:lumMod val="15000"/>
+            <a:lumOff val="85000"/>
+          </a:schemeClr>
+        </a:solidFill>
+        <a:round/>
+      </a:ln>
+    </cs:spPr>
+    <cs:defRPr sz="1197" kern="1200"/>
+  </cs:categoryAxis>
+  <cs:chartArea mods="allowNoFillOverride allowNoLineOverride">
+    <cs:lnRef idx="0"/>
+    <cs:fillRef idx="0"/>
+    <cs:effectRef idx="0"/>
+    <cs:fontRef idx="minor">
+      <a:schemeClr val="tx1"/>
+    </cs:fontRef>
+    <cs:spPr>
+      <a:solidFill>
+        <a:schemeClr val="bg1"/>
+      </a:solidFill>
+      <a:ln w="9525" cap="flat" cmpd="sng" algn="ctr">
+        <a:solidFill>
+          <a:schemeClr val="tx1">
+            <a:lumMod val="15000"/>
+            <a:lumOff val="85000"/>
+          </a:schemeClr>
+        </a:solidFill>
+        <a:round/>
+      </a:ln>
+    </cs:spPr>
+    <cs:defRPr sz="1197" kern="1200"/>
+  </cs:chartArea>
+  <cs:dataLabel>
+    <cs:lnRef idx="0"/>
+    <cs:fillRef idx="0"/>
+    <cs:effectRef idx="0"/>
+    <cs:fontRef idx="minor">
+      <a:schemeClr val="tx1">
+        <a:lumMod val="75000"/>
+        <a:lumOff val="25000"/>
+      </a:schemeClr>
+    </cs:fontRef>
+    <cs:defRPr sz="1197" kern="1200"/>
+  </cs:dataLabel>
+  <cs:dataLabelCallout>
+    <cs:lnRef idx="0"/>
+    <cs:fillRef idx="0"/>
+    <cs:effectRef idx="0"/>
+    <cs:fontRef idx="minor">
+      <a:schemeClr val="dk1">
+        <a:lumMod val="65000"/>
+        <a:lumOff val="35000"/>
+      </a:schemeClr>
+    </cs:fontRef>
+    <cs:spPr>
+      <a:solidFill>
+        <a:schemeClr val="lt1"/>
+      </a:solidFill>
+      <a:ln>
+        <a:solidFill>
+          <a:schemeClr val="dk1">
+            <a:lumMod val="25000"/>
+            <a:lumOff val="75000"/>
+          </a:schemeClr>
+        </a:solidFill>
+      </a:ln>
+    </cs:spPr>
+    <cs:defRPr sz="1197" kern="1200"/>
+    <cs:bodyPr rot="0" spcFirstLastPara="1" vertOverflow="clip" horzOverflow="clip" vert="horz" wrap="square" lIns="36576" tIns="18288" rIns="36576" bIns="18288" anchor="ctr" anchorCtr="1">
+      <a:spAutoFit/>
+    </cs:bodyPr>
+  </cs:dataLabelCallout>
+  <cs:dataPoint>
+    <cs:lnRef idx="0"/>
+    <cs:fillRef idx="1">
+      <cs:styleClr val="auto"/>
+    </cs:fillRef>
+    <cs:effectRef idx="0"/>
+    <cs:fontRef idx="minor">
+      <a:schemeClr val="tx1"/>
+    </cs:fontRef>
+    <cs:spPr>
+      <a:ln w="19050">
+        <a:solidFill>
+          <a:schemeClr val="lt1"/>
+        </a:solidFill>
+      </a:ln>
+    </cs:spPr>
+  </cs:dataPoint>
+  <cs:dataPoint3D>
+    <cs:lnRef idx="0"/>
+    <cs:fillRef idx="1">
+      <cs:styleClr val="auto"/>
+    </cs:fillRef>
+    <cs:effectRef idx="0"/>
+    <cs:fontRef idx="minor">
+      <a:schemeClr val="tx1"/>
+    </cs:fontRef>
+    <cs:spPr>
+      <a:ln w="25400">
+        <a:solidFill>
+          <a:schemeClr val="lt1"/>
+        </a:solidFill>
+      </a:ln>
+    </cs:spPr>
+  </cs:dataPoint3D>
+  <cs:dataPointLine>
+    <cs:lnRef idx="0">
+      <cs:styleClr val="auto"/>
+    </cs:lnRef>
+    <cs:fillRef idx="0"/>
+    <cs:effectRef idx="0"/>
+    <cs:fontRef idx="minor">
+      <a:schemeClr val="tx1"/>
+    </cs:fontRef>
+    <cs:spPr>
+      <a:ln w="28575" cap="rnd">
+        <a:solidFill>
+          <a:schemeClr val="phClr"/>
+        </a:solidFill>
+        <a:round/>
+      </a:ln>
+    </cs:spPr>
+  </cs:dataPointLine>
+  <cs:dataPointMarker>
+    <cs:lnRef idx="0">
+      <cs:styleClr val="auto"/>
+    </cs:lnRef>
+    <cs:fillRef idx="1">
+      <cs:styleClr val="auto"/>
+    </cs:fillRef>
+    <cs:effectRef idx="0"/>
+    <cs:fontRef idx="minor">
+      <a:schemeClr val="tx1"/>
+    </cs:fontRef>
+    <cs:spPr>
+      <a:ln w="9525">
+        <a:solidFill>
+          <a:schemeClr val="phClr"/>
+        </a:solidFill>
+      </a:ln>
+    </cs:spPr>
+  </cs:dataPointMarker>
+  <cs:dataPointMarkerLayout symbol="circle" size="5"/>
+  <cs:dataPointWireframe>
+    <cs:lnRef idx="0">
+      <cs:styleClr val="auto"/>
+    </cs:lnRef>
+    <cs:fillRef idx="0"/>
+    <cs:effectRef idx="0"/>
+    <cs:fontRef idx="minor">
+      <a:schemeClr val="tx1"/>
+    </cs:fontRef>
+    <cs:spPr>
+      <a:ln w="9525" cap="rnd">
+        <a:solidFill>
+          <a:schemeClr val="phClr"/>
+        </a:solidFill>
+        <a:round/>
+      </a:ln>
+    </cs:spPr>
+  </cs:dataPointWireframe>
+  <cs:dataTable>
+    <cs:lnRef idx="0"/>
+    <cs:fillRef idx="0"/>
+    <cs:effectRef idx="0"/>
+    <cs:fontRef idx="minor">
+      <a:schemeClr val="tx1">
+        <a:lumMod val="65000"/>
+        <a:lumOff val="35000"/>
+      </a:schemeClr>
+    </cs:fontRef>
+    <cs:spPr>
+      <a:noFill/>
+      <a:ln w="9525" cap="flat" cmpd="sng" algn="ctr">
+        <a:solidFill>
+          <a:schemeClr val="tx1">
+            <a:lumMod val="15000"/>
+            <a:lumOff val="85000"/>
+          </a:schemeClr>
+        </a:solidFill>
+        <a:round/>
+      </a:ln>
+    </cs:spPr>
+    <cs:defRPr sz="1197" kern="1200"/>
+  </cs:dataTable>
+  <cs:downBar>
+    <cs:lnRef idx="0"/>
+    <cs:fillRef idx="0"/>
+    <cs:effectRef idx="0"/>
+    <cs:fontRef idx="minor">
+      <a:schemeClr val="tx1"/>
+    </cs:fontRef>
+    <cs:spPr>
+      <a:solidFill>
+        <a:schemeClr val="dk1">
+          <a:lumMod val="75000"/>
+          <a:lumOff val="25000"/>
+        </a:schemeClr>
+      </a:solidFill>
+      <a:ln w="9525" cap="flat" cmpd="sng" algn="ctr">
+        <a:solidFill>
+          <a:schemeClr val="tx1">
+            <a:lumMod val="65000"/>
+            <a:lumOff val="35000"/>
+          </a:schemeClr>
+        </a:solidFill>
+        <a:round/>
+      </a:ln>
+    </cs:spPr>
+  </cs:downBar>
+  <cs:dropLine>
+    <cs:lnRef idx="0"/>
+    <cs:fillRef idx="0"/>
+    <cs:effectRef idx="0"/>
+    <cs:fontRef idx="minor">
+      <a:schemeClr val="tx1"/>
+    </cs:fontRef>
+    <cs:spPr>
+      <a:ln w="9525" cap="flat" cmpd="sng" algn="ctr">
+        <a:solidFill>
+          <a:schemeClr val="tx1">
+            <a:lumMod val="35000"/>
+            <a:lumOff val="65000"/>
+          </a:schemeClr>
+        </a:solidFill>
+        <a:round/>
+      </a:ln>
+    </cs:spPr>
+  </cs:dropLine>
+  <cs:errorBar>
+    <cs:lnRef idx="0"/>
+    <cs:fillRef idx="0"/>
+    <cs:effectRef idx="0"/>
+    <cs:fontRef idx="minor">
+      <a:schemeClr val="tx1"/>
+    </cs:fontRef>
+    <cs:spPr>
+      <a:ln w="9525" cap="flat" cmpd="sng" algn="ctr">
+        <a:solidFill>
+          <a:schemeClr val="tx1">
+            <a:lumMod val="65000"/>
+            <a:lumOff val="35000"/>
+          </a:schemeClr>
+        </a:solidFill>
+        <a:round/>
+      </a:ln>
+    </cs:spPr>
+  </cs:errorBar>
+  <cs:floor>
+    <cs:lnRef idx="0"/>
+    <cs:fillRef idx="0"/>
+    <cs:effectRef idx="0"/>
+    <cs:fontRef idx="minor">
+      <a:schemeClr val="tx1"/>
+    </cs:fontRef>
+    <cs:spPr>
+      <a:noFill/>
+      <a:ln>
+        <a:noFill/>
+      </a:ln>
+    </cs:spPr>
+  </cs:floor>
+  <cs:gridlineMajor>
+    <cs:lnRef idx="0"/>
+    <cs:fillRef idx="0"/>
+    <cs:effectRef idx="0"/>
+    <cs:fontRef idx="minor">
+      <a:schemeClr val="tx1"/>
+    </cs:fontRef>
+    <cs:spPr>
+      <a:ln w="9525" cap="flat" cmpd="sng" algn="ctr">
+        <a:solidFill>
+          <a:schemeClr val="tx1">
+            <a:lumMod val="15000"/>
+            <a:lumOff val="85000"/>
+          </a:schemeClr>
+        </a:solidFill>
+        <a:round/>
+      </a:ln>
+    </cs:spPr>
+  </cs:gridlineMajor>
+  <cs:gridlineMinor>
+    <cs:lnRef idx="0"/>
+    <cs:fillRef idx="0"/>
+    <cs:effectRef idx="0"/>
+    <cs:fontRef idx="minor">
+      <a:schemeClr val="tx1"/>
+    </cs:fontRef>
+    <cs:spPr>
+      <a:ln w="9525" cap="flat" cmpd="sng" algn="ctr">
+        <a:solidFill>
+          <a:schemeClr val="tx1">
+            <a:lumMod val="5000"/>
+            <a:lumOff val="95000"/>
+          </a:schemeClr>
+        </a:solidFill>
+        <a:round/>
+      </a:ln>
+    </cs:spPr>
+  </cs:gridlineMinor>
+  <cs:hiLoLine>
+    <cs:lnRef idx="0"/>
+    <cs:fillRef idx="0"/>
+    <cs:effectRef idx="0"/>
+    <cs:fontRef idx="minor">
+      <a:schemeClr val="tx1"/>
+    </cs:fontRef>
+    <cs:spPr>
+      <a:ln w="9525" cap="flat" cmpd="sng" algn="ctr">
+        <a:solidFill>
+          <a:schemeClr val="tx1">
+            <a:lumMod val="50000"/>
+            <a:lumOff val="50000"/>
+          </a:schemeClr>
+        </a:solidFill>
+        <a:round/>
+      </a:ln>
+    </cs:spPr>
+  </cs:hiLoLine>
+  <cs:leaderLine>
+    <cs:lnRef idx="0"/>
+    <cs:fillRef idx="0"/>
+    <cs:effectRef idx="0"/>
+    <cs:fontRef idx="minor">
+      <a:schemeClr val="tx1"/>
+    </cs:fontRef>
+    <cs:spPr>
+      <a:ln w="9525" cap="flat" cmpd="sng" algn="ctr">
+        <a:solidFill>
+          <a:schemeClr val="tx1">
+            <a:lumMod val="35000"/>
+            <a:lumOff val="65000"/>
+          </a:schemeClr>
+        </a:solidFill>
+        <a:round/>
+      </a:ln>
+    </cs:spPr>
+  </cs:leaderLine>
+  <cs:legend>
+    <cs:lnRef idx="0"/>
+    <cs:fillRef idx="0"/>
+    <cs:effectRef idx="0"/>
+    <cs:fontRef idx="minor">
+      <a:schemeClr val="tx1">
+        <a:lumMod val="65000"/>
+        <a:lumOff val="35000"/>
+      </a:schemeClr>
+    </cs:fontRef>
+    <cs:defRPr sz="1197" kern="1200"/>
+  </cs:legend>
+  <cs:plotArea mods="allowNoFillOverride allowNoLineOverride">
+    <cs:lnRef idx="0"/>
+    <cs:fillRef idx="0"/>
+    <cs:effectRef idx="0"/>
+    <cs:fontRef idx="minor">
+      <a:schemeClr val="tx1"/>
+    </cs:fontRef>
+  </cs:plotArea>
+  <cs:plotArea3D mods="allowNoFillOverride allowNoLineOverride">
+    <cs:lnRef idx="0"/>
+    <cs:fillRef idx="0"/>
+    <cs:effectRef idx="0"/>
+    <cs:fontRef idx="minor">
+      <a:schemeClr val="tx1"/>
+    </cs:fontRef>
+  </cs:plotArea3D>
+  <cs:seriesAxis>
+    <cs:lnRef idx="0"/>
+    <cs:fillRef idx="0"/>
+    <cs:effectRef idx="0"/>
+    <cs:fontRef idx="minor">
+      <a:schemeClr val="tx1">
+        <a:lumMod val="65000"/>
+        <a:lumOff val="35000"/>
+      </a:schemeClr>
+    </cs:fontRef>
+    <cs:defRPr sz="1197" kern="1200"/>
+  </cs:seriesAxis>
+  <cs:seriesLine>
+    <cs:lnRef idx="0"/>
+    <cs:fillRef idx="0"/>
+    <cs:effectRef idx="0"/>
+    <cs:fontRef idx="minor">
+      <a:schemeClr val="tx1"/>
+    </cs:fontRef>
+    <cs:spPr>
+      <a:ln w="9525" cap="flat" cmpd="sng" algn="ctr">
+        <a:solidFill>
+          <a:schemeClr val="tx1">
+            <a:lumMod val="35000"/>
+            <a:lumOff val="65000"/>
+          </a:schemeClr>
+        </a:solidFill>
+        <a:round/>
+      </a:ln>
+    </cs:spPr>
+  </cs:seriesLine>
+  <cs:title>
+    <cs:lnRef idx="0"/>
+    <cs:fillRef idx="0"/>
+    <cs:effectRef idx="0"/>
+    <cs:fontRef idx="minor">
+      <a:schemeClr val="tx1">
+        <a:lumMod val="65000"/>
+        <a:lumOff val="35000"/>
+      </a:schemeClr>
+    </cs:fontRef>
+    <cs:defRPr sz="1862" b="0" kern="1200" spc="0" baseline="0"/>
+  </cs:title>
+  <cs:trendline>
+    <cs:lnRef idx="0">
+      <cs:styleClr val="auto"/>
+    </cs:lnRef>
+    <cs:fillRef idx="0"/>
+    <cs:effectRef idx="0"/>
+    <cs:fontRef idx="minor">
+      <a:schemeClr val="tx1"/>
+    </cs:fontRef>
+    <cs:spPr>
+      <a:ln w="19050" cap="rnd">
+        <a:solidFill>
+          <a:schemeClr val="phClr"/>
+        </a:solidFill>
+        <a:prstDash val="sysDot"/>
+      </a:ln>
+    </cs:spPr>
+  </cs:trendline>
+  <cs:trendlineLabel>
+    <cs:lnRef idx="0"/>
+    <cs:fillRef idx="0"/>
+    <cs:effectRef idx="0"/>
+    <cs:fontRef idx="minor">
+      <a:schemeClr val="tx1">
+        <a:lumMod val="65000"/>
+        <a:lumOff val="35000"/>
+      </a:schemeClr>
+    </cs:fontRef>
+    <cs:defRPr sz="1197" kern="1200"/>
+  </cs:trendlineLabel>
+  <cs:upBar>
+    <cs:lnRef idx="0"/>
+    <cs:fillRef idx="0"/>
+    <cs:effectRef idx="0"/>
+    <cs:fontRef idx="minor">
+      <a:schemeClr val="tx1"/>
+    </cs:fontRef>
+    <cs:spPr>
+      <a:solidFill>
+        <a:schemeClr val="lt1"/>
+      </a:solidFill>
+      <a:ln w="9525" cap="flat" cmpd="sng" algn="ctr">
+        <a:solidFill>
+          <a:schemeClr val="tx1">
+            <a:lumMod val="65000"/>
+            <a:lumOff val="35000"/>
+          </a:schemeClr>
+        </a:solidFill>
+        <a:round/>
+      </a:ln>
+    </cs:spPr>
+  </cs:upBar>
+  <cs:valueAxis>
+    <cs:lnRef idx="0"/>
+    <cs:fillRef idx="0"/>
+    <cs:effectRef idx="0"/>
+    <cs:fontRef idx="minor">
+      <a:schemeClr val="tx1">
+        <a:lumMod val="65000"/>
+        <a:lumOff val="35000"/>
+      </a:schemeClr>
+    </cs:fontRef>
+    <cs:defRPr sz="1197" kern="1200"/>
+  </cs:valueAxis>
+  <cs:wall>
+    <cs:lnRef idx="0"/>
+    <cs:fillRef idx="0"/>
+    <cs:effectRef idx="0"/>
+    <cs:fontRef idx="minor">
+      <a:schemeClr val="tx1"/>
+    </cs:fontRef>
+    <cs:spPr>
+      <a:noFill/>
+      <a:ln>
+        <a:noFill/>
+      </a:ln>
+    </cs:spPr>
+  </cs:wall>
+</cs:chartStyle>
+</file>
+
 <file path=ppt/slideLayouts/slideLayout1.xml><?xml version="1.0" encoding="utf-8"?>
-<p:sldLayout xmlns:a="http://schemas.openxmlformats.org/drawingml/2006/main" xmlns:r="http://schemas.openxmlformats.org/officeDocument/2006/relationships" xmlns:p="http://schemas.openxmlformats.org/presentationml/2006/main" showMasterSp="0" type="title" preserve="1">
+<p:sldLayout xmlns:a="http://schemas.openxmlformats.org/drawingml/2006/main" xmlns:r="http://schemas.openxmlformats.org/officeDocument/2006/relationships" xmlns:p="http://schemas.openxmlformats.org/presentationml/2006/main" type="title" preserve="1">
   <p:cSld name="Címdia">
     <p:spTree>
       <p:nvGrpSpPr>
@@ -128,538 +909,6 @@
           <a:chExt cx="0" cy="0"/>
         </a:xfrm>
       </p:grpSpPr>
-      <p:grpSp>
-        <p:nvGrpSpPr>
-          <p:cNvPr id="8" name="Group 7"/>
-          <p:cNvGrpSpPr/>
-          <p:nvPr/>
-        </p:nvGrpSpPr>
-        <p:grpSpPr>
-          <a:xfrm>
-            <a:off x="0" y="-8467"/>
-            <a:ext cx="12192000" cy="6866467"/>
-            <a:chOff x="0" y="-8467"/>
-            <a:chExt cx="12192000" cy="6866467"/>
-          </a:xfrm>
-        </p:grpSpPr>
-        <p:cxnSp>
-          <p:nvCxnSpPr>
-            <p:cNvPr id="32" name="Straight Connector 31"/>
-            <p:cNvCxnSpPr/>
-            <p:nvPr/>
-          </p:nvCxnSpPr>
-          <p:spPr>
-            <a:xfrm>
-              <a:off x="9371012" y="0"/>
-              <a:ext cx="1219200" cy="6858000"/>
-            </a:xfrm>
-            <a:prstGeom prst="line">
-              <a:avLst/>
-            </a:prstGeom>
-            <a:ln w="9525">
-              <a:solidFill>
-                <a:schemeClr val="bg1">
-                  <a:lumMod val="85000"/>
-                  <a:lumOff val="15000"/>
-                </a:schemeClr>
-              </a:solidFill>
-            </a:ln>
-          </p:spPr>
-          <p:style>
-            <a:lnRef idx="2">
-              <a:schemeClr val="accent1"/>
-            </a:lnRef>
-            <a:fillRef idx="0">
-              <a:schemeClr val="accent1"/>
-            </a:fillRef>
-            <a:effectRef idx="1">
-              <a:schemeClr val="accent1"/>
-            </a:effectRef>
-            <a:fontRef idx="minor">
-              <a:schemeClr val="tx1"/>
-            </a:fontRef>
-          </p:style>
-        </p:cxnSp>
-        <p:cxnSp>
-          <p:nvCxnSpPr>
-            <p:cNvPr id="21" name="Straight Connector 20"/>
-            <p:cNvCxnSpPr/>
-            <p:nvPr/>
-          </p:nvCxnSpPr>
-          <p:spPr>
-            <a:xfrm flipH="1">
-              <a:off x="7425267" y="3681413"/>
-              <a:ext cx="4763558" cy="3176587"/>
-            </a:xfrm>
-            <a:prstGeom prst="line">
-              <a:avLst/>
-            </a:prstGeom>
-            <a:ln w="9525">
-              <a:solidFill>
-                <a:schemeClr val="bg1">
-                  <a:lumMod val="85000"/>
-                  <a:lumOff val="15000"/>
-                </a:schemeClr>
-              </a:solidFill>
-            </a:ln>
-          </p:spPr>
-          <p:style>
-            <a:lnRef idx="2">
-              <a:schemeClr val="accent1"/>
-            </a:lnRef>
-            <a:fillRef idx="0">
-              <a:schemeClr val="accent1"/>
-            </a:fillRef>
-            <a:effectRef idx="1">
-              <a:schemeClr val="accent1"/>
-            </a:effectRef>
-            <a:fontRef idx="minor">
-              <a:schemeClr val="tx1"/>
-            </a:fontRef>
-          </p:style>
-        </p:cxnSp>
-        <p:sp>
-          <p:nvSpPr>
-            <p:cNvPr id="24" name="Rectangle 23"/>
-            <p:cNvSpPr/>
-            <p:nvPr/>
-          </p:nvSpPr>
-          <p:spPr>
-            <a:xfrm>
-              <a:off x="9181476" y="-8467"/>
-              <a:ext cx="3007349" cy="6866467"/>
-            </a:xfrm>
-            <a:custGeom>
-              <a:avLst/>
-              <a:gdLst/>
-              <a:ahLst/>
-              <a:cxnLst/>
-              <a:rect l="l" t="t" r="r" b="b"/>
-              <a:pathLst>
-                <a:path w="3007349" h="6866467">
-                  <a:moveTo>
-                    <a:pt x="2045532" y="0"/>
-                  </a:moveTo>
-                  <a:lnTo>
-                    <a:pt x="3007349" y="0"/>
-                  </a:lnTo>
-                  <a:lnTo>
-                    <a:pt x="3007349" y="6866467"/>
-                  </a:lnTo>
-                  <a:lnTo>
-                    <a:pt x="0" y="6866467"/>
-                  </a:lnTo>
-                  <a:lnTo>
-                    <a:pt x="2045532" y="0"/>
-                  </a:lnTo>
-                  <a:close/>
-                </a:path>
-              </a:pathLst>
-            </a:custGeom>
-            <a:solidFill>
-              <a:schemeClr val="accent1">
-                <a:alpha val="30000"/>
-              </a:schemeClr>
-            </a:solidFill>
-            <a:ln>
-              <a:noFill/>
-            </a:ln>
-            <a:effectLst/>
-          </p:spPr>
-          <p:style>
-            <a:lnRef idx="1">
-              <a:schemeClr val="accent1"/>
-            </a:lnRef>
-            <a:fillRef idx="3">
-              <a:schemeClr val="accent1"/>
-            </a:fillRef>
-            <a:effectRef idx="2">
-              <a:schemeClr val="accent1"/>
-            </a:effectRef>
-            <a:fontRef idx="minor">
-              <a:schemeClr val="lt1"/>
-            </a:fontRef>
-          </p:style>
-        </p:sp>
-        <p:sp>
-          <p:nvSpPr>
-            <p:cNvPr id="26" name="Rectangle 25"/>
-            <p:cNvSpPr/>
-            <p:nvPr/>
-          </p:nvSpPr>
-          <p:spPr>
-            <a:xfrm>
-              <a:off x="9603442" y="-8467"/>
-              <a:ext cx="2588558" cy="6866467"/>
-            </a:xfrm>
-            <a:custGeom>
-              <a:avLst/>
-              <a:gdLst/>
-              <a:ahLst/>
-              <a:cxnLst/>
-              <a:rect l="l" t="t" r="r" b="b"/>
-              <a:pathLst>
-                <a:path w="2573311" h="6866467">
-                  <a:moveTo>
-                    <a:pt x="0" y="0"/>
-                  </a:moveTo>
-                  <a:lnTo>
-                    <a:pt x="2573311" y="0"/>
-                  </a:lnTo>
-                  <a:lnTo>
-                    <a:pt x="2573311" y="6866467"/>
-                  </a:lnTo>
-                  <a:lnTo>
-                    <a:pt x="1202336" y="6866467"/>
-                  </a:lnTo>
-                  <a:lnTo>
-                    <a:pt x="0" y="0"/>
-                  </a:lnTo>
-                  <a:close/>
-                </a:path>
-              </a:pathLst>
-            </a:custGeom>
-            <a:solidFill>
-              <a:schemeClr val="accent1">
-                <a:alpha val="20000"/>
-              </a:schemeClr>
-            </a:solidFill>
-            <a:ln>
-              <a:noFill/>
-            </a:ln>
-            <a:effectLst/>
-          </p:spPr>
-          <p:style>
-            <a:lnRef idx="1">
-              <a:schemeClr val="accent1"/>
-            </a:lnRef>
-            <a:fillRef idx="3">
-              <a:schemeClr val="accent1"/>
-            </a:fillRef>
-            <a:effectRef idx="2">
-              <a:schemeClr val="accent1"/>
-            </a:effectRef>
-            <a:fontRef idx="minor">
-              <a:schemeClr val="lt1"/>
-            </a:fontRef>
-          </p:style>
-        </p:sp>
-        <p:sp>
-          <p:nvSpPr>
-            <p:cNvPr id="27" name="Isosceles Triangle 26"/>
-            <p:cNvSpPr/>
-            <p:nvPr/>
-          </p:nvSpPr>
-          <p:spPr>
-            <a:xfrm>
-              <a:off x="8932333" y="3048000"/>
-              <a:ext cx="3259667" cy="3810000"/>
-            </a:xfrm>
-            <a:prstGeom prst="triangle">
-              <a:avLst>
-                <a:gd name="adj" fmla="val 100000"/>
-              </a:avLst>
-            </a:prstGeom>
-            <a:solidFill>
-              <a:schemeClr val="accent2">
-                <a:alpha val="72000"/>
-              </a:schemeClr>
-            </a:solidFill>
-            <a:ln>
-              <a:noFill/>
-            </a:ln>
-            <a:effectLst/>
-          </p:spPr>
-          <p:style>
-            <a:lnRef idx="1">
-              <a:schemeClr val="accent1"/>
-            </a:lnRef>
-            <a:fillRef idx="3">
-              <a:schemeClr val="accent1"/>
-            </a:fillRef>
-            <a:effectRef idx="2">
-              <a:schemeClr val="accent1"/>
-            </a:effectRef>
-            <a:fontRef idx="minor">
-              <a:schemeClr val="lt1"/>
-            </a:fontRef>
-          </p:style>
-        </p:sp>
-        <p:sp>
-          <p:nvSpPr>
-            <p:cNvPr id="28" name="Rectangle 27"/>
-            <p:cNvSpPr/>
-            <p:nvPr/>
-          </p:nvSpPr>
-          <p:spPr>
-            <a:xfrm>
-              <a:off x="9334500" y="-8467"/>
-              <a:ext cx="2854326" cy="6866467"/>
-            </a:xfrm>
-            <a:custGeom>
-              <a:avLst/>
-              <a:gdLst/>
-              <a:ahLst/>
-              <a:cxnLst/>
-              <a:rect l="l" t="t" r="r" b="b"/>
-              <a:pathLst>
-                <a:path w="2858013" h="6866467">
-                  <a:moveTo>
-                    <a:pt x="0" y="0"/>
-                  </a:moveTo>
-                  <a:lnTo>
-                    <a:pt x="2858013" y="0"/>
-                  </a:lnTo>
-                  <a:lnTo>
-                    <a:pt x="2858013" y="6866467"/>
-                  </a:lnTo>
-                  <a:lnTo>
-                    <a:pt x="2473942" y="6866467"/>
-                  </a:lnTo>
-                  <a:lnTo>
-                    <a:pt x="0" y="0"/>
-                  </a:lnTo>
-                  <a:close/>
-                </a:path>
-              </a:pathLst>
-            </a:custGeom>
-            <a:solidFill>
-              <a:schemeClr val="accent2">
-                <a:lumMod val="75000"/>
-                <a:alpha val="70000"/>
-              </a:schemeClr>
-            </a:solidFill>
-            <a:ln>
-              <a:noFill/>
-            </a:ln>
-            <a:effectLst/>
-          </p:spPr>
-          <p:style>
-            <a:lnRef idx="1">
-              <a:schemeClr val="accent1"/>
-            </a:lnRef>
-            <a:fillRef idx="3">
-              <a:schemeClr val="accent1"/>
-            </a:fillRef>
-            <a:effectRef idx="2">
-              <a:schemeClr val="accent1"/>
-            </a:effectRef>
-            <a:fontRef idx="minor">
-              <a:schemeClr val="lt1"/>
-            </a:fontRef>
-          </p:style>
-        </p:sp>
-        <p:sp>
-          <p:nvSpPr>
-            <p:cNvPr id="29" name="Rectangle 28"/>
-            <p:cNvSpPr/>
-            <p:nvPr/>
-          </p:nvSpPr>
-          <p:spPr>
-            <a:xfrm>
-              <a:off x="10898730" y="-8467"/>
-              <a:ext cx="1290094" cy="6866467"/>
-            </a:xfrm>
-            <a:custGeom>
-              <a:avLst/>
-              <a:gdLst/>
-              <a:ahLst/>
-              <a:cxnLst/>
-              <a:rect l="l" t="t" r="r" b="b"/>
-              <a:pathLst>
-                <a:path w="1290094" h="6858000">
-                  <a:moveTo>
-                    <a:pt x="1019735" y="0"/>
-                  </a:moveTo>
-                  <a:lnTo>
-                    <a:pt x="1290094" y="0"/>
-                  </a:lnTo>
-                  <a:lnTo>
-                    <a:pt x="1290094" y="6858000"/>
-                  </a:lnTo>
-                  <a:lnTo>
-                    <a:pt x="0" y="6858000"/>
-                  </a:lnTo>
-                  <a:lnTo>
-                    <a:pt x="1019735" y="0"/>
-                  </a:lnTo>
-                  <a:close/>
-                </a:path>
-              </a:pathLst>
-            </a:custGeom>
-            <a:solidFill>
-              <a:schemeClr val="accent1">
-                <a:lumMod val="60000"/>
-                <a:lumOff val="40000"/>
-                <a:alpha val="70000"/>
-              </a:schemeClr>
-            </a:solidFill>
-            <a:ln>
-              <a:noFill/>
-            </a:ln>
-            <a:effectLst/>
-          </p:spPr>
-          <p:style>
-            <a:lnRef idx="1">
-              <a:schemeClr val="accent1"/>
-            </a:lnRef>
-            <a:fillRef idx="3">
-              <a:schemeClr val="accent1"/>
-            </a:fillRef>
-            <a:effectRef idx="2">
-              <a:schemeClr val="accent1"/>
-            </a:effectRef>
-            <a:fontRef idx="minor">
-              <a:schemeClr val="lt1"/>
-            </a:fontRef>
-          </p:style>
-        </p:sp>
-        <p:sp>
-          <p:nvSpPr>
-            <p:cNvPr id="30" name="Rectangle 29"/>
-            <p:cNvSpPr/>
-            <p:nvPr/>
-          </p:nvSpPr>
-          <p:spPr>
-            <a:xfrm>
-              <a:off x="10938999" y="-8467"/>
-              <a:ext cx="1249825" cy="6866467"/>
-            </a:xfrm>
-            <a:custGeom>
-              <a:avLst/>
-              <a:gdLst/>
-              <a:ahLst/>
-              <a:cxnLst/>
-              <a:rect l="l" t="t" r="r" b="b"/>
-              <a:pathLst>
-                <a:path w="1249825" h="6858000">
-                  <a:moveTo>
-                    <a:pt x="0" y="0"/>
-                  </a:moveTo>
-                  <a:lnTo>
-                    <a:pt x="1249825" y="0"/>
-                  </a:lnTo>
-                  <a:lnTo>
-                    <a:pt x="1249825" y="6858000"/>
-                  </a:lnTo>
-                  <a:lnTo>
-                    <a:pt x="1109382" y="6858000"/>
-                  </a:lnTo>
-                  <a:lnTo>
-                    <a:pt x="0" y="0"/>
-                  </a:lnTo>
-                  <a:close/>
-                </a:path>
-              </a:pathLst>
-            </a:custGeom>
-            <a:solidFill>
-              <a:schemeClr val="accent1">
-                <a:alpha val="65000"/>
-              </a:schemeClr>
-            </a:solidFill>
-            <a:ln>
-              <a:noFill/>
-            </a:ln>
-            <a:effectLst/>
-          </p:spPr>
-          <p:style>
-            <a:lnRef idx="1">
-              <a:schemeClr val="accent1"/>
-            </a:lnRef>
-            <a:fillRef idx="3">
-              <a:schemeClr val="accent1"/>
-            </a:fillRef>
-            <a:effectRef idx="2">
-              <a:schemeClr val="accent1"/>
-            </a:effectRef>
-            <a:fontRef idx="minor">
-              <a:schemeClr val="lt1"/>
-            </a:fontRef>
-          </p:style>
-        </p:sp>
-        <p:sp>
-          <p:nvSpPr>
-            <p:cNvPr id="31" name="Isosceles Triangle 30"/>
-            <p:cNvSpPr/>
-            <p:nvPr/>
-          </p:nvSpPr>
-          <p:spPr>
-            <a:xfrm>
-              <a:off x="10371666" y="3589867"/>
-              <a:ext cx="1817159" cy="3268133"/>
-            </a:xfrm>
-            <a:prstGeom prst="triangle">
-              <a:avLst>
-                <a:gd name="adj" fmla="val 100000"/>
-              </a:avLst>
-            </a:prstGeom>
-            <a:solidFill>
-              <a:schemeClr val="accent1">
-                <a:alpha val="80000"/>
-              </a:schemeClr>
-            </a:solidFill>
-            <a:ln>
-              <a:noFill/>
-            </a:ln>
-            <a:effectLst/>
-          </p:spPr>
-          <p:style>
-            <a:lnRef idx="1">
-              <a:schemeClr val="accent1"/>
-            </a:lnRef>
-            <a:fillRef idx="3">
-              <a:schemeClr val="accent1"/>
-            </a:fillRef>
-            <a:effectRef idx="2">
-              <a:schemeClr val="accent1"/>
-            </a:effectRef>
-            <a:fontRef idx="minor">
-              <a:schemeClr val="lt1"/>
-            </a:fontRef>
-          </p:style>
-        </p:sp>
-        <p:sp>
-          <p:nvSpPr>
-            <p:cNvPr id="19" name="Isosceles Triangle 18"/>
-            <p:cNvSpPr/>
-            <p:nvPr/>
-          </p:nvSpPr>
-          <p:spPr>
-            <a:xfrm rot="10800000">
-              <a:off x="0" y="0"/>
-              <a:ext cx="842596" cy="5666154"/>
-            </a:xfrm>
-            <a:prstGeom prst="triangle">
-              <a:avLst>
-                <a:gd name="adj" fmla="val 100000"/>
-              </a:avLst>
-            </a:prstGeom>
-            <a:solidFill>
-              <a:schemeClr val="accent1">
-                <a:alpha val="85000"/>
-              </a:schemeClr>
-            </a:solidFill>
-            <a:ln>
-              <a:noFill/>
-            </a:ln>
-            <a:effectLst/>
-          </p:spPr>
-          <p:style>
-            <a:lnRef idx="1">
-              <a:schemeClr val="accent1"/>
-            </a:lnRef>
-            <a:fillRef idx="3">
-              <a:schemeClr val="accent1"/>
-            </a:fillRef>
-            <a:effectRef idx="2">
-              <a:schemeClr val="accent1"/>
-            </a:effectRef>
-            <a:fontRef idx="minor">
-              <a:schemeClr val="lt1"/>
-            </a:fontRef>
-          </p:style>
-        </p:sp>
-      </p:grpSp>
       <p:sp>
         <p:nvSpPr>
           <p:cNvPr id="2" name="Title 1"/>
@@ -672,21 +921,17 @@
         </p:nvSpPr>
         <p:spPr>
           <a:xfrm>
-            <a:off x="1507067" y="2404534"/>
-            <a:ext cx="7766936" cy="1646302"/>
+            <a:off x="1370693" y="1769540"/>
+            <a:ext cx="9440034" cy="1828801"/>
           </a:xfrm>
         </p:spPr>
         <p:txBody>
           <a:bodyPr anchor="b">
-            <a:noAutofit/>
+            <a:normAutofit/>
           </a:bodyPr>
           <a:lstStyle>
-            <a:lvl1pPr algn="r">
-              <a:defRPr sz="5400">
-                <a:solidFill>
-                  <a:schemeClr val="accent1"/>
-                </a:solidFill>
-              </a:defRPr>
+            <a:lvl1pPr algn="ctr">
+              <a:defRPr sz="5400"/>
             </a:lvl1pPr>
           </a:lstStyle>
           <a:p>
@@ -710,21 +955,18 @@
         </p:nvSpPr>
         <p:spPr>
           <a:xfrm>
-            <a:off x="1507067" y="4050833"/>
-            <a:ext cx="7766936" cy="1096899"/>
+            <a:off x="1370693" y="3598339"/>
+            <a:ext cx="9440034" cy="1049867"/>
           </a:xfrm>
         </p:spPr>
         <p:txBody>
           <a:bodyPr anchor="t"/>
           <a:lstStyle>
-            <a:lvl1pPr marL="0" indent="0" algn="r">
+            <a:lvl1pPr marL="0" indent="0" algn="ctr">
               <a:buNone/>
               <a:defRPr>
                 <a:solidFill>
-                  <a:schemeClr val="tx1">
-                    <a:lumMod val="50000"/>
-                    <a:lumOff val="50000"/>
-                  </a:schemeClr>
+                  <a:schemeClr val="tx1"/>
                 </a:solidFill>
               </a:defRPr>
             </a:lvl1pPr>
@@ -886,7 +1128,7 @@
     </p:spTree>
     <p:extLst>
       <p:ext uri="{BB962C8B-B14F-4D97-AF65-F5344CB8AC3E}">
-        <p14:creationId xmlns:p14="http://schemas.microsoft.com/office/powerpoint/2010/main" val="2001679719"/>
+        <p14:creationId xmlns:p14="http://schemas.microsoft.com/office/powerpoint/2010/main" val="3278442289"/>
       </p:ext>
     </p:extLst>
   </p:cSld>
@@ -897,6 +1139,304 @@
 </file>
 
 <file path=ppt/slideLayouts/slideLayout10.xml><?xml version="1.0" encoding="utf-8"?>
+<p:sldLayout xmlns:a="http://schemas.openxmlformats.org/drawingml/2006/main" xmlns:r="http://schemas.openxmlformats.org/officeDocument/2006/relationships" xmlns:p="http://schemas.openxmlformats.org/presentationml/2006/main" preserve="1">
+  <p:cSld name="Panorámakép képaláírással">
+    <p:spTree>
+      <p:nvGrpSpPr>
+        <p:cNvPr id="1" name=""/>
+        <p:cNvGrpSpPr/>
+        <p:nvPr/>
+      </p:nvGrpSpPr>
+      <p:grpSpPr>
+        <a:xfrm>
+          <a:off x="0" y="0"/>
+          <a:ext cx="0" cy="0"/>
+          <a:chOff x="0" y="0"/>
+          <a:chExt cx="0" cy="0"/>
+        </a:xfrm>
+      </p:grpSpPr>
+      <p:pic>
+        <p:nvPicPr>
+          <p:cNvPr id="16" name="Picture 15" descr="Slate-V2-HD-panoPhotoInset.png"/>
+          <p:cNvPicPr>
+            <a:picLocks noChangeAspect="1"/>
+          </p:cNvPicPr>
+          <p:nvPr/>
+        </p:nvPicPr>
+        <p:blipFill>
+          <a:blip r:embed="rId2">
+            <a:extLst>
+              <a:ext uri="{28A0092B-C50C-407E-A947-70E740481C1C}">
+                <a14:useLocalDpi xmlns:a14="http://schemas.microsoft.com/office/drawing/2010/main" val="0"/>
+              </a:ext>
+            </a:extLst>
+          </a:blip>
+          <a:stretch>
+            <a:fillRect/>
+          </a:stretch>
+        </p:blipFill>
+        <p:spPr>
+          <a:xfrm>
+            <a:off x="1013883" y="547807"/>
+            <a:ext cx="10141799" cy="3816806"/>
+          </a:xfrm>
+          <a:prstGeom prst="rect">
+            <a:avLst/>
+          </a:prstGeom>
+        </p:spPr>
+      </p:pic>
+      <p:sp>
+        <p:nvSpPr>
+          <p:cNvPr id="2" name="Title 1"/>
+          <p:cNvSpPr>
+            <a:spLocks noGrp="1"/>
+          </p:cNvSpPr>
+          <p:nvPr>
+            <p:ph type="title"/>
+          </p:nvPr>
+        </p:nvSpPr>
+        <p:spPr>
+          <a:xfrm>
+            <a:off x="913806" y="4565255"/>
+            <a:ext cx="10355326" cy="543472"/>
+          </a:xfrm>
+        </p:spPr>
+        <p:txBody>
+          <a:bodyPr anchor="b">
+            <a:normAutofit/>
+          </a:bodyPr>
+          <a:lstStyle>
+            <a:lvl1pPr algn="ctr">
+              <a:defRPr sz="2800"/>
+            </a:lvl1pPr>
+          </a:lstStyle>
+          <a:p>
+            <a:r>
+              <a:rPr lang="hu-HU"/>
+              <a:t>Mintacím szerkesztése</a:t>
+            </a:r>
+            <a:endParaRPr lang="en-US" dirty="0"/>
+          </a:p>
+        </p:txBody>
+      </p:sp>
+      <p:sp>
+        <p:nvSpPr>
+          <p:cNvPr id="3" name="Picture Placeholder 2"/>
+          <p:cNvSpPr>
+            <a:spLocks noGrp="1" noChangeAspect="1"/>
+          </p:cNvSpPr>
+          <p:nvPr>
+            <p:ph type="pic" idx="1"/>
+          </p:nvPr>
+        </p:nvSpPr>
+        <p:spPr>
+          <a:xfrm>
+            <a:off x="1169349" y="695009"/>
+            <a:ext cx="9845346" cy="3525671"/>
+          </a:xfrm>
+          <a:effectLst>
+            <a:outerShdw blurRad="38100" dist="25400" dir="4440000">
+              <a:srgbClr val="000000">
+                <a:alpha val="36000"/>
+              </a:srgbClr>
+            </a:outerShdw>
+          </a:effectLst>
+        </p:spPr>
+        <p:txBody>
+          <a:bodyPr anchor="t">
+            <a:normAutofit/>
+          </a:bodyPr>
+          <a:lstStyle>
+            <a:lvl1pPr marL="0" indent="0" algn="ctr">
+              <a:buNone/>
+              <a:defRPr sz="2000"/>
+            </a:lvl1pPr>
+            <a:lvl2pPr marL="457200" indent="0">
+              <a:buNone/>
+              <a:defRPr sz="2000"/>
+            </a:lvl2pPr>
+            <a:lvl3pPr marL="914400" indent="0">
+              <a:buNone/>
+              <a:defRPr sz="2000"/>
+            </a:lvl3pPr>
+            <a:lvl4pPr marL="1371600" indent="0">
+              <a:buNone/>
+              <a:defRPr sz="2000"/>
+            </a:lvl4pPr>
+            <a:lvl5pPr marL="1828800" indent="0">
+              <a:buNone/>
+              <a:defRPr sz="2000"/>
+            </a:lvl5pPr>
+            <a:lvl6pPr marL="2286000" indent="0">
+              <a:buNone/>
+              <a:defRPr sz="2000"/>
+            </a:lvl6pPr>
+            <a:lvl7pPr marL="2743200" indent="0">
+              <a:buNone/>
+              <a:defRPr sz="2000"/>
+            </a:lvl7pPr>
+            <a:lvl8pPr marL="3200400" indent="0">
+              <a:buNone/>
+              <a:defRPr sz="2000"/>
+            </a:lvl8pPr>
+            <a:lvl9pPr marL="3657600" indent="0">
+              <a:buNone/>
+              <a:defRPr sz="2000"/>
+            </a:lvl9pPr>
+          </a:lstStyle>
+          <a:p>
+            <a:r>
+              <a:rPr lang="hu-HU"/>
+              <a:t>Kép beszúrásához kattintson az ikonra</a:t>
+            </a:r>
+            <a:endParaRPr lang="en-US" dirty="0"/>
+          </a:p>
+        </p:txBody>
+      </p:sp>
+      <p:sp>
+        <p:nvSpPr>
+          <p:cNvPr id="4" name="Text Placeholder 3"/>
+          <p:cNvSpPr>
+            <a:spLocks noGrp="1"/>
+          </p:cNvSpPr>
+          <p:nvPr>
+            <p:ph type="body" sz="half" idx="2"/>
+          </p:nvPr>
+        </p:nvSpPr>
+        <p:spPr>
+          <a:xfrm>
+            <a:off x="913795" y="5108728"/>
+            <a:ext cx="10353762" cy="682472"/>
+          </a:xfrm>
+        </p:spPr>
+        <p:txBody>
+          <a:bodyPr anchor="t"/>
+          <a:lstStyle>
+            <a:lvl1pPr marL="0" indent="0" algn="ctr">
+              <a:buNone/>
+              <a:defRPr sz="1600"/>
+            </a:lvl1pPr>
+            <a:lvl2pPr marL="457200" indent="0">
+              <a:buNone/>
+              <a:defRPr sz="1400"/>
+            </a:lvl2pPr>
+            <a:lvl3pPr marL="914400" indent="0">
+              <a:buNone/>
+              <a:defRPr sz="1200"/>
+            </a:lvl3pPr>
+            <a:lvl4pPr marL="1371600" indent="0">
+              <a:buNone/>
+              <a:defRPr sz="1000"/>
+            </a:lvl4pPr>
+            <a:lvl5pPr marL="1828800" indent="0">
+              <a:buNone/>
+              <a:defRPr sz="1000"/>
+            </a:lvl5pPr>
+            <a:lvl6pPr marL="2286000" indent="0">
+              <a:buNone/>
+              <a:defRPr sz="1000"/>
+            </a:lvl6pPr>
+            <a:lvl7pPr marL="2743200" indent="0">
+              <a:buNone/>
+              <a:defRPr sz="1000"/>
+            </a:lvl7pPr>
+            <a:lvl8pPr marL="3200400" indent="0">
+              <a:buNone/>
+              <a:defRPr sz="1000"/>
+            </a:lvl8pPr>
+            <a:lvl9pPr marL="3657600" indent="0">
+              <a:buNone/>
+              <a:defRPr sz="1000"/>
+            </a:lvl9pPr>
+          </a:lstStyle>
+          <a:p>
+            <a:pPr lvl="0"/>
+            <a:r>
+              <a:rPr lang="hu-HU"/>
+              <a:t>Mintaszöveg szerkesztése</a:t>
+            </a:r>
+          </a:p>
+        </p:txBody>
+      </p:sp>
+      <p:sp>
+        <p:nvSpPr>
+          <p:cNvPr id="5" name="Date Placeholder 4"/>
+          <p:cNvSpPr>
+            <a:spLocks noGrp="1"/>
+          </p:cNvSpPr>
+          <p:nvPr>
+            <p:ph type="dt" sz="half" idx="10"/>
+          </p:nvPr>
+        </p:nvSpPr>
+        <p:spPr/>
+        <p:txBody>
+          <a:bodyPr/>
+          <a:lstStyle/>
+          <a:p>
+            <a:fld id="{F9AC1FAF-B44D-4AC2-B330-81B5E0D3A614}" type="datetimeFigureOut">
+              <a:rPr lang="hu-HU" smtClean="0"/>
+              <a:t>2023.02.28</a:t>
+            </a:fld>
+            <a:endParaRPr lang="hu-HU"/>
+          </a:p>
+        </p:txBody>
+      </p:sp>
+      <p:sp>
+        <p:nvSpPr>
+          <p:cNvPr id="6" name="Footer Placeholder 5"/>
+          <p:cNvSpPr>
+            <a:spLocks noGrp="1"/>
+          </p:cNvSpPr>
+          <p:nvPr>
+            <p:ph type="ftr" sz="quarter" idx="11"/>
+          </p:nvPr>
+        </p:nvSpPr>
+        <p:spPr/>
+        <p:txBody>
+          <a:bodyPr/>
+          <a:lstStyle/>
+          <a:p>
+            <a:endParaRPr lang="hu-HU"/>
+          </a:p>
+        </p:txBody>
+      </p:sp>
+      <p:sp>
+        <p:nvSpPr>
+          <p:cNvPr id="7" name="Slide Number Placeholder 6"/>
+          <p:cNvSpPr>
+            <a:spLocks noGrp="1"/>
+          </p:cNvSpPr>
+          <p:nvPr>
+            <p:ph type="sldNum" sz="quarter" idx="12"/>
+          </p:nvPr>
+        </p:nvSpPr>
+        <p:spPr/>
+        <p:txBody>
+          <a:bodyPr/>
+          <a:lstStyle/>
+          <a:p>
+            <a:fld id="{02021B19-64B3-44EA-B049-9C7465905CE9}" type="slidenum">
+              <a:rPr lang="hu-HU" smtClean="0"/>
+              <a:t>‹#›</a:t>
+            </a:fld>
+            <a:endParaRPr lang="hu-HU"/>
+          </a:p>
+        </p:txBody>
+      </p:sp>
+    </p:spTree>
+    <p:extLst>
+      <p:ext uri="{BB962C8B-B14F-4D97-AF65-F5344CB8AC3E}">
+        <p14:creationId xmlns:p14="http://schemas.microsoft.com/office/powerpoint/2010/main" val="162985840"/>
+      </p:ext>
+    </p:extLst>
+  </p:cSld>
+  <p:clrMapOvr>
+    <a:masterClrMapping/>
+  </p:clrMapOvr>
+</p:sldLayout>
+</file>
+
+<file path=ppt/slideLayouts/slideLayout11.xml><?xml version="1.0" encoding="utf-8"?>
 <p:sldLayout xmlns:a="http://schemas.openxmlformats.org/drawingml/2006/main" xmlns:r="http://schemas.openxmlformats.org/officeDocument/2006/relationships" xmlns:p="http://schemas.openxmlformats.org/presentationml/2006/main" preserve="1">
   <p:cSld name="Cím és képaláírás">
     <p:spTree>
@@ -925,17 +1465,15 @@
         </p:nvSpPr>
         <p:spPr>
           <a:xfrm>
-            <a:off x="677335" y="609600"/>
-            <a:ext cx="8596668" cy="3403600"/>
+            <a:off x="913795" y="608437"/>
+            <a:ext cx="10353762" cy="3534344"/>
           </a:xfrm>
         </p:spPr>
         <p:txBody>
-          <a:bodyPr anchor="ctr">
-            <a:normAutofit/>
-          </a:bodyPr>
+          <a:bodyPr anchor="ctr"/>
           <a:lstStyle>
-            <a:lvl1pPr algn="l">
-              <a:defRPr sz="4400" b="0" cap="none"/>
+            <a:lvl1pPr>
+              <a:defRPr sz="3200"/>
             </a:lvl1pPr>
           </a:lstStyle>
           <a:p>
@@ -949,115 +1487,58 @@
       </p:sp>
       <p:sp>
         <p:nvSpPr>
-          <p:cNvPr id="3" name="Text Placeholder 2"/>
-          <p:cNvSpPr>
-            <a:spLocks noGrp="1"/>
-          </p:cNvSpPr>
-          <p:nvPr>
-            <p:ph type="body" idx="1"/>
+          <p:cNvPr id="4" name="Text Placeholder 3"/>
+          <p:cNvSpPr>
+            <a:spLocks noGrp="1"/>
+          </p:cNvSpPr>
+          <p:nvPr>
+            <p:ph type="body" sz="half" idx="2"/>
           </p:nvPr>
         </p:nvSpPr>
         <p:spPr>
           <a:xfrm>
-            <a:off x="677335" y="4470400"/>
-            <a:ext cx="8596668" cy="1570962"/>
+            <a:off x="913794" y="4295180"/>
+            <a:ext cx="10353763" cy="1501826"/>
           </a:xfrm>
         </p:spPr>
         <p:txBody>
-          <a:bodyPr anchor="ctr">
-            <a:normAutofit/>
-          </a:bodyPr>
+          <a:bodyPr anchor="ctr"/>
           <a:lstStyle>
-            <a:lvl1pPr marL="0" indent="0" algn="l">
-              <a:buNone/>
-              <a:defRPr sz="1800">
-                <a:solidFill>
-                  <a:schemeClr val="tx1">
-                    <a:lumMod val="75000"/>
-                    <a:lumOff val="25000"/>
-                  </a:schemeClr>
-                </a:solidFill>
-              </a:defRPr>
+            <a:lvl1pPr marL="0" indent="0" algn="ctr">
+              <a:buNone/>
+              <a:defRPr sz="1600"/>
             </a:lvl1pPr>
             <a:lvl2pPr marL="457200" indent="0">
               <a:buNone/>
-              <a:defRPr sz="1800">
-                <a:solidFill>
-                  <a:schemeClr val="tx1">
-                    <a:tint val="75000"/>
-                  </a:schemeClr>
-                </a:solidFill>
-              </a:defRPr>
+              <a:defRPr sz="1400"/>
             </a:lvl2pPr>
             <a:lvl3pPr marL="914400" indent="0">
               <a:buNone/>
-              <a:defRPr sz="1600">
-                <a:solidFill>
-                  <a:schemeClr val="tx1">
-                    <a:tint val="75000"/>
-                  </a:schemeClr>
-                </a:solidFill>
-              </a:defRPr>
+              <a:defRPr sz="1200"/>
             </a:lvl3pPr>
             <a:lvl4pPr marL="1371600" indent="0">
               <a:buNone/>
-              <a:defRPr sz="1400">
-                <a:solidFill>
-                  <a:schemeClr val="tx1">
-                    <a:tint val="75000"/>
-                  </a:schemeClr>
-                </a:solidFill>
-              </a:defRPr>
+              <a:defRPr sz="1000"/>
             </a:lvl4pPr>
             <a:lvl5pPr marL="1828800" indent="0">
               <a:buNone/>
-              <a:defRPr sz="1400">
-                <a:solidFill>
-                  <a:schemeClr val="tx1">
-                    <a:tint val="75000"/>
-                  </a:schemeClr>
-                </a:solidFill>
-              </a:defRPr>
+              <a:defRPr sz="1000"/>
             </a:lvl5pPr>
             <a:lvl6pPr marL="2286000" indent="0">
               <a:buNone/>
-              <a:defRPr sz="1400">
-                <a:solidFill>
-                  <a:schemeClr val="tx1">
-                    <a:tint val="75000"/>
-                  </a:schemeClr>
-                </a:solidFill>
-              </a:defRPr>
+              <a:defRPr sz="1000"/>
             </a:lvl6pPr>
             <a:lvl7pPr marL="2743200" indent="0">
               <a:buNone/>
-              <a:defRPr sz="1400">
-                <a:solidFill>
-                  <a:schemeClr val="tx1">
-                    <a:tint val="75000"/>
-                  </a:schemeClr>
-                </a:solidFill>
-              </a:defRPr>
+              <a:defRPr sz="1000"/>
             </a:lvl7pPr>
             <a:lvl8pPr marL="3200400" indent="0">
               <a:buNone/>
-              <a:defRPr sz="1400">
-                <a:solidFill>
-                  <a:schemeClr val="tx1">
-                    <a:tint val="75000"/>
-                  </a:schemeClr>
-                </a:solidFill>
-              </a:defRPr>
+              <a:defRPr sz="1000"/>
             </a:lvl8pPr>
             <a:lvl9pPr marL="3657600" indent="0">
               <a:buNone/>
-              <a:defRPr sz="1400">
-                <a:solidFill>
-                  <a:schemeClr val="tx1">
-                    <a:tint val="75000"/>
-                  </a:schemeClr>
-                </a:solidFill>
-              </a:defRPr>
+              <a:defRPr sz="1000"/>
             </a:lvl9pPr>
           </a:lstStyle>
           <a:p>
@@ -1071,7 +1552,7 @@
       </p:sp>
       <p:sp>
         <p:nvSpPr>
-          <p:cNvPr id="4" name="Date Placeholder 3"/>
+          <p:cNvPr id="5" name="Date Placeholder 4"/>
           <p:cNvSpPr>
             <a:spLocks noGrp="1"/>
           </p:cNvSpPr>
@@ -1094,7 +1575,7 @@
       </p:sp>
       <p:sp>
         <p:nvSpPr>
-          <p:cNvPr id="5" name="Footer Placeholder 4"/>
+          <p:cNvPr id="6" name="Footer Placeholder 5"/>
           <p:cNvSpPr>
             <a:spLocks noGrp="1"/>
           </p:cNvSpPr>
@@ -1113,7 +1594,7 @@
       </p:sp>
       <p:sp>
         <p:nvSpPr>
-          <p:cNvPr id="6" name="Slide Number Placeholder 5"/>
+          <p:cNvPr id="7" name="Slide Number Placeholder 6"/>
           <p:cNvSpPr>
             <a:spLocks noGrp="1"/>
           </p:cNvSpPr>
@@ -1137,7 +1618,7 @@
     </p:spTree>
     <p:extLst>
       <p:ext uri="{BB962C8B-B14F-4D97-AF65-F5344CB8AC3E}">
-        <p14:creationId xmlns:p14="http://schemas.microsoft.com/office/powerpoint/2010/main" val="2651015457"/>
+        <p14:creationId xmlns:p14="http://schemas.microsoft.com/office/powerpoint/2010/main" val="2720968585"/>
       </p:ext>
     </p:extLst>
   </p:cSld>
@@ -1147,7 +1628,7 @@
 </p:sldLayout>
 </file>
 
-<file path=ppt/slideLayouts/slideLayout11.xml><?xml version="1.0" encoding="utf-8"?>
+<file path=ppt/slideLayouts/slideLayout12.xml><?xml version="1.0" encoding="utf-8"?>
 <p:sldLayout xmlns:a="http://schemas.openxmlformats.org/drawingml/2006/main" xmlns:r="http://schemas.openxmlformats.org/officeDocument/2006/relationships" xmlns:p="http://schemas.openxmlformats.org/presentationml/2006/main" preserve="1">
   <p:cSld name="Idézet képaláírással">
     <p:spTree>
@@ -1176,8 +1657,107 @@
         </p:nvSpPr>
         <p:spPr>
           <a:xfrm>
-            <a:off x="931334" y="609600"/>
-            <a:ext cx="8094134" cy="3022600"/>
+            <a:off x="1446212" y="609600"/>
+            <a:ext cx="9302752" cy="2992904"/>
+          </a:xfrm>
+        </p:spPr>
+        <p:txBody>
+          <a:bodyPr anchor="ctr"/>
+          <a:lstStyle>
+            <a:lvl1pPr>
+              <a:defRPr sz="3200"/>
+            </a:lvl1pPr>
+          </a:lstStyle>
+          <a:p>
+            <a:r>
+              <a:rPr lang="hu-HU"/>
+              <a:t>Mintacím szerkesztése</a:t>
+            </a:r>
+            <a:endParaRPr lang="en-US" dirty="0"/>
+          </a:p>
+        </p:txBody>
+      </p:sp>
+      <p:sp>
+        <p:nvSpPr>
+          <p:cNvPr id="12" name="Text Placeholder 3"/>
+          <p:cNvSpPr>
+            <a:spLocks noGrp="1"/>
+          </p:cNvSpPr>
+          <p:nvPr>
+            <p:ph type="body" sz="half" idx="13"/>
+          </p:nvPr>
+        </p:nvSpPr>
+        <p:spPr>
+          <a:xfrm>
+            <a:off x="1720644" y="3610032"/>
+            <a:ext cx="8752299" cy="532749"/>
+          </a:xfrm>
+        </p:spPr>
+        <p:txBody>
+          <a:bodyPr anchor="t">
+            <a:normAutofit/>
+          </a:bodyPr>
+          <a:lstStyle>
+            <a:lvl1pPr marL="0" indent="0" algn="r">
+              <a:buNone/>
+              <a:defRPr sz="1400"/>
+            </a:lvl1pPr>
+            <a:lvl2pPr marL="457200" indent="0">
+              <a:buNone/>
+              <a:defRPr sz="1400"/>
+            </a:lvl2pPr>
+            <a:lvl3pPr marL="914400" indent="0">
+              <a:buNone/>
+              <a:defRPr sz="1200"/>
+            </a:lvl3pPr>
+            <a:lvl4pPr marL="1371600" indent="0">
+              <a:buNone/>
+              <a:defRPr sz="1000"/>
+            </a:lvl4pPr>
+            <a:lvl5pPr marL="1828800" indent="0">
+              <a:buNone/>
+              <a:defRPr sz="1000"/>
+            </a:lvl5pPr>
+            <a:lvl6pPr marL="2286000" indent="0">
+              <a:buNone/>
+              <a:defRPr sz="1000"/>
+            </a:lvl6pPr>
+            <a:lvl7pPr marL="2743200" indent="0">
+              <a:buNone/>
+              <a:defRPr sz="1000"/>
+            </a:lvl7pPr>
+            <a:lvl8pPr marL="3200400" indent="0">
+              <a:buNone/>
+              <a:defRPr sz="1000"/>
+            </a:lvl8pPr>
+            <a:lvl9pPr marL="3657600" indent="0">
+              <a:buNone/>
+              <a:defRPr sz="1000"/>
+            </a:lvl9pPr>
+          </a:lstStyle>
+          <a:p>
+            <a:pPr lvl="0"/>
+            <a:r>
+              <a:rPr lang="hu-HU"/>
+              <a:t>Mintaszöveg szerkesztése</a:t>
+            </a:r>
+          </a:p>
+        </p:txBody>
+      </p:sp>
+      <p:sp>
+        <p:nvSpPr>
+          <p:cNvPr id="4" name="Text Placeholder 3"/>
+          <p:cNvSpPr>
+            <a:spLocks noGrp="1"/>
+          </p:cNvSpPr>
+          <p:nvPr>
+            <p:ph type="body" sz="half" idx="2"/>
+          </p:nvPr>
+        </p:nvSpPr>
+        <p:spPr>
+          <a:xfrm>
+            <a:off x="913794" y="4304353"/>
+            <a:ext cx="10353763" cy="1489496"/>
           </a:xfrm>
         </p:spPr>
         <p:txBody>
@@ -1185,193 +1765,41 @@
             <a:normAutofit/>
           </a:bodyPr>
           <a:lstStyle>
-            <a:lvl1pPr algn="l">
-              <a:defRPr sz="4400" b="0" cap="none"/>
-            </a:lvl1pPr>
-          </a:lstStyle>
-          <a:p>
-            <a:r>
-              <a:rPr lang="hu-HU"/>
-              <a:t>Mintacím szerkesztése</a:t>
-            </a:r>
-            <a:endParaRPr lang="en-US" dirty="0"/>
-          </a:p>
-        </p:txBody>
-      </p:sp>
-      <p:sp>
-        <p:nvSpPr>
-          <p:cNvPr id="23" name="Text Placeholder 9"/>
-          <p:cNvSpPr>
-            <a:spLocks noGrp="1"/>
-          </p:cNvSpPr>
-          <p:nvPr>
-            <p:ph type="body" sz="quarter" idx="13"/>
-          </p:nvPr>
-        </p:nvSpPr>
-        <p:spPr>
-          <a:xfrm>
-            <a:off x="1366139" y="3632200"/>
-            <a:ext cx="7224524" cy="381000"/>
-          </a:xfrm>
-        </p:spPr>
-        <p:txBody>
-          <a:bodyPr anchor="ctr">
-            <a:noAutofit/>
-          </a:bodyPr>
-          <a:lstStyle>
-            <a:lvl1pPr marL="0" indent="0">
-              <a:buFontTx/>
-              <a:buNone/>
-              <a:defRPr sz="1600">
-                <a:solidFill>
-                  <a:schemeClr val="tx1">
-                    <a:lumMod val="50000"/>
-                    <a:lumOff val="50000"/>
-                  </a:schemeClr>
-                </a:solidFill>
-              </a:defRPr>
+            <a:lvl1pPr marL="0" indent="0" algn="ctr">
+              <a:buNone/>
+              <a:defRPr sz="1600"/>
             </a:lvl1pPr>
             <a:lvl2pPr marL="457200" indent="0">
-              <a:buFontTx/>
-              <a:buNone/>
-              <a:defRPr/>
+              <a:buNone/>
+              <a:defRPr sz="1400"/>
             </a:lvl2pPr>
             <a:lvl3pPr marL="914400" indent="0">
-              <a:buFontTx/>
-              <a:buNone/>
-              <a:defRPr/>
+              <a:buNone/>
+              <a:defRPr sz="1200"/>
             </a:lvl3pPr>
             <a:lvl4pPr marL="1371600" indent="0">
-              <a:buFontTx/>
-              <a:buNone/>
-              <a:defRPr/>
+              <a:buNone/>
+              <a:defRPr sz="1000"/>
             </a:lvl4pPr>
             <a:lvl5pPr marL="1828800" indent="0">
-              <a:buFontTx/>
-              <a:buNone/>
-              <a:defRPr/>
-            </a:lvl5pPr>
-          </a:lstStyle>
-          <a:p>
-            <a:pPr lvl="0"/>
-            <a:r>
-              <a:rPr lang="hu-HU"/>
-              <a:t>Mintaszöveg szerkesztése</a:t>
-            </a:r>
-          </a:p>
-        </p:txBody>
-      </p:sp>
-      <p:sp>
-        <p:nvSpPr>
-          <p:cNvPr id="3" name="Text Placeholder 2"/>
-          <p:cNvSpPr>
-            <a:spLocks noGrp="1"/>
-          </p:cNvSpPr>
-          <p:nvPr>
-            <p:ph type="body" idx="1"/>
-          </p:nvPr>
-        </p:nvSpPr>
-        <p:spPr>
-          <a:xfrm>
-            <a:off x="677335" y="4470400"/>
-            <a:ext cx="8596668" cy="1570962"/>
-          </a:xfrm>
-        </p:spPr>
-        <p:txBody>
-          <a:bodyPr anchor="ctr">
-            <a:normAutofit/>
-          </a:bodyPr>
-          <a:lstStyle>
-            <a:lvl1pPr marL="0" indent="0" algn="l">
-              <a:buNone/>
-              <a:defRPr sz="1800">
-                <a:solidFill>
-                  <a:schemeClr val="tx1">
-                    <a:lumMod val="75000"/>
-                    <a:lumOff val="25000"/>
-                  </a:schemeClr>
-                </a:solidFill>
-              </a:defRPr>
-            </a:lvl1pPr>
-            <a:lvl2pPr marL="457200" indent="0">
-              <a:buNone/>
-              <a:defRPr sz="1800">
-                <a:solidFill>
-                  <a:schemeClr val="tx1">
-                    <a:tint val="75000"/>
-                  </a:schemeClr>
-                </a:solidFill>
-              </a:defRPr>
-            </a:lvl2pPr>
-            <a:lvl3pPr marL="914400" indent="0">
-              <a:buNone/>
-              <a:defRPr sz="1600">
-                <a:solidFill>
-                  <a:schemeClr val="tx1">
-                    <a:tint val="75000"/>
-                  </a:schemeClr>
-                </a:solidFill>
-              </a:defRPr>
-            </a:lvl3pPr>
-            <a:lvl4pPr marL="1371600" indent="0">
-              <a:buNone/>
-              <a:defRPr sz="1400">
-                <a:solidFill>
-                  <a:schemeClr val="tx1">
-                    <a:tint val="75000"/>
-                  </a:schemeClr>
-                </a:solidFill>
-              </a:defRPr>
-            </a:lvl4pPr>
-            <a:lvl5pPr marL="1828800" indent="0">
-              <a:buNone/>
-              <a:defRPr sz="1400">
-                <a:solidFill>
-                  <a:schemeClr val="tx1">
-                    <a:tint val="75000"/>
-                  </a:schemeClr>
-                </a:solidFill>
-              </a:defRPr>
+              <a:buNone/>
+              <a:defRPr sz="1000"/>
             </a:lvl5pPr>
             <a:lvl6pPr marL="2286000" indent="0">
               <a:buNone/>
-              <a:defRPr sz="1400">
-                <a:solidFill>
-                  <a:schemeClr val="tx1">
-                    <a:tint val="75000"/>
-                  </a:schemeClr>
-                </a:solidFill>
-              </a:defRPr>
+              <a:defRPr sz="1000"/>
             </a:lvl6pPr>
             <a:lvl7pPr marL="2743200" indent="0">
               <a:buNone/>
-              <a:defRPr sz="1400">
-                <a:solidFill>
-                  <a:schemeClr val="tx1">
-                    <a:tint val="75000"/>
-                  </a:schemeClr>
-                </a:solidFill>
-              </a:defRPr>
+              <a:defRPr sz="1000"/>
             </a:lvl7pPr>
             <a:lvl8pPr marL="3200400" indent="0">
               <a:buNone/>
-              <a:defRPr sz="1400">
-                <a:solidFill>
-                  <a:schemeClr val="tx1">
-                    <a:tint val="75000"/>
-                  </a:schemeClr>
-                </a:solidFill>
-              </a:defRPr>
+              <a:defRPr sz="1000"/>
             </a:lvl8pPr>
             <a:lvl9pPr marL="3657600" indent="0">
               <a:buNone/>
-              <a:defRPr sz="1400">
-                <a:solidFill>
-                  <a:schemeClr val="tx1">
-                    <a:tint val="75000"/>
-                  </a:schemeClr>
-                </a:solidFill>
-              </a:defRPr>
+              <a:defRPr sz="1000"/>
             </a:lvl9pPr>
           </a:lstStyle>
           <a:p>
@@ -1385,7 +1813,7 @@
       </p:sp>
       <p:sp>
         <p:nvSpPr>
-          <p:cNvPr id="4" name="Date Placeholder 3"/>
+          <p:cNvPr id="5" name="Date Placeholder 4"/>
           <p:cNvSpPr>
             <a:spLocks noGrp="1"/>
           </p:cNvSpPr>
@@ -1408,7 +1836,7 @@
       </p:sp>
       <p:sp>
         <p:nvSpPr>
-          <p:cNvPr id="5" name="Footer Placeholder 4"/>
+          <p:cNvPr id="6" name="Footer Placeholder 5"/>
           <p:cNvSpPr>
             <a:spLocks noGrp="1"/>
           </p:cNvSpPr>
@@ -1427,7 +1855,7 @@
       </p:sp>
       <p:sp>
         <p:nvSpPr>
-          <p:cNvPr id="6" name="Slide Number Placeholder 5"/>
+          <p:cNvPr id="7" name="Slide Number Placeholder 6"/>
           <p:cNvSpPr>
             <a:spLocks noGrp="1"/>
           </p:cNvSpPr>
@@ -1450,13 +1878,13 @@
       </p:sp>
       <p:sp>
         <p:nvSpPr>
-          <p:cNvPr id="20" name="TextBox 19"/>
+          <p:cNvPr id="11" name="TextBox 10"/>
           <p:cNvSpPr txBox="1"/>
           <p:nvPr/>
         </p:nvSpPr>
         <p:spPr>
           <a:xfrm>
-            <a:off x="541870" y="790378"/>
+            <a:off x="990600" y="884796"/>
             <a:ext cx="609600" cy="584776"/>
           </a:xfrm>
           <a:prstGeom prst="rect">
@@ -1467,19 +1895,97 @@
           <a:bodyPr vert="horz" lIns="91440" tIns="45720" rIns="91440" bIns="45720" rtlCol="0" anchor="ctr">
             <a:noAutofit/>
           </a:bodyPr>
-          <a:lstStyle/>
-          <a:p>
-            <a:pPr lvl="0"/>
-            <a:r>
-              <a:rPr lang="en-US" sz="8000" baseline="0" dirty="0">
+          <a:lstStyle>
+            <a:lvl1pPr>
+              <a:spcBef>
+                <a:spcPct val="0"/>
+              </a:spcBef>
+              <a:buNone/>
+              <a:defRPr sz="3200" b="0" cap="all">
                 <a:ln w="3175" cmpd="sng">
                   <a:noFill/>
                 </a:ln>
+                <a:effectLst>
+                  <a:glow rad="38100">
+                    <a:schemeClr val="bg1">
+                      <a:lumMod val="65000"/>
+                      <a:lumOff val="35000"/>
+                      <a:alpha val="40000"/>
+                    </a:schemeClr>
+                  </a:glow>
+                  <a:outerShdw blurRad="28575" dist="38100" dir="14040000" algn="tl" rotWithShape="0">
+                    <a:srgbClr val="000000">
+                      <a:alpha val="25000"/>
+                    </a:srgbClr>
+                  </a:outerShdw>
+                </a:effectLst>
+              </a:defRPr>
+            </a:lvl1pPr>
+            <a:lvl2pPr>
+              <a:defRPr>
                 <a:solidFill>
-                  <a:schemeClr val="accent1"/>
+                  <a:schemeClr val="tx2"/>
+                </a:solidFill>
+              </a:defRPr>
+            </a:lvl2pPr>
+            <a:lvl3pPr>
+              <a:defRPr>
+                <a:solidFill>
+                  <a:schemeClr val="tx2"/>
+                </a:solidFill>
+              </a:defRPr>
+            </a:lvl3pPr>
+            <a:lvl4pPr>
+              <a:defRPr>
+                <a:solidFill>
+                  <a:schemeClr val="tx2"/>
+                </a:solidFill>
+              </a:defRPr>
+            </a:lvl4pPr>
+            <a:lvl5pPr>
+              <a:defRPr>
+                <a:solidFill>
+                  <a:schemeClr val="tx2"/>
+                </a:solidFill>
+              </a:defRPr>
+            </a:lvl5pPr>
+            <a:lvl6pPr>
+              <a:defRPr>
+                <a:solidFill>
+                  <a:schemeClr val="tx2"/>
+                </a:solidFill>
+              </a:defRPr>
+            </a:lvl6pPr>
+            <a:lvl7pPr>
+              <a:defRPr>
+                <a:solidFill>
+                  <a:schemeClr val="tx2"/>
+                </a:solidFill>
+              </a:defRPr>
+            </a:lvl7pPr>
+            <a:lvl8pPr>
+              <a:defRPr>
+                <a:solidFill>
+                  <a:schemeClr val="tx2"/>
+                </a:solidFill>
+              </a:defRPr>
+            </a:lvl8pPr>
+            <a:lvl9pPr>
+              <a:defRPr>
+                <a:solidFill>
+                  <a:schemeClr val="tx2"/>
+                </a:solidFill>
+              </a:defRPr>
+            </a:lvl9pPr>
+          </a:lstStyle>
+          <a:p>
+            <a:pPr lvl="0"/>
+            <a:r>
+              <a:rPr lang="en-US" sz="8000" dirty="0">
+                <a:solidFill>
+                  <a:schemeClr val="tx1"/>
                 </a:solidFill>
                 <a:effectLst/>
-                <a:latin typeface="Arial"/>
               </a:rPr>
               <a:t>“</a:t>
             </a:r>
@@ -1488,13 +1994,13 @@
       </p:sp>
       <p:sp>
         <p:nvSpPr>
-          <p:cNvPr id="22" name="TextBox 21"/>
+          <p:cNvPr id="13" name="TextBox 12"/>
           <p:cNvSpPr txBox="1"/>
           <p:nvPr/>
         </p:nvSpPr>
         <p:spPr>
           <a:xfrm>
-            <a:off x="8893011" y="2886556"/>
+            <a:off x="10504716" y="2928258"/>
             <a:ext cx="609600" cy="584776"/>
           </a:xfrm>
           <a:prstGeom prst="rect">
@@ -1505,19 +2011,97 @@
           <a:bodyPr vert="horz" lIns="91440" tIns="45720" rIns="91440" bIns="45720" rtlCol="0" anchor="ctr">
             <a:noAutofit/>
           </a:bodyPr>
-          <a:lstStyle/>
-          <a:p>
-            <a:pPr lvl="0"/>
-            <a:r>
-              <a:rPr lang="en-US" sz="8000" baseline="0" dirty="0">
+          <a:lstStyle>
+            <a:lvl1pPr>
+              <a:spcBef>
+                <a:spcPct val="0"/>
+              </a:spcBef>
+              <a:buNone/>
+              <a:defRPr sz="3200" b="0" cap="all">
                 <a:ln w="3175" cmpd="sng">
                   <a:noFill/>
                 </a:ln>
+                <a:effectLst>
+                  <a:glow rad="38100">
+                    <a:schemeClr val="bg1">
+                      <a:lumMod val="65000"/>
+                      <a:lumOff val="35000"/>
+                      <a:alpha val="40000"/>
+                    </a:schemeClr>
+                  </a:glow>
+                  <a:outerShdw blurRad="28575" dist="38100" dir="14040000" algn="tl" rotWithShape="0">
+                    <a:srgbClr val="000000">
+                      <a:alpha val="25000"/>
+                    </a:srgbClr>
+                  </a:outerShdw>
+                </a:effectLst>
+              </a:defRPr>
+            </a:lvl1pPr>
+            <a:lvl2pPr>
+              <a:defRPr>
                 <a:solidFill>
-                  <a:schemeClr val="accent1"/>
+                  <a:schemeClr val="tx2"/>
+                </a:solidFill>
+              </a:defRPr>
+            </a:lvl2pPr>
+            <a:lvl3pPr>
+              <a:defRPr>
+                <a:solidFill>
+                  <a:schemeClr val="tx2"/>
+                </a:solidFill>
+              </a:defRPr>
+            </a:lvl3pPr>
+            <a:lvl4pPr>
+              <a:defRPr>
+                <a:solidFill>
+                  <a:schemeClr val="tx2"/>
+                </a:solidFill>
+              </a:defRPr>
+            </a:lvl4pPr>
+            <a:lvl5pPr>
+              <a:defRPr>
+                <a:solidFill>
+                  <a:schemeClr val="tx2"/>
+                </a:solidFill>
+              </a:defRPr>
+            </a:lvl5pPr>
+            <a:lvl6pPr>
+              <a:defRPr>
+                <a:solidFill>
+                  <a:schemeClr val="tx2"/>
+                </a:solidFill>
+              </a:defRPr>
+            </a:lvl6pPr>
+            <a:lvl7pPr>
+              <a:defRPr>
+                <a:solidFill>
+                  <a:schemeClr val="tx2"/>
+                </a:solidFill>
+              </a:defRPr>
+            </a:lvl7pPr>
+            <a:lvl8pPr>
+              <a:defRPr>
+                <a:solidFill>
+                  <a:schemeClr val="tx2"/>
+                </a:solidFill>
+              </a:defRPr>
+            </a:lvl8pPr>
+            <a:lvl9pPr>
+              <a:defRPr>
+                <a:solidFill>
+                  <a:schemeClr val="tx2"/>
+                </a:solidFill>
+              </a:defRPr>
+            </a:lvl9pPr>
+          </a:lstStyle>
+          <a:p>
+            <a:pPr lvl="0" algn="r"/>
+            <a:r>
+              <a:rPr lang="en-US" sz="8000" dirty="0">
+                <a:solidFill>
+                  <a:schemeClr val="tx1"/>
                 </a:solidFill>
                 <a:effectLst/>
-                <a:latin typeface="Arial"/>
               </a:rPr>
               <a:t>”</a:t>
             </a:r>
@@ -1527,7 +2111,7 @@
     </p:spTree>
     <p:extLst>
       <p:ext uri="{BB962C8B-B14F-4D97-AF65-F5344CB8AC3E}">
-        <p14:creationId xmlns:p14="http://schemas.microsoft.com/office/powerpoint/2010/main" val="4090142458"/>
+        <p14:creationId xmlns:p14="http://schemas.microsoft.com/office/powerpoint/2010/main" val="1042339544"/>
       </p:ext>
     </p:extLst>
   </p:cSld>
@@ -1537,7 +2121,7 @@
 </p:sldLayout>
 </file>
 
-<file path=ppt/slideLayouts/slideLayout12.xml><?xml version="1.0" encoding="utf-8"?>
+<file path=ppt/slideLayouts/slideLayout13.xml><?xml version="1.0" encoding="utf-8"?>
 <p:sldLayout xmlns:a="http://schemas.openxmlformats.org/drawingml/2006/main" xmlns:r="http://schemas.openxmlformats.org/officeDocument/2006/relationships" xmlns:p="http://schemas.openxmlformats.org/presentationml/2006/main" preserve="1">
   <p:cSld name="Névkártya">
     <p:spTree>
@@ -1566,17 +2150,15 @@
         </p:nvSpPr>
         <p:spPr>
           <a:xfrm>
-            <a:off x="677335" y="1931988"/>
-            <a:ext cx="8596668" cy="2595460"/>
+            <a:off x="913794" y="2126942"/>
+            <a:ext cx="10353763" cy="2511835"/>
           </a:xfrm>
         </p:spPr>
         <p:txBody>
-          <a:bodyPr anchor="b">
-            <a:normAutofit/>
-          </a:bodyPr>
+          <a:bodyPr anchor="b"/>
           <a:lstStyle>
-            <a:lvl1pPr algn="l">
-              <a:defRPr sz="4400" b="0" cap="none"/>
+            <a:lvl1pPr>
+              <a:defRPr sz="3200"/>
             </a:lvl1pPr>
           </a:lstStyle>
           <a:p>
@@ -1590,115 +2172,58 @@
       </p:sp>
       <p:sp>
         <p:nvSpPr>
-          <p:cNvPr id="3" name="Text Placeholder 2"/>
-          <p:cNvSpPr>
-            <a:spLocks noGrp="1"/>
-          </p:cNvSpPr>
-          <p:nvPr>
-            <p:ph type="body" idx="1"/>
+          <p:cNvPr id="4" name="Text Placeholder 3"/>
+          <p:cNvSpPr>
+            <a:spLocks noGrp="1"/>
+          </p:cNvSpPr>
+          <p:nvPr>
+            <p:ph type="body" sz="half" idx="2"/>
           </p:nvPr>
         </p:nvSpPr>
         <p:spPr>
           <a:xfrm>
-            <a:off x="677335" y="4527448"/>
-            <a:ext cx="8596668" cy="1513914"/>
+            <a:off x="913784" y="4650556"/>
+            <a:ext cx="10352199" cy="1140644"/>
           </a:xfrm>
         </p:spPr>
         <p:txBody>
-          <a:bodyPr anchor="t">
-            <a:normAutofit/>
-          </a:bodyPr>
+          <a:bodyPr anchor="t"/>
           <a:lstStyle>
-            <a:lvl1pPr marL="0" indent="0" algn="l">
-              <a:buNone/>
-              <a:defRPr sz="1800">
-                <a:solidFill>
-                  <a:schemeClr val="tx1">
-                    <a:lumMod val="75000"/>
-                    <a:lumOff val="25000"/>
-                  </a:schemeClr>
-                </a:solidFill>
-              </a:defRPr>
+            <a:lvl1pPr marL="0" indent="0" algn="ctr">
+              <a:buNone/>
+              <a:defRPr sz="1600"/>
             </a:lvl1pPr>
             <a:lvl2pPr marL="457200" indent="0">
               <a:buNone/>
-              <a:defRPr sz="1800">
-                <a:solidFill>
-                  <a:schemeClr val="tx1">
-                    <a:tint val="75000"/>
-                  </a:schemeClr>
-                </a:solidFill>
-              </a:defRPr>
+              <a:defRPr sz="1400"/>
             </a:lvl2pPr>
             <a:lvl3pPr marL="914400" indent="0">
               <a:buNone/>
-              <a:defRPr sz="1600">
-                <a:solidFill>
-                  <a:schemeClr val="tx1">
-                    <a:tint val="75000"/>
-                  </a:schemeClr>
-                </a:solidFill>
-              </a:defRPr>
+              <a:defRPr sz="1200"/>
             </a:lvl3pPr>
             <a:lvl4pPr marL="1371600" indent="0">
               <a:buNone/>
-              <a:defRPr sz="1400">
-                <a:solidFill>
-                  <a:schemeClr val="tx1">
-                    <a:tint val="75000"/>
-                  </a:schemeClr>
-                </a:solidFill>
-              </a:defRPr>
+              <a:defRPr sz="1000"/>
             </a:lvl4pPr>
             <a:lvl5pPr marL="1828800" indent="0">
               <a:buNone/>
-              <a:defRPr sz="1400">
-                <a:solidFill>
-                  <a:schemeClr val="tx1">
-                    <a:tint val="75000"/>
-                  </a:schemeClr>
-                </a:solidFill>
-              </a:defRPr>
+              <a:defRPr sz="1000"/>
             </a:lvl5pPr>
             <a:lvl6pPr marL="2286000" indent="0">
               <a:buNone/>
-              <a:defRPr sz="1400">
-                <a:solidFill>
-                  <a:schemeClr val="tx1">
-                    <a:tint val="75000"/>
-                  </a:schemeClr>
-                </a:solidFill>
-              </a:defRPr>
+              <a:defRPr sz="1000"/>
             </a:lvl6pPr>
             <a:lvl7pPr marL="2743200" indent="0">
               <a:buNone/>
-              <a:defRPr sz="1400">
-                <a:solidFill>
-                  <a:schemeClr val="tx1">
-                    <a:tint val="75000"/>
-                  </a:schemeClr>
-                </a:solidFill>
-              </a:defRPr>
+              <a:defRPr sz="1000"/>
             </a:lvl7pPr>
             <a:lvl8pPr marL="3200400" indent="0">
               <a:buNone/>
-              <a:defRPr sz="1400">
-                <a:solidFill>
-                  <a:schemeClr val="tx1">
-                    <a:tint val="75000"/>
-                  </a:schemeClr>
-                </a:solidFill>
-              </a:defRPr>
+              <a:defRPr sz="1000"/>
             </a:lvl8pPr>
             <a:lvl9pPr marL="3657600" indent="0">
               <a:buNone/>
-              <a:defRPr sz="1400">
-                <a:solidFill>
-                  <a:schemeClr val="tx1">
-                    <a:tint val="75000"/>
-                  </a:schemeClr>
-                </a:solidFill>
-              </a:defRPr>
+              <a:defRPr sz="1000"/>
             </a:lvl9pPr>
           </a:lstStyle>
           <a:p>
@@ -1712,7 +2237,7 @@
       </p:sp>
       <p:sp>
         <p:nvSpPr>
-          <p:cNvPr id="4" name="Date Placeholder 3"/>
+          <p:cNvPr id="5" name="Date Placeholder 4"/>
           <p:cNvSpPr>
             <a:spLocks noGrp="1"/>
           </p:cNvSpPr>
@@ -1735,7 +2260,7 @@
       </p:sp>
       <p:sp>
         <p:nvSpPr>
-          <p:cNvPr id="5" name="Footer Placeholder 4"/>
+          <p:cNvPr id="6" name="Footer Placeholder 5"/>
           <p:cNvSpPr>
             <a:spLocks noGrp="1"/>
           </p:cNvSpPr>
@@ -1754,7 +2279,7 @@
       </p:sp>
       <p:sp>
         <p:nvSpPr>
-          <p:cNvPr id="6" name="Slide Number Placeholder 5"/>
+          <p:cNvPr id="7" name="Slide Number Placeholder 6"/>
           <p:cNvSpPr>
             <a:spLocks noGrp="1"/>
           </p:cNvSpPr>
@@ -1778,7 +2303,7 @@
     </p:spTree>
     <p:extLst>
       <p:ext uri="{BB962C8B-B14F-4D97-AF65-F5344CB8AC3E}">
-        <p14:creationId xmlns:p14="http://schemas.microsoft.com/office/powerpoint/2010/main" val="420228291"/>
+        <p14:creationId xmlns:p14="http://schemas.microsoft.com/office/powerpoint/2010/main" val="3003652579"/>
       </p:ext>
     </p:extLst>
   </p:cSld>
@@ -1788,9 +2313,9 @@
 </p:sldLayout>
 </file>
 
-<file path=ppt/slideLayouts/slideLayout13.xml><?xml version="1.0" encoding="utf-8"?>
+<file path=ppt/slideLayouts/slideLayout14.xml><?xml version="1.0" encoding="utf-8"?>
 <p:sldLayout xmlns:a="http://schemas.openxmlformats.org/drawingml/2006/main" xmlns:r="http://schemas.openxmlformats.org/officeDocument/2006/relationships" xmlns:p="http://schemas.openxmlformats.org/presentationml/2006/main" preserve="1">
-  <p:cSld name="Névkártya idézettel">
+  <p:cSld name="3 hasáb">
     <p:spTree>
       <p:nvGrpSpPr>
         <p:cNvPr id="1" name=""/>
@@ -1807,7 +2332,7 @@
       </p:grpSpPr>
       <p:sp>
         <p:nvSpPr>
-          <p:cNvPr id="2" name="Title 1"/>
+          <p:cNvPr id="15" name="Title 1"/>
           <p:cNvSpPr>
             <a:spLocks noGrp="1"/>
           </p:cNvSpPr>
@@ -1817,19 +2342,13 @@
         </p:nvSpPr>
         <p:spPr>
           <a:xfrm>
-            <a:off x="931334" y="609600"/>
-            <a:ext cx="8094134" cy="3022600"/>
+            <a:off x="913795" y="609600"/>
+            <a:ext cx="10353762" cy="970450"/>
           </a:xfrm>
         </p:spPr>
         <p:txBody>
-          <a:bodyPr anchor="ctr">
-            <a:normAutofit/>
-          </a:bodyPr>
-          <a:lstStyle>
-            <a:lvl1pPr algn="l">
-              <a:defRPr sz="4400" b="0" cap="none"/>
-            </a:lvl1pPr>
-          </a:lstStyle>
+          <a:bodyPr/>
+          <a:lstStyle/>
           <a:p>
             <a:r>
               <a:rPr lang="hu-HU"/>
@@ -1841,18 +2360,18 @@
       </p:sp>
       <p:sp>
         <p:nvSpPr>
-          <p:cNvPr id="23" name="Text Placeholder 9"/>
-          <p:cNvSpPr>
-            <a:spLocks noGrp="1"/>
-          </p:cNvSpPr>
-          <p:nvPr>
-            <p:ph type="body" sz="quarter" idx="13"/>
+          <p:cNvPr id="7" name="Text Placeholder 2"/>
+          <p:cNvSpPr>
+            <a:spLocks noGrp="1"/>
+          </p:cNvSpPr>
+          <p:nvPr>
+            <p:ph type="body" idx="1"/>
           </p:nvPr>
         </p:nvSpPr>
         <p:spPr>
           <a:xfrm>
-            <a:off x="677332" y="4013200"/>
-            <a:ext cx="8596669" cy="514248"/>
+            <a:off x="913795" y="1885950"/>
+            <a:ext cx="3300984" cy="576262"/>
           </a:xfrm>
         </p:spPr>
         <p:txBody>
@@ -1860,38 +2379,46 @@
             <a:noAutofit/>
           </a:bodyPr>
           <a:lstStyle>
-            <a:lvl1pPr marL="0" indent="0">
-              <a:buFontTx/>
-              <a:buNone/>
-              <a:defRPr sz="2400">
+            <a:lvl1pPr marL="0" indent="0" algn="ctr">
+              <a:buNone/>
+              <a:defRPr sz="2400" b="0">
                 <a:solidFill>
-                  <a:schemeClr val="tx1">
-                    <a:lumMod val="75000"/>
-                    <a:lumOff val="25000"/>
-                  </a:schemeClr>
+                  <a:schemeClr val="tx1"/>
                 </a:solidFill>
               </a:defRPr>
             </a:lvl1pPr>
             <a:lvl2pPr marL="457200" indent="0">
-              <a:buFontTx/>
-              <a:buNone/>
-              <a:defRPr/>
+              <a:buNone/>
+              <a:defRPr sz="2000" b="1"/>
             </a:lvl2pPr>
             <a:lvl3pPr marL="914400" indent="0">
-              <a:buFontTx/>
-              <a:buNone/>
-              <a:defRPr/>
+              <a:buNone/>
+              <a:defRPr sz="1800" b="1"/>
             </a:lvl3pPr>
             <a:lvl4pPr marL="1371600" indent="0">
-              <a:buFontTx/>
-              <a:buNone/>
-              <a:defRPr/>
+              <a:buNone/>
+              <a:defRPr sz="1600" b="1"/>
             </a:lvl4pPr>
             <a:lvl5pPr marL="1828800" indent="0">
-              <a:buFontTx/>
-              <a:buNone/>
-              <a:defRPr/>
+              <a:buNone/>
+              <a:defRPr sz="1600" b="1"/>
             </a:lvl5pPr>
+            <a:lvl6pPr marL="2286000" indent="0">
+              <a:buNone/>
+              <a:defRPr sz="1600" b="1"/>
+            </a:lvl6pPr>
+            <a:lvl7pPr marL="2743200" indent="0">
+              <a:buNone/>
+              <a:defRPr sz="1600" b="1"/>
+            </a:lvl7pPr>
+            <a:lvl8pPr marL="3200400" indent="0">
+              <a:buNone/>
+              <a:defRPr sz="1600" b="1"/>
+            </a:lvl8pPr>
+            <a:lvl9pPr marL="3657600" indent="0">
+              <a:buNone/>
+              <a:defRPr sz="1600" b="1"/>
+            </a:lvl9pPr>
           </a:lstStyle>
           <a:p>
             <a:pPr lvl="0"/>
@@ -1904,18 +2431,18 @@
       </p:sp>
       <p:sp>
         <p:nvSpPr>
-          <p:cNvPr id="3" name="Text Placeholder 2"/>
-          <p:cNvSpPr>
-            <a:spLocks noGrp="1"/>
-          </p:cNvSpPr>
-          <p:nvPr>
-            <p:ph type="body" idx="1"/>
+          <p:cNvPr id="8" name="Text Placeholder 3"/>
+          <p:cNvSpPr>
+            <a:spLocks noGrp="1"/>
+          </p:cNvSpPr>
+          <p:nvPr>
+            <p:ph type="body" sz="half" idx="15"/>
           </p:nvPr>
         </p:nvSpPr>
         <p:spPr>
           <a:xfrm>
-            <a:off x="677335" y="4527448"/>
-            <a:ext cx="8596668" cy="1513914"/>
+            <a:off x="913795" y="2571750"/>
+            <a:ext cx="3300984" cy="3219450"/>
           </a:xfrm>
         </p:spPr>
         <p:txBody>
@@ -1923,96 +2450,250 @@
             <a:normAutofit/>
           </a:bodyPr>
           <a:lstStyle>
-            <a:lvl1pPr marL="0" indent="0" algn="l">
-              <a:buNone/>
-              <a:defRPr sz="1800">
+            <a:lvl1pPr marL="0" indent="0" algn="ctr">
+              <a:buNone/>
+              <a:defRPr sz="1400"/>
+            </a:lvl1pPr>
+            <a:lvl2pPr marL="457200" indent="0">
+              <a:buNone/>
+              <a:defRPr sz="1200"/>
+            </a:lvl2pPr>
+            <a:lvl3pPr marL="914400" indent="0">
+              <a:buNone/>
+              <a:defRPr sz="1000"/>
+            </a:lvl3pPr>
+            <a:lvl4pPr marL="1371600" indent="0">
+              <a:buNone/>
+              <a:defRPr sz="900"/>
+            </a:lvl4pPr>
+            <a:lvl5pPr marL="1828800" indent="0">
+              <a:buNone/>
+              <a:defRPr sz="900"/>
+            </a:lvl5pPr>
+            <a:lvl6pPr marL="2286000" indent="0">
+              <a:buNone/>
+              <a:defRPr sz="900"/>
+            </a:lvl6pPr>
+            <a:lvl7pPr marL="2743200" indent="0">
+              <a:buNone/>
+              <a:defRPr sz="900"/>
+            </a:lvl7pPr>
+            <a:lvl8pPr marL="3200400" indent="0">
+              <a:buNone/>
+              <a:defRPr sz="900"/>
+            </a:lvl8pPr>
+            <a:lvl9pPr marL="3657600" indent="0">
+              <a:buNone/>
+              <a:defRPr sz="900"/>
+            </a:lvl9pPr>
+          </a:lstStyle>
+          <a:p>
+            <a:pPr lvl="0"/>
+            <a:r>
+              <a:rPr lang="hu-HU"/>
+              <a:t>Mintaszöveg szerkesztése</a:t>
+            </a:r>
+          </a:p>
+        </p:txBody>
+      </p:sp>
+      <p:sp>
+        <p:nvSpPr>
+          <p:cNvPr id="9" name="Text Placeholder 4"/>
+          <p:cNvSpPr>
+            <a:spLocks noGrp="1"/>
+          </p:cNvSpPr>
+          <p:nvPr>
+            <p:ph type="body" sz="quarter" idx="3"/>
+          </p:nvPr>
+        </p:nvSpPr>
+        <p:spPr>
+          <a:xfrm>
+            <a:off x="4446711" y="1885950"/>
+            <a:ext cx="3300984" cy="576262"/>
+          </a:xfrm>
+        </p:spPr>
+        <p:txBody>
+          <a:bodyPr anchor="b">
+            <a:noAutofit/>
+          </a:bodyPr>
+          <a:lstStyle>
+            <a:lvl1pPr marL="0" indent="0" algn="ctr">
+              <a:buNone/>
+              <a:defRPr sz="2400" b="0">
                 <a:solidFill>
-                  <a:schemeClr val="tx1">
-                    <a:lumMod val="50000"/>
-                    <a:lumOff val="50000"/>
-                  </a:schemeClr>
+                  <a:schemeClr val="tx1"/>
                 </a:solidFill>
               </a:defRPr>
             </a:lvl1pPr>
             <a:lvl2pPr marL="457200" indent="0">
               <a:buNone/>
-              <a:defRPr sz="1800">
+              <a:defRPr sz="2000" b="1"/>
+            </a:lvl2pPr>
+            <a:lvl3pPr marL="914400" indent="0">
+              <a:buNone/>
+              <a:defRPr sz="1800" b="1"/>
+            </a:lvl3pPr>
+            <a:lvl4pPr marL="1371600" indent="0">
+              <a:buNone/>
+              <a:defRPr sz="1600" b="1"/>
+            </a:lvl4pPr>
+            <a:lvl5pPr marL="1828800" indent="0">
+              <a:buNone/>
+              <a:defRPr sz="1600" b="1"/>
+            </a:lvl5pPr>
+            <a:lvl6pPr marL="2286000" indent="0">
+              <a:buNone/>
+              <a:defRPr sz="1600" b="1"/>
+            </a:lvl6pPr>
+            <a:lvl7pPr marL="2743200" indent="0">
+              <a:buNone/>
+              <a:defRPr sz="1600" b="1"/>
+            </a:lvl7pPr>
+            <a:lvl8pPr marL="3200400" indent="0">
+              <a:buNone/>
+              <a:defRPr sz="1600" b="1"/>
+            </a:lvl8pPr>
+            <a:lvl9pPr marL="3657600" indent="0">
+              <a:buNone/>
+              <a:defRPr sz="1600" b="1"/>
+            </a:lvl9pPr>
+          </a:lstStyle>
+          <a:p>
+            <a:pPr lvl="0"/>
+            <a:r>
+              <a:rPr lang="hu-HU"/>
+              <a:t>Mintaszöveg szerkesztése</a:t>
+            </a:r>
+          </a:p>
+        </p:txBody>
+      </p:sp>
+      <p:sp>
+        <p:nvSpPr>
+          <p:cNvPr id="10" name="Text Placeholder 3"/>
+          <p:cNvSpPr>
+            <a:spLocks noGrp="1"/>
+          </p:cNvSpPr>
+          <p:nvPr>
+            <p:ph type="body" sz="half" idx="16"/>
+          </p:nvPr>
+        </p:nvSpPr>
+        <p:spPr>
+          <a:xfrm>
+            <a:off x="4441435" y="2571750"/>
+            <a:ext cx="3300984" cy="3219450"/>
+          </a:xfrm>
+        </p:spPr>
+        <p:txBody>
+          <a:bodyPr anchor="t">
+            <a:normAutofit/>
+          </a:bodyPr>
+          <a:lstStyle>
+            <a:lvl1pPr marL="0" indent="0" algn="ctr">
+              <a:buNone/>
+              <a:defRPr sz="1400"/>
+            </a:lvl1pPr>
+            <a:lvl2pPr marL="457200" indent="0">
+              <a:buNone/>
+              <a:defRPr sz="1200"/>
+            </a:lvl2pPr>
+            <a:lvl3pPr marL="914400" indent="0">
+              <a:buNone/>
+              <a:defRPr sz="1000"/>
+            </a:lvl3pPr>
+            <a:lvl4pPr marL="1371600" indent="0">
+              <a:buNone/>
+              <a:defRPr sz="900"/>
+            </a:lvl4pPr>
+            <a:lvl5pPr marL="1828800" indent="0">
+              <a:buNone/>
+              <a:defRPr sz="900"/>
+            </a:lvl5pPr>
+            <a:lvl6pPr marL="2286000" indent="0">
+              <a:buNone/>
+              <a:defRPr sz="900"/>
+            </a:lvl6pPr>
+            <a:lvl7pPr marL="2743200" indent="0">
+              <a:buNone/>
+              <a:defRPr sz="900"/>
+            </a:lvl7pPr>
+            <a:lvl8pPr marL="3200400" indent="0">
+              <a:buNone/>
+              <a:defRPr sz="900"/>
+            </a:lvl8pPr>
+            <a:lvl9pPr marL="3657600" indent="0">
+              <a:buNone/>
+              <a:defRPr sz="900"/>
+            </a:lvl9pPr>
+          </a:lstStyle>
+          <a:p>
+            <a:pPr lvl="0"/>
+            <a:r>
+              <a:rPr lang="hu-HU"/>
+              <a:t>Mintaszöveg szerkesztése</a:t>
+            </a:r>
+          </a:p>
+        </p:txBody>
+      </p:sp>
+      <p:sp>
+        <p:nvSpPr>
+          <p:cNvPr id="11" name="Text Placeholder 4"/>
+          <p:cNvSpPr>
+            <a:spLocks noGrp="1"/>
+          </p:cNvSpPr>
+          <p:nvPr>
+            <p:ph type="body" sz="quarter" idx="13"/>
+          </p:nvPr>
+        </p:nvSpPr>
+        <p:spPr>
+          <a:xfrm>
+            <a:off x="7966572" y="1885950"/>
+            <a:ext cx="3300984" cy="576262"/>
+          </a:xfrm>
+        </p:spPr>
+        <p:txBody>
+          <a:bodyPr anchor="b">
+            <a:noAutofit/>
+          </a:bodyPr>
+          <a:lstStyle>
+            <a:lvl1pPr marL="0" indent="0" algn="ctr">
+              <a:buNone/>
+              <a:defRPr sz="2400" b="0">
                 <a:solidFill>
-                  <a:schemeClr val="tx1">
-                    <a:tint val="75000"/>
-                  </a:schemeClr>
+                  <a:schemeClr val="tx1"/>
                 </a:solidFill>
               </a:defRPr>
+            </a:lvl1pPr>
+            <a:lvl2pPr marL="457200" indent="0">
+              <a:buNone/>
+              <a:defRPr sz="2000" b="1"/>
             </a:lvl2pPr>
             <a:lvl3pPr marL="914400" indent="0">
               <a:buNone/>
-              <a:defRPr sz="1600">
-                <a:solidFill>
-                  <a:schemeClr val="tx1">
-                    <a:tint val="75000"/>
-                  </a:schemeClr>
-                </a:solidFill>
-              </a:defRPr>
+              <a:defRPr sz="1800" b="1"/>
             </a:lvl3pPr>
             <a:lvl4pPr marL="1371600" indent="0">
               <a:buNone/>
-              <a:defRPr sz="1400">
-                <a:solidFill>
-                  <a:schemeClr val="tx1">
-                    <a:tint val="75000"/>
-                  </a:schemeClr>
-                </a:solidFill>
-              </a:defRPr>
+              <a:defRPr sz="1600" b="1"/>
             </a:lvl4pPr>
             <a:lvl5pPr marL="1828800" indent="0">
               <a:buNone/>
-              <a:defRPr sz="1400">
-                <a:solidFill>
-                  <a:schemeClr val="tx1">
-                    <a:tint val="75000"/>
-                  </a:schemeClr>
-                </a:solidFill>
-              </a:defRPr>
+              <a:defRPr sz="1600" b="1"/>
             </a:lvl5pPr>
             <a:lvl6pPr marL="2286000" indent="0">
               <a:buNone/>
-              <a:defRPr sz="1400">
-                <a:solidFill>
-                  <a:schemeClr val="tx1">
-                    <a:tint val="75000"/>
-                  </a:schemeClr>
-                </a:solidFill>
-              </a:defRPr>
+              <a:defRPr sz="1600" b="1"/>
             </a:lvl6pPr>
             <a:lvl7pPr marL="2743200" indent="0">
               <a:buNone/>
-              <a:defRPr sz="1400">
-                <a:solidFill>
-                  <a:schemeClr val="tx1">
-                    <a:tint val="75000"/>
-                  </a:schemeClr>
-                </a:solidFill>
-              </a:defRPr>
+              <a:defRPr sz="1600" b="1"/>
             </a:lvl7pPr>
             <a:lvl8pPr marL="3200400" indent="0">
               <a:buNone/>
-              <a:defRPr sz="1400">
-                <a:solidFill>
-                  <a:schemeClr val="tx1">
-                    <a:tint val="75000"/>
-                  </a:schemeClr>
-                </a:solidFill>
-              </a:defRPr>
+              <a:defRPr sz="1600" b="1"/>
             </a:lvl8pPr>
             <a:lvl9pPr marL="3657600" indent="0">
               <a:buNone/>
-              <a:defRPr sz="1400">
-                <a:solidFill>
-                  <a:schemeClr val="tx1">
-                    <a:tint val="75000"/>
-                  </a:schemeClr>
-                </a:solidFill>
-              </a:defRPr>
+              <a:defRPr sz="1600" b="1"/>
             </a:lvl9pPr>
           </a:lstStyle>
           <a:p>
@@ -2026,7 +2707,74 @@
       </p:sp>
       <p:sp>
         <p:nvSpPr>
-          <p:cNvPr id="4" name="Date Placeholder 3"/>
+          <p:cNvPr id="12" name="Text Placeholder 3"/>
+          <p:cNvSpPr>
+            <a:spLocks noGrp="1"/>
+          </p:cNvSpPr>
+          <p:nvPr>
+            <p:ph type="body" sz="half" idx="17"/>
+          </p:nvPr>
+        </p:nvSpPr>
+        <p:spPr>
+          <a:xfrm>
+            <a:off x="7966572" y="2571750"/>
+            <a:ext cx="3300984" cy="3219450"/>
+          </a:xfrm>
+        </p:spPr>
+        <p:txBody>
+          <a:bodyPr anchor="t">
+            <a:normAutofit/>
+          </a:bodyPr>
+          <a:lstStyle>
+            <a:lvl1pPr marL="0" indent="0" algn="ctr">
+              <a:buNone/>
+              <a:defRPr sz="1400"/>
+            </a:lvl1pPr>
+            <a:lvl2pPr marL="457200" indent="0">
+              <a:buNone/>
+              <a:defRPr sz="1200"/>
+            </a:lvl2pPr>
+            <a:lvl3pPr marL="914400" indent="0">
+              <a:buNone/>
+              <a:defRPr sz="1000"/>
+            </a:lvl3pPr>
+            <a:lvl4pPr marL="1371600" indent="0">
+              <a:buNone/>
+              <a:defRPr sz="900"/>
+            </a:lvl4pPr>
+            <a:lvl5pPr marL="1828800" indent="0">
+              <a:buNone/>
+              <a:defRPr sz="900"/>
+            </a:lvl5pPr>
+            <a:lvl6pPr marL="2286000" indent="0">
+              <a:buNone/>
+              <a:defRPr sz="900"/>
+            </a:lvl6pPr>
+            <a:lvl7pPr marL="2743200" indent="0">
+              <a:buNone/>
+              <a:defRPr sz="900"/>
+            </a:lvl7pPr>
+            <a:lvl8pPr marL="3200400" indent="0">
+              <a:buNone/>
+              <a:defRPr sz="900"/>
+            </a:lvl8pPr>
+            <a:lvl9pPr marL="3657600" indent="0">
+              <a:buNone/>
+              <a:defRPr sz="900"/>
+            </a:lvl9pPr>
+          </a:lstStyle>
+          <a:p>
+            <a:pPr lvl="0"/>
+            <a:r>
+              <a:rPr lang="hu-HU"/>
+              <a:t>Mintaszöveg szerkesztése</a:t>
+            </a:r>
+          </a:p>
+        </p:txBody>
+      </p:sp>
+      <p:sp>
+        <p:nvSpPr>
+          <p:cNvPr id="3" name="Date Placeholder 2"/>
           <p:cNvSpPr>
             <a:spLocks noGrp="1"/>
           </p:cNvSpPr>
@@ -2049,7 +2797,7 @@
       </p:sp>
       <p:sp>
         <p:nvSpPr>
-          <p:cNvPr id="5" name="Footer Placeholder 4"/>
+          <p:cNvPr id="4" name="Footer Placeholder 3"/>
           <p:cNvSpPr>
             <a:spLocks noGrp="1"/>
           </p:cNvSpPr>
@@ -2068,7 +2816,7 @@
       </p:sp>
       <p:sp>
         <p:nvSpPr>
-          <p:cNvPr id="6" name="Slide Number Placeholder 5"/>
+          <p:cNvPr id="5" name="Slide Number Placeholder 4"/>
           <p:cNvSpPr>
             <a:spLocks noGrp="1"/>
           </p:cNvSpPr>
@@ -2089,86 +2837,10 @@
           </a:p>
         </p:txBody>
       </p:sp>
-      <p:sp>
-        <p:nvSpPr>
-          <p:cNvPr id="24" name="TextBox 23"/>
-          <p:cNvSpPr txBox="1"/>
-          <p:nvPr/>
-        </p:nvSpPr>
-        <p:spPr>
-          <a:xfrm>
-            <a:off x="541870" y="790378"/>
-            <a:ext cx="609600" cy="584776"/>
-          </a:xfrm>
-          <a:prstGeom prst="rect">
-            <a:avLst/>
-          </a:prstGeom>
-        </p:spPr>
-        <p:txBody>
-          <a:bodyPr vert="horz" lIns="91440" tIns="45720" rIns="91440" bIns="45720" rtlCol="0" anchor="ctr">
-            <a:noAutofit/>
-          </a:bodyPr>
-          <a:lstStyle/>
-          <a:p>
-            <a:pPr lvl="0"/>
-            <a:r>
-              <a:rPr lang="en-US" sz="8000" baseline="0" dirty="0">
-                <a:ln w="3175" cmpd="sng">
-                  <a:noFill/>
-                </a:ln>
-                <a:solidFill>
-                  <a:schemeClr val="accent1"/>
-                </a:solidFill>
-                <a:effectLst/>
-                <a:latin typeface="Arial"/>
-              </a:rPr>
-              <a:t>“</a:t>
-            </a:r>
-          </a:p>
-        </p:txBody>
-      </p:sp>
-      <p:sp>
-        <p:nvSpPr>
-          <p:cNvPr id="25" name="TextBox 24"/>
-          <p:cNvSpPr txBox="1"/>
-          <p:nvPr/>
-        </p:nvSpPr>
-        <p:spPr>
-          <a:xfrm>
-            <a:off x="8893011" y="2886556"/>
-            <a:ext cx="609600" cy="584776"/>
-          </a:xfrm>
-          <a:prstGeom prst="rect">
-            <a:avLst/>
-          </a:prstGeom>
-        </p:spPr>
-        <p:txBody>
-          <a:bodyPr vert="horz" lIns="91440" tIns="45720" rIns="91440" bIns="45720" rtlCol="0" anchor="ctr">
-            <a:noAutofit/>
-          </a:bodyPr>
-          <a:lstStyle/>
-          <a:p>
-            <a:pPr lvl="0"/>
-            <a:r>
-              <a:rPr lang="en-US" sz="8000" baseline="0" dirty="0">
-                <a:ln w="3175" cmpd="sng">
-                  <a:noFill/>
-                </a:ln>
-                <a:solidFill>
-                  <a:schemeClr val="accent1"/>
-                </a:solidFill>
-                <a:effectLst/>
-                <a:latin typeface="Arial"/>
-              </a:rPr>
-              <a:t>”</a:t>
-            </a:r>
-          </a:p>
-        </p:txBody>
-      </p:sp>
     </p:spTree>
     <p:extLst>
       <p:ext uri="{BB962C8B-B14F-4D97-AF65-F5344CB8AC3E}">
-        <p14:creationId xmlns:p14="http://schemas.microsoft.com/office/powerpoint/2010/main" val="2548358838"/>
+        <p14:creationId xmlns:p14="http://schemas.microsoft.com/office/powerpoint/2010/main" val="3930354359"/>
       </p:ext>
     </p:extLst>
   </p:cSld>
@@ -2178,9 +2850,9 @@
 </p:sldLayout>
 </file>
 
-<file path=ppt/slideLayouts/slideLayout14.xml><?xml version="1.0" encoding="utf-8"?>
+<file path=ppt/slideLayouts/slideLayout15.xml><?xml version="1.0" encoding="utf-8"?>
 <p:sldLayout xmlns:a="http://schemas.openxmlformats.org/drawingml/2006/main" xmlns:r="http://schemas.openxmlformats.org/officeDocument/2006/relationships" xmlns:p="http://schemas.openxmlformats.org/presentationml/2006/main" preserve="1">
-  <p:cSld name="Igaz vagy hamis">
+  <p:cSld name="3 képhasáb">
     <p:spTree>
       <p:nvGrpSpPr>
         <p:cNvPr id="1" name=""/>
@@ -2195,31 +2867,115 @@
           <a:chExt cx="0" cy="0"/>
         </a:xfrm>
       </p:grpSpPr>
-      <p:sp>
-        <p:nvSpPr>
-          <p:cNvPr id="2" name="Title 1"/>
-          <p:cNvSpPr>
-            <a:spLocks noGrp="1"/>
-          </p:cNvSpPr>
-          <p:nvPr>
-            <p:ph type="title"/>
-          </p:nvPr>
-        </p:nvSpPr>
+      <p:pic>
+        <p:nvPicPr>
+          <p:cNvPr id="2" name="Picture 1" descr="Slate-V2-HD-3colPhotoInset.png"/>
+          <p:cNvPicPr>
+            <a:picLocks noChangeAspect="1"/>
+          </p:cNvPicPr>
+          <p:nvPr/>
+        </p:nvPicPr>
+        <p:blipFill>
+          <a:blip r:embed="rId2">
+            <a:extLst>
+              <a:ext uri="{28A0092B-C50C-407E-A947-70E740481C1C}">
+                <a14:useLocalDpi xmlns:a14="http://schemas.microsoft.com/office/drawing/2010/main" val="0"/>
+              </a:ext>
+            </a:extLst>
+          </a:blip>
+          <a:stretch>
+            <a:fillRect/>
+          </a:stretch>
+        </p:blipFill>
         <p:spPr>
           <a:xfrm>
-            <a:off x="685799" y="609600"/>
-            <a:ext cx="8588203" cy="3022600"/>
+            <a:off x="897962" y="1818214"/>
+            <a:ext cx="3339972" cy="1847851"/>
+          </a:xfrm>
+          <a:prstGeom prst="rect">
+            <a:avLst/>
+          </a:prstGeom>
+        </p:spPr>
+      </p:pic>
+      <p:pic>
+        <p:nvPicPr>
+          <p:cNvPr id="36" name="Picture 35" descr="Slate-V2-HD-3colPhotoInset.png"/>
+          <p:cNvPicPr>
+            <a:picLocks noChangeAspect="1"/>
+          </p:cNvPicPr>
+          <p:nvPr/>
+        </p:nvPicPr>
+        <p:blipFill>
+          <a:blip r:embed="rId2">
+            <a:extLst>
+              <a:ext uri="{28A0092B-C50C-407E-A947-70E740481C1C}">
+                <a14:useLocalDpi xmlns:a14="http://schemas.microsoft.com/office/drawing/2010/main" val="0"/>
+              </a:ext>
+            </a:extLst>
+          </a:blip>
+          <a:stretch>
+            <a:fillRect/>
+          </a:stretch>
+        </p:blipFill>
+        <p:spPr>
+          <a:xfrm>
+            <a:off x="4403800" y="1818214"/>
+            <a:ext cx="3339972" cy="1847851"/>
+          </a:xfrm>
+          <a:prstGeom prst="rect">
+            <a:avLst/>
+          </a:prstGeom>
+        </p:spPr>
+      </p:pic>
+      <p:pic>
+        <p:nvPicPr>
+          <p:cNvPr id="37" name="Picture 36" descr="Slate-V2-HD-3colPhotoInset.png"/>
+          <p:cNvPicPr>
+            <a:picLocks noChangeAspect="1"/>
+          </p:cNvPicPr>
+          <p:nvPr/>
+        </p:nvPicPr>
+        <p:blipFill>
+          <a:blip r:embed="rId2">
+            <a:extLst>
+              <a:ext uri="{28A0092B-C50C-407E-A947-70E740481C1C}">
+                <a14:useLocalDpi xmlns:a14="http://schemas.microsoft.com/office/drawing/2010/main" val="0"/>
+              </a:ext>
+            </a:extLst>
+          </a:blip>
+          <a:stretch>
+            <a:fillRect/>
+          </a:stretch>
+        </p:blipFill>
+        <p:spPr>
+          <a:xfrm>
+            <a:off x="7936051" y="1818214"/>
+            <a:ext cx="3339972" cy="1847851"/>
+          </a:xfrm>
+          <a:prstGeom prst="rect">
+            <a:avLst/>
+          </a:prstGeom>
+        </p:spPr>
+      </p:pic>
+      <p:sp>
+        <p:nvSpPr>
+          <p:cNvPr id="30" name="Title 1"/>
+          <p:cNvSpPr>
+            <a:spLocks noGrp="1"/>
+          </p:cNvSpPr>
+          <p:nvPr>
+            <p:ph type="title"/>
+          </p:nvPr>
+        </p:nvSpPr>
+        <p:spPr>
+          <a:xfrm>
+            <a:off x="913794" y="609600"/>
+            <a:ext cx="10353763" cy="970450"/>
           </a:xfrm>
         </p:spPr>
         <p:txBody>
-          <a:bodyPr anchor="ctr">
-            <a:normAutofit/>
-          </a:bodyPr>
-          <a:lstStyle>
-            <a:lvl1pPr algn="l">
-              <a:defRPr sz="4400" b="0" cap="none"/>
-            </a:lvl1pPr>
-          </a:lstStyle>
+          <a:bodyPr/>
+          <a:lstStyle/>
           <a:p>
             <a:r>
               <a:rPr lang="hu-HU"/>
@@ -2231,18 +2987,18 @@
       </p:sp>
       <p:sp>
         <p:nvSpPr>
-          <p:cNvPr id="23" name="Text Placeholder 9"/>
-          <p:cNvSpPr>
-            <a:spLocks noGrp="1"/>
-          </p:cNvSpPr>
-          <p:nvPr>
-            <p:ph type="body" sz="quarter" idx="13"/>
+          <p:cNvPr id="19" name="Text Placeholder 2"/>
+          <p:cNvSpPr>
+            <a:spLocks noGrp="1"/>
+          </p:cNvSpPr>
+          <p:nvPr>
+            <p:ph type="body" idx="1"/>
           </p:nvPr>
         </p:nvSpPr>
         <p:spPr>
           <a:xfrm>
-            <a:off x="677332" y="4013200"/>
-            <a:ext cx="8596669" cy="514248"/>
+            <a:off x="913795" y="3904106"/>
+            <a:ext cx="3300984" cy="576262"/>
           </a:xfrm>
         </p:spPr>
         <p:txBody>
@@ -2250,35 +3006,46 @@
             <a:noAutofit/>
           </a:bodyPr>
           <a:lstStyle>
-            <a:lvl1pPr marL="0" indent="0">
-              <a:buFontTx/>
-              <a:buNone/>
-              <a:defRPr sz="2400">
+            <a:lvl1pPr marL="0" indent="0" algn="ctr">
+              <a:buNone/>
+              <a:defRPr sz="2000" b="0">
                 <a:solidFill>
-                  <a:schemeClr val="accent1"/>
+                  <a:schemeClr val="tx1"/>
                 </a:solidFill>
               </a:defRPr>
             </a:lvl1pPr>
             <a:lvl2pPr marL="457200" indent="0">
-              <a:buFontTx/>
-              <a:buNone/>
-              <a:defRPr/>
+              <a:buNone/>
+              <a:defRPr sz="2000" b="1"/>
             </a:lvl2pPr>
             <a:lvl3pPr marL="914400" indent="0">
-              <a:buFontTx/>
-              <a:buNone/>
-              <a:defRPr/>
+              <a:buNone/>
+              <a:defRPr sz="1800" b="1"/>
             </a:lvl3pPr>
             <a:lvl4pPr marL="1371600" indent="0">
-              <a:buFontTx/>
-              <a:buNone/>
-              <a:defRPr/>
+              <a:buNone/>
+              <a:defRPr sz="1600" b="1"/>
             </a:lvl4pPr>
             <a:lvl5pPr marL="1828800" indent="0">
-              <a:buFontTx/>
-              <a:buNone/>
-              <a:defRPr/>
+              <a:buNone/>
+              <a:defRPr sz="1600" b="1"/>
             </a:lvl5pPr>
+            <a:lvl6pPr marL="2286000" indent="0">
+              <a:buNone/>
+              <a:defRPr sz="1600" b="1"/>
+            </a:lvl6pPr>
+            <a:lvl7pPr marL="2743200" indent="0">
+              <a:buNone/>
+              <a:defRPr sz="1600" b="1"/>
+            </a:lvl7pPr>
+            <a:lvl8pPr marL="3200400" indent="0">
+              <a:buNone/>
+              <a:defRPr sz="1600" b="1"/>
+            </a:lvl8pPr>
+            <a:lvl9pPr marL="3657600" indent="0">
+              <a:buNone/>
+              <a:defRPr sz="1600" b="1"/>
+            </a:lvl9pPr>
           </a:lstStyle>
           <a:p>
             <a:pPr lvl="0"/>
@@ -2291,115 +3058,427 @@
       </p:sp>
       <p:sp>
         <p:nvSpPr>
-          <p:cNvPr id="3" name="Text Placeholder 2"/>
-          <p:cNvSpPr>
-            <a:spLocks noGrp="1"/>
-          </p:cNvSpPr>
-          <p:nvPr>
-            <p:ph type="body" idx="1"/>
+          <p:cNvPr id="20" name="Picture Placeholder 2"/>
+          <p:cNvSpPr>
+            <a:spLocks noGrp="1" noChangeAspect="1"/>
+          </p:cNvSpPr>
+          <p:nvPr>
+            <p:ph type="pic" idx="15"/>
           </p:nvPr>
         </p:nvSpPr>
         <p:spPr>
           <a:xfrm>
-            <a:off x="677335" y="4527448"/>
-            <a:ext cx="8596668" cy="1513914"/>
+            <a:off x="1018102" y="1938918"/>
+            <a:ext cx="3092368" cy="1602954"/>
           </a:xfrm>
+          <a:prstGeom prst="roundRect">
+            <a:avLst>
+              <a:gd name="adj" fmla="val 1858"/>
+            </a:avLst>
+          </a:prstGeom>
+          <a:effectLst>
+            <a:outerShdw blurRad="38100" dist="25400" dir="4440000">
+              <a:srgbClr val="000000">
+                <a:alpha val="36000"/>
+              </a:srgbClr>
+            </a:outerShdw>
+          </a:effectLst>
         </p:spPr>
         <p:txBody>
           <a:bodyPr anchor="t">
             <a:normAutofit/>
           </a:bodyPr>
           <a:lstStyle>
-            <a:lvl1pPr marL="0" indent="0" algn="l">
-              <a:buNone/>
-              <a:defRPr sz="1800">
+            <a:lvl1pPr marL="0" indent="0" algn="ctr">
+              <a:buNone/>
+              <a:defRPr sz="1600"/>
+            </a:lvl1pPr>
+            <a:lvl2pPr marL="457200" indent="0">
+              <a:buNone/>
+              <a:defRPr sz="1600"/>
+            </a:lvl2pPr>
+            <a:lvl3pPr marL="914400" indent="0">
+              <a:buNone/>
+              <a:defRPr sz="1600"/>
+            </a:lvl3pPr>
+            <a:lvl4pPr marL="1371600" indent="0">
+              <a:buNone/>
+              <a:defRPr sz="1600"/>
+            </a:lvl4pPr>
+            <a:lvl5pPr marL="1828800" indent="0">
+              <a:buNone/>
+              <a:defRPr sz="1600"/>
+            </a:lvl5pPr>
+            <a:lvl6pPr marL="2286000" indent="0">
+              <a:buNone/>
+              <a:defRPr sz="1600"/>
+            </a:lvl6pPr>
+            <a:lvl7pPr marL="2743200" indent="0">
+              <a:buNone/>
+              <a:defRPr sz="1600"/>
+            </a:lvl7pPr>
+            <a:lvl8pPr marL="3200400" indent="0">
+              <a:buNone/>
+              <a:defRPr sz="1600"/>
+            </a:lvl8pPr>
+            <a:lvl9pPr marL="3657600" indent="0">
+              <a:buNone/>
+              <a:defRPr sz="1600"/>
+            </a:lvl9pPr>
+          </a:lstStyle>
+          <a:p>
+            <a:r>
+              <a:rPr lang="hu-HU"/>
+              <a:t>Kép beszúrásához kattintson az ikonra</a:t>
+            </a:r>
+            <a:endParaRPr lang="en-US" dirty="0"/>
+          </a:p>
+        </p:txBody>
+      </p:sp>
+      <p:sp>
+        <p:nvSpPr>
+          <p:cNvPr id="21" name="Text Placeholder 3"/>
+          <p:cNvSpPr>
+            <a:spLocks noGrp="1"/>
+          </p:cNvSpPr>
+          <p:nvPr>
+            <p:ph type="body" sz="half" idx="18"/>
+          </p:nvPr>
+        </p:nvSpPr>
+        <p:spPr>
+          <a:xfrm>
+            <a:off x="913795" y="4480368"/>
+            <a:ext cx="3300984" cy="1310833"/>
+          </a:xfrm>
+        </p:spPr>
+        <p:txBody>
+          <a:bodyPr anchor="t">
+            <a:normAutofit/>
+          </a:bodyPr>
+          <a:lstStyle>
+            <a:lvl1pPr marL="0" indent="0" algn="ctr">
+              <a:buNone/>
+              <a:defRPr sz="1400"/>
+            </a:lvl1pPr>
+            <a:lvl2pPr marL="457200" indent="0">
+              <a:buNone/>
+              <a:defRPr sz="1200"/>
+            </a:lvl2pPr>
+            <a:lvl3pPr marL="914400" indent="0">
+              <a:buNone/>
+              <a:defRPr sz="1000"/>
+            </a:lvl3pPr>
+            <a:lvl4pPr marL="1371600" indent="0">
+              <a:buNone/>
+              <a:defRPr sz="900"/>
+            </a:lvl4pPr>
+            <a:lvl5pPr marL="1828800" indent="0">
+              <a:buNone/>
+              <a:defRPr sz="900"/>
+            </a:lvl5pPr>
+            <a:lvl6pPr marL="2286000" indent="0">
+              <a:buNone/>
+              <a:defRPr sz="900"/>
+            </a:lvl6pPr>
+            <a:lvl7pPr marL="2743200" indent="0">
+              <a:buNone/>
+              <a:defRPr sz="900"/>
+            </a:lvl7pPr>
+            <a:lvl8pPr marL="3200400" indent="0">
+              <a:buNone/>
+              <a:defRPr sz="900"/>
+            </a:lvl8pPr>
+            <a:lvl9pPr marL="3657600" indent="0">
+              <a:buNone/>
+              <a:defRPr sz="900"/>
+            </a:lvl9pPr>
+          </a:lstStyle>
+          <a:p>
+            <a:pPr lvl="0"/>
+            <a:r>
+              <a:rPr lang="hu-HU"/>
+              <a:t>Mintaszöveg szerkesztése</a:t>
+            </a:r>
+          </a:p>
+        </p:txBody>
+      </p:sp>
+      <p:sp>
+        <p:nvSpPr>
+          <p:cNvPr id="22" name="Text Placeholder 4"/>
+          <p:cNvSpPr>
+            <a:spLocks noGrp="1"/>
+          </p:cNvSpPr>
+          <p:nvPr>
+            <p:ph type="body" sz="quarter" idx="3"/>
+          </p:nvPr>
+        </p:nvSpPr>
+        <p:spPr>
+          <a:xfrm>
+            <a:off x="4442788" y="3904106"/>
+            <a:ext cx="3300984" cy="576262"/>
+          </a:xfrm>
+        </p:spPr>
+        <p:txBody>
+          <a:bodyPr anchor="b">
+            <a:noAutofit/>
+          </a:bodyPr>
+          <a:lstStyle>
+            <a:lvl1pPr marL="0" indent="0" algn="ctr">
+              <a:buNone/>
+              <a:defRPr sz="2000" b="0">
                 <a:solidFill>
-                  <a:schemeClr val="tx1">
-                    <a:lumMod val="50000"/>
-                    <a:lumOff val="50000"/>
-                  </a:schemeClr>
+                  <a:schemeClr val="tx1"/>
                 </a:solidFill>
               </a:defRPr>
             </a:lvl1pPr>
             <a:lvl2pPr marL="457200" indent="0">
               <a:buNone/>
-              <a:defRPr sz="1800">
+              <a:defRPr sz="2000" b="1"/>
+            </a:lvl2pPr>
+            <a:lvl3pPr marL="914400" indent="0">
+              <a:buNone/>
+              <a:defRPr sz="1800" b="1"/>
+            </a:lvl3pPr>
+            <a:lvl4pPr marL="1371600" indent="0">
+              <a:buNone/>
+              <a:defRPr sz="1600" b="1"/>
+            </a:lvl4pPr>
+            <a:lvl5pPr marL="1828800" indent="0">
+              <a:buNone/>
+              <a:defRPr sz="1600" b="1"/>
+            </a:lvl5pPr>
+            <a:lvl6pPr marL="2286000" indent="0">
+              <a:buNone/>
+              <a:defRPr sz="1600" b="1"/>
+            </a:lvl6pPr>
+            <a:lvl7pPr marL="2743200" indent="0">
+              <a:buNone/>
+              <a:defRPr sz="1600" b="1"/>
+            </a:lvl7pPr>
+            <a:lvl8pPr marL="3200400" indent="0">
+              <a:buNone/>
+              <a:defRPr sz="1600" b="1"/>
+            </a:lvl8pPr>
+            <a:lvl9pPr marL="3657600" indent="0">
+              <a:buNone/>
+              <a:defRPr sz="1600" b="1"/>
+            </a:lvl9pPr>
+          </a:lstStyle>
+          <a:p>
+            <a:pPr lvl="0"/>
+            <a:r>
+              <a:rPr lang="hu-HU"/>
+              <a:t>Mintaszöveg szerkesztése</a:t>
+            </a:r>
+          </a:p>
+        </p:txBody>
+      </p:sp>
+      <p:sp>
+        <p:nvSpPr>
+          <p:cNvPr id="23" name="Picture Placeholder 2"/>
+          <p:cNvSpPr>
+            <a:spLocks noGrp="1" noChangeAspect="1"/>
+          </p:cNvSpPr>
+          <p:nvPr>
+            <p:ph type="pic" idx="21"/>
+          </p:nvPr>
+        </p:nvSpPr>
+        <p:spPr>
+          <a:xfrm>
+            <a:off x="4545743" y="1939094"/>
+            <a:ext cx="3092368" cy="1608164"/>
+          </a:xfrm>
+          <a:prstGeom prst="roundRect">
+            <a:avLst>
+              <a:gd name="adj" fmla="val 1858"/>
+            </a:avLst>
+          </a:prstGeom>
+          <a:effectLst>
+            <a:outerShdw blurRad="38100" dist="25400" dir="4440000">
+              <a:srgbClr val="000000">
+                <a:alpha val="36000"/>
+              </a:srgbClr>
+            </a:outerShdw>
+          </a:effectLst>
+        </p:spPr>
+        <p:txBody>
+          <a:bodyPr anchor="t">
+            <a:normAutofit/>
+          </a:bodyPr>
+          <a:lstStyle>
+            <a:lvl1pPr marL="0" indent="0" algn="ctr">
+              <a:buNone/>
+              <a:defRPr sz="1600"/>
+            </a:lvl1pPr>
+            <a:lvl2pPr marL="457200" indent="0">
+              <a:buNone/>
+              <a:defRPr sz="1600"/>
+            </a:lvl2pPr>
+            <a:lvl3pPr marL="914400" indent="0">
+              <a:buNone/>
+              <a:defRPr sz="1600"/>
+            </a:lvl3pPr>
+            <a:lvl4pPr marL="1371600" indent="0">
+              <a:buNone/>
+              <a:defRPr sz="1600"/>
+            </a:lvl4pPr>
+            <a:lvl5pPr marL="1828800" indent="0">
+              <a:buNone/>
+              <a:defRPr sz="1600"/>
+            </a:lvl5pPr>
+            <a:lvl6pPr marL="2286000" indent="0">
+              <a:buNone/>
+              <a:defRPr sz="1600"/>
+            </a:lvl6pPr>
+            <a:lvl7pPr marL="2743200" indent="0">
+              <a:buNone/>
+              <a:defRPr sz="1600"/>
+            </a:lvl7pPr>
+            <a:lvl8pPr marL="3200400" indent="0">
+              <a:buNone/>
+              <a:defRPr sz="1600"/>
+            </a:lvl8pPr>
+            <a:lvl9pPr marL="3657600" indent="0">
+              <a:buNone/>
+              <a:defRPr sz="1600"/>
+            </a:lvl9pPr>
+          </a:lstStyle>
+          <a:p>
+            <a:r>
+              <a:rPr lang="hu-HU"/>
+              <a:t>Kép beszúrásához kattintson az ikonra</a:t>
+            </a:r>
+            <a:endParaRPr lang="en-US" dirty="0"/>
+          </a:p>
+        </p:txBody>
+      </p:sp>
+      <p:sp>
+        <p:nvSpPr>
+          <p:cNvPr id="24" name="Text Placeholder 3"/>
+          <p:cNvSpPr>
+            <a:spLocks noGrp="1"/>
+          </p:cNvSpPr>
+          <p:nvPr>
+            <p:ph type="body" sz="half" idx="19"/>
+          </p:nvPr>
+        </p:nvSpPr>
+        <p:spPr>
+          <a:xfrm>
+            <a:off x="4441435" y="4480367"/>
+            <a:ext cx="3300984" cy="1310833"/>
+          </a:xfrm>
+        </p:spPr>
+        <p:txBody>
+          <a:bodyPr anchor="t">
+            <a:normAutofit/>
+          </a:bodyPr>
+          <a:lstStyle>
+            <a:lvl1pPr marL="0" indent="0" algn="ctr">
+              <a:buNone/>
+              <a:defRPr sz="1400"/>
+            </a:lvl1pPr>
+            <a:lvl2pPr marL="457200" indent="0">
+              <a:buNone/>
+              <a:defRPr sz="1200"/>
+            </a:lvl2pPr>
+            <a:lvl3pPr marL="914400" indent="0">
+              <a:buNone/>
+              <a:defRPr sz="1000"/>
+            </a:lvl3pPr>
+            <a:lvl4pPr marL="1371600" indent="0">
+              <a:buNone/>
+              <a:defRPr sz="900"/>
+            </a:lvl4pPr>
+            <a:lvl5pPr marL="1828800" indent="0">
+              <a:buNone/>
+              <a:defRPr sz="900"/>
+            </a:lvl5pPr>
+            <a:lvl6pPr marL="2286000" indent="0">
+              <a:buNone/>
+              <a:defRPr sz="900"/>
+            </a:lvl6pPr>
+            <a:lvl7pPr marL="2743200" indent="0">
+              <a:buNone/>
+              <a:defRPr sz="900"/>
+            </a:lvl7pPr>
+            <a:lvl8pPr marL="3200400" indent="0">
+              <a:buNone/>
+              <a:defRPr sz="900"/>
+            </a:lvl8pPr>
+            <a:lvl9pPr marL="3657600" indent="0">
+              <a:buNone/>
+              <a:defRPr sz="900"/>
+            </a:lvl9pPr>
+          </a:lstStyle>
+          <a:p>
+            <a:pPr lvl="0"/>
+            <a:r>
+              <a:rPr lang="hu-HU"/>
+              <a:t>Mintaszöveg szerkesztése</a:t>
+            </a:r>
+          </a:p>
+        </p:txBody>
+      </p:sp>
+      <p:sp>
+        <p:nvSpPr>
+          <p:cNvPr id="25" name="Text Placeholder 4"/>
+          <p:cNvSpPr>
+            <a:spLocks noGrp="1"/>
+          </p:cNvSpPr>
+          <p:nvPr>
+            <p:ph type="body" sz="quarter" idx="13"/>
+          </p:nvPr>
+        </p:nvSpPr>
+        <p:spPr>
+          <a:xfrm>
+            <a:off x="7966697" y="3904106"/>
+            <a:ext cx="3300984" cy="576262"/>
+          </a:xfrm>
+        </p:spPr>
+        <p:txBody>
+          <a:bodyPr anchor="b">
+            <a:noAutofit/>
+          </a:bodyPr>
+          <a:lstStyle>
+            <a:lvl1pPr marL="0" indent="0" algn="ctr">
+              <a:buNone/>
+              <a:defRPr sz="2000" b="0">
                 <a:solidFill>
-                  <a:schemeClr val="tx1">
-                    <a:tint val="75000"/>
-                  </a:schemeClr>
+                  <a:schemeClr val="tx1"/>
                 </a:solidFill>
               </a:defRPr>
+            </a:lvl1pPr>
+            <a:lvl2pPr marL="457200" indent="0">
+              <a:buNone/>
+              <a:defRPr sz="2000" b="1"/>
             </a:lvl2pPr>
             <a:lvl3pPr marL="914400" indent="0">
               <a:buNone/>
-              <a:defRPr sz="1600">
-                <a:solidFill>
-                  <a:schemeClr val="tx1">
-                    <a:tint val="75000"/>
-                  </a:schemeClr>
-                </a:solidFill>
-              </a:defRPr>
+              <a:defRPr sz="1800" b="1"/>
             </a:lvl3pPr>
             <a:lvl4pPr marL="1371600" indent="0">
               <a:buNone/>
-              <a:defRPr sz="1400">
-                <a:solidFill>
-                  <a:schemeClr val="tx1">
-                    <a:tint val="75000"/>
-                  </a:schemeClr>
-                </a:solidFill>
-              </a:defRPr>
+              <a:defRPr sz="1600" b="1"/>
             </a:lvl4pPr>
             <a:lvl5pPr marL="1828800" indent="0">
               <a:buNone/>
-              <a:defRPr sz="1400">
-                <a:solidFill>
-                  <a:schemeClr val="tx1">
-                    <a:tint val="75000"/>
-                  </a:schemeClr>
-                </a:solidFill>
-              </a:defRPr>
+              <a:defRPr sz="1600" b="1"/>
             </a:lvl5pPr>
             <a:lvl6pPr marL="2286000" indent="0">
               <a:buNone/>
-              <a:defRPr sz="1400">
-                <a:solidFill>
-                  <a:schemeClr val="tx1">
-                    <a:tint val="75000"/>
-                  </a:schemeClr>
-                </a:solidFill>
-              </a:defRPr>
+              <a:defRPr sz="1600" b="1"/>
             </a:lvl6pPr>
             <a:lvl7pPr marL="2743200" indent="0">
               <a:buNone/>
-              <a:defRPr sz="1400">
-                <a:solidFill>
-                  <a:schemeClr val="tx1">
-                    <a:tint val="75000"/>
-                  </a:schemeClr>
-                </a:solidFill>
-              </a:defRPr>
+              <a:defRPr sz="1600" b="1"/>
             </a:lvl7pPr>
             <a:lvl8pPr marL="3200400" indent="0">
               <a:buNone/>
-              <a:defRPr sz="1400">
-                <a:solidFill>
-                  <a:schemeClr val="tx1">
-                    <a:tint val="75000"/>
-                  </a:schemeClr>
-                </a:solidFill>
-              </a:defRPr>
+              <a:defRPr sz="1600" b="1"/>
             </a:lvl8pPr>
             <a:lvl9pPr marL="3657600" indent="0">
               <a:buNone/>
-              <a:defRPr sz="1400">
-                <a:solidFill>
-                  <a:schemeClr val="tx1">
-                    <a:tint val="75000"/>
-                  </a:schemeClr>
-                </a:solidFill>
-              </a:defRPr>
+              <a:defRPr sz="1600" b="1"/>
             </a:lvl9pPr>
           </a:lstStyle>
           <a:p>
@@ -2413,7 +3492,153 @@
       </p:sp>
       <p:sp>
         <p:nvSpPr>
-          <p:cNvPr id="4" name="Date Placeholder 3"/>
+          <p:cNvPr id="26" name="Picture Placeholder 2"/>
+          <p:cNvSpPr>
+            <a:spLocks noGrp="1" noChangeAspect="1"/>
+          </p:cNvSpPr>
+          <p:nvPr>
+            <p:ph type="pic" idx="22"/>
+          </p:nvPr>
+        </p:nvSpPr>
+        <p:spPr>
+          <a:xfrm>
+            <a:off x="8075698" y="1934432"/>
+            <a:ext cx="3092368" cy="1607294"/>
+          </a:xfrm>
+          <a:prstGeom prst="roundRect">
+            <a:avLst>
+              <a:gd name="adj" fmla="val 1858"/>
+            </a:avLst>
+          </a:prstGeom>
+          <a:effectLst>
+            <a:outerShdw blurRad="38100" dist="25400" dir="4440000">
+              <a:srgbClr val="000000">
+                <a:alpha val="36000"/>
+              </a:srgbClr>
+            </a:outerShdw>
+          </a:effectLst>
+        </p:spPr>
+        <p:txBody>
+          <a:bodyPr anchor="t">
+            <a:normAutofit/>
+          </a:bodyPr>
+          <a:lstStyle>
+            <a:lvl1pPr marL="0" indent="0" algn="ctr">
+              <a:buNone/>
+              <a:defRPr sz="1600"/>
+            </a:lvl1pPr>
+            <a:lvl2pPr marL="457200" indent="0">
+              <a:buNone/>
+              <a:defRPr sz="1600"/>
+            </a:lvl2pPr>
+            <a:lvl3pPr marL="914400" indent="0">
+              <a:buNone/>
+              <a:defRPr sz="1600"/>
+            </a:lvl3pPr>
+            <a:lvl4pPr marL="1371600" indent="0">
+              <a:buNone/>
+              <a:defRPr sz="1600"/>
+            </a:lvl4pPr>
+            <a:lvl5pPr marL="1828800" indent="0">
+              <a:buNone/>
+              <a:defRPr sz="1600"/>
+            </a:lvl5pPr>
+            <a:lvl6pPr marL="2286000" indent="0">
+              <a:buNone/>
+              <a:defRPr sz="1600"/>
+            </a:lvl6pPr>
+            <a:lvl7pPr marL="2743200" indent="0">
+              <a:buNone/>
+              <a:defRPr sz="1600"/>
+            </a:lvl7pPr>
+            <a:lvl8pPr marL="3200400" indent="0">
+              <a:buNone/>
+              <a:defRPr sz="1600"/>
+            </a:lvl8pPr>
+            <a:lvl9pPr marL="3657600" indent="0">
+              <a:buNone/>
+              <a:defRPr sz="1600"/>
+            </a:lvl9pPr>
+          </a:lstStyle>
+          <a:p>
+            <a:r>
+              <a:rPr lang="hu-HU"/>
+              <a:t>Kép beszúrásához kattintson az ikonra</a:t>
+            </a:r>
+            <a:endParaRPr lang="en-US" dirty="0"/>
+          </a:p>
+        </p:txBody>
+      </p:sp>
+      <p:sp>
+        <p:nvSpPr>
+          <p:cNvPr id="27" name="Text Placeholder 3"/>
+          <p:cNvSpPr>
+            <a:spLocks noGrp="1"/>
+          </p:cNvSpPr>
+          <p:nvPr>
+            <p:ph type="body" sz="half" idx="20"/>
+          </p:nvPr>
+        </p:nvSpPr>
+        <p:spPr>
+          <a:xfrm>
+            <a:off x="7966572" y="4480365"/>
+            <a:ext cx="3300984" cy="1310835"/>
+          </a:xfrm>
+        </p:spPr>
+        <p:txBody>
+          <a:bodyPr anchor="t">
+            <a:normAutofit/>
+          </a:bodyPr>
+          <a:lstStyle>
+            <a:lvl1pPr marL="0" indent="0" algn="ctr">
+              <a:buNone/>
+              <a:defRPr sz="1400"/>
+            </a:lvl1pPr>
+            <a:lvl2pPr marL="457200" indent="0">
+              <a:buNone/>
+              <a:defRPr sz="1200"/>
+            </a:lvl2pPr>
+            <a:lvl3pPr marL="914400" indent="0">
+              <a:buNone/>
+              <a:defRPr sz="1000"/>
+            </a:lvl3pPr>
+            <a:lvl4pPr marL="1371600" indent="0">
+              <a:buNone/>
+              <a:defRPr sz="900"/>
+            </a:lvl4pPr>
+            <a:lvl5pPr marL="1828800" indent="0">
+              <a:buNone/>
+              <a:defRPr sz="900"/>
+            </a:lvl5pPr>
+            <a:lvl6pPr marL="2286000" indent="0">
+              <a:buNone/>
+              <a:defRPr sz="900"/>
+            </a:lvl6pPr>
+            <a:lvl7pPr marL="2743200" indent="0">
+              <a:buNone/>
+              <a:defRPr sz="900"/>
+            </a:lvl7pPr>
+            <a:lvl8pPr marL="3200400" indent="0">
+              <a:buNone/>
+              <a:defRPr sz="900"/>
+            </a:lvl8pPr>
+            <a:lvl9pPr marL="3657600" indent="0">
+              <a:buNone/>
+              <a:defRPr sz="900"/>
+            </a:lvl9pPr>
+          </a:lstStyle>
+          <a:p>
+            <a:pPr lvl="0"/>
+            <a:r>
+              <a:rPr lang="hu-HU"/>
+              <a:t>Mintaszöveg szerkesztése</a:t>
+            </a:r>
+          </a:p>
+        </p:txBody>
+      </p:sp>
+      <p:sp>
+        <p:nvSpPr>
+          <p:cNvPr id="3" name="Date Placeholder 2"/>
           <p:cNvSpPr>
             <a:spLocks noGrp="1"/>
           </p:cNvSpPr>
@@ -2436,7 +3661,7 @@
       </p:sp>
       <p:sp>
         <p:nvSpPr>
-          <p:cNvPr id="5" name="Footer Placeholder 4"/>
+          <p:cNvPr id="4" name="Footer Placeholder 3"/>
           <p:cNvSpPr>
             <a:spLocks noGrp="1"/>
           </p:cNvSpPr>
@@ -2455,7 +3680,7 @@
       </p:sp>
       <p:sp>
         <p:nvSpPr>
-          <p:cNvPr id="6" name="Slide Number Placeholder 5"/>
+          <p:cNvPr id="5" name="Slide Number Placeholder 4"/>
           <p:cNvSpPr>
             <a:spLocks noGrp="1"/>
           </p:cNvSpPr>
@@ -2479,7 +3704,7 @@
     </p:spTree>
     <p:extLst>
       <p:ext uri="{BB962C8B-B14F-4D97-AF65-F5344CB8AC3E}">
-        <p14:creationId xmlns:p14="http://schemas.microsoft.com/office/powerpoint/2010/main" val="175481002"/>
+        <p14:creationId xmlns:p14="http://schemas.microsoft.com/office/powerpoint/2010/main" val="2897801120"/>
       </p:ext>
     </p:extLst>
   </p:cSld>
@@ -2489,7 +3714,7 @@
 </p:sldLayout>
 </file>
 
-<file path=ppt/slideLayouts/slideLayout15.xml><?xml version="1.0" encoding="utf-8"?>
+<file path=ppt/slideLayouts/slideLayout16.xml><?xml version="1.0" encoding="utf-8"?>
 <p:sldLayout xmlns:a="http://schemas.openxmlformats.org/drawingml/2006/main" xmlns:r="http://schemas.openxmlformats.org/officeDocument/2006/relationships" xmlns:p="http://schemas.openxmlformats.org/presentationml/2006/main" type="vertTx" preserve="1">
   <p:cSld name="Cím és függőleges szöveg">
     <p:spTree>
@@ -2541,7 +3766,7 @@
         </p:nvSpPr>
         <p:spPr/>
         <p:txBody>
-          <a:bodyPr vert="eaVert"/>
+          <a:bodyPr vert="eaVert" anchor="t"/>
           <a:lstStyle/>
           <a:p>
             <a:pPr lvl="0"/>
@@ -2649,7 +3874,7 @@
     </p:spTree>
     <p:extLst>
       <p:ext uri="{BB962C8B-B14F-4D97-AF65-F5344CB8AC3E}">
-        <p14:creationId xmlns:p14="http://schemas.microsoft.com/office/powerpoint/2010/main" val="3245185101"/>
+        <p14:creationId xmlns:p14="http://schemas.microsoft.com/office/powerpoint/2010/main" val="1567442975"/>
       </p:ext>
     </p:extLst>
   </p:cSld>
@@ -2659,7 +3884,7 @@
 </p:sldLayout>
 </file>
 
-<file path=ppt/slideLayouts/slideLayout16.xml><?xml version="1.0" encoding="utf-8"?>
+<file path=ppt/slideLayouts/slideLayout17.xml><?xml version="1.0" encoding="utf-8"?>
 <p:sldLayout xmlns:a="http://schemas.openxmlformats.org/drawingml/2006/main" xmlns:r="http://schemas.openxmlformats.org/officeDocument/2006/relationships" xmlns:p="http://schemas.openxmlformats.org/presentationml/2006/main" type="vertTitleAndTx" preserve="1">
   <p:cSld name="Függőleges cím és szöveg">
     <p:spTree>
@@ -2688,13 +3913,17 @@
         </p:nvSpPr>
         <p:spPr>
           <a:xfrm>
-            <a:off x="7967673" y="609599"/>
-            <a:ext cx="1304743" cy="5251451"/>
+            <a:off x="8983068" y="609599"/>
+            <a:ext cx="2284487" cy="5181601"/>
           </a:xfrm>
         </p:spPr>
         <p:txBody>
-          <a:bodyPr vert="eaVert" anchor="ctr"/>
-          <a:lstStyle/>
+          <a:bodyPr vert="eaVert"/>
+          <a:lstStyle>
+            <a:lvl1pPr algn="l">
+              <a:defRPr/>
+            </a:lvl1pPr>
+          </a:lstStyle>
           <a:p>
             <a:r>
               <a:rPr lang="hu-HU"/>
@@ -2716,12 +3945,12 @@
         </p:nvSpPr>
         <p:spPr>
           <a:xfrm>
-            <a:off x="677335" y="609600"/>
-            <a:ext cx="7060150" cy="5251450"/>
+            <a:off x="913796" y="609599"/>
+            <a:ext cx="7916872" cy="5181601"/>
           </a:xfrm>
         </p:spPr>
         <p:txBody>
-          <a:bodyPr vert="eaVert"/>
+          <a:bodyPr vert="eaVert" anchor="t"/>
           <a:lstStyle/>
           <a:p>
             <a:pPr lvl="0"/>
@@ -2829,7 +4058,7 @@
     </p:spTree>
     <p:extLst>
       <p:ext uri="{BB962C8B-B14F-4D97-AF65-F5344CB8AC3E}">
-        <p14:creationId xmlns:p14="http://schemas.microsoft.com/office/powerpoint/2010/main" val="3034388169"/>
+        <p14:creationId xmlns:p14="http://schemas.microsoft.com/office/powerpoint/2010/main" val="1495291415"/>
       </p:ext>
     </p:extLst>
   </p:cSld>
@@ -2868,14 +4097,8 @@
         </p:nvSpPr>
         <p:spPr/>
         <p:txBody>
-          <a:bodyPr>
-            <a:normAutofit/>
-          </a:bodyPr>
-          <a:lstStyle>
-            <a:lvl1pPr>
-              <a:defRPr sz="3600"/>
-            </a:lvl1pPr>
-          </a:lstStyle>
+          <a:bodyPr/>
+          <a:lstStyle/>
           <a:p>
             <a:r>
               <a:rPr lang="hu-HU"/>
@@ -3005,7 +4228,7 @@
     </p:spTree>
     <p:extLst>
       <p:ext uri="{BB962C8B-B14F-4D97-AF65-F5344CB8AC3E}">
-        <p14:creationId xmlns:p14="http://schemas.microsoft.com/office/powerpoint/2010/main" val="2075053358"/>
+        <p14:creationId xmlns:p14="http://schemas.microsoft.com/office/powerpoint/2010/main" val="4185841877"/>
       </p:ext>
     </p:extLst>
   </p:cSld>
@@ -3044,14 +4267,14 @@
         </p:nvSpPr>
         <p:spPr>
           <a:xfrm>
-            <a:off x="677335" y="2700867"/>
-            <a:ext cx="8596668" cy="1826581"/>
+            <a:off x="1295401" y="1761067"/>
+            <a:ext cx="9590550" cy="1828813"/>
           </a:xfrm>
         </p:spPr>
         <p:txBody>
           <a:bodyPr anchor="b"/>
           <a:lstStyle>
-            <a:lvl1pPr algn="l">
+            <a:lvl1pPr algn="ctr">
               <a:defRPr sz="4000" b="0" cap="none"/>
             </a:lvl1pPr>
           </a:lstStyle>
@@ -3076,21 +4299,18 @@
         </p:nvSpPr>
         <p:spPr>
           <a:xfrm>
-            <a:off x="677335" y="4527448"/>
-            <a:ext cx="8596668" cy="860400"/>
+            <a:off x="1295401" y="3589879"/>
+            <a:ext cx="9590550" cy="1507054"/>
           </a:xfrm>
         </p:spPr>
         <p:txBody>
           <a:bodyPr anchor="t"/>
           <a:lstStyle>
-            <a:lvl1pPr marL="0" indent="0" algn="l">
+            <a:lvl1pPr marL="0" indent="0" algn="ctr">
               <a:buNone/>
               <a:defRPr sz="2000">
                 <a:solidFill>
-                  <a:schemeClr val="tx1">
-                    <a:lumMod val="50000"/>
-                    <a:lumOff val="50000"/>
-                  </a:schemeClr>
+                  <a:schemeClr val="tx1"/>
                 </a:solidFill>
               </a:defRPr>
             </a:lvl1pPr>
@@ -3252,7 +4472,7 @@
     </p:spTree>
     <p:extLst>
       <p:ext uri="{BB962C8B-B14F-4D97-AF65-F5344CB8AC3E}">
-        <p14:creationId xmlns:p14="http://schemas.microsoft.com/office/powerpoint/2010/main" val="2684975809"/>
+        <p14:creationId xmlns:p14="http://schemas.microsoft.com/office/powerpoint/2010/main" val="2984444750"/>
       </p:ext>
     </p:extLst>
   </p:cSld>
@@ -3314,12 +4534,14 @@
         </p:nvSpPr>
         <p:spPr>
           <a:xfrm>
-            <a:off x="677334" y="2160589"/>
-            <a:ext cx="4184035" cy="3880772"/>
+            <a:off x="913795" y="1732449"/>
+            <a:ext cx="5060497" cy="4058750"/>
           </a:xfrm>
         </p:spPr>
         <p:txBody>
-          <a:bodyPr/>
+          <a:bodyPr anchor="t">
+            <a:normAutofit/>
+          </a:bodyPr>
           <a:lstStyle/>
           <a:p>
             <a:pPr lvl="0"/>
@@ -3371,12 +4593,14 @@
         </p:nvSpPr>
         <p:spPr>
           <a:xfrm>
-            <a:off x="5089970" y="2160589"/>
-            <a:ext cx="4184034" cy="3880773"/>
+            <a:off x="6202892" y="1732449"/>
+            <a:ext cx="5064665" cy="4058751"/>
           </a:xfrm>
         </p:spPr>
         <p:txBody>
-          <a:bodyPr/>
+          <a:bodyPr anchor="t">
+            <a:normAutofit/>
+          </a:bodyPr>
           <a:lstStyle/>
           <a:p>
             <a:pPr lvl="0"/>
@@ -3484,7 +4708,7 @@
     </p:spTree>
     <p:extLst>
       <p:ext uri="{BB962C8B-B14F-4D97-AF65-F5344CB8AC3E}">
-        <p14:creationId xmlns:p14="http://schemas.microsoft.com/office/powerpoint/2010/main" val="367123512"/>
+        <p14:creationId xmlns:p14="http://schemas.microsoft.com/office/powerpoint/2010/main" val="3204773902"/>
       </p:ext>
     </p:extLst>
   </p:cSld>
@@ -3511,6 +4735,66 @@
           <a:chExt cx="0" cy="0"/>
         </a:xfrm>
       </p:grpSpPr>
+      <p:pic>
+        <p:nvPicPr>
+          <p:cNvPr id="20" name="Picture 19" descr="Slate-V2-HD-compPhotoInset.png"/>
+          <p:cNvPicPr>
+            <a:picLocks noChangeAspect="1"/>
+          </p:cNvPicPr>
+          <p:nvPr/>
+        </p:nvPicPr>
+        <p:blipFill>
+          <a:blip r:embed="rId2">
+            <a:extLst>
+              <a:ext uri="{28A0092B-C50C-407E-A947-70E740481C1C}">
+                <a14:useLocalDpi xmlns:a14="http://schemas.microsoft.com/office/drawing/2010/main" val="0"/>
+              </a:ext>
+            </a:extLst>
+          </a:blip>
+          <a:stretch>
+            <a:fillRect/>
+          </a:stretch>
+        </p:blipFill>
+        <p:spPr>
+          <a:xfrm>
+            <a:off x="913795" y="1734506"/>
+            <a:ext cx="5089072" cy="4148769"/>
+          </a:xfrm>
+          <a:prstGeom prst="rect">
+            <a:avLst/>
+          </a:prstGeom>
+        </p:spPr>
+      </p:pic>
+      <p:pic>
+        <p:nvPicPr>
+          <p:cNvPr id="21" name="Picture 20" descr="Slate-V2-HD-compPhotoInset.png"/>
+          <p:cNvPicPr>
+            <a:picLocks noChangeAspect="1"/>
+          </p:cNvPicPr>
+          <p:nvPr/>
+        </p:nvPicPr>
+        <p:blipFill>
+          <a:blip r:embed="rId2">
+            <a:extLst>
+              <a:ext uri="{28A0092B-C50C-407E-A947-70E740481C1C}">
+                <a14:useLocalDpi xmlns:a14="http://schemas.microsoft.com/office/drawing/2010/main" val="0"/>
+              </a:ext>
+            </a:extLst>
+          </a:blip>
+          <a:stretch>
+            <a:fillRect/>
+          </a:stretch>
+        </p:blipFill>
+        <p:spPr>
+          <a:xfrm>
+            <a:off x="6178485" y="1734506"/>
+            <a:ext cx="5089072" cy="4148769"/>
+          </a:xfrm>
+          <a:prstGeom prst="rect">
+            <a:avLst/>
+          </a:prstGeom>
+        </p:spPr>
+      </p:pic>
       <p:sp>
         <p:nvSpPr>
           <p:cNvPr id="2" name="Title 1"/>
@@ -3550,8 +4834,8 @@
         </p:nvSpPr>
         <p:spPr>
           <a:xfrm>
-            <a:off x="675745" y="2160983"/>
-            <a:ext cx="4185623" cy="576262"/>
+            <a:off x="1005872" y="1835254"/>
+            <a:ext cx="4876344" cy="544884"/>
           </a:xfrm>
         </p:spPr>
         <p:txBody>
@@ -3559,7 +4843,7 @@
             <a:noAutofit/>
           </a:bodyPr>
           <a:lstStyle>
-            <a:lvl1pPr marL="0" indent="0">
+            <a:lvl1pPr marL="0" indent="0" algn="ctr">
               <a:buNone/>
               <a:defRPr sz="2400" b="0"/>
             </a:lvl1pPr>
@@ -3617,15 +4901,31 @@
         </p:nvSpPr>
         <p:spPr>
           <a:xfrm>
-            <a:off x="675745" y="2737245"/>
-            <a:ext cx="4185623" cy="3304117"/>
+            <a:off x="1005872" y="2380137"/>
+            <a:ext cx="4876344" cy="3411063"/>
           </a:xfrm>
         </p:spPr>
         <p:txBody>
-          <a:bodyPr>
+          <a:bodyPr anchor="t">
             <a:normAutofit/>
           </a:bodyPr>
-          <a:lstStyle/>
+          <a:lstStyle>
+            <a:lvl1pPr>
+              <a:defRPr sz="1800"/>
+            </a:lvl1pPr>
+            <a:lvl2pPr>
+              <a:defRPr sz="1600"/>
+            </a:lvl2pPr>
+            <a:lvl3pPr>
+              <a:defRPr sz="1400"/>
+            </a:lvl3pPr>
+            <a:lvl4pPr>
+              <a:defRPr sz="1200"/>
+            </a:lvl4pPr>
+            <a:lvl5pPr>
+              <a:defRPr sz="1200"/>
+            </a:lvl5pPr>
+          </a:lstStyle>
           <a:p>
             <a:pPr lvl="0"/>
             <a:r>
@@ -3676,8 +4976,8 @@
         </p:nvSpPr>
         <p:spPr>
           <a:xfrm>
-            <a:off x="5088383" y="2160983"/>
-            <a:ext cx="4185618" cy="576262"/>
+            <a:off x="6294967" y="1835254"/>
+            <a:ext cx="4895330" cy="544883"/>
           </a:xfrm>
         </p:spPr>
         <p:txBody>
@@ -3685,7 +4985,7 @@
             <a:noAutofit/>
           </a:bodyPr>
           <a:lstStyle>
-            <a:lvl1pPr marL="0" indent="0">
+            <a:lvl1pPr marL="0" indent="0" algn="ctr">
               <a:buNone/>
               <a:defRPr sz="2400" b="0"/>
             </a:lvl1pPr>
@@ -3743,15 +5043,31 @@
         </p:nvSpPr>
         <p:spPr>
           <a:xfrm>
-            <a:off x="5088384" y="2737245"/>
-            <a:ext cx="4185617" cy="3304117"/>
+            <a:off x="6294967" y="2380137"/>
+            <a:ext cx="4895330" cy="3411063"/>
           </a:xfrm>
         </p:spPr>
         <p:txBody>
-          <a:bodyPr>
+          <a:bodyPr anchor="t">
             <a:normAutofit/>
           </a:bodyPr>
-          <a:lstStyle/>
+          <a:lstStyle>
+            <a:lvl1pPr>
+              <a:defRPr sz="1800"/>
+            </a:lvl1pPr>
+            <a:lvl2pPr>
+              <a:defRPr sz="1600"/>
+            </a:lvl2pPr>
+            <a:lvl3pPr>
+              <a:defRPr sz="1400"/>
+            </a:lvl3pPr>
+            <a:lvl4pPr>
+              <a:defRPr sz="1200"/>
+            </a:lvl4pPr>
+            <a:lvl5pPr>
+              <a:defRPr sz="1200"/>
+            </a:lvl5pPr>
+          </a:lstStyle>
           <a:p>
             <a:pPr lvl="0"/>
             <a:r>
@@ -3858,7 +5174,7 @@
     </p:spTree>
     <p:extLst>
       <p:ext uri="{BB962C8B-B14F-4D97-AF65-F5344CB8AC3E}">
-        <p14:creationId xmlns:p14="http://schemas.microsoft.com/office/powerpoint/2010/main" val="1975668415"/>
+        <p14:creationId xmlns:p14="http://schemas.microsoft.com/office/powerpoint/2010/main" val="1272511535"/>
       </p:ext>
     </p:extLst>
   </p:cSld>
@@ -3895,12 +5211,7 @@
             <p:ph type="title"/>
           </p:nvPr>
         </p:nvSpPr>
-        <p:spPr>
-          <a:xfrm>
-            <a:off x="677334" y="609600"/>
-            <a:ext cx="8596668" cy="1320800"/>
-          </a:xfrm>
-        </p:spPr>
+        <p:spPr/>
         <p:txBody>
           <a:bodyPr/>
           <a:lstStyle/>
@@ -3981,7 +5292,7 @@
     </p:spTree>
     <p:extLst>
       <p:ext uri="{BB962C8B-B14F-4D97-AF65-F5344CB8AC3E}">
-        <p14:creationId xmlns:p14="http://schemas.microsoft.com/office/powerpoint/2010/main" val="834036385"/>
+        <p14:creationId xmlns:p14="http://schemas.microsoft.com/office/powerpoint/2010/main" val="2885096723"/>
       </p:ext>
     </p:extLst>
   </p:cSld>
@@ -4076,7 +5387,7 @@
     </p:spTree>
     <p:extLst>
       <p:ext uri="{BB962C8B-B14F-4D97-AF65-F5344CB8AC3E}">
-        <p14:creationId xmlns:p14="http://schemas.microsoft.com/office/powerpoint/2010/main" val="2274858327"/>
+        <p14:creationId xmlns:p14="http://schemas.microsoft.com/office/powerpoint/2010/main" val="2508897499"/>
       </p:ext>
     </p:extLst>
   </p:cSld>
@@ -4115,8 +5426,8 @@
         </p:nvSpPr>
         <p:spPr>
           <a:xfrm>
-            <a:off x="677334" y="1498604"/>
-            <a:ext cx="3854528" cy="1278466"/>
+            <a:off x="913795" y="609600"/>
+            <a:ext cx="3706889" cy="1821918"/>
           </a:xfrm>
         </p:spPr>
         <p:txBody>
@@ -4124,8 +5435,8 @@
             <a:normAutofit/>
           </a:bodyPr>
           <a:lstStyle>
-            <a:lvl1pPr>
-              <a:defRPr sz="2000"/>
+            <a:lvl1pPr algn="ctr">
+              <a:defRPr sz="2400" b="0"/>
             </a:lvl1pPr>
           </a:lstStyle>
           <a:p>
@@ -4149,8 +5460,8 @@
         </p:nvSpPr>
         <p:spPr>
           <a:xfrm>
-            <a:off x="4760461" y="514924"/>
-            <a:ext cx="4513541" cy="5526437"/>
+            <a:off x="4855633" y="609600"/>
+            <a:ext cx="6411924" cy="5181600"/>
           </a:xfrm>
         </p:spPr>
         <p:txBody>
@@ -4208,50 +5519,50 @@
         </p:nvSpPr>
         <p:spPr>
           <a:xfrm>
-            <a:off x="677334" y="2777069"/>
-            <a:ext cx="3854528" cy="2584449"/>
+            <a:off x="913795" y="2431518"/>
+            <a:ext cx="3706889" cy="3359681"/>
           </a:xfrm>
         </p:spPr>
         <p:txBody>
-          <a:bodyPr>
+          <a:bodyPr anchor="t">
             <a:normAutofit/>
           </a:bodyPr>
           <a:lstStyle>
-            <a:lvl1pPr marL="0" indent="0">
-              <a:buNone/>
-              <a:defRPr sz="1400"/>
+            <a:lvl1pPr marL="0" indent="0" algn="ctr">
+              <a:buNone/>
+              <a:defRPr sz="1600"/>
             </a:lvl1pPr>
-            <a:lvl2pPr marL="457063" indent="0">
-              <a:buNone/>
-              <a:defRPr sz="1400"/>
+            <a:lvl2pPr marL="457200" indent="0">
+              <a:buNone/>
+              <a:defRPr sz="1200"/>
             </a:lvl2pPr>
-            <a:lvl3pPr marL="914126" indent="0">
-              <a:buNone/>
-              <a:defRPr sz="1200"/>
+            <a:lvl3pPr marL="914400" indent="0">
+              <a:buNone/>
+              <a:defRPr sz="1000"/>
             </a:lvl3pPr>
-            <a:lvl4pPr marL="1371189" indent="0">
-              <a:buNone/>
-              <a:defRPr sz="1000"/>
+            <a:lvl4pPr marL="1371600" indent="0">
+              <a:buNone/>
+              <a:defRPr sz="900"/>
             </a:lvl4pPr>
-            <a:lvl5pPr marL="1828251" indent="0">
-              <a:buNone/>
-              <a:defRPr sz="1000"/>
+            <a:lvl5pPr marL="1828800" indent="0">
+              <a:buNone/>
+              <a:defRPr sz="900"/>
             </a:lvl5pPr>
-            <a:lvl6pPr marL="2285314" indent="0">
-              <a:buNone/>
-              <a:defRPr sz="1000"/>
+            <a:lvl6pPr marL="2286000" indent="0">
+              <a:buNone/>
+              <a:defRPr sz="900"/>
             </a:lvl6pPr>
-            <a:lvl7pPr marL="2742377" indent="0">
-              <a:buNone/>
-              <a:defRPr sz="1000"/>
+            <a:lvl7pPr marL="2743200" indent="0">
+              <a:buNone/>
+              <a:defRPr sz="900"/>
             </a:lvl7pPr>
-            <a:lvl8pPr marL="3199440" indent="0">
-              <a:buNone/>
-              <a:defRPr sz="1000"/>
+            <a:lvl8pPr marL="3200400" indent="0">
+              <a:buNone/>
+              <a:defRPr sz="900"/>
             </a:lvl8pPr>
-            <a:lvl9pPr marL="3656503" indent="0">
-              <a:buNone/>
-              <a:defRPr sz="1000"/>
+            <a:lvl9pPr marL="3657600" indent="0">
+              <a:buNone/>
+              <a:defRPr sz="900"/>
             </a:lvl9pPr>
           </a:lstStyle>
           <a:p>
@@ -4331,7 +5642,7 @@
     </p:spTree>
     <p:extLst>
       <p:ext uri="{BB962C8B-B14F-4D97-AF65-F5344CB8AC3E}">
-        <p14:creationId xmlns:p14="http://schemas.microsoft.com/office/powerpoint/2010/main" val="1380948972"/>
+        <p14:creationId xmlns:p14="http://schemas.microsoft.com/office/powerpoint/2010/main" val="1495506561"/>
       </p:ext>
     </p:extLst>
   </p:cSld>
@@ -4358,29 +5669,59 @@
           <a:chExt cx="0" cy="0"/>
         </a:xfrm>
       </p:grpSpPr>
-      <p:sp>
-        <p:nvSpPr>
-          <p:cNvPr id="2" name="Title 1"/>
-          <p:cNvSpPr>
-            <a:spLocks noGrp="1"/>
-          </p:cNvSpPr>
-          <p:nvPr>
-            <p:ph type="title"/>
-          </p:nvPr>
-        </p:nvSpPr>
+      <p:pic>
+        <p:nvPicPr>
+          <p:cNvPr id="22" name="Picture 21" descr="Slate-V2-HD-vertPhotoInset.png"/>
+          <p:cNvPicPr>
+            <a:picLocks noChangeAspect="1"/>
+          </p:cNvPicPr>
+          <p:nvPr/>
+        </p:nvPicPr>
+        <p:blipFill>
+          <a:blip r:embed="rId2">
+            <a:extLst>
+              <a:ext uri="{28A0092B-C50C-407E-A947-70E740481C1C}">
+                <a14:useLocalDpi xmlns:a14="http://schemas.microsoft.com/office/drawing/2010/main" val="0"/>
+              </a:ext>
+            </a:extLst>
+          </a:blip>
+          <a:stretch>
+            <a:fillRect/>
+          </a:stretch>
+        </p:blipFill>
         <p:spPr>
           <a:xfrm>
-            <a:off x="677334" y="4800600"/>
-            <a:ext cx="8596667" cy="566738"/>
+            <a:off x="7293665" y="609600"/>
+            <a:ext cx="3584166" cy="5204832"/>
+          </a:xfrm>
+          <a:prstGeom prst="rect">
+            <a:avLst/>
+          </a:prstGeom>
+        </p:spPr>
+      </p:pic>
+      <p:sp>
+        <p:nvSpPr>
+          <p:cNvPr id="2" name="Title 1"/>
+          <p:cNvSpPr>
+            <a:spLocks noGrp="1"/>
+          </p:cNvSpPr>
+          <p:nvPr>
+            <p:ph type="title"/>
+          </p:nvPr>
+        </p:nvSpPr>
+        <p:spPr>
+          <a:xfrm>
+            <a:off x="913795" y="609923"/>
+            <a:ext cx="5934949" cy="1829338"/>
           </a:xfrm>
         </p:spPr>
         <p:txBody>
           <a:bodyPr anchor="b">
-            <a:normAutofit/>
+            <a:noAutofit/>
           </a:bodyPr>
           <a:lstStyle>
-            <a:lvl1pPr algn="l">
-              <a:defRPr sz="2400" b="0"/>
+            <a:lvl1pPr algn="ctr">
+              <a:defRPr sz="3200" b="0"/>
             </a:lvl1pPr>
           </a:lstStyle>
           <a:p>
@@ -4404,9 +5745,16 @@
         </p:nvSpPr>
         <p:spPr>
           <a:xfrm>
-            <a:off x="677334" y="609600"/>
-            <a:ext cx="8596668" cy="3845718"/>
+            <a:off x="7442551" y="763702"/>
+            <a:ext cx="3275751" cy="4912822"/>
           </a:xfrm>
+          <a:effectLst>
+            <a:outerShdw blurRad="38100" dist="25400" dir="4440000">
+              <a:srgbClr val="000000">
+                <a:alpha val="36000"/>
+              </a:srgbClr>
+            </a:outerShdw>
+          </a:effectLst>
         </p:spPr>
         <p:txBody>
           <a:bodyPr anchor="t">
@@ -4471,18 +5819,18 @@
         </p:nvSpPr>
         <p:spPr>
           <a:xfrm>
-            <a:off x="677334" y="5367338"/>
-            <a:ext cx="8596667" cy="674024"/>
+            <a:off x="913795" y="2439261"/>
+            <a:ext cx="5934949" cy="3376134"/>
           </a:xfrm>
         </p:spPr>
         <p:txBody>
-          <a:bodyPr>
+          <a:bodyPr anchor="t">
             <a:normAutofit/>
           </a:bodyPr>
           <a:lstStyle>
-            <a:lvl1pPr marL="0" indent="0">
-              <a:buNone/>
-              <a:defRPr sz="1200"/>
+            <a:lvl1pPr marL="0" indent="0" algn="ctr">
+              <a:buNone/>
+              <a:defRPr sz="1600"/>
             </a:lvl1pPr>
             <a:lvl2pPr marL="457200" indent="0">
               <a:buNone/>
@@ -4594,7 +5942,7 @@
     </p:spTree>
     <p:extLst>
       <p:ext uri="{BB962C8B-B14F-4D97-AF65-F5344CB8AC3E}">
-        <p14:creationId xmlns:p14="http://schemas.microsoft.com/office/powerpoint/2010/main" val="2700953598"/>
+        <p14:creationId xmlns:p14="http://schemas.microsoft.com/office/powerpoint/2010/main" val="1475093869"/>
       </p:ext>
     </p:extLst>
   </p:cSld>
@@ -4608,7 +5956,7 @@
 <p:sldMaster xmlns:a="http://schemas.openxmlformats.org/drawingml/2006/main" xmlns:r="http://schemas.openxmlformats.org/officeDocument/2006/relationships" xmlns:p="http://schemas.openxmlformats.org/presentationml/2006/main">
   <p:cSld>
     <p:bg>
-      <p:bgRef idx="1001">
+      <p:bgRef idx="1003">
         <a:schemeClr val="bg2"/>
       </p:bgRef>
     </p:bg>
@@ -4626,538 +5974,6 @@
           <a:chExt cx="0" cy="0"/>
         </a:xfrm>
       </p:grpSpPr>
-      <p:grpSp>
-        <p:nvGrpSpPr>
-          <p:cNvPr id="8" name="Group 7"/>
-          <p:cNvGrpSpPr/>
-          <p:nvPr/>
-        </p:nvGrpSpPr>
-        <p:grpSpPr>
-          <a:xfrm>
-            <a:off x="0" y="-8467"/>
-            <a:ext cx="12192000" cy="6866467"/>
-            <a:chOff x="0" y="-8467"/>
-            <a:chExt cx="12192000" cy="6866467"/>
-          </a:xfrm>
-        </p:grpSpPr>
-        <p:cxnSp>
-          <p:nvCxnSpPr>
-            <p:cNvPr id="20" name="Straight Connector 19"/>
-            <p:cNvCxnSpPr/>
-            <p:nvPr/>
-          </p:nvCxnSpPr>
-          <p:spPr>
-            <a:xfrm>
-              <a:off x="9371012" y="0"/>
-              <a:ext cx="1219200" cy="6858000"/>
-            </a:xfrm>
-            <a:prstGeom prst="line">
-              <a:avLst/>
-            </a:prstGeom>
-            <a:ln w="9525">
-              <a:solidFill>
-                <a:schemeClr val="bg1">
-                  <a:lumMod val="85000"/>
-                  <a:lumOff val="15000"/>
-                </a:schemeClr>
-              </a:solidFill>
-            </a:ln>
-          </p:spPr>
-          <p:style>
-            <a:lnRef idx="2">
-              <a:schemeClr val="accent1"/>
-            </a:lnRef>
-            <a:fillRef idx="0">
-              <a:schemeClr val="accent1"/>
-            </a:fillRef>
-            <a:effectRef idx="1">
-              <a:schemeClr val="accent1"/>
-            </a:effectRef>
-            <a:fontRef idx="minor">
-              <a:schemeClr val="tx1"/>
-            </a:fontRef>
-          </p:style>
-        </p:cxnSp>
-        <p:cxnSp>
-          <p:nvCxnSpPr>
-            <p:cNvPr id="21" name="Straight Connector 20"/>
-            <p:cNvCxnSpPr/>
-            <p:nvPr/>
-          </p:nvCxnSpPr>
-          <p:spPr>
-            <a:xfrm flipH="1">
-              <a:off x="7425267" y="3681413"/>
-              <a:ext cx="4763558" cy="3176587"/>
-            </a:xfrm>
-            <a:prstGeom prst="line">
-              <a:avLst/>
-            </a:prstGeom>
-            <a:ln w="9525">
-              <a:solidFill>
-                <a:schemeClr val="bg1">
-                  <a:lumMod val="85000"/>
-                  <a:lumOff val="15000"/>
-                </a:schemeClr>
-              </a:solidFill>
-            </a:ln>
-          </p:spPr>
-          <p:style>
-            <a:lnRef idx="2">
-              <a:schemeClr val="accent1"/>
-            </a:lnRef>
-            <a:fillRef idx="0">
-              <a:schemeClr val="accent1"/>
-            </a:fillRef>
-            <a:effectRef idx="1">
-              <a:schemeClr val="accent1"/>
-            </a:effectRef>
-            <a:fontRef idx="minor">
-              <a:schemeClr val="tx1"/>
-            </a:fontRef>
-          </p:style>
-        </p:cxnSp>
-        <p:sp>
-          <p:nvSpPr>
-            <p:cNvPr id="22" name="Rectangle 23"/>
-            <p:cNvSpPr/>
-            <p:nvPr/>
-          </p:nvSpPr>
-          <p:spPr>
-            <a:xfrm>
-              <a:off x="9181476" y="-8467"/>
-              <a:ext cx="3007349" cy="6866467"/>
-            </a:xfrm>
-            <a:custGeom>
-              <a:avLst/>
-              <a:gdLst/>
-              <a:ahLst/>
-              <a:cxnLst/>
-              <a:rect l="l" t="t" r="r" b="b"/>
-              <a:pathLst>
-                <a:path w="3007349" h="6866467">
-                  <a:moveTo>
-                    <a:pt x="2045532" y="0"/>
-                  </a:moveTo>
-                  <a:lnTo>
-                    <a:pt x="3007349" y="0"/>
-                  </a:lnTo>
-                  <a:lnTo>
-                    <a:pt x="3007349" y="6866467"/>
-                  </a:lnTo>
-                  <a:lnTo>
-                    <a:pt x="0" y="6866467"/>
-                  </a:lnTo>
-                  <a:lnTo>
-                    <a:pt x="2045532" y="0"/>
-                  </a:lnTo>
-                  <a:close/>
-                </a:path>
-              </a:pathLst>
-            </a:custGeom>
-            <a:solidFill>
-              <a:schemeClr val="accent1">
-                <a:alpha val="30000"/>
-              </a:schemeClr>
-            </a:solidFill>
-            <a:ln>
-              <a:noFill/>
-            </a:ln>
-            <a:effectLst/>
-          </p:spPr>
-          <p:style>
-            <a:lnRef idx="1">
-              <a:schemeClr val="accent1"/>
-            </a:lnRef>
-            <a:fillRef idx="3">
-              <a:schemeClr val="accent1"/>
-            </a:fillRef>
-            <a:effectRef idx="2">
-              <a:schemeClr val="accent1"/>
-            </a:effectRef>
-            <a:fontRef idx="minor">
-              <a:schemeClr val="lt1"/>
-            </a:fontRef>
-          </p:style>
-        </p:sp>
-        <p:sp>
-          <p:nvSpPr>
-            <p:cNvPr id="23" name="Rectangle 25"/>
-            <p:cNvSpPr/>
-            <p:nvPr/>
-          </p:nvSpPr>
-          <p:spPr>
-            <a:xfrm>
-              <a:off x="9603442" y="-8467"/>
-              <a:ext cx="2588558" cy="6866467"/>
-            </a:xfrm>
-            <a:custGeom>
-              <a:avLst/>
-              <a:gdLst/>
-              <a:ahLst/>
-              <a:cxnLst/>
-              <a:rect l="l" t="t" r="r" b="b"/>
-              <a:pathLst>
-                <a:path w="2573311" h="6866467">
-                  <a:moveTo>
-                    <a:pt x="0" y="0"/>
-                  </a:moveTo>
-                  <a:lnTo>
-                    <a:pt x="2573311" y="0"/>
-                  </a:lnTo>
-                  <a:lnTo>
-                    <a:pt x="2573311" y="6866467"/>
-                  </a:lnTo>
-                  <a:lnTo>
-                    <a:pt x="1202336" y="6866467"/>
-                  </a:lnTo>
-                  <a:lnTo>
-                    <a:pt x="0" y="0"/>
-                  </a:lnTo>
-                  <a:close/>
-                </a:path>
-              </a:pathLst>
-            </a:custGeom>
-            <a:solidFill>
-              <a:schemeClr val="accent1">
-                <a:alpha val="20000"/>
-              </a:schemeClr>
-            </a:solidFill>
-            <a:ln>
-              <a:noFill/>
-            </a:ln>
-            <a:effectLst/>
-          </p:spPr>
-          <p:style>
-            <a:lnRef idx="1">
-              <a:schemeClr val="accent1"/>
-            </a:lnRef>
-            <a:fillRef idx="3">
-              <a:schemeClr val="accent1"/>
-            </a:fillRef>
-            <a:effectRef idx="2">
-              <a:schemeClr val="accent1"/>
-            </a:effectRef>
-            <a:fontRef idx="minor">
-              <a:schemeClr val="lt1"/>
-            </a:fontRef>
-          </p:style>
-        </p:sp>
-        <p:sp>
-          <p:nvSpPr>
-            <p:cNvPr id="24" name="Isosceles Triangle 23"/>
-            <p:cNvSpPr/>
-            <p:nvPr/>
-          </p:nvSpPr>
-          <p:spPr>
-            <a:xfrm>
-              <a:off x="8932333" y="3048000"/>
-              <a:ext cx="3259667" cy="3810000"/>
-            </a:xfrm>
-            <a:prstGeom prst="triangle">
-              <a:avLst>
-                <a:gd name="adj" fmla="val 100000"/>
-              </a:avLst>
-            </a:prstGeom>
-            <a:solidFill>
-              <a:schemeClr val="accent2">
-                <a:alpha val="72000"/>
-              </a:schemeClr>
-            </a:solidFill>
-            <a:ln>
-              <a:noFill/>
-            </a:ln>
-            <a:effectLst/>
-          </p:spPr>
-          <p:style>
-            <a:lnRef idx="1">
-              <a:schemeClr val="accent1"/>
-            </a:lnRef>
-            <a:fillRef idx="3">
-              <a:schemeClr val="accent1"/>
-            </a:fillRef>
-            <a:effectRef idx="2">
-              <a:schemeClr val="accent1"/>
-            </a:effectRef>
-            <a:fontRef idx="minor">
-              <a:schemeClr val="lt1"/>
-            </a:fontRef>
-          </p:style>
-        </p:sp>
-        <p:sp>
-          <p:nvSpPr>
-            <p:cNvPr id="25" name="Rectangle 27"/>
-            <p:cNvSpPr/>
-            <p:nvPr/>
-          </p:nvSpPr>
-          <p:spPr>
-            <a:xfrm>
-              <a:off x="9334500" y="-8467"/>
-              <a:ext cx="2854326" cy="6866467"/>
-            </a:xfrm>
-            <a:custGeom>
-              <a:avLst/>
-              <a:gdLst/>
-              <a:ahLst/>
-              <a:cxnLst/>
-              <a:rect l="l" t="t" r="r" b="b"/>
-              <a:pathLst>
-                <a:path w="2858013" h="6866467">
-                  <a:moveTo>
-                    <a:pt x="0" y="0"/>
-                  </a:moveTo>
-                  <a:lnTo>
-                    <a:pt x="2858013" y="0"/>
-                  </a:lnTo>
-                  <a:lnTo>
-                    <a:pt x="2858013" y="6866467"/>
-                  </a:lnTo>
-                  <a:lnTo>
-                    <a:pt x="2473942" y="6866467"/>
-                  </a:lnTo>
-                  <a:lnTo>
-                    <a:pt x="0" y="0"/>
-                  </a:lnTo>
-                  <a:close/>
-                </a:path>
-              </a:pathLst>
-            </a:custGeom>
-            <a:solidFill>
-              <a:schemeClr val="accent2">
-                <a:lumMod val="75000"/>
-                <a:alpha val="70000"/>
-              </a:schemeClr>
-            </a:solidFill>
-            <a:ln>
-              <a:noFill/>
-            </a:ln>
-            <a:effectLst/>
-          </p:spPr>
-          <p:style>
-            <a:lnRef idx="1">
-              <a:schemeClr val="accent1"/>
-            </a:lnRef>
-            <a:fillRef idx="3">
-              <a:schemeClr val="accent1"/>
-            </a:fillRef>
-            <a:effectRef idx="2">
-              <a:schemeClr val="accent1"/>
-            </a:effectRef>
-            <a:fontRef idx="minor">
-              <a:schemeClr val="lt1"/>
-            </a:fontRef>
-          </p:style>
-        </p:sp>
-        <p:sp>
-          <p:nvSpPr>
-            <p:cNvPr id="26" name="Rectangle 28"/>
-            <p:cNvSpPr/>
-            <p:nvPr/>
-          </p:nvSpPr>
-          <p:spPr>
-            <a:xfrm>
-              <a:off x="10898730" y="-8467"/>
-              <a:ext cx="1290094" cy="6866467"/>
-            </a:xfrm>
-            <a:custGeom>
-              <a:avLst/>
-              <a:gdLst/>
-              <a:ahLst/>
-              <a:cxnLst/>
-              <a:rect l="l" t="t" r="r" b="b"/>
-              <a:pathLst>
-                <a:path w="1290094" h="6858000">
-                  <a:moveTo>
-                    <a:pt x="1019735" y="0"/>
-                  </a:moveTo>
-                  <a:lnTo>
-                    <a:pt x="1290094" y="0"/>
-                  </a:lnTo>
-                  <a:lnTo>
-                    <a:pt x="1290094" y="6858000"/>
-                  </a:lnTo>
-                  <a:lnTo>
-                    <a:pt x="0" y="6858000"/>
-                  </a:lnTo>
-                  <a:lnTo>
-                    <a:pt x="1019735" y="0"/>
-                  </a:lnTo>
-                  <a:close/>
-                </a:path>
-              </a:pathLst>
-            </a:custGeom>
-            <a:solidFill>
-              <a:schemeClr val="accent1">
-                <a:lumMod val="60000"/>
-                <a:lumOff val="40000"/>
-                <a:alpha val="70000"/>
-              </a:schemeClr>
-            </a:solidFill>
-            <a:ln>
-              <a:noFill/>
-            </a:ln>
-            <a:effectLst/>
-          </p:spPr>
-          <p:style>
-            <a:lnRef idx="1">
-              <a:schemeClr val="accent1"/>
-            </a:lnRef>
-            <a:fillRef idx="3">
-              <a:schemeClr val="accent1"/>
-            </a:fillRef>
-            <a:effectRef idx="2">
-              <a:schemeClr val="accent1"/>
-            </a:effectRef>
-            <a:fontRef idx="minor">
-              <a:schemeClr val="lt1"/>
-            </a:fontRef>
-          </p:style>
-        </p:sp>
-        <p:sp>
-          <p:nvSpPr>
-            <p:cNvPr id="27" name="Rectangle 29"/>
-            <p:cNvSpPr/>
-            <p:nvPr/>
-          </p:nvSpPr>
-          <p:spPr>
-            <a:xfrm>
-              <a:off x="10938999" y="-8467"/>
-              <a:ext cx="1249825" cy="6866467"/>
-            </a:xfrm>
-            <a:custGeom>
-              <a:avLst/>
-              <a:gdLst/>
-              <a:ahLst/>
-              <a:cxnLst/>
-              <a:rect l="l" t="t" r="r" b="b"/>
-              <a:pathLst>
-                <a:path w="1249825" h="6858000">
-                  <a:moveTo>
-                    <a:pt x="0" y="0"/>
-                  </a:moveTo>
-                  <a:lnTo>
-                    <a:pt x="1249825" y="0"/>
-                  </a:lnTo>
-                  <a:lnTo>
-                    <a:pt x="1249825" y="6858000"/>
-                  </a:lnTo>
-                  <a:lnTo>
-                    <a:pt x="1109382" y="6858000"/>
-                  </a:lnTo>
-                  <a:lnTo>
-                    <a:pt x="0" y="0"/>
-                  </a:lnTo>
-                  <a:close/>
-                </a:path>
-              </a:pathLst>
-            </a:custGeom>
-            <a:solidFill>
-              <a:schemeClr val="accent1">
-                <a:alpha val="65000"/>
-              </a:schemeClr>
-            </a:solidFill>
-            <a:ln>
-              <a:noFill/>
-            </a:ln>
-            <a:effectLst/>
-          </p:spPr>
-          <p:style>
-            <a:lnRef idx="1">
-              <a:schemeClr val="accent1"/>
-            </a:lnRef>
-            <a:fillRef idx="3">
-              <a:schemeClr val="accent1"/>
-            </a:fillRef>
-            <a:effectRef idx="2">
-              <a:schemeClr val="accent1"/>
-            </a:effectRef>
-            <a:fontRef idx="minor">
-              <a:schemeClr val="lt1"/>
-            </a:fontRef>
-          </p:style>
-        </p:sp>
-        <p:sp>
-          <p:nvSpPr>
-            <p:cNvPr id="28" name="Isosceles Triangle 27"/>
-            <p:cNvSpPr/>
-            <p:nvPr/>
-          </p:nvSpPr>
-          <p:spPr>
-            <a:xfrm>
-              <a:off x="10371666" y="3589867"/>
-              <a:ext cx="1817159" cy="3268133"/>
-            </a:xfrm>
-            <a:prstGeom prst="triangle">
-              <a:avLst>
-                <a:gd name="adj" fmla="val 100000"/>
-              </a:avLst>
-            </a:prstGeom>
-            <a:solidFill>
-              <a:schemeClr val="accent1">
-                <a:alpha val="80000"/>
-              </a:schemeClr>
-            </a:solidFill>
-            <a:ln>
-              <a:noFill/>
-            </a:ln>
-            <a:effectLst/>
-          </p:spPr>
-          <p:style>
-            <a:lnRef idx="1">
-              <a:schemeClr val="accent1"/>
-            </a:lnRef>
-            <a:fillRef idx="3">
-              <a:schemeClr val="accent1"/>
-            </a:fillRef>
-            <a:effectRef idx="2">
-              <a:schemeClr val="accent1"/>
-            </a:effectRef>
-            <a:fontRef idx="minor">
-              <a:schemeClr val="lt1"/>
-            </a:fontRef>
-          </p:style>
-        </p:sp>
-        <p:sp>
-          <p:nvSpPr>
-            <p:cNvPr id="29" name="Isosceles Triangle 28"/>
-            <p:cNvSpPr/>
-            <p:nvPr/>
-          </p:nvSpPr>
-          <p:spPr>
-            <a:xfrm>
-              <a:off x="0" y="4013200"/>
-              <a:ext cx="448733" cy="2844800"/>
-            </a:xfrm>
-            <a:prstGeom prst="triangle">
-              <a:avLst>
-                <a:gd name="adj" fmla="val 0"/>
-              </a:avLst>
-            </a:prstGeom>
-            <a:solidFill>
-              <a:schemeClr val="accent1">
-                <a:alpha val="85000"/>
-              </a:schemeClr>
-            </a:solidFill>
-            <a:ln>
-              <a:noFill/>
-            </a:ln>
-            <a:effectLst/>
-          </p:spPr>
-          <p:style>
-            <a:lnRef idx="1">
-              <a:schemeClr val="accent1"/>
-            </a:lnRef>
-            <a:fillRef idx="3">
-              <a:schemeClr val="accent1"/>
-            </a:fillRef>
-            <a:effectRef idx="2">
-              <a:schemeClr val="accent1"/>
-            </a:effectRef>
-            <a:fontRef idx="minor">
-              <a:schemeClr val="lt1"/>
-            </a:fontRef>
-          </p:style>
-        </p:sp>
-      </p:grpSp>
       <p:sp>
         <p:nvSpPr>
           <p:cNvPr id="2" name="Title Placeholder 1"/>
@@ -5170,103 +5986,209 @@
         </p:nvSpPr>
         <p:spPr>
           <a:xfrm>
-            <a:off x="677334" y="609600"/>
-            <a:ext cx="8596668" cy="1320800"/>
+            <a:off x="913795" y="609600"/>
+            <a:ext cx="10353762" cy="970450"/>
+          </a:xfrm>
+          <a:prstGeom prst="rect">
+            <a:avLst/>
+          </a:prstGeom>
+          <a:effectLst>
+            <a:outerShdw blurRad="25400" dir="17880000">
+              <a:srgbClr val="000000">
+                <a:alpha val="46000"/>
+              </a:srgbClr>
+            </a:outerShdw>
+          </a:effectLst>
+        </p:spPr>
+        <p:txBody>
+          <a:bodyPr vert="horz" lIns="91440" tIns="45720" rIns="91440" bIns="45720" rtlCol="0" anchor="ctr">
+            <a:normAutofit/>
+          </a:bodyPr>
+          <a:lstStyle/>
+          <a:p>
+            <a:r>
+              <a:rPr lang="hu-HU"/>
+              <a:t>Mintacím szerkesztése</a:t>
+            </a:r>
+            <a:endParaRPr lang="en-US" dirty="0"/>
+          </a:p>
+        </p:txBody>
+      </p:sp>
+      <p:sp>
+        <p:nvSpPr>
+          <p:cNvPr id="3" name="Text Placeholder 2"/>
+          <p:cNvSpPr>
+            <a:spLocks noGrp="1"/>
+          </p:cNvSpPr>
+          <p:nvPr>
+            <p:ph type="body" idx="1"/>
+          </p:nvPr>
+        </p:nvSpPr>
+        <p:spPr>
+          <a:xfrm>
+            <a:off x="913795" y="1732449"/>
+            <a:ext cx="10353762" cy="4058751"/>
+          </a:xfrm>
+          <a:prstGeom prst="rect">
+            <a:avLst/>
+          </a:prstGeom>
+          <a:effectLst>
+            <a:outerShdw blurRad="25400" dir="17880000">
+              <a:srgbClr val="000000">
+                <a:alpha val="46000"/>
+              </a:srgbClr>
+            </a:outerShdw>
+          </a:effectLst>
+        </p:spPr>
+        <p:txBody>
+          <a:bodyPr vert="horz" lIns="91440" tIns="45720" rIns="91440" bIns="45720" rtlCol="0" anchor="t">
+            <a:normAutofit/>
+          </a:bodyPr>
+          <a:lstStyle/>
+          <a:p>
+            <a:pPr lvl="0"/>
+            <a:r>
+              <a:rPr lang="hu-HU"/>
+              <a:t>Mintaszöveg szerkesztése</a:t>
+            </a:r>
+          </a:p>
+          <a:p>
+            <a:pPr lvl="1"/>
+            <a:r>
+              <a:rPr lang="hu-HU"/>
+              <a:t>Második szint</a:t>
+            </a:r>
+          </a:p>
+          <a:p>
+            <a:pPr lvl="2"/>
+            <a:r>
+              <a:rPr lang="hu-HU"/>
+              <a:t>Harmadik szint</a:t>
+            </a:r>
+          </a:p>
+          <a:p>
+            <a:pPr lvl="3"/>
+            <a:r>
+              <a:rPr lang="hu-HU"/>
+              <a:t>Negyedik szint</a:t>
+            </a:r>
+          </a:p>
+          <a:p>
+            <a:pPr lvl="4"/>
+            <a:r>
+              <a:rPr lang="hu-HU"/>
+              <a:t>Ötödik szint</a:t>
+            </a:r>
+            <a:endParaRPr lang="en-US" dirty="0"/>
+          </a:p>
+        </p:txBody>
+      </p:sp>
+      <p:sp>
+        <p:nvSpPr>
+          <p:cNvPr id="4" name="Date Placeholder 3"/>
+          <p:cNvSpPr>
+            <a:spLocks noGrp="1"/>
+          </p:cNvSpPr>
+          <p:nvPr>
+            <p:ph type="dt" sz="half" idx="2"/>
+          </p:nvPr>
+        </p:nvSpPr>
+        <p:spPr>
+          <a:xfrm>
+            <a:off x="7678736" y="5883275"/>
+            <a:ext cx="2743200" cy="365125"/>
           </a:xfrm>
           <a:prstGeom prst="rect">
             <a:avLst/>
           </a:prstGeom>
         </p:spPr>
         <p:txBody>
-          <a:bodyPr vert="horz" lIns="91440" tIns="45720" rIns="91440" bIns="45720" rtlCol="0" anchor="t">
-            <a:normAutofit/>
-          </a:bodyPr>
-          <a:lstStyle/>
-          <a:p>
-            <a:r>
-              <a:rPr lang="hu-HU"/>
-              <a:t>Mintacím szerkesztése</a:t>
-            </a:r>
-            <a:endParaRPr lang="en-US" dirty="0"/>
-          </a:p>
-        </p:txBody>
-      </p:sp>
-      <p:sp>
-        <p:nvSpPr>
-          <p:cNvPr id="3" name="Text Placeholder 2"/>
-          <p:cNvSpPr>
-            <a:spLocks noGrp="1"/>
-          </p:cNvSpPr>
-          <p:nvPr>
-            <p:ph type="body" idx="1"/>
+          <a:bodyPr vert="horz" lIns="91440" tIns="45720" rIns="91440" bIns="45720" rtlCol="0" anchor="ctr"/>
+          <a:lstStyle>
+            <a:lvl1pPr algn="r">
+              <a:defRPr sz="1000">
+                <a:solidFill>
+                  <a:schemeClr val="tx1">
+                    <a:lumMod val="95000"/>
+                  </a:schemeClr>
+                </a:solidFill>
+                <a:effectLst>
+                  <a:outerShdw blurRad="50800" dist="38100" dir="2700000" algn="tl" rotWithShape="0">
+                    <a:schemeClr val="bg1">
+                      <a:alpha val="43000"/>
+                    </a:schemeClr>
+                  </a:outerShdw>
+                </a:effectLst>
+              </a:defRPr>
+            </a:lvl1pPr>
+          </a:lstStyle>
+          <a:p>
+            <a:fld id="{F9AC1FAF-B44D-4AC2-B330-81B5E0D3A614}" type="datetimeFigureOut">
+              <a:rPr lang="hu-HU" smtClean="0"/>
+              <a:t>2023.02.28</a:t>
+            </a:fld>
+            <a:endParaRPr lang="hu-HU"/>
+          </a:p>
+        </p:txBody>
+      </p:sp>
+      <p:sp>
+        <p:nvSpPr>
+          <p:cNvPr id="5" name="Footer Placeholder 4"/>
+          <p:cNvSpPr>
+            <a:spLocks noGrp="1"/>
+          </p:cNvSpPr>
+          <p:nvPr>
+            <p:ph type="ftr" sz="quarter" idx="3"/>
           </p:nvPr>
         </p:nvSpPr>
         <p:spPr>
           <a:xfrm>
-            <a:off x="677334" y="2160589"/>
-            <a:ext cx="8596668" cy="3880773"/>
+            <a:off x="913795" y="5883275"/>
+            <a:ext cx="6672865" cy="365125"/>
           </a:xfrm>
           <a:prstGeom prst="rect">
             <a:avLst/>
           </a:prstGeom>
         </p:spPr>
         <p:txBody>
-          <a:bodyPr vert="horz" lIns="91440" tIns="45720" rIns="91440" bIns="45720" rtlCol="0">
-            <a:normAutofit/>
-          </a:bodyPr>
-          <a:lstStyle/>
-          <a:p>
-            <a:pPr lvl="0"/>
-            <a:r>
-              <a:rPr lang="hu-HU"/>
-              <a:t>Mintaszöveg szerkesztése</a:t>
-            </a:r>
-          </a:p>
-          <a:p>
-            <a:pPr lvl="1"/>
-            <a:r>
-              <a:rPr lang="hu-HU"/>
-              <a:t>Második szint</a:t>
-            </a:r>
-          </a:p>
-          <a:p>
-            <a:pPr lvl="2"/>
-            <a:r>
-              <a:rPr lang="hu-HU"/>
-              <a:t>Harmadik szint</a:t>
-            </a:r>
-          </a:p>
-          <a:p>
-            <a:pPr lvl="3"/>
-            <a:r>
-              <a:rPr lang="hu-HU"/>
-              <a:t>Negyedik szint</a:t>
-            </a:r>
-          </a:p>
-          <a:p>
-            <a:pPr lvl="4"/>
-            <a:r>
-              <a:rPr lang="hu-HU"/>
-              <a:t>Ötödik szint</a:t>
-            </a:r>
-            <a:endParaRPr lang="en-US" dirty="0"/>
-          </a:p>
-        </p:txBody>
-      </p:sp>
-      <p:sp>
-        <p:nvSpPr>
-          <p:cNvPr id="4" name="Date Placeholder 3"/>
-          <p:cNvSpPr>
-            <a:spLocks noGrp="1"/>
-          </p:cNvSpPr>
-          <p:nvPr>
-            <p:ph type="dt" sz="half" idx="2"/>
+          <a:bodyPr vert="horz" lIns="91440" tIns="45720" rIns="91440" bIns="45720" rtlCol="0" anchor="ctr"/>
+          <a:lstStyle>
+            <a:lvl1pPr algn="l">
+              <a:defRPr sz="1000">
+                <a:solidFill>
+                  <a:schemeClr val="tx1">
+                    <a:lumMod val="95000"/>
+                  </a:schemeClr>
+                </a:solidFill>
+                <a:effectLst>
+                  <a:outerShdw blurRad="50800" dist="38100" dir="2700000" algn="tl" rotWithShape="0">
+                    <a:schemeClr val="bg1">
+                      <a:alpha val="43000"/>
+                    </a:schemeClr>
+                  </a:outerShdw>
+                </a:effectLst>
+              </a:defRPr>
+            </a:lvl1pPr>
+          </a:lstStyle>
+          <a:p>
+            <a:endParaRPr lang="hu-HU"/>
+          </a:p>
+        </p:txBody>
+      </p:sp>
+      <p:sp>
+        <p:nvSpPr>
+          <p:cNvPr id="6" name="Slide Number Placeholder 5"/>
+          <p:cNvSpPr>
+            <a:spLocks noGrp="1"/>
+          </p:cNvSpPr>
+          <p:nvPr>
+            <p:ph type="sldNum" sz="quarter" idx="4"/>
           </p:nvPr>
         </p:nvSpPr>
         <p:spPr>
           <a:xfrm>
-            <a:off x="7205133" y="6041362"/>
-            <a:ext cx="911939" cy="365125"/>
+            <a:off x="10514011" y="5883275"/>
+            <a:ext cx="753545" cy="365125"/>
           </a:xfrm>
           <a:prstGeom prst="rect">
             <a:avLst/>
@@ -5276,88 +6198,19 @@
           <a:bodyPr vert="horz" lIns="91440" tIns="45720" rIns="91440" bIns="45720" rtlCol="0" anchor="ctr"/>
           <a:lstStyle>
             <a:lvl1pPr algn="r">
-              <a:defRPr sz="900">
+              <a:defRPr sz="1000">
                 <a:solidFill>
                   <a:schemeClr val="tx1">
-                    <a:tint val="75000"/>
+                    <a:lumMod val="95000"/>
                   </a:schemeClr>
                 </a:solidFill>
-              </a:defRPr>
-            </a:lvl1pPr>
-          </a:lstStyle>
-          <a:p>
-            <a:fld id="{F9AC1FAF-B44D-4AC2-B330-81B5E0D3A614}" type="datetimeFigureOut">
-              <a:rPr lang="hu-HU" smtClean="0"/>
-              <a:t>2023.02.28</a:t>
-            </a:fld>
-            <a:endParaRPr lang="hu-HU"/>
-          </a:p>
-        </p:txBody>
-      </p:sp>
-      <p:sp>
-        <p:nvSpPr>
-          <p:cNvPr id="5" name="Footer Placeholder 4"/>
-          <p:cNvSpPr>
-            <a:spLocks noGrp="1"/>
-          </p:cNvSpPr>
-          <p:nvPr>
-            <p:ph type="ftr" sz="quarter" idx="3"/>
-          </p:nvPr>
-        </p:nvSpPr>
-        <p:spPr>
-          <a:xfrm>
-            <a:off x="677334" y="6041362"/>
-            <a:ext cx="6297612" cy="365125"/>
-          </a:xfrm>
-          <a:prstGeom prst="rect">
-            <a:avLst/>
-          </a:prstGeom>
-        </p:spPr>
-        <p:txBody>
-          <a:bodyPr vert="horz" lIns="91440" tIns="45720" rIns="91440" bIns="45720" rtlCol="0" anchor="ctr"/>
-          <a:lstStyle>
-            <a:lvl1pPr algn="l">
-              <a:defRPr sz="900">
-                <a:solidFill>
-                  <a:schemeClr val="tx1">
-                    <a:tint val="75000"/>
-                  </a:schemeClr>
-                </a:solidFill>
-              </a:defRPr>
-            </a:lvl1pPr>
-          </a:lstStyle>
-          <a:p>
-            <a:endParaRPr lang="hu-HU"/>
-          </a:p>
-        </p:txBody>
-      </p:sp>
-      <p:sp>
-        <p:nvSpPr>
-          <p:cNvPr id="6" name="Slide Number Placeholder 5"/>
-          <p:cNvSpPr>
-            <a:spLocks noGrp="1"/>
-          </p:cNvSpPr>
-          <p:nvPr>
-            <p:ph type="sldNum" sz="quarter" idx="4"/>
-          </p:nvPr>
-        </p:nvSpPr>
-        <p:spPr>
-          <a:xfrm>
-            <a:off x="8590663" y="6041362"/>
-            <a:ext cx="683339" cy="365125"/>
-          </a:xfrm>
-          <a:prstGeom prst="rect">
-            <a:avLst/>
-          </a:prstGeom>
-        </p:spPr>
-        <p:txBody>
-          <a:bodyPr vert="horz" lIns="91440" tIns="45720" rIns="91440" bIns="45720" rtlCol="0" anchor="ctr"/>
-          <a:lstStyle>
-            <a:lvl1pPr algn="r">
-              <a:defRPr sz="900">
-                <a:solidFill>
-                  <a:schemeClr val="accent1"/>
-                </a:solidFill>
+                <a:effectLst>
+                  <a:outerShdw blurRad="50800" dist="38100" dir="2700000" algn="tl" rotWithShape="0">
+                    <a:schemeClr val="bg1">
+                      <a:alpha val="43000"/>
+                    </a:schemeClr>
+                  </a:outerShdw>
+                </a:effectLst>
               </a:defRPr>
             </a:lvl1pPr>
           </a:lstStyle>
@@ -5373,43 +6226,60 @@
     </p:spTree>
     <p:extLst>
       <p:ext uri="{BB962C8B-B14F-4D97-AF65-F5344CB8AC3E}">
-        <p14:creationId xmlns:p14="http://schemas.microsoft.com/office/powerpoint/2010/main" val="1688218596"/>
+        <p14:creationId xmlns:p14="http://schemas.microsoft.com/office/powerpoint/2010/main" val="445044581"/>
       </p:ext>
     </p:extLst>
   </p:cSld>
   <p:clrMap bg1="dk1" tx1="lt1" bg2="dk2" tx2="lt2" accent1="accent1" accent2="accent2" accent3="accent3" accent4="accent4" accent5="accent5" accent6="accent6" hlink="hlink" folHlink="folHlink"/>
   <p:sldLayoutIdLst>
-    <p:sldLayoutId id="2147483729" r:id="rId1"/>
-    <p:sldLayoutId id="2147483730" r:id="rId2"/>
-    <p:sldLayoutId id="2147483731" r:id="rId3"/>
-    <p:sldLayoutId id="2147483732" r:id="rId4"/>
-    <p:sldLayoutId id="2147483733" r:id="rId5"/>
-    <p:sldLayoutId id="2147483734" r:id="rId6"/>
-    <p:sldLayoutId id="2147483735" r:id="rId7"/>
-    <p:sldLayoutId id="2147483736" r:id="rId8"/>
-    <p:sldLayoutId id="2147483737" r:id="rId9"/>
-    <p:sldLayoutId id="2147483738" r:id="rId10"/>
-    <p:sldLayoutId id="2147483739" r:id="rId11"/>
-    <p:sldLayoutId id="2147483740" r:id="rId12"/>
-    <p:sldLayoutId id="2147483741" r:id="rId13"/>
-    <p:sldLayoutId id="2147483742" r:id="rId14"/>
-    <p:sldLayoutId id="2147483743" r:id="rId15"/>
-    <p:sldLayoutId id="2147483744" r:id="rId16"/>
+    <p:sldLayoutId id="2147483770" r:id="rId1"/>
+    <p:sldLayoutId id="2147483771" r:id="rId2"/>
+    <p:sldLayoutId id="2147483772" r:id="rId3"/>
+    <p:sldLayoutId id="2147483773" r:id="rId4"/>
+    <p:sldLayoutId id="2147483774" r:id="rId5"/>
+    <p:sldLayoutId id="2147483775" r:id="rId6"/>
+    <p:sldLayoutId id="2147483776" r:id="rId7"/>
+    <p:sldLayoutId id="2147483777" r:id="rId8"/>
+    <p:sldLayoutId id="2147483778" r:id="rId9"/>
+    <p:sldLayoutId id="2147483779" r:id="rId10"/>
+    <p:sldLayoutId id="2147483780" r:id="rId11"/>
+    <p:sldLayoutId id="2147483781" r:id="rId12"/>
+    <p:sldLayoutId id="2147483782" r:id="rId13"/>
+    <p:sldLayoutId id="2147483783" r:id="rId14"/>
+    <p:sldLayoutId id="2147483784" r:id="rId15"/>
+    <p:sldLayoutId id="2147483785" r:id="rId16"/>
+    <p:sldLayoutId id="2147483786" r:id="rId17"/>
   </p:sldLayoutIdLst>
   <p:txStyles>
     <p:titleStyle>
-      <a:lvl1pPr algn="l" defTabSz="457200" rtl="0" eaLnBrk="1" latinLnBrk="0" hangingPunct="1">
+      <a:lvl1pPr algn="ctr" defTabSz="457200" rtl="0" eaLnBrk="1" latinLnBrk="0" hangingPunct="1">
         <a:spcBef>
           <a:spcPct val="0"/>
         </a:spcBef>
         <a:buNone/>
-        <a:defRPr sz="3600" kern="1200">
+        <a:defRPr sz="4000" kern="1200">
+          <a:ln>
+            <a:solidFill>
+              <a:schemeClr val="bg1">
+                <a:lumMod val="75000"/>
+                <a:lumOff val="25000"/>
+                <a:alpha val="10000"/>
+              </a:schemeClr>
+            </a:solidFill>
+          </a:ln>
           <a:solidFill>
-            <a:schemeClr val="accent1"/>
+            <a:schemeClr val="tx2"/>
           </a:solidFill>
+          <a:effectLst>
+            <a:outerShdw blurRad="9525" dist="25400" dir="14640000" algn="tl" rotWithShape="0">
+              <a:schemeClr val="bg1">
+                <a:alpha val="30000"/>
+              </a:schemeClr>
+            </a:outerShdw>
+          </a:effectLst>
           <a:latin typeface="+mj-lt"/>
           <a:ea typeface="+mj-ea"/>
-          <a:cs typeface="+mj-cs"/>
+          <a:cs typeface="Trebuchet MS"/>
         </a:defRPr>
       </a:lvl1pPr>
       <a:lvl2pPr eaLnBrk="1" hangingPunct="1">
@@ -5470,226 +6340,343 @@
       </a:lvl9pPr>
     </p:titleStyle>
     <p:bodyStyle>
-      <a:lvl1pPr marL="342900" indent="-342900" algn="l" defTabSz="457200" rtl="0" eaLnBrk="1" latinLnBrk="0" hangingPunct="1">
+      <a:lvl1pPr marL="342900" indent="-306000" algn="l" defTabSz="457200" rtl="0" eaLnBrk="1" latinLnBrk="0" hangingPunct="1">
         <a:spcBef>
-          <a:spcPts val="1000"/>
+          <a:spcPct val="20000"/>
         </a:spcBef>
         <a:spcAft>
-          <a:spcPts val="0"/>
+          <a:spcPts val="600"/>
         </a:spcAft>
         <a:buClr>
-          <a:schemeClr val="accent1"/>
+          <a:schemeClr val="tx2"/>
         </a:buClr>
-        <a:buSzPct val="80000"/>
-        <a:buFont typeface="Wingdings 3" charset="2"/>
-        <a:buChar char=""/>
-        <a:defRPr sz="1800" kern="1200">
+        <a:buSzPct val="70000"/>
+        <a:buFont typeface="Wingdings 2" charset="2"/>
+        <a:buChar char=""/>
+        <a:defRPr sz="2000" kern="1200">
+          <a:ln>
+            <a:solidFill>
+              <a:schemeClr val="bg1">
+                <a:lumMod val="75000"/>
+                <a:lumOff val="25000"/>
+                <a:alpha val="10000"/>
+              </a:schemeClr>
+            </a:solidFill>
+          </a:ln>
           <a:solidFill>
-            <a:schemeClr val="tx1">
-              <a:lumMod val="75000"/>
-              <a:lumOff val="25000"/>
-            </a:schemeClr>
+            <a:schemeClr val="tx2"/>
           </a:solidFill>
+          <a:effectLst>
+            <a:outerShdw blurRad="9525" dist="25400" dir="14640000" algn="tl" rotWithShape="0">
+              <a:schemeClr val="bg1">
+                <a:alpha val="30000"/>
+              </a:schemeClr>
+            </a:outerShdw>
+          </a:effectLst>
           <a:latin typeface="+mn-lt"/>
           <a:ea typeface="+mn-ea"/>
           <a:cs typeface="+mn-cs"/>
         </a:defRPr>
       </a:lvl1pPr>
-      <a:lvl2pPr marL="742950" indent="-285750" algn="l" defTabSz="457200" rtl="0" eaLnBrk="1" latinLnBrk="0" hangingPunct="1">
+      <a:lvl2pPr marL="720000" indent="-270000" algn="l" defTabSz="457200" rtl="0" eaLnBrk="1" latinLnBrk="0" hangingPunct="1">
         <a:spcBef>
-          <a:spcPts val="1000"/>
+          <a:spcPct val="20000"/>
         </a:spcBef>
         <a:spcAft>
-          <a:spcPts val="0"/>
+          <a:spcPts val="600"/>
         </a:spcAft>
         <a:buClr>
-          <a:schemeClr val="accent1"/>
+          <a:schemeClr val="tx2"/>
         </a:buClr>
-        <a:buSzPct val="80000"/>
-        <a:buFont typeface="Wingdings 3" charset="2"/>
-        <a:buChar char=""/>
-        <a:defRPr sz="1600" kern="1200">
+        <a:buSzPct val="70000"/>
+        <a:buFont typeface="Wingdings 2" charset="2"/>
+        <a:buChar char=""/>
+        <a:defRPr sz="1800" kern="1200">
+          <a:ln>
+            <a:solidFill>
+              <a:schemeClr val="bg1">
+                <a:lumMod val="75000"/>
+                <a:lumOff val="25000"/>
+                <a:alpha val="10000"/>
+              </a:schemeClr>
+            </a:solidFill>
+          </a:ln>
           <a:solidFill>
-            <a:schemeClr val="tx1">
-              <a:lumMod val="75000"/>
-              <a:lumOff val="25000"/>
-            </a:schemeClr>
+            <a:schemeClr val="tx2"/>
           </a:solidFill>
+          <a:effectLst>
+            <a:outerShdw blurRad="9525" dist="25400" dir="14640000" algn="tl" rotWithShape="0">
+              <a:schemeClr val="bg1">
+                <a:alpha val="30000"/>
+              </a:schemeClr>
+            </a:outerShdw>
+          </a:effectLst>
           <a:latin typeface="+mn-lt"/>
           <a:ea typeface="+mn-ea"/>
           <a:cs typeface="+mn-cs"/>
         </a:defRPr>
       </a:lvl2pPr>
-      <a:lvl3pPr marL="1143000" indent="-228600" algn="l" defTabSz="457200" rtl="0" eaLnBrk="1" latinLnBrk="0" hangingPunct="1">
+      <a:lvl3pPr marL="1026000" indent="-216000" algn="l" defTabSz="457200" rtl="0" eaLnBrk="1" latinLnBrk="0" hangingPunct="1">
         <a:spcBef>
-          <a:spcPts val="1000"/>
+          <a:spcPct val="20000"/>
         </a:spcBef>
         <a:spcAft>
-          <a:spcPts val="0"/>
+          <a:spcPts val="600"/>
         </a:spcAft>
         <a:buClr>
-          <a:schemeClr val="accent1"/>
+          <a:schemeClr val="tx2"/>
         </a:buClr>
-        <a:buSzPct val="80000"/>
-        <a:buFont typeface="Wingdings 3" charset="2"/>
-        <a:buChar char=""/>
-        <a:defRPr sz="1400" kern="1200">
+        <a:buSzPct val="70000"/>
+        <a:buFont typeface="Wingdings 2" charset="2"/>
+        <a:buChar char=""/>
+        <a:defRPr sz="1600" kern="1200">
+          <a:ln>
+            <a:solidFill>
+              <a:schemeClr val="bg1">
+                <a:lumMod val="75000"/>
+                <a:lumOff val="25000"/>
+                <a:alpha val="10000"/>
+              </a:schemeClr>
+            </a:solidFill>
+          </a:ln>
           <a:solidFill>
-            <a:schemeClr val="tx1">
-              <a:lumMod val="75000"/>
-              <a:lumOff val="25000"/>
-            </a:schemeClr>
+            <a:schemeClr val="tx2"/>
           </a:solidFill>
+          <a:effectLst>
+            <a:outerShdw blurRad="9525" dist="25400" dir="14640000" algn="tl" rotWithShape="0">
+              <a:schemeClr val="bg1">
+                <a:alpha val="30000"/>
+              </a:schemeClr>
+            </a:outerShdw>
+          </a:effectLst>
           <a:latin typeface="+mn-lt"/>
           <a:ea typeface="+mn-ea"/>
           <a:cs typeface="+mn-cs"/>
         </a:defRPr>
       </a:lvl3pPr>
-      <a:lvl4pPr marL="1600200" indent="-228600" algn="l" defTabSz="457200" rtl="0" eaLnBrk="1" latinLnBrk="0" hangingPunct="1">
+      <a:lvl4pPr marL="1386000" indent="-216000" algn="l" defTabSz="457200" rtl="0" eaLnBrk="1" latinLnBrk="0" hangingPunct="1">
         <a:spcBef>
-          <a:spcPts val="1000"/>
+          <a:spcPct val="20000"/>
         </a:spcBef>
         <a:spcAft>
-          <a:spcPts val="0"/>
+          <a:spcPts val="600"/>
         </a:spcAft>
         <a:buClr>
-          <a:schemeClr val="accent1"/>
+          <a:schemeClr val="tx2"/>
         </a:buClr>
-        <a:buSzPct val="80000"/>
-        <a:buFont typeface="Wingdings 3" charset="2"/>
-        <a:buChar char=""/>
-        <a:defRPr sz="1200" kern="1200">
+        <a:buSzPct val="70000"/>
+        <a:buFont typeface="Wingdings 2" charset="2"/>
+        <a:buChar char=""/>
+        <a:defRPr sz="1400" kern="1200">
+          <a:ln>
+            <a:solidFill>
+              <a:schemeClr val="bg1">
+                <a:lumMod val="75000"/>
+                <a:lumOff val="25000"/>
+                <a:alpha val="10000"/>
+              </a:schemeClr>
+            </a:solidFill>
+          </a:ln>
           <a:solidFill>
-            <a:schemeClr val="tx1">
-              <a:lumMod val="75000"/>
-              <a:lumOff val="25000"/>
-            </a:schemeClr>
+            <a:schemeClr val="tx2"/>
           </a:solidFill>
+          <a:effectLst>
+            <a:outerShdw blurRad="9525" dist="25400" dir="14640000" algn="tl" rotWithShape="0">
+              <a:schemeClr val="bg1">
+                <a:alpha val="30000"/>
+              </a:schemeClr>
+            </a:outerShdw>
+          </a:effectLst>
           <a:latin typeface="+mn-lt"/>
           <a:ea typeface="+mn-ea"/>
           <a:cs typeface="+mn-cs"/>
         </a:defRPr>
       </a:lvl4pPr>
-      <a:lvl5pPr marL="2057400" indent="-228600" algn="l" defTabSz="457200" rtl="0" eaLnBrk="1" latinLnBrk="0" hangingPunct="1">
+      <a:lvl5pPr marL="1674000" indent="-216000" algn="l" defTabSz="457200" rtl="0" eaLnBrk="1" latinLnBrk="0" hangingPunct="1">
         <a:spcBef>
-          <a:spcPts val="1000"/>
+          <a:spcPct val="20000"/>
         </a:spcBef>
         <a:spcAft>
-          <a:spcPts val="0"/>
+          <a:spcPts val="600"/>
         </a:spcAft>
         <a:buClr>
-          <a:schemeClr val="accent1"/>
+          <a:schemeClr val="tx2"/>
         </a:buClr>
-        <a:buSzPct val="80000"/>
-        <a:buFont typeface="Wingdings 3" charset="2"/>
-        <a:buChar char=""/>
-        <a:defRPr sz="1200" kern="1200">
+        <a:buSzPct val="70000"/>
+        <a:buFont typeface="Wingdings 2" charset="2"/>
+        <a:buChar char=""/>
+        <a:defRPr sz="1400" kern="1200">
+          <a:ln>
+            <a:solidFill>
+              <a:schemeClr val="bg1">
+                <a:lumMod val="75000"/>
+                <a:lumOff val="25000"/>
+                <a:alpha val="10000"/>
+              </a:schemeClr>
+            </a:solidFill>
+          </a:ln>
           <a:solidFill>
-            <a:schemeClr val="tx1">
-              <a:lumMod val="75000"/>
-              <a:lumOff val="25000"/>
-            </a:schemeClr>
+            <a:schemeClr val="tx2"/>
           </a:solidFill>
+          <a:effectLst>
+            <a:outerShdw blurRad="9525" dist="25400" dir="14640000" algn="tl" rotWithShape="0">
+              <a:schemeClr val="bg1">
+                <a:alpha val="30000"/>
+              </a:schemeClr>
+            </a:outerShdw>
+          </a:effectLst>
           <a:latin typeface="+mn-lt"/>
           <a:ea typeface="+mn-ea"/>
           <a:cs typeface="+mn-cs"/>
         </a:defRPr>
       </a:lvl5pPr>
-      <a:lvl6pPr marL="2514600" indent="-228600" algn="l" defTabSz="457200" rtl="0" eaLnBrk="1" latinLnBrk="0" hangingPunct="1">
+      <a:lvl6pPr marL="2014600" indent="-228600" algn="l" defTabSz="457200" rtl="0" eaLnBrk="1" latinLnBrk="0" hangingPunct="1">
         <a:spcBef>
-          <a:spcPts val="1000"/>
+          <a:spcPct val="20000"/>
         </a:spcBef>
         <a:spcAft>
-          <a:spcPts val="0"/>
+          <a:spcPts val="600"/>
         </a:spcAft>
         <a:buClr>
-          <a:schemeClr val="accent1"/>
+          <a:schemeClr val="tx2"/>
         </a:buClr>
-        <a:buSzPct val="80000"/>
-        <a:buFont typeface="Wingdings 3" charset="2"/>
-        <a:buChar char=""/>
-        <a:defRPr sz="1200" kern="1200">
+        <a:buSzPct val="70000"/>
+        <a:buFont typeface="Wingdings 2" charset="2"/>
+        <a:buChar char=""/>
+        <a:defRPr sz="1400" kern="1200">
+          <a:ln>
+            <a:solidFill>
+              <a:schemeClr val="bg1">
+                <a:lumMod val="75000"/>
+                <a:lumOff val="25000"/>
+                <a:alpha val="10000"/>
+              </a:schemeClr>
+            </a:solidFill>
+          </a:ln>
           <a:solidFill>
-            <a:schemeClr val="tx1">
-              <a:lumMod val="75000"/>
-              <a:lumOff val="25000"/>
-            </a:schemeClr>
+            <a:schemeClr val="tx2"/>
           </a:solidFill>
+          <a:effectLst>
+            <a:outerShdw blurRad="9525" dist="25400" dir="14640000" algn="tl" rotWithShape="0">
+              <a:schemeClr val="bg1">
+                <a:alpha val="30000"/>
+              </a:schemeClr>
+            </a:outerShdw>
+          </a:effectLst>
           <a:latin typeface="+mn-lt"/>
           <a:ea typeface="+mn-ea"/>
           <a:cs typeface="+mn-cs"/>
         </a:defRPr>
       </a:lvl6pPr>
-      <a:lvl7pPr marL="2971800" indent="-228600" algn="l" defTabSz="457200" rtl="0" eaLnBrk="1" latinLnBrk="0" hangingPunct="1">
+      <a:lvl7pPr marL="2401800" indent="-228600" algn="l" defTabSz="457200" rtl="0" eaLnBrk="1" latinLnBrk="0" hangingPunct="1">
         <a:spcBef>
-          <a:spcPts val="1000"/>
+          <a:spcPct val="20000"/>
         </a:spcBef>
         <a:spcAft>
-          <a:spcPts val="0"/>
+          <a:spcPts val="600"/>
         </a:spcAft>
         <a:buClr>
-          <a:schemeClr val="accent1"/>
+          <a:schemeClr val="tx2"/>
         </a:buClr>
-        <a:buSzPct val="80000"/>
-        <a:buFont typeface="Wingdings 3" charset="2"/>
-        <a:buChar char=""/>
-        <a:defRPr sz="1200" kern="1200">
+        <a:buSzPct val="70000"/>
+        <a:buFont typeface="Wingdings 2" charset="2"/>
+        <a:buChar char=""/>
+        <a:defRPr sz="1400" kern="1200">
+          <a:ln>
+            <a:solidFill>
+              <a:schemeClr val="bg1">
+                <a:lumMod val="75000"/>
+                <a:lumOff val="25000"/>
+                <a:alpha val="10000"/>
+              </a:schemeClr>
+            </a:solidFill>
+          </a:ln>
           <a:solidFill>
-            <a:schemeClr val="tx1">
-              <a:lumMod val="75000"/>
-              <a:lumOff val="25000"/>
-            </a:schemeClr>
+            <a:schemeClr val="tx2"/>
           </a:solidFill>
+          <a:effectLst>
+            <a:outerShdw blurRad="9525" dist="25400" dir="14640000" algn="tl" rotWithShape="0">
+              <a:schemeClr val="bg1">
+                <a:alpha val="30000"/>
+              </a:schemeClr>
+            </a:outerShdw>
+          </a:effectLst>
           <a:latin typeface="+mn-lt"/>
           <a:ea typeface="+mn-ea"/>
           <a:cs typeface="+mn-cs"/>
         </a:defRPr>
       </a:lvl7pPr>
-      <a:lvl8pPr marL="3429000" indent="-228600" algn="l" defTabSz="457200" rtl="0" eaLnBrk="1" latinLnBrk="0" hangingPunct="1">
+      <a:lvl8pPr marL="2789000" indent="-228600" algn="l" defTabSz="457200" rtl="0" eaLnBrk="1" latinLnBrk="0" hangingPunct="1">
         <a:spcBef>
-          <a:spcPts val="1000"/>
+          <a:spcPct val="20000"/>
         </a:spcBef>
         <a:spcAft>
-          <a:spcPts val="0"/>
+          <a:spcPts val="600"/>
         </a:spcAft>
         <a:buClr>
-          <a:schemeClr val="accent1"/>
+          <a:schemeClr val="tx2"/>
         </a:buClr>
-        <a:buSzPct val="80000"/>
-        <a:buFont typeface="Wingdings 3" charset="2"/>
-        <a:buChar char=""/>
-        <a:defRPr sz="1200" kern="1200">
+        <a:buSzPct val="70000"/>
+        <a:buFont typeface="Wingdings 2" charset="2"/>
+        <a:buChar char=""/>
+        <a:defRPr sz="1400" kern="1200">
+          <a:ln>
+            <a:solidFill>
+              <a:schemeClr val="bg1">
+                <a:lumMod val="75000"/>
+                <a:lumOff val="25000"/>
+                <a:alpha val="10000"/>
+              </a:schemeClr>
+            </a:solidFill>
+          </a:ln>
           <a:solidFill>
-            <a:schemeClr val="tx1">
-              <a:lumMod val="75000"/>
-              <a:lumOff val="25000"/>
-            </a:schemeClr>
+            <a:schemeClr val="tx2"/>
           </a:solidFill>
+          <a:effectLst>
+            <a:outerShdw blurRad="9525" dist="25400" dir="14640000" algn="tl" rotWithShape="0">
+              <a:schemeClr val="bg1">
+                <a:alpha val="30000"/>
+              </a:schemeClr>
+            </a:outerShdw>
+          </a:effectLst>
           <a:latin typeface="+mn-lt"/>
           <a:ea typeface="+mn-ea"/>
           <a:cs typeface="+mn-cs"/>
         </a:defRPr>
       </a:lvl8pPr>
-      <a:lvl9pPr marL="3886200" indent="-228600" algn="l" defTabSz="457200" rtl="0" eaLnBrk="1" latinLnBrk="0" hangingPunct="1">
+      <a:lvl9pPr marL="3106200" indent="-228600" algn="l" defTabSz="457200" rtl="0" eaLnBrk="1" latinLnBrk="0" hangingPunct="1">
         <a:spcBef>
-          <a:spcPts val="1000"/>
+          <a:spcPct val="20000"/>
         </a:spcBef>
         <a:spcAft>
-          <a:spcPts val="0"/>
+          <a:spcPts val="600"/>
         </a:spcAft>
         <a:buClr>
-          <a:schemeClr val="accent1"/>
+          <a:schemeClr val="tx2"/>
         </a:buClr>
-        <a:buSzPct val="80000"/>
-        <a:buFont typeface="Wingdings 3" charset="2"/>
-        <a:buChar char=""/>
-        <a:defRPr sz="1200" kern="1200">
+        <a:buSzPct val="70000"/>
+        <a:buFont typeface="Wingdings 2" charset="2"/>
+        <a:buChar char=""/>
+        <a:defRPr sz="1400" kern="1200">
+          <a:ln>
+            <a:solidFill>
+              <a:schemeClr val="bg1">
+                <a:lumMod val="75000"/>
+                <a:lumOff val="25000"/>
+                <a:alpha val="10000"/>
+              </a:schemeClr>
+            </a:solidFill>
+          </a:ln>
           <a:solidFill>
-            <a:schemeClr val="tx1">
-              <a:lumMod val="75000"/>
-              <a:lumOff val="25000"/>
-            </a:schemeClr>
+            <a:schemeClr val="tx2"/>
           </a:solidFill>
+          <a:effectLst>
+            <a:outerShdw blurRad="9525" dist="25400" dir="14640000" algn="tl" rotWithShape="0">
+              <a:schemeClr val="bg1">
+                <a:alpha val="30000"/>
+              </a:schemeClr>
+            </a:outerShdw>
+          </a:effectLst>
           <a:latin typeface="+mn-lt"/>
           <a:ea typeface="+mn-ea"/>
           <a:cs typeface="+mn-cs"/>
@@ -6279,7 +7266,7 @@
         <p:spPr>
           <a:xfrm>
             <a:off x="351304" y="1493520"/>
-            <a:ext cx="2872740" cy="1754326"/>
+            <a:ext cx="2872740" cy="3970318"/>
           </a:xfrm>
           <a:prstGeom prst="rect">
             <a:avLst/>
@@ -6294,13 +7281,22 @@
           <a:p>
             <a:r>
               <a:rPr lang="hu-HU" dirty="0"/>
-              <a:t>A Balatonpart melletti házak adóját kell kiszámolni.</a:t>
+              <a:t>A Balaton-parti önkormányzat építmény adót vezetett be a Balaton part melletti házakra.</a:t>
             </a:r>
           </a:p>
           <a:p>
             <a:r>
               <a:rPr lang="hu-HU" dirty="0"/>
-              <a:t>Az adósávok felosztása	:</a:t>
+              <a:t>A feladatokban ezeknek a házaknak az adóját kell kiszámolni. Az adó mértéke a területen kívül a Balatontól mért távolságtól is függ.</a:t>
+            </a:r>
+          </a:p>
+          <a:p>
+            <a:endParaRPr lang="hu-HU" dirty="0"/>
+          </a:p>
+          <a:p>
+            <a:r>
+              <a:rPr lang="hu-HU" dirty="0"/>
+              <a:t>Az adósávok felosztása:</a:t>
             </a:r>
           </a:p>
           <a:p>
@@ -6389,6 +7385,498 @@
           <a:chExt cx="0" cy="0"/>
         </a:xfrm>
       </p:grpSpPr>
+      <p:sp>
+        <p:nvSpPr>
+          <p:cNvPr id="2" name="Szövegdoboz 1">
+            <a:extLst>
+              <a:ext uri="{FF2B5EF4-FFF2-40B4-BE49-F238E27FC236}">
+                <a16:creationId xmlns:a16="http://schemas.microsoft.com/office/drawing/2014/main" id="{121B9871-C617-4393-B404-57B6BEA5860F}"/>
+              </a:ext>
+            </a:extLst>
+          </p:cNvPr>
+          <p:cNvSpPr txBox="1"/>
+          <p:nvPr/>
+        </p:nvSpPr>
+        <p:spPr>
+          <a:xfrm>
+            <a:off x="117446" y="125835"/>
+            <a:ext cx="3397541" cy="523220"/>
+          </a:xfrm>
+          <a:prstGeom prst="rect">
+            <a:avLst/>
+          </a:prstGeom>
+          <a:noFill/>
+        </p:spPr>
+        <p:txBody>
+          <a:bodyPr wrap="square" rtlCol="0">
+            <a:spAutoFit/>
+          </a:bodyPr>
+          <a:lstStyle/>
+          <a:p>
+            <a:r>
+              <a:rPr lang="hu-HU" sz="2800" dirty="0"/>
+              <a:t>Feladatok</a:t>
+            </a:r>
+          </a:p>
+        </p:txBody>
+      </p:sp>
+      <p:sp>
+        <p:nvSpPr>
+          <p:cNvPr id="3" name="Szövegdoboz 2">
+            <a:extLst>
+              <a:ext uri="{FF2B5EF4-FFF2-40B4-BE49-F238E27FC236}">
+                <a16:creationId xmlns:a16="http://schemas.microsoft.com/office/drawing/2014/main" id="{266036AA-3A2B-47BF-9E61-5552BA8B4B04}"/>
+              </a:ext>
+            </a:extLst>
+          </p:cNvPr>
+          <p:cNvSpPr txBox="1"/>
+          <p:nvPr/>
+        </p:nvSpPr>
+        <p:spPr>
+          <a:xfrm>
+            <a:off x="478174" y="959933"/>
+            <a:ext cx="7810150" cy="4985980"/>
+          </a:xfrm>
+          <a:prstGeom prst="rect">
+            <a:avLst/>
+          </a:prstGeom>
+          <a:noFill/>
+        </p:spPr>
+        <p:txBody>
+          <a:bodyPr wrap="square" rtlCol="0">
+            <a:spAutoFit/>
+          </a:bodyPr>
+          <a:lstStyle/>
+          <a:p>
+            <a:r>
+              <a:rPr lang="hu-HU" dirty="0"/>
+              <a:t>1. feladat: A file beolvasása, a házak információjáért (alapterület, tulajdonos, stb.) és a fizetendő pénz/m</a:t>
+            </a:r>
+            <a:r>
+              <a:rPr lang="hu-HU" baseline="30000" dirty="0"/>
+              <a:t>2</a:t>
+            </a:r>
+          </a:p>
+          <a:p>
+            <a:endParaRPr lang="hu-HU" baseline="30000" dirty="0"/>
+          </a:p>
+          <a:p>
+            <a:endParaRPr lang="hu-HU" baseline="30000" dirty="0"/>
+          </a:p>
+          <a:p>
+            <a:endParaRPr lang="hu-HU" baseline="30000" dirty="0"/>
+          </a:p>
+          <a:p>
+            <a:endParaRPr lang="hu-HU" baseline="30000" dirty="0"/>
+          </a:p>
+          <a:p>
+            <a:endParaRPr lang="hu-HU" baseline="30000" dirty="0"/>
+          </a:p>
+          <a:p>
+            <a:endParaRPr lang="hu-HU" baseline="30000" dirty="0"/>
+          </a:p>
+          <a:p>
+            <a:endParaRPr lang="hu-HU" baseline="30000" dirty="0"/>
+          </a:p>
+          <a:p>
+            <a:r>
+              <a:rPr lang="hu-HU" dirty="0"/>
+              <a:t>2 . feladat: A beolvasott épületek megszámolása a len() </a:t>
+            </a:r>
+            <a:r>
+              <a:rPr lang="hu-HU" dirty="0" err="1"/>
+              <a:t>function</a:t>
+            </a:r>
+            <a:r>
+              <a:rPr lang="hu-HU" dirty="0"/>
+              <a:t> segítségével</a:t>
+            </a:r>
+          </a:p>
+          <a:p>
+            <a:endParaRPr lang="hu-HU" dirty="0"/>
+          </a:p>
+          <a:p>
+            <a:endParaRPr lang="hu-HU" dirty="0"/>
+          </a:p>
+          <a:p>
+            <a:endParaRPr lang="hu-HU" dirty="0"/>
+          </a:p>
+          <a:p>
+            <a:endParaRPr lang="hu-HU" dirty="0"/>
+          </a:p>
+          <a:p>
+            <a:endParaRPr lang="hu-HU" dirty="0"/>
+          </a:p>
+          <a:p>
+            <a:r>
+              <a:rPr lang="hu-HU" dirty="0"/>
+              <a:t>3. feladat: Be kell kérni egy adószámot és a hozzá tartozó házakat ki kell írni</a:t>
+            </a:r>
+          </a:p>
+          <a:p>
+            <a:endParaRPr lang="hu-HU" dirty="0"/>
+          </a:p>
+          <a:p>
+            <a:endParaRPr lang="hu-HU" dirty="0"/>
+          </a:p>
+          <a:p>
+            <a:endParaRPr lang="hu-HU" dirty="0"/>
+          </a:p>
+          <a:p>
+            <a:endParaRPr lang="hu-HU" dirty="0"/>
+          </a:p>
+        </p:txBody>
+      </p:sp>
+      <p:pic>
+        <p:nvPicPr>
+          <p:cNvPr id="4" name="Kép 3">
+            <a:extLst>
+              <a:ext uri="{FF2B5EF4-FFF2-40B4-BE49-F238E27FC236}">
+                <a16:creationId xmlns:a16="http://schemas.microsoft.com/office/drawing/2014/main" id="{A434D17D-5A38-4525-AEA3-689E4B5626B7}"/>
+              </a:ext>
+            </a:extLst>
+          </p:cNvPr>
+          <p:cNvPicPr>
+            <a:picLocks noChangeAspect="1"/>
+          </p:cNvPicPr>
+          <p:nvPr/>
+        </p:nvPicPr>
+        <p:blipFill>
+          <a:blip r:embed="rId2"/>
+          <a:stretch>
+            <a:fillRect/>
+          </a:stretch>
+        </p:blipFill>
+        <p:spPr>
+          <a:xfrm>
+            <a:off x="3177506" y="1499484"/>
+            <a:ext cx="2980013" cy="1270993"/>
+          </a:xfrm>
+          <a:prstGeom prst="rect">
+            <a:avLst/>
+          </a:prstGeom>
+        </p:spPr>
+      </p:pic>
+      <p:cxnSp>
+        <p:nvCxnSpPr>
+          <p:cNvPr id="9" name="Egyenes összekötő nyíllal 8">
+            <a:extLst>
+              <a:ext uri="{FF2B5EF4-FFF2-40B4-BE49-F238E27FC236}">
+                <a16:creationId xmlns:a16="http://schemas.microsoft.com/office/drawing/2014/main" id="{EF7CA552-9578-48BB-8F7E-57F3681C5D4B}"/>
+              </a:ext>
+            </a:extLst>
+          </p:cNvPr>
+          <p:cNvCxnSpPr/>
+          <p:nvPr/>
+        </p:nvCxnSpPr>
+        <p:spPr>
+          <a:xfrm flipH="1">
+            <a:off x="4383249" y="1619075"/>
+            <a:ext cx="2202109" cy="0"/>
+          </a:xfrm>
+          <a:prstGeom prst="straightConnector1">
+            <a:avLst/>
+          </a:prstGeom>
+          <a:ln>
+            <a:solidFill>
+              <a:srgbClr val="FF0000"/>
+            </a:solidFill>
+            <a:tailEnd type="triangle"/>
+          </a:ln>
+        </p:spPr>
+        <p:style>
+          <a:lnRef idx="1">
+            <a:schemeClr val="accent1"/>
+          </a:lnRef>
+          <a:fillRef idx="0">
+            <a:schemeClr val="accent1"/>
+          </a:fillRef>
+          <a:effectRef idx="0">
+            <a:schemeClr val="accent1"/>
+          </a:effectRef>
+          <a:fontRef idx="minor">
+            <a:schemeClr val="tx1"/>
+          </a:fontRef>
+        </p:style>
+      </p:cxnSp>
+      <p:cxnSp>
+        <p:nvCxnSpPr>
+          <p:cNvPr id="11" name="Egyenes összekötő nyíllal 10">
+            <a:extLst>
+              <a:ext uri="{FF2B5EF4-FFF2-40B4-BE49-F238E27FC236}">
+                <a16:creationId xmlns:a16="http://schemas.microsoft.com/office/drawing/2014/main" id="{D18C7B2E-F717-4FA3-9F3E-4F8F658C9F35}"/>
+              </a:ext>
+            </a:extLst>
+          </p:cNvPr>
+          <p:cNvCxnSpPr>
+            <a:cxnSpLocks/>
+          </p:cNvCxnSpPr>
+          <p:nvPr/>
+        </p:nvCxnSpPr>
+        <p:spPr>
+          <a:xfrm flipH="1" flipV="1">
+            <a:off x="5327009" y="1996580"/>
+            <a:ext cx="1073791" cy="192947"/>
+          </a:xfrm>
+          <a:prstGeom prst="straightConnector1">
+            <a:avLst/>
+          </a:prstGeom>
+          <a:ln>
+            <a:solidFill>
+              <a:srgbClr val="FF0000"/>
+            </a:solidFill>
+            <a:tailEnd type="triangle"/>
+          </a:ln>
+        </p:spPr>
+        <p:style>
+          <a:lnRef idx="1">
+            <a:schemeClr val="accent1"/>
+          </a:lnRef>
+          <a:fillRef idx="0">
+            <a:schemeClr val="accent1"/>
+          </a:fillRef>
+          <a:effectRef idx="0">
+            <a:schemeClr val="accent1"/>
+          </a:effectRef>
+          <a:fontRef idx="minor">
+            <a:schemeClr val="tx1"/>
+          </a:fontRef>
+        </p:style>
+      </p:cxnSp>
+      <p:cxnSp>
+        <p:nvCxnSpPr>
+          <p:cNvPr id="13" name="Egyenes összekötő nyíllal 12">
+            <a:extLst>
+              <a:ext uri="{FF2B5EF4-FFF2-40B4-BE49-F238E27FC236}">
+                <a16:creationId xmlns:a16="http://schemas.microsoft.com/office/drawing/2014/main" id="{9AA903BD-521A-4250-B46D-F5CC12C9CD4E}"/>
+              </a:ext>
+            </a:extLst>
+          </p:cNvPr>
+          <p:cNvCxnSpPr>
+            <a:cxnSpLocks/>
+          </p:cNvCxnSpPr>
+          <p:nvPr/>
+        </p:nvCxnSpPr>
+        <p:spPr>
+          <a:xfrm flipH="1">
+            <a:off x="5327009" y="2189527"/>
+            <a:ext cx="1073791" cy="58723"/>
+          </a:xfrm>
+          <a:prstGeom prst="straightConnector1">
+            <a:avLst/>
+          </a:prstGeom>
+          <a:ln>
+            <a:solidFill>
+              <a:srgbClr val="FF0000"/>
+            </a:solidFill>
+            <a:tailEnd type="triangle"/>
+          </a:ln>
+        </p:spPr>
+        <p:style>
+          <a:lnRef idx="1">
+            <a:schemeClr val="accent1"/>
+          </a:lnRef>
+          <a:fillRef idx="0">
+            <a:schemeClr val="accent1"/>
+          </a:fillRef>
+          <a:effectRef idx="0">
+            <a:schemeClr val="accent1"/>
+          </a:effectRef>
+          <a:fontRef idx="minor">
+            <a:schemeClr val="tx1"/>
+          </a:fontRef>
+        </p:style>
+      </p:cxnSp>
+      <p:cxnSp>
+        <p:nvCxnSpPr>
+          <p:cNvPr id="16" name="Egyenes összekötő nyíllal 15">
+            <a:extLst>
+              <a:ext uri="{FF2B5EF4-FFF2-40B4-BE49-F238E27FC236}">
+                <a16:creationId xmlns:a16="http://schemas.microsoft.com/office/drawing/2014/main" id="{103B7C94-4EAC-44E8-B285-41598C6EB1AC}"/>
+              </a:ext>
+            </a:extLst>
+          </p:cNvPr>
+          <p:cNvCxnSpPr>
+            <a:cxnSpLocks/>
+          </p:cNvCxnSpPr>
+          <p:nvPr/>
+        </p:nvCxnSpPr>
+        <p:spPr>
+          <a:xfrm flipH="1">
+            <a:off x="5327010" y="2189527"/>
+            <a:ext cx="1073790" cy="231752"/>
+          </a:xfrm>
+          <a:prstGeom prst="straightConnector1">
+            <a:avLst/>
+          </a:prstGeom>
+          <a:ln>
+            <a:solidFill>
+              <a:srgbClr val="FF0000"/>
+            </a:solidFill>
+            <a:tailEnd type="triangle"/>
+          </a:ln>
+        </p:spPr>
+        <p:style>
+          <a:lnRef idx="1">
+            <a:schemeClr val="accent1"/>
+          </a:lnRef>
+          <a:fillRef idx="0">
+            <a:schemeClr val="accent1"/>
+          </a:fillRef>
+          <a:effectRef idx="0">
+            <a:schemeClr val="accent1"/>
+          </a:effectRef>
+          <a:fontRef idx="minor">
+            <a:schemeClr val="tx1"/>
+          </a:fontRef>
+        </p:style>
+      </p:cxnSp>
+      <p:sp>
+        <p:nvSpPr>
+          <p:cNvPr id="20" name="Szövegdoboz 19">
+            <a:extLst>
+              <a:ext uri="{FF2B5EF4-FFF2-40B4-BE49-F238E27FC236}">
+                <a16:creationId xmlns:a16="http://schemas.microsoft.com/office/drawing/2014/main" id="{205CFCC5-6FF8-4F90-87CB-C01BD88B31BE}"/>
+              </a:ext>
+            </a:extLst>
+          </p:cNvPr>
+          <p:cNvSpPr txBox="1"/>
+          <p:nvPr/>
+        </p:nvSpPr>
+        <p:spPr>
+          <a:xfrm>
+            <a:off x="6482922" y="1465186"/>
+            <a:ext cx="1557927" cy="307777"/>
+          </a:xfrm>
+          <a:prstGeom prst="rect">
+            <a:avLst/>
+          </a:prstGeom>
+          <a:noFill/>
+        </p:spPr>
+        <p:txBody>
+          <a:bodyPr wrap="none" rtlCol="0">
+            <a:spAutoFit/>
+          </a:bodyPr>
+          <a:lstStyle/>
+          <a:p>
+            <a:r>
+              <a:rPr lang="hu-HU" sz="1400" dirty="0"/>
+              <a:t>Fizetendő pénz/m</a:t>
+            </a:r>
+            <a:r>
+              <a:rPr lang="hu-HU" sz="1400" baseline="30000" dirty="0"/>
+              <a:t>2</a:t>
+            </a:r>
+          </a:p>
+        </p:txBody>
+      </p:sp>
+      <p:sp>
+        <p:nvSpPr>
+          <p:cNvPr id="21" name="Szövegdoboz 20">
+            <a:extLst>
+              <a:ext uri="{FF2B5EF4-FFF2-40B4-BE49-F238E27FC236}">
+                <a16:creationId xmlns:a16="http://schemas.microsoft.com/office/drawing/2014/main" id="{D41CA457-9951-4590-A3A7-BD9555B5604B}"/>
+              </a:ext>
+            </a:extLst>
+          </p:cNvPr>
+          <p:cNvSpPr txBox="1"/>
+          <p:nvPr/>
+        </p:nvSpPr>
+        <p:spPr>
+          <a:xfrm>
+            <a:off x="6322317" y="2035637"/>
+            <a:ext cx="1573123" cy="307777"/>
+          </a:xfrm>
+          <a:prstGeom prst="rect">
+            <a:avLst/>
+          </a:prstGeom>
+          <a:noFill/>
+        </p:spPr>
+        <p:txBody>
+          <a:bodyPr wrap="none" rtlCol="0">
+            <a:spAutoFit/>
+          </a:bodyPr>
+          <a:lstStyle/>
+          <a:p>
+            <a:r>
+              <a:rPr lang="hu-HU" sz="1400" dirty="0"/>
+              <a:t>Házak információja</a:t>
+            </a:r>
+          </a:p>
+        </p:txBody>
+      </p:sp>
+      <p:pic>
+        <p:nvPicPr>
+          <p:cNvPr id="28" name="Kép 27">
+            <a:extLst>
+              <a:ext uri="{FF2B5EF4-FFF2-40B4-BE49-F238E27FC236}">
+                <a16:creationId xmlns:a16="http://schemas.microsoft.com/office/drawing/2014/main" id="{BA830357-B88B-40BF-9113-0835BE578709}"/>
+              </a:ext>
+            </a:extLst>
+          </p:cNvPr>
+          <p:cNvPicPr>
+            <a:picLocks noChangeAspect="1"/>
+          </p:cNvPicPr>
+          <p:nvPr/>
+        </p:nvPicPr>
+        <p:blipFill>
+          <a:blip r:embed="rId3">
+            <a:extLst>
+              <a:ext uri="{28A0092B-C50C-407E-A947-70E740481C1C}">
+                <a14:useLocalDpi xmlns:a14="http://schemas.microsoft.com/office/drawing/2010/main" val="0"/>
+              </a:ext>
+            </a:extLst>
+          </a:blip>
+          <a:stretch>
+            <a:fillRect/>
+          </a:stretch>
+        </p:blipFill>
+        <p:spPr>
+          <a:xfrm>
+            <a:off x="2423270" y="2999151"/>
+            <a:ext cx="4185940" cy="1648350"/>
+          </a:xfrm>
+          <a:prstGeom prst="rect">
+            <a:avLst/>
+          </a:prstGeom>
+        </p:spPr>
+      </p:pic>
+      <p:pic>
+        <p:nvPicPr>
+          <p:cNvPr id="30" name="Kép 29">
+            <a:extLst>
+              <a:ext uri="{FF2B5EF4-FFF2-40B4-BE49-F238E27FC236}">
+                <a16:creationId xmlns:a16="http://schemas.microsoft.com/office/drawing/2014/main" id="{8F6E2709-7E4F-4C3F-B007-33770A5BFF2B}"/>
+              </a:ext>
+            </a:extLst>
+          </p:cNvPr>
+          <p:cNvPicPr>
+            <a:picLocks noChangeAspect="1"/>
+          </p:cNvPicPr>
+          <p:nvPr/>
+        </p:nvPicPr>
+        <p:blipFill>
+          <a:blip r:embed="rId4">
+            <a:extLst>
+              <a:ext uri="{28A0092B-C50C-407E-A947-70E740481C1C}">
+                <a14:useLocalDpi xmlns:a14="http://schemas.microsoft.com/office/drawing/2010/main" val="0"/>
+              </a:ext>
+            </a:extLst>
+          </a:blip>
+          <a:stretch>
+            <a:fillRect/>
+          </a:stretch>
+        </p:blipFill>
+        <p:spPr>
+          <a:xfrm>
+            <a:off x="1949539" y="4484566"/>
+            <a:ext cx="5945901" cy="2439597"/>
+          </a:xfrm>
+          <a:prstGeom prst="rect">
+            <a:avLst/>
+          </a:prstGeom>
+        </p:spPr>
+      </p:pic>
     </p:spTree>
     <p:extLst>
       <p:ext uri="{BB962C8B-B14F-4D97-AF65-F5344CB8AC3E}">
@@ -6419,6 +7907,231 @@
           <a:chExt cx="0" cy="0"/>
         </a:xfrm>
       </p:grpSpPr>
+      <p:sp>
+        <p:nvSpPr>
+          <p:cNvPr id="8" name="Szövegdoboz 7">
+            <a:extLst>
+              <a:ext uri="{FF2B5EF4-FFF2-40B4-BE49-F238E27FC236}">
+                <a16:creationId xmlns:a16="http://schemas.microsoft.com/office/drawing/2014/main" id="{FC8EFA2A-1160-4AF4-967F-98FB67D7B47B}"/>
+              </a:ext>
+            </a:extLst>
+          </p:cNvPr>
+          <p:cNvSpPr txBox="1"/>
+          <p:nvPr/>
+        </p:nvSpPr>
+        <p:spPr>
+          <a:xfrm>
+            <a:off x="485210" y="1083591"/>
+            <a:ext cx="9254407" cy="4247317"/>
+          </a:xfrm>
+          <a:prstGeom prst="rect">
+            <a:avLst/>
+          </a:prstGeom>
+          <a:noFill/>
+        </p:spPr>
+        <p:txBody>
+          <a:bodyPr wrap="square" rtlCol="0">
+            <a:spAutoFit/>
+          </a:bodyPr>
+          <a:lstStyle/>
+          <a:p>
+            <a:r>
+              <a:rPr lang="hu-HU" dirty="0"/>
+              <a:t>4. Egy számoláshoz szükséges adó </a:t>
+            </a:r>
+            <a:r>
+              <a:rPr lang="hu-HU" dirty="0" err="1"/>
+              <a:t>functiont</a:t>
+            </a:r>
+            <a:r>
+              <a:rPr lang="hu-HU" dirty="0"/>
+              <a:t> létrehozni, melyben paraméterként kellene használni a adósávot és az alapterületet</a:t>
+            </a:r>
+          </a:p>
+          <a:p>
+            <a:endParaRPr lang="hu-HU" dirty="0"/>
+          </a:p>
+          <a:p>
+            <a:endParaRPr lang="hu-HU" dirty="0"/>
+          </a:p>
+          <a:p>
+            <a:endParaRPr lang="hu-HU" dirty="0"/>
+          </a:p>
+          <a:p>
+            <a:endParaRPr lang="hu-HU" dirty="0"/>
+          </a:p>
+          <a:p>
+            <a:endParaRPr lang="hu-HU" dirty="0"/>
+          </a:p>
+          <a:p>
+            <a:endParaRPr lang="hu-HU" dirty="0"/>
+          </a:p>
+          <a:p>
+            <a:r>
+              <a:rPr lang="hu-HU" dirty="0"/>
+              <a:t>5. Az összes háznak az adóját összeadjuk </a:t>
+            </a:r>
+            <a:r>
+              <a:rPr lang="hu-HU" dirty="0" err="1"/>
+              <a:t>adósávonként</a:t>
+            </a:r>
+            <a:r>
+              <a:rPr lang="hu-HU" dirty="0"/>
+              <a:t> és kiírjuk</a:t>
+            </a:r>
+          </a:p>
+          <a:p>
+            <a:endParaRPr lang="hu-HU" dirty="0"/>
+          </a:p>
+          <a:p>
+            <a:endParaRPr lang="hu-HU" dirty="0"/>
+          </a:p>
+          <a:p>
+            <a:endParaRPr lang="hu-HU" dirty="0"/>
+          </a:p>
+          <a:p>
+            <a:endParaRPr lang="hu-HU" dirty="0"/>
+          </a:p>
+          <a:p>
+            <a:r>
+              <a:rPr lang="hu-HU" dirty="0"/>
+              <a:t>6. Az utcákat kigyűjtjük ami több adósávba esik. Pl. ha az utca1 az A és B adósávba esik akkor ki kell gyűjteni</a:t>
+            </a:r>
+          </a:p>
+        </p:txBody>
+      </p:sp>
+      <p:sp>
+        <p:nvSpPr>
+          <p:cNvPr id="9" name="Szövegdoboz 8">
+            <a:extLst>
+              <a:ext uri="{FF2B5EF4-FFF2-40B4-BE49-F238E27FC236}">
+                <a16:creationId xmlns:a16="http://schemas.microsoft.com/office/drawing/2014/main" id="{5179C3BA-2469-4913-ABE9-B67D355A0D3E}"/>
+              </a:ext>
+            </a:extLst>
+          </p:cNvPr>
+          <p:cNvSpPr txBox="1"/>
+          <p:nvPr/>
+        </p:nvSpPr>
+        <p:spPr>
+          <a:xfrm>
+            <a:off x="117446" y="125835"/>
+            <a:ext cx="3397541" cy="523220"/>
+          </a:xfrm>
+          <a:prstGeom prst="rect">
+            <a:avLst/>
+          </a:prstGeom>
+          <a:noFill/>
+        </p:spPr>
+        <p:txBody>
+          <a:bodyPr wrap="square" rtlCol="0">
+            <a:spAutoFit/>
+          </a:bodyPr>
+          <a:lstStyle/>
+          <a:p>
+            <a:r>
+              <a:rPr lang="hu-HU" sz="2800" dirty="0"/>
+              <a:t>Feladatok</a:t>
+            </a:r>
+          </a:p>
+        </p:txBody>
+      </p:sp>
+      <p:pic>
+        <p:nvPicPr>
+          <p:cNvPr id="11" name="Kép 10">
+            <a:extLst>
+              <a:ext uri="{FF2B5EF4-FFF2-40B4-BE49-F238E27FC236}">
+                <a16:creationId xmlns:a16="http://schemas.microsoft.com/office/drawing/2014/main" id="{CC1A841C-5073-45AA-8F41-1F56587E42C2}"/>
+              </a:ext>
+            </a:extLst>
+          </p:cNvPr>
+          <p:cNvPicPr>
+            <a:picLocks noChangeAspect="1"/>
+          </p:cNvPicPr>
+          <p:nvPr/>
+        </p:nvPicPr>
+        <p:blipFill>
+          <a:blip r:embed="rId2">
+            <a:extLst>
+              <a:ext uri="{28A0092B-C50C-407E-A947-70E740481C1C}">
+                <a14:useLocalDpi xmlns:a14="http://schemas.microsoft.com/office/drawing/2010/main" val="0"/>
+              </a:ext>
+            </a:extLst>
+          </a:blip>
+          <a:stretch>
+            <a:fillRect/>
+          </a:stretch>
+        </p:blipFill>
+        <p:spPr>
+          <a:xfrm>
+            <a:off x="3180300" y="1175870"/>
+            <a:ext cx="4115895" cy="2387848"/>
+          </a:xfrm>
+          <a:prstGeom prst="rect">
+            <a:avLst/>
+          </a:prstGeom>
+          <a:effectLst/>
+        </p:spPr>
+      </p:pic>
+      <p:pic>
+        <p:nvPicPr>
+          <p:cNvPr id="13" name="Kép 12">
+            <a:extLst>
+              <a:ext uri="{FF2B5EF4-FFF2-40B4-BE49-F238E27FC236}">
+                <a16:creationId xmlns:a16="http://schemas.microsoft.com/office/drawing/2014/main" id="{5CF1E445-9936-4E09-B84A-BDA30303104C}"/>
+              </a:ext>
+            </a:extLst>
+          </p:cNvPr>
+          <p:cNvPicPr>
+            <a:picLocks noChangeAspect="1"/>
+          </p:cNvPicPr>
+          <p:nvPr/>
+        </p:nvPicPr>
+        <p:blipFill>
+          <a:blip r:embed="rId3"/>
+          <a:stretch>
+            <a:fillRect/>
+          </a:stretch>
+        </p:blipFill>
+        <p:spPr>
+          <a:xfrm>
+            <a:off x="2284603" y="3720388"/>
+            <a:ext cx="4694034" cy="824688"/>
+          </a:xfrm>
+          <a:prstGeom prst="rect">
+            <a:avLst/>
+          </a:prstGeom>
+        </p:spPr>
+      </p:pic>
+      <p:pic>
+        <p:nvPicPr>
+          <p:cNvPr id="14" name="Kép 13">
+            <a:extLst>
+              <a:ext uri="{FF2B5EF4-FFF2-40B4-BE49-F238E27FC236}">
+                <a16:creationId xmlns:a16="http://schemas.microsoft.com/office/drawing/2014/main" id="{74B0DB65-6E9E-4992-8BF7-219A5D64944E}"/>
+              </a:ext>
+            </a:extLst>
+          </p:cNvPr>
+          <p:cNvPicPr>
+            <a:picLocks noChangeAspect="1"/>
+          </p:cNvPicPr>
+          <p:nvPr/>
+        </p:nvPicPr>
+        <p:blipFill>
+          <a:blip r:embed="rId4"/>
+          <a:stretch>
+            <a:fillRect/>
+          </a:stretch>
+        </p:blipFill>
+        <p:spPr>
+          <a:xfrm>
+            <a:off x="1969184" y="5167619"/>
+            <a:ext cx="3951675" cy="1390166"/>
+          </a:xfrm>
+          <a:prstGeom prst="rect">
+            <a:avLst/>
+          </a:prstGeom>
+        </p:spPr>
+      </p:pic>
     </p:spTree>
     <p:extLst>
       <p:ext uri="{BB962C8B-B14F-4D97-AF65-F5344CB8AC3E}">
@@ -6449,6 +8162,69 @@
           <a:chExt cx="0" cy="0"/>
         </a:xfrm>
       </p:grpSpPr>
+      <p:sp>
+        <p:nvSpPr>
+          <p:cNvPr id="3" name="Szövegdoboz 2">
+            <a:extLst>
+              <a:ext uri="{FF2B5EF4-FFF2-40B4-BE49-F238E27FC236}">
+                <a16:creationId xmlns:a16="http://schemas.microsoft.com/office/drawing/2014/main" id="{77769C14-3355-41C5-9166-4AFD44379369}"/>
+              </a:ext>
+            </a:extLst>
+          </p:cNvPr>
+          <p:cNvSpPr txBox="1"/>
+          <p:nvPr/>
+        </p:nvSpPr>
+        <p:spPr>
+          <a:xfrm>
+            <a:off x="117446" y="125835"/>
+            <a:ext cx="3397541" cy="523220"/>
+          </a:xfrm>
+          <a:prstGeom prst="rect">
+            <a:avLst/>
+          </a:prstGeom>
+          <a:noFill/>
+        </p:spPr>
+        <p:txBody>
+          <a:bodyPr wrap="square" rtlCol="0">
+            <a:spAutoFit/>
+          </a:bodyPr>
+          <a:lstStyle/>
+          <a:p>
+            <a:r>
+              <a:rPr lang="hu-HU" sz="2800" dirty="0"/>
+              <a:t>Munka felosztása</a:t>
+            </a:r>
+          </a:p>
+        </p:txBody>
+      </p:sp>
+      <p:graphicFrame>
+        <p:nvGraphicFramePr>
+          <p:cNvPr id="6" name="Diagram 5">
+            <a:extLst>
+              <a:ext uri="{FF2B5EF4-FFF2-40B4-BE49-F238E27FC236}">
+                <a16:creationId xmlns:a16="http://schemas.microsoft.com/office/drawing/2014/main" id="{A62B7A52-DE87-4725-9B3A-3E66EBBCDC49}"/>
+              </a:ext>
+            </a:extLst>
+          </p:cNvPr>
+          <p:cNvGraphicFramePr/>
+          <p:nvPr>
+            <p:extLst>
+              <p:ext uri="{D42A27DB-BD31-4B8C-83A1-F6EECF244321}">
+                <p14:modId xmlns:p14="http://schemas.microsoft.com/office/powerpoint/2010/main" val="3656614022"/>
+              </p:ext>
+            </p:extLst>
+          </p:nvPr>
+        </p:nvGraphicFramePr>
+        <p:xfrm>
+          <a:off x="2032000" y="719666"/>
+          <a:ext cx="8128000" cy="5418667"/>
+        </p:xfrm>
+        <a:graphic>
+          <a:graphicData uri="http://schemas.openxmlformats.org/drawingml/2006/chart">
+            <c:chart xmlns:c="http://schemas.openxmlformats.org/drawingml/2006/chart" xmlns:r="http://schemas.openxmlformats.org/officeDocument/2006/relationships" r:id="rId2"/>
+          </a:graphicData>
+        </a:graphic>
+      </p:graphicFrame>
     </p:spTree>
     <p:extLst>
       <p:ext uri="{BB962C8B-B14F-4D97-AF65-F5344CB8AC3E}">
@@ -6463,9 +8239,9 @@
 </file>
 
 <file path=ppt/theme/theme1.xml><?xml version="1.0" encoding="utf-8"?>
-<a:theme xmlns:a="http://schemas.openxmlformats.org/drawingml/2006/main" name="Dimenzió">
+<a:theme xmlns:a="http://schemas.openxmlformats.org/drawingml/2006/main" name="Pala">
   <a:themeElements>
-    <a:clrScheme name="Dimenzió">
+    <a:clrScheme name="Pala">
       <a:dk1>
         <a:sysClr val="windowText" lastClr="000000"/>
       </a:dk1>
@@ -6473,34 +8249,34 @@
         <a:sysClr val="window" lastClr="FFFFFF"/>
       </a:lt1>
       <a:dk2>
-        <a:srgbClr val="2C3C43"/>
+        <a:srgbClr val="212123"/>
       </a:dk2>
       <a:lt2>
-        <a:srgbClr val="EBEBEB"/>
+        <a:srgbClr val="DADADA"/>
       </a:lt2>
       <a:accent1>
-        <a:srgbClr val="90C226"/>
+        <a:srgbClr val="BC451B"/>
       </a:accent1>
       <a:accent2>
-        <a:srgbClr val="54A021"/>
+        <a:srgbClr val="D3BA68"/>
       </a:accent2>
       <a:accent3>
-        <a:srgbClr val="E6B91E"/>
+        <a:srgbClr val="BB8640"/>
       </a:accent3>
       <a:accent4>
-        <a:srgbClr val="E76618"/>
+        <a:srgbClr val="AD9277"/>
       </a:accent4>
       <a:accent5>
-        <a:srgbClr val="C42F1A"/>
+        <a:srgbClr val="A55A43"/>
       </a:accent5>
       <a:accent6>
-        <a:srgbClr val="918655"/>
+        <a:srgbClr val="AD9D7B"/>
       </a:accent6>
       <a:hlink>
-        <a:srgbClr val="99CA3C"/>
+        <a:srgbClr val="E98052"/>
       </a:hlink>
       <a:folHlink>
-        <a:srgbClr val="B9D181"/>
+        <a:srgbClr val="F4B69B"/>
       </a:folHlink>
     </a:clrScheme>
     <a:fontScheme name="Calibri">
@@ -6575,7 +8351,7 @@
         <a:font script="Geor" typeface="Sylfaen"/>
       </a:minorFont>
     </a:fontScheme>
-    <a:fmtScheme name="Dimenzió">
+    <a:fmtScheme name="Pala">
       <a:fillStyleLst>
         <a:solidFill>
           <a:schemeClr val="phClr"/>
@@ -6584,13 +8360,13 @@
           <a:gsLst>
             <a:gs pos="0">
               <a:schemeClr val="phClr">
-                <a:tint val="65000"/>
+                <a:tint val="60000"/>
                 <a:lumMod val="110000"/>
               </a:schemeClr>
             </a:gs>
-            <a:gs pos="88000">
+            <a:gs pos="100000">
               <a:schemeClr val="phClr">
-                <a:tint val="90000"/>
+                <a:tint val="88000"/>
               </a:schemeClr>
             </a:gs>
           </a:gsLst>
@@ -6601,13 +8377,13 @@
             <a:gs pos="0">
               <a:schemeClr val="phClr">
                 <a:tint val="96000"/>
-                <a:lumMod val="100000"/>
+                <a:lumMod val="104000"/>
               </a:schemeClr>
             </a:gs>
-            <a:gs pos="78000">
+            <a:gs pos="100000">
               <a:schemeClr val="phClr">
-                <a:shade val="94000"/>
-                <a:lumMod val="94000"/>
+                <a:shade val="90000"/>
+                <a:lumMod val="90000"/>
               </a:schemeClr>
             </a:gs>
           </a:gsLst>
@@ -6615,13 +8391,15 @@
         </a:gradFill>
       </a:fillStyleLst>
       <a:lnStyleLst>
-        <a:ln w="12700" cap="rnd" cmpd="sng" algn="ctr">
+        <a:ln w="9525" cap="rnd" cmpd="sng" algn="ctr">
           <a:solidFill>
-            <a:schemeClr val="phClr"/>
+            <a:schemeClr val="phClr">
+              <a:shade val="90000"/>
+            </a:schemeClr>
           </a:solidFill>
           <a:prstDash val="solid"/>
         </a:ln>
-        <a:ln w="19050" cap="rnd" cmpd="sng" algn="ctr">
+        <a:ln w="15875" cap="rnd" cmpd="sng" algn="ctr">
           <a:solidFill>
             <a:schemeClr val="phClr"/>
           </a:solidFill>
@@ -6640,18 +8418,18 @@
         </a:effectStyle>
         <a:effectStyle>
           <a:effectLst>
-            <a:outerShdw blurRad="38100" dist="25400" dir="5400000" rotWithShape="0">
+            <a:outerShdw blurRad="63500" dist="25400" dir="5400000" rotWithShape="0">
               <a:srgbClr val="000000">
-                <a:alpha val="35000"/>
+                <a:alpha val="60000"/>
               </a:srgbClr>
             </a:outerShdw>
           </a:effectLst>
         </a:effectStyle>
         <a:effectStyle>
           <a:effectLst>
-            <a:outerShdw blurRad="50800" dist="38100" dir="5400000" rotWithShape="0">
+            <a:outerShdw blurRad="76200" dist="38100" dir="5400000" rotWithShape="0">
               <a:srgbClr val="000000">
-                <a:alpha val="35000"/>
+                <a:alpha val="75000"/>
               </a:srgbClr>
             </a:outerShdw>
           </a:effectLst>
@@ -6659,10 +8437,12 @@
             <a:camera prst="orthographicFront">
               <a:rot lat="0" lon="0" rev="0"/>
             </a:camera>
-            <a:lightRig rig="threePt" dir="tl"/>
+            <a:lightRig rig="threePt" dir="t">
+              <a:rot lat="0" lon="0" rev="1200000"/>
+            </a:lightRig>
           </a:scene3d>
-          <a:sp3d prstMaterial="plastic">
-            <a:bevelT w="0" h="0"/>
+          <a:sp3d>
+            <a:bevelT w="63500" h="25400" prst="hardEdge"/>
           </a:sp3d>
         </a:effectStyle>
       </a:effectStyleLst>
@@ -6670,42 +8450,23 @@
         <a:solidFill>
           <a:schemeClr val="phClr"/>
         </a:solidFill>
-        <a:gradFill rotWithShape="1">
-          <a:gsLst>
-            <a:gs pos="0">
+        <a:solidFill>
+          <a:schemeClr val="phClr"/>
+        </a:solidFill>
+        <a:blipFill rotWithShape="1">
+          <a:blip xmlns:r="http://schemas.openxmlformats.org/officeDocument/2006/relationships" r:embed="rId1">
+            <a:duotone>
               <a:schemeClr val="phClr">
-                <a:tint val="90000"/>
-                <a:lumMod val="104000"/>
+                <a:shade val="80000"/>
+                <a:lumMod val="80000"/>
               </a:schemeClr>
-            </a:gs>
-            <a:gs pos="94000">
               <a:schemeClr val="phClr">
-                <a:shade val="96000"/>
-                <a:lumMod val="82000"/>
+                <a:tint val="98000"/>
               </a:schemeClr>
-            </a:gs>
-          </a:gsLst>
-          <a:lin ang="5400000" scaled="0"/>
-        </a:gradFill>
-        <a:gradFill rotWithShape="1">
-          <a:gsLst>
-            <a:gs pos="0">
-              <a:schemeClr val="phClr">
-                <a:tint val="90000"/>
-                <a:lumMod val="110000"/>
-              </a:schemeClr>
-            </a:gs>
-            <a:gs pos="100000">
-              <a:schemeClr val="phClr">
-                <a:shade val="94000"/>
-                <a:lumMod val="96000"/>
-              </a:schemeClr>
-            </a:gs>
-          </a:gsLst>
-          <a:path path="circle">
-            <a:fillToRect l="50000" t="50000" r="100000" b="100000"/>
-          </a:path>
-        </a:gradFill>
+            </a:duotone>
+          </a:blip>
+          <a:stretch/>
+        </a:blipFill>
       </a:bgFillStyleLst>
     </a:fmtScheme>
   </a:themeElements>
@@ -6713,7 +8474,7 @@
   <a:extraClrSchemeLst/>
   <a:extLst>
     <a:ext uri="{05A4C25C-085E-4340-85A3-A5531E510DB2}">
-      <thm15:themeFamily xmlns:thm15="http://schemas.microsoft.com/office/thememl/2012/main" name="Facet" id="{C0C680CD-088A-49FC-A102-D699147F32B2}" vid="{8C59B386-999D-4CB6-B907-9F3997C027CC}"/>
+      <thm15:themeFamily xmlns:thm15="http://schemas.microsoft.com/office/thememl/2012/main" name="Slate" id="{C3F70B94-7CE9-428E-ADC1-3269CC2C3385}" vid="{3F2DE9A5-64E6-437C-A389-CC4477E817E8}"/>
     </a:ext>
   </a:extLst>
 </a:theme>

--- a/BEMUTATÓ.pptx
+++ b/BEMUTATÓ.pptx
@@ -10,6 +10,7 @@
     <p:sldId id="258" r:id="rId4"/>
     <p:sldId id="259" r:id="rId5"/>
     <p:sldId id="260" r:id="rId6"/>
+    <p:sldId id="261" r:id="rId7"/>
   </p:sldIdLst>
   <p:sldSz cx="12192000" cy="6858000"/>
   <p:notesSz cx="6858000" cy="9144000"/>
@@ -154,14 +155,18 @@
             <c:bubble3D val="0"/>
             <c:spPr>
               <a:solidFill>
-                <a:srgbClr val="0070C0"/>
+                <a:srgbClr val="7030A0"/>
               </a:solidFill>
-              <a:ln w="19050">
-                <a:solidFill>
-                  <a:schemeClr val="lt1"/>
-                </a:solidFill>
+              <a:ln>
+                <a:noFill/>
               </a:ln>
-              <a:effectLst/>
+              <a:effectLst>
+                <a:outerShdw blurRad="63500" sx="102000" sy="102000" algn="ctr" rotWithShape="0">
+                  <a:prstClr val="black">
+                    <a:alpha val="20000"/>
+                  </a:prstClr>
+                </a:outerShdw>
+              </a:effectLst>
             </c:spPr>
             <c:extLst>
               <c:ext xmlns:c16="http://schemas.microsoft.com/office/drawing/2014/chart" uri="{C3380CC4-5D6E-409C-BE32-E72D297353CC}">
@@ -176,12 +181,16 @@
               <a:solidFill>
                 <a:srgbClr val="00B050"/>
               </a:solidFill>
-              <a:ln w="19050">
-                <a:solidFill>
-                  <a:schemeClr val="lt1"/>
-                </a:solidFill>
+              <a:ln>
+                <a:noFill/>
               </a:ln>
-              <a:effectLst/>
+              <a:effectLst>
+                <a:outerShdw blurRad="63500" sx="102000" sy="102000" algn="ctr" rotWithShape="0">
+                  <a:prstClr val="black">
+                    <a:alpha val="20000"/>
+                  </a:prstClr>
+                </a:outerShdw>
+              </a:effectLst>
             </c:spPr>
             <c:extLst>
               <c:ext xmlns:c16="http://schemas.microsoft.com/office/drawing/2014/chart" uri="{C3380CC4-5D6E-409C-BE32-E72D297353CC}">
@@ -190,6 +199,88 @@
             </c:extLst>
           </c:dPt>
           <c:dLbls>
+            <c:dLbl>
+              <c:idx val="0"/>
+              <c:spPr>
+                <a:noFill/>
+                <a:ln>
+                  <a:noFill/>
+                </a:ln>
+                <a:effectLst/>
+              </c:spPr>
+              <c:txPr>
+                <a:bodyPr rot="0" spcFirstLastPara="1" vertOverflow="ellipsis" vert="horz" wrap="square" lIns="38100" tIns="19050" rIns="38100" bIns="19050" anchor="ctr" anchorCtr="1">
+                  <a:spAutoFit/>
+                </a:bodyPr>
+                <a:lstStyle/>
+                <a:p>
+                  <a:pPr>
+                    <a:defRPr sz="1330" b="1" i="0" u="none" strike="noStrike" kern="1200" spc="0" baseline="0">
+                      <a:solidFill>
+                        <a:schemeClr val="bg1"/>
+                      </a:solidFill>
+                      <a:latin typeface="+mn-lt"/>
+                      <a:ea typeface="+mn-ea"/>
+                      <a:cs typeface="+mn-cs"/>
+                    </a:defRPr>
+                  </a:pPr>
+                  <a:endParaRPr lang="hu-HU"/>
+                </a:p>
+              </c:txPr>
+              <c:dLblPos val="inEnd"/>
+              <c:showLegendKey val="0"/>
+              <c:showVal val="0"/>
+              <c:showCatName val="1"/>
+              <c:showSerName val="0"/>
+              <c:showPercent val="1"/>
+              <c:showBubbleSize val="0"/>
+              <c:extLst>
+                <c:ext xmlns:c16="http://schemas.microsoft.com/office/drawing/2014/chart" uri="{C3380CC4-5D6E-409C-BE32-E72D297353CC}">
+                  <c16:uniqueId val="{00000002-B921-4F61-A7FF-0C7CEEE9B017}"/>
+                </c:ext>
+              </c:extLst>
+            </c:dLbl>
+            <c:dLbl>
+              <c:idx val="1"/>
+              <c:spPr>
+                <a:noFill/>
+                <a:ln>
+                  <a:noFill/>
+                </a:ln>
+                <a:effectLst/>
+              </c:spPr>
+              <c:txPr>
+                <a:bodyPr rot="0" spcFirstLastPara="1" vertOverflow="ellipsis" vert="horz" wrap="square" lIns="38100" tIns="19050" rIns="38100" bIns="19050" anchor="ctr" anchorCtr="1">
+                  <a:spAutoFit/>
+                </a:bodyPr>
+                <a:lstStyle/>
+                <a:p>
+                  <a:pPr>
+                    <a:defRPr sz="1330" b="1" i="0" u="none" strike="noStrike" kern="1200" spc="0" baseline="0">
+                      <a:solidFill>
+                        <a:schemeClr val="bg1"/>
+                      </a:solidFill>
+                      <a:latin typeface="+mn-lt"/>
+                      <a:ea typeface="+mn-ea"/>
+                      <a:cs typeface="+mn-cs"/>
+                    </a:defRPr>
+                  </a:pPr>
+                  <a:endParaRPr lang="hu-HU"/>
+                </a:p>
+              </c:txPr>
+              <c:dLblPos val="inEnd"/>
+              <c:showLegendKey val="0"/>
+              <c:showVal val="0"/>
+              <c:showCatName val="1"/>
+              <c:showSerName val="0"/>
+              <c:showPercent val="1"/>
+              <c:showBubbleSize val="0"/>
+              <c:extLst>
+                <c:ext xmlns:c16="http://schemas.microsoft.com/office/drawing/2014/chart" uri="{C3380CC4-5D6E-409C-BE32-E72D297353CC}">
+                  <c16:uniqueId val="{00000001-B921-4F61-A7FF-0C7CEEE9B017}"/>
+                </c:ext>
+              </c:extLst>
+            </c:dLbl>
             <c:spPr>
               <a:noFill/>
               <a:ln>
@@ -204,12 +295,9 @@
               <a:lstStyle/>
               <a:p>
                 <a:pPr>
-                  <a:defRPr sz="1800" b="0" i="0" u="none" strike="noStrike" kern="1200" baseline="0">
+                  <a:defRPr sz="1330" b="1" i="0" u="none" strike="noStrike" kern="1200" spc="0" baseline="0">
                     <a:solidFill>
-                      <a:schemeClr val="tx1">
-                        <a:lumMod val="75000"/>
-                        <a:lumOff val="25000"/>
-                      </a:schemeClr>
+                      <a:schemeClr val="bg1"/>
                     </a:solidFill>
                     <a:latin typeface="+mn-lt"/>
                     <a:ea typeface="+mn-ea"/>
@@ -226,21 +314,7 @@
             <c:showSerName val="0"/>
             <c:showPercent val="1"/>
             <c:showBubbleSize val="0"/>
-            <c:showLeaderLines val="1"/>
-            <c:leaderLines>
-              <c:spPr>
-                <a:ln w="9525" cap="flat" cmpd="sng" algn="ctr">
-                  <a:solidFill>
-                    <a:schemeClr val="tx1">
-                      <a:lumMod val="35000"/>
-                      <a:lumOff val="65000"/>
-                    </a:schemeClr>
-                  </a:solidFill>
-                  <a:round/>
-                </a:ln>
-                <a:effectLst/>
-              </c:spPr>
-            </c:leaderLines>
+            <c:showLeaderLines val="0"/>
             <c:extLst>
               <c:ext xmlns:c15="http://schemas.microsoft.com/office/drawing/2012/chart" uri="{CE6537A1-D6FC-4f65-9D91-7224C49458BB}"/>
             </c:extLst>
@@ -266,10 +340,10 @@
                 <c:formatCode>General</c:formatCode>
                 <c:ptCount val="2"/>
                 <c:pt idx="0">
-                  <c:v>60</c:v>
+                  <c:v>50</c:v>
                 </c:pt>
                 <c:pt idx="1">
-                  <c:v>40</c:v>
+                  <c:v>50</c:v>
                 </c:pt>
               </c:numCache>
             </c:numRef>
@@ -281,13 +355,14 @@
           </c:extLst>
         </c:ser>
         <c:dLbls>
+          <c:dLblPos val="inEnd"/>
           <c:showLegendKey val="0"/>
           <c:showVal val="1"/>
-          <c:showCatName val="1"/>
+          <c:showCatName val="0"/>
           <c:showSerName val="0"/>
           <c:showPercent val="0"/>
           <c:showBubbleSize val="0"/>
-          <c:showLeaderLines val="1"/>
+          <c:showLeaderLines val="0"/>
         </c:dLbls>
         <c:firstSliceAng val="0"/>
       </c:pieChart>
@@ -374,7 +449,7 @@
 </file>
 
 <file path=ppt/charts/style1.xml><?xml version="1.0" encoding="utf-8"?>
-<cs:chartStyle xmlns:cs="http://schemas.microsoft.com/office/drawing/2012/chartStyle" xmlns:a="http://schemas.openxmlformats.org/drawingml/2006/main" id="251">
+<cs:chartStyle xmlns:cs="http://schemas.microsoft.com/office/drawing/2012/chartStyle" xmlns:a="http://schemas.openxmlformats.org/drawingml/2006/main" id="259">
   <cs:axisTitle>
     <cs:lnRef idx="0"/>
     <cs:fillRef idx="0"/>
@@ -385,7 +460,7 @@
         <a:lumOff val="35000"/>
       </a:schemeClr>
     </cs:fontRef>
-    <cs:defRPr sz="1330" kern="1200"/>
+    <cs:defRPr sz="1197" kern="1200" cap="all"/>
   </cs:axisTitle>
   <cs:categoryAxis>
     <cs:lnRef idx="0"/>
@@ -397,17 +472,6 @@
         <a:lumOff val="35000"/>
       </a:schemeClr>
     </cs:fontRef>
-    <cs:spPr>
-      <a:ln w="9525" cap="flat" cmpd="sng" algn="ctr">
-        <a:solidFill>
-          <a:schemeClr val="tx1">
-            <a:lumMod val="15000"/>
-            <a:lumOff val="85000"/>
-          </a:schemeClr>
-        </a:solidFill>
-        <a:round/>
-      </a:ln>
-    </cs:spPr>
     <cs:defRPr sz="1197" kern="1200"/>
   </cs:categoryAxis>
   <cs:chartArea mods="allowNoFillOverride allowNoLineOverride">
@@ -431,29 +495,25 @@
         <a:round/>
       </a:ln>
     </cs:spPr>
-    <cs:defRPr sz="1197" kern="1200"/>
+    <cs:defRPr sz="1330" kern="1200"/>
   </cs:chartArea>
   <cs:dataLabel>
     <cs:lnRef idx="0"/>
     <cs:fillRef idx="0"/>
     <cs:effectRef idx="0"/>
     <cs:fontRef idx="minor">
-      <a:schemeClr val="tx1">
-        <a:lumMod val="75000"/>
-        <a:lumOff val="25000"/>
-      </a:schemeClr>
+      <cs:styleClr val="auto"/>
     </cs:fontRef>
-    <cs:defRPr sz="1197" kern="1200"/>
+    <cs:defRPr sz="1330" b="1" i="0" u="none" strike="noStrike" kern="1200" spc="0" baseline="0"/>
   </cs:dataLabel>
   <cs:dataLabelCallout>
-    <cs:lnRef idx="0"/>
+    <cs:lnRef idx="0">
+      <cs:styleClr val="auto"/>
+    </cs:lnRef>
     <cs:fillRef idx="0"/>
     <cs:effectRef idx="0"/>
     <cs:fontRef idx="minor">
-      <a:schemeClr val="dk1">
-        <a:lumMod val="65000"/>
-        <a:lumOff val="35000"/>
-      </a:schemeClr>
+      <cs:styleClr val="auto"/>
     </cs:fontRef>
     <cs:spPr>
       <a:solidFill>
@@ -461,50 +521,65 @@
       </a:solidFill>
       <a:ln>
         <a:solidFill>
-          <a:schemeClr val="dk1">
-            <a:lumMod val="25000"/>
-            <a:lumOff val="75000"/>
-          </a:schemeClr>
+          <a:schemeClr val="phClr"/>
         </a:solidFill>
       </a:ln>
     </cs:spPr>
-    <cs:defRPr sz="1197" kern="1200"/>
+    <cs:defRPr sz="1330" b="1" kern="1200"/>
     <cs:bodyPr rot="0" spcFirstLastPara="1" vertOverflow="clip" horzOverflow="clip" vert="horz" wrap="square" lIns="36576" tIns="18288" rIns="36576" bIns="18288" anchor="ctr" anchorCtr="1">
       <a:spAutoFit/>
     </cs:bodyPr>
   </cs:dataLabelCallout>
   <cs:dataPoint>
     <cs:lnRef idx="0"/>
-    <cs:fillRef idx="1">
+    <cs:fillRef idx="0">
       <cs:styleClr val="auto"/>
     </cs:fillRef>
     <cs:effectRef idx="0"/>
     <cs:fontRef idx="minor">
-      <a:schemeClr val="tx1"/>
+      <a:schemeClr val="dk1"/>
     </cs:fontRef>
     <cs:spPr>
-      <a:ln w="19050">
-        <a:solidFill>
-          <a:schemeClr val="lt1"/>
-        </a:solidFill>
-      </a:ln>
+      <a:solidFill>
+        <a:schemeClr val="phClr"/>
+      </a:solidFill>
+      <a:effectLst>
+        <a:outerShdw blurRad="63500" sx="102000" sy="102000" algn="ctr" rotWithShape="0">
+          <a:prstClr val="black">
+            <a:alpha val="20000"/>
+          </a:prstClr>
+        </a:outerShdw>
+      </a:effectLst>
     </cs:spPr>
   </cs:dataPoint>
   <cs:dataPoint3D>
     <cs:lnRef idx="0"/>
-    <cs:fillRef idx="1">
+    <cs:fillRef idx="0">
       <cs:styleClr val="auto"/>
     </cs:fillRef>
     <cs:effectRef idx="0"/>
     <cs:fontRef idx="minor">
-      <a:schemeClr val="tx1"/>
+      <a:schemeClr val="dk1"/>
     </cs:fontRef>
     <cs:spPr>
-      <a:ln w="25400">
-        <a:solidFill>
-          <a:schemeClr val="lt1"/>
-        </a:solidFill>
-      </a:ln>
+      <a:solidFill>
+        <a:schemeClr val="phClr"/>
+      </a:solidFill>
+      <a:effectLst>
+        <a:outerShdw blurRad="88900" sx="102000" sy="102000" algn="ctr" rotWithShape="0">
+          <a:prstClr val="black">
+            <a:alpha val="10000"/>
+          </a:prstClr>
+        </a:outerShdw>
+      </a:effectLst>
+      <a:scene3d>
+        <a:camera prst="orthographicFront"/>
+        <a:lightRig rig="threePt" dir="t"/>
+      </a:scene3d>
+      <a:sp3d>
+        <a:bevelT w="127000" h="127000"/>
+        <a:bevelB w="127000" h="127000"/>
+      </a:sp3d>
     </cs:spPr>
   </cs:dataPoint3D>
   <cs:dataPointLine>
@@ -514,7 +589,7 @@
     <cs:fillRef idx="0"/>
     <cs:effectRef idx="0"/>
     <cs:fontRef idx="minor">
-      <a:schemeClr val="tx1"/>
+      <a:schemeClr val="dk1"/>
     </cs:fontRef>
     <cs:spPr>
       <a:ln w="28575" cap="rnd">
@@ -526,25 +601,26 @@
     </cs:spPr>
   </cs:dataPointLine>
   <cs:dataPointMarker>
-    <cs:lnRef idx="0">
-      <cs:styleClr val="auto"/>
-    </cs:lnRef>
-    <cs:fillRef idx="1">
+    <cs:lnRef idx="0"/>
+    <cs:fillRef idx="0">
       <cs:styleClr val="auto"/>
     </cs:fillRef>
     <cs:effectRef idx="0"/>
     <cs:fontRef idx="minor">
-      <a:schemeClr val="tx1"/>
+      <a:schemeClr val="dk1"/>
     </cs:fontRef>
     <cs:spPr>
+      <a:solidFill>
+        <a:schemeClr val="phClr"/>
+      </a:solidFill>
       <a:ln w="9525">
         <a:solidFill>
-          <a:schemeClr val="phClr"/>
+          <a:schemeClr val="lt1"/>
         </a:solidFill>
       </a:ln>
     </cs:spPr>
   </cs:dataPointMarker>
-  <cs:dataPointMarkerLayout symbol="circle" size="5"/>
+  <cs:dataPointMarkerLayout symbol="circle" size="6"/>
   <cs:dataPointWireframe>
     <cs:lnRef idx="0">
       <cs:styleClr val="auto"/>
@@ -552,7 +628,7 @@
     <cs:fillRef idx="0"/>
     <cs:effectRef idx="0"/>
     <cs:fontRef idx="minor">
-      <a:schemeClr val="tx1"/>
+      <a:schemeClr val="dk1"/>
     </cs:fontRef>
     <cs:spPr>
       <a:ln w="9525" cap="rnd">
@@ -757,7 +833,7 @@
     <cs:fillRef idx="0"/>
     <cs:effectRef idx="0"/>
     <cs:fontRef idx="minor">
-      <a:schemeClr val="tx1"/>
+      <a:schemeClr val="dk1"/>
     </cs:fontRef>
   </cs:plotArea>
   <cs:plotArea3D mods="allowNoFillOverride allowNoLineOverride">
@@ -765,7 +841,7 @@
     <cs:fillRef idx="0"/>
     <cs:effectRef idx="0"/>
     <cs:fontRef idx="minor">
-      <a:schemeClr val="tx1"/>
+      <a:schemeClr val="dk1"/>
     </cs:fontRef>
   </cs:plotArea3D>
   <cs:seriesAxis>
@@ -809,7 +885,7 @@
         <a:lumOff val="35000"/>
       </a:schemeClr>
     </cs:fontRef>
-    <cs:defRPr sz="1862" b="0" kern="1200" spc="0" baseline="0"/>
+    <cs:defRPr sz="2128" b="1" kern="1200" cap="all" baseline="0"/>
   </cs:title>
   <cs:trendline>
     <cs:lnRef idx="0">
@@ -825,7 +901,7 @@
         <a:solidFill>
           <a:schemeClr val="phClr"/>
         </a:solidFill>
-        <a:prstDash val="sysDot"/>
+        <a:prstDash val="sysDash"/>
       </a:ln>
     </cs:spPr>
   </cs:trendline>
@@ -8210,7 +8286,7 @@
           <p:nvPr>
             <p:extLst>
               <p:ext uri="{D42A27DB-BD31-4B8C-83A1-F6EECF244321}">
-                <p14:modId xmlns:p14="http://schemas.microsoft.com/office/powerpoint/2010/main" val="3656614022"/>
+                <p14:modId xmlns:p14="http://schemas.microsoft.com/office/powerpoint/2010/main" val="4229714678"/>
               </p:ext>
             </p:extLst>
           </p:nvPr>
@@ -8229,6 +8305,71 @@
     <p:extLst>
       <p:ext uri="{BB962C8B-B14F-4D97-AF65-F5344CB8AC3E}">
         <p14:creationId xmlns:p14="http://schemas.microsoft.com/office/powerpoint/2010/main" val="2168193421"/>
+      </p:ext>
+    </p:extLst>
+  </p:cSld>
+  <p:clrMapOvr>
+    <a:masterClrMapping/>
+  </p:clrMapOvr>
+</p:sld>
+</file>
+
+<file path=ppt/slides/slide6.xml><?xml version="1.0" encoding="utf-8"?>
+<p:sld xmlns:a="http://schemas.openxmlformats.org/drawingml/2006/main" xmlns:r="http://schemas.openxmlformats.org/officeDocument/2006/relationships" xmlns:p="http://schemas.openxmlformats.org/presentationml/2006/main">
+  <p:cSld>
+    <p:spTree>
+      <p:nvGrpSpPr>
+        <p:cNvPr id="1" name=""/>
+        <p:cNvGrpSpPr/>
+        <p:nvPr/>
+      </p:nvGrpSpPr>
+      <p:grpSpPr>
+        <a:xfrm>
+          <a:off x="0" y="0"/>
+          <a:ext cx="0" cy="0"/>
+          <a:chOff x="0" y="0"/>
+          <a:chExt cx="0" cy="0"/>
+        </a:xfrm>
+      </p:grpSpPr>
+      <p:sp>
+        <p:nvSpPr>
+          <p:cNvPr id="3" name="Szövegdoboz 2">
+            <a:extLst>
+              <a:ext uri="{FF2B5EF4-FFF2-40B4-BE49-F238E27FC236}">
+                <a16:creationId xmlns:a16="http://schemas.microsoft.com/office/drawing/2014/main" id="{2C20A371-CC3A-4396-A3DE-13BDB95D19DA}"/>
+              </a:ext>
+            </a:extLst>
+          </p:cNvPr>
+          <p:cNvSpPr txBox="1"/>
+          <p:nvPr/>
+        </p:nvSpPr>
+        <p:spPr>
+          <a:xfrm>
+            <a:off x="117446" y="125835"/>
+            <a:ext cx="3397541" cy="523220"/>
+          </a:xfrm>
+          <a:prstGeom prst="rect">
+            <a:avLst/>
+          </a:prstGeom>
+          <a:noFill/>
+        </p:spPr>
+        <p:txBody>
+          <a:bodyPr wrap="square" rtlCol="0">
+            <a:spAutoFit/>
+          </a:bodyPr>
+          <a:lstStyle/>
+          <a:p>
+            <a:r>
+              <a:rPr lang="hu-HU" sz="2800" dirty="0"/>
+              <a:t>Unit tesztelés</a:t>
+            </a:r>
+          </a:p>
+        </p:txBody>
+      </p:sp>
+    </p:spTree>
+    <p:extLst>
+      <p:ext uri="{BB962C8B-B14F-4D97-AF65-F5344CB8AC3E}">
+        <p14:creationId xmlns:p14="http://schemas.microsoft.com/office/powerpoint/2010/main" val="1102577553"/>
       </p:ext>
     </p:extLst>
   </p:cSld>

--- a/BEMUTATÓ.pptx
+++ b/BEMUTATÓ.pptx
@@ -11,6 +11,7 @@
     <p:sldId id="259" r:id="rId5"/>
     <p:sldId id="260" r:id="rId6"/>
     <p:sldId id="261" r:id="rId7"/>
+    <p:sldId id="262" r:id="rId8"/>
   </p:sldIdLst>
   <p:sldSz cx="12192000" cy="6858000"/>
   <p:notesSz cx="6858000" cy="9144000"/>
@@ -7524,6 +7525,7 @@
           </a:bodyPr>
           <a:lstStyle/>
           <a:p>
+            <a:pPr algn="just"/>
             <a:r>
               <a:rPr lang="hu-HU" dirty="0"/>
               <a:t>1. feladat: A file beolvasása, a házak információjáért (alapterület, tulajdonos, stb.) és a fizetendő pénz/m</a:t>
@@ -7534,27 +7536,35 @@
             </a:r>
           </a:p>
           <a:p>
+            <a:pPr algn="just"/>
             <a:endParaRPr lang="hu-HU" baseline="30000" dirty="0"/>
           </a:p>
           <a:p>
+            <a:pPr algn="just"/>
             <a:endParaRPr lang="hu-HU" baseline="30000" dirty="0"/>
           </a:p>
           <a:p>
+            <a:pPr algn="just"/>
             <a:endParaRPr lang="hu-HU" baseline="30000" dirty="0"/>
           </a:p>
           <a:p>
+            <a:pPr algn="just"/>
             <a:endParaRPr lang="hu-HU" baseline="30000" dirty="0"/>
           </a:p>
           <a:p>
+            <a:pPr algn="just"/>
             <a:endParaRPr lang="hu-HU" baseline="30000" dirty="0"/>
           </a:p>
           <a:p>
+            <a:pPr algn="just"/>
             <a:endParaRPr lang="hu-HU" baseline="30000" dirty="0"/>
           </a:p>
           <a:p>
+            <a:pPr algn="just"/>
             <a:endParaRPr lang="hu-HU" baseline="30000" dirty="0"/>
           </a:p>
           <a:p>
+            <a:pPr algn="just"/>
             <a:r>
               <a:rPr lang="hu-HU" dirty="0"/>
               <a:t>2 . feladat: A beolvasott épületek megszámolása a len() </a:t>
@@ -7569,36 +7579,46 @@
             </a:r>
           </a:p>
           <a:p>
+            <a:pPr algn="just"/>
             <a:endParaRPr lang="hu-HU" dirty="0"/>
           </a:p>
           <a:p>
+            <a:pPr algn="just"/>
             <a:endParaRPr lang="hu-HU" dirty="0"/>
           </a:p>
           <a:p>
+            <a:pPr algn="just"/>
             <a:endParaRPr lang="hu-HU" dirty="0"/>
           </a:p>
           <a:p>
+            <a:pPr algn="just"/>
             <a:endParaRPr lang="hu-HU" dirty="0"/>
           </a:p>
           <a:p>
+            <a:pPr algn="just"/>
             <a:endParaRPr lang="hu-HU" dirty="0"/>
           </a:p>
           <a:p>
+            <a:pPr algn="just"/>
             <a:r>
               <a:rPr lang="hu-HU" dirty="0"/>
               <a:t>3. feladat: Be kell kérni egy adószámot és a hozzá tartozó házakat ki kell írni</a:t>
             </a:r>
           </a:p>
           <a:p>
+            <a:pPr algn="just"/>
             <a:endParaRPr lang="hu-HU" dirty="0"/>
           </a:p>
           <a:p>
+            <a:pPr algn="just"/>
             <a:endParaRPr lang="hu-HU" dirty="0"/>
           </a:p>
           <a:p>
+            <a:pPr algn="just"/>
             <a:endParaRPr lang="hu-HU" dirty="0"/>
           </a:p>
           <a:p>
+            <a:pPr algn="just"/>
             <a:endParaRPr lang="hu-HU" dirty="0"/>
           </a:p>
         </p:txBody>
@@ -7998,7 +8018,7 @@
         <p:spPr>
           <a:xfrm>
             <a:off x="485210" y="1083591"/>
-            <a:ext cx="9254407" cy="4247317"/>
+            <a:ext cx="10051362" cy="4247317"/>
           </a:xfrm>
           <a:prstGeom prst="rect">
             <a:avLst/>
@@ -8011,9 +8031,10 @@
           </a:bodyPr>
           <a:lstStyle/>
           <a:p>
+            <a:pPr algn="just"/>
             <a:r>
               <a:rPr lang="hu-HU" dirty="0"/>
-              <a:t>4. Egy számoláshoz szükséges adó </a:t>
+              <a:t>4. feladat: Egy számoláshoz szükséges adó </a:t>
             </a:r>
             <a:r>
               <a:rPr lang="hu-HU" dirty="0" err="1"/>
@@ -8025,27 +8046,34 @@
             </a:r>
           </a:p>
           <a:p>
+            <a:pPr algn="just"/>
             <a:endParaRPr lang="hu-HU" dirty="0"/>
           </a:p>
           <a:p>
+            <a:pPr algn="just"/>
             <a:endParaRPr lang="hu-HU" dirty="0"/>
           </a:p>
           <a:p>
+            <a:pPr algn="just"/>
             <a:endParaRPr lang="hu-HU" dirty="0"/>
           </a:p>
           <a:p>
+            <a:pPr algn="just"/>
             <a:endParaRPr lang="hu-HU" dirty="0"/>
           </a:p>
           <a:p>
+            <a:pPr algn="just"/>
             <a:endParaRPr lang="hu-HU" dirty="0"/>
           </a:p>
           <a:p>
+            <a:pPr algn="just"/>
             <a:endParaRPr lang="hu-HU" dirty="0"/>
           </a:p>
           <a:p>
+            <a:pPr algn="just"/>
             <a:r>
               <a:rPr lang="hu-HU" dirty="0"/>
-              <a:t>5. Az összes háznak az adóját összeadjuk </a:t>
+              <a:t>5. feladat: Az összes háznak az adóját összeadjuk </a:t>
             </a:r>
             <a:r>
               <a:rPr lang="hu-HU" dirty="0" err="1"/>
@@ -8057,21 +8085,26 @@
             </a:r>
           </a:p>
           <a:p>
+            <a:pPr algn="just"/>
             <a:endParaRPr lang="hu-HU" dirty="0"/>
           </a:p>
           <a:p>
+            <a:pPr algn="just"/>
             <a:endParaRPr lang="hu-HU" dirty="0"/>
           </a:p>
           <a:p>
+            <a:pPr algn="just"/>
             <a:endParaRPr lang="hu-HU" dirty="0"/>
           </a:p>
           <a:p>
+            <a:pPr algn="just"/>
             <a:endParaRPr lang="hu-HU" dirty="0"/>
           </a:p>
           <a:p>
+            <a:pPr algn="just"/>
             <a:r>
               <a:rPr lang="hu-HU" dirty="0"/>
-              <a:t>6. Az utcákat kigyűjtjük ami több adósávba esik. Pl. ha az utca1 az A és B adósávba esik akkor ki kell gyűjteni</a:t>
+              <a:t>6. feladat: Az utcákat kigyűjtjük ami több adósávba esik. Pl. ha az utca1 az A és B adósávba esik akkor ki kell gyűjteni</a:t>
             </a:r>
           </a:p>
         </p:txBody>
@@ -8331,6 +8364,42 @@
           <a:chExt cx="0" cy="0"/>
         </a:xfrm>
       </p:grpSpPr>
+      <p:pic>
+        <p:nvPicPr>
+          <p:cNvPr id="5" name="Kép 4">
+            <a:extLst>
+              <a:ext uri="{FF2B5EF4-FFF2-40B4-BE49-F238E27FC236}">
+                <a16:creationId xmlns:a16="http://schemas.microsoft.com/office/drawing/2014/main" id="{CBE911F0-F20A-4073-BF23-F2E63C8A5D16}"/>
+              </a:ext>
+            </a:extLst>
+          </p:cNvPr>
+          <p:cNvPicPr>
+            <a:picLocks noChangeAspect="1"/>
+          </p:cNvPicPr>
+          <p:nvPr/>
+        </p:nvPicPr>
+        <p:blipFill>
+          <a:blip r:embed="rId2">
+            <a:extLst>
+              <a:ext uri="{28A0092B-C50C-407E-A947-70E740481C1C}">
+                <a14:useLocalDpi xmlns:a14="http://schemas.microsoft.com/office/drawing/2010/main" val="0"/>
+              </a:ext>
+            </a:extLst>
+          </a:blip>
+          <a:stretch>
+            <a:fillRect/>
+          </a:stretch>
+        </p:blipFill>
+        <p:spPr>
+          <a:xfrm>
+            <a:off x="0" y="0"/>
+            <a:ext cx="12192000" cy="6858000"/>
+          </a:xfrm>
+          <a:prstGeom prst="rect">
+            <a:avLst/>
+          </a:prstGeom>
+        </p:spPr>
+      </p:pic>
       <p:sp>
         <p:nvSpPr>
           <p:cNvPr id="3" name="Szövegdoboz 2">
@@ -8366,10 +8435,105 @@
           </a:p>
         </p:txBody>
       </p:sp>
+      <p:pic>
+        <p:nvPicPr>
+          <p:cNvPr id="2" name="Kép 1">
+            <a:extLst>
+              <a:ext uri="{FF2B5EF4-FFF2-40B4-BE49-F238E27FC236}">
+                <a16:creationId xmlns:a16="http://schemas.microsoft.com/office/drawing/2014/main" id="{64BCA649-89D7-4883-BF63-2EA6F2E2CDB0}"/>
+              </a:ext>
+            </a:extLst>
+          </p:cNvPr>
+          <p:cNvPicPr>
+            <a:picLocks noChangeAspect="1"/>
+          </p:cNvPicPr>
+          <p:nvPr/>
+        </p:nvPicPr>
+        <p:blipFill>
+          <a:blip r:embed="rId3"/>
+          <a:stretch>
+            <a:fillRect/>
+          </a:stretch>
+        </p:blipFill>
+        <p:spPr>
+          <a:xfrm>
+            <a:off x="6736773" y="0"/>
+            <a:ext cx="5455227" cy="6858000"/>
+          </a:xfrm>
+          <a:prstGeom prst="rect">
+            <a:avLst/>
+          </a:prstGeom>
+        </p:spPr>
+      </p:pic>
     </p:spTree>
     <p:extLst>
       <p:ext uri="{BB962C8B-B14F-4D97-AF65-F5344CB8AC3E}">
         <p14:creationId xmlns:p14="http://schemas.microsoft.com/office/powerpoint/2010/main" val="1102577553"/>
+      </p:ext>
+    </p:extLst>
+  </p:cSld>
+  <p:clrMapOvr>
+    <a:masterClrMapping/>
+  </p:clrMapOvr>
+</p:sld>
+</file>
+
+<file path=ppt/slides/slide7.xml><?xml version="1.0" encoding="utf-8"?>
+<p:sld xmlns:a="http://schemas.openxmlformats.org/drawingml/2006/main" xmlns:r="http://schemas.openxmlformats.org/officeDocument/2006/relationships" xmlns:p="http://schemas.openxmlformats.org/presentationml/2006/main">
+  <p:cSld>
+    <p:spTree>
+      <p:nvGrpSpPr>
+        <p:cNvPr id="1" name=""/>
+        <p:cNvGrpSpPr/>
+        <p:nvPr/>
+      </p:nvGrpSpPr>
+      <p:grpSpPr>
+        <a:xfrm>
+          <a:off x="0" y="0"/>
+          <a:ext cx="0" cy="0"/>
+          <a:chOff x="0" y="0"/>
+          <a:chExt cx="0" cy="0"/>
+        </a:xfrm>
+      </p:grpSpPr>
+      <p:sp>
+        <p:nvSpPr>
+          <p:cNvPr id="2" name="Szövegdoboz 1">
+            <a:extLst>
+              <a:ext uri="{FF2B5EF4-FFF2-40B4-BE49-F238E27FC236}">
+                <a16:creationId xmlns:a16="http://schemas.microsoft.com/office/drawing/2014/main" id="{ED3E5903-F004-4CBD-B3BD-A7DC855B799C}"/>
+              </a:ext>
+            </a:extLst>
+          </p:cNvPr>
+          <p:cNvSpPr txBox="1"/>
+          <p:nvPr/>
+        </p:nvSpPr>
+        <p:spPr>
+          <a:xfrm>
+            <a:off x="1795175" y="2828835"/>
+            <a:ext cx="8601650" cy="1200329"/>
+          </a:xfrm>
+          <a:prstGeom prst="rect">
+            <a:avLst/>
+          </a:prstGeom>
+          <a:noFill/>
+        </p:spPr>
+        <p:txBody>
+          <a:bodyPr wrap="none" rtlCol="0">
+            <a:spAutoFit/>
+          </a:bodyPr>
+          <a:lstStyle/>
+          <a:p>
+            <a:r>
+              <a:rPr lang="hu-HU" sz="7200" dirty="0"/>
+              <a:t>Köszönjük a figyelmet!</a:t>
+            </a:r>
+          </a:p>
+        </p:txBody>
+      </p:sp>
+    </p:spTree>
+    <p:extLst>
+      <p:ext uri="{BB962C8B-B14F-4D97-AF65-F5344CB8AC3E}">
+        <p14:creationId xmlns:p14="http://schemas.microsoft.com/office/powerpoint/2010/main" val="3738903152"/>
       </p:ext>
     </p:extLst>
   </p:cSld>

--- a/BEMUTATÓ.pptx
+++ b/BEMUTATÓ.pptx
@@ -1212,6 +1212,9 @@
   <p:clrMapOvr>
     <a:masterClrMapping/>
   </p:clrMapOvr>
+  <p:transition>
+    <p:random/>
+  </p:transition>
 </p:sldLayout>
 </file>
 
@@ -1510,6 +1513,9 @@
   <p:clrMapOvr>
     <a:masterClrMapping/>
   </p:clrMapOvr>
+  <p:transition>
+    <p:random/>
+  </p:transition>
 </p:sldLayout>
 </file>
 
@@ -1702,6 +1708,9 @@
   <p:clrMapOvr>
     <a:masterClrMapping/>
   </p:clrMapOvr>
+  <p:transition>
+    <p:random/>
+  </p:transition>
 </p:sldLayout>
 </file>
 
@@ -2195,6 +2204,9 @@
   <p:clrMapOvr>
     <a:masterClrMapping/>
   </p:clrMapOvr>
+  <p:transition>
+    <p:random/>
+  </p:transition>
 </p:sldLayout>
 </file>
 
@@ -2387,6 +2399,9 @@
   <p:clrMapOvr>
     <a:masterClrMapping/>
   </p:clrMapOvr>
+  <p:transition>
+    <p:random/>
+  </p:transition>
 </p:sldLayout>
 </file>
 
@@ -2924,6 +2939,9 @@
   <p:clrMapOvr>
     <a:masterClrMapping/>
   </p:clrMapOvr>
+  <p:transition>
+    <p:random/>
+  </p:transition>
 </p:sldLayout>
 </file>
 
@@ -3788,6 +3806,9 @@
   <p:clrMapOvr>
     <a:masterClrMapping/>
   </p:clrMapOvr>
+  <p:transition>
+    <p:random/>
+  </p:transition>
 </p:sldLayout>
 </file>
 
@@ -3958,6 +3979,9 @@
   <p:clrMapOvr>
     <a:masterClrMapping/>
   </p:clrMapOvr>
+  <p:transition>
+    <p:random/>
+  </p:transition>
 </p:sldLayout>
 </file>
 
@@ -4142,6 +4166,9 @@
   <p:clrMapOvr>
     <a:masterClrMapping/>
   </p:clrMapOvr>
+  <p:transition>
+    <p:random/>
+  </p:transition>
 </p:sldLayout>
 </file>
 
@@ -4312,6 +4339,9 @@
   <p:clrMapOvr>
     <a:masterClrMapping/>
   </p:clrMapOvr>
+  <p:transition>
+    <p:random/>
+  </p:transition>
 </p:sldLayout>
 </file>
 
@@ -4556,6 +4586,9 @@
   <p:clrMapOvr>
     <a:masterClrMapping/>
   </p:clrMapOvr>
+  <p:transition>
+    <p:random/>
+  </p:transition>
 </p:sldLayout>
 </file>
 
@@ -4792,6 +4825,9 @@
   <p:clrMapOvr>
     <a:masterClrMapping/>
   </p:clrMapOvr>
+  <p:transition>
+    <p:random/>
+  </p:transition>
 </p:sldLayout>
 </file>
 
@@ -5258,6 +5294,9 @@
   <p:clrMapOvr>
     <a:masterClrMapping/>
   </p:clrMapOvr>
+  <p:transition>
+    <p:random/>
+  </p:transition>
 </p:sldLayout>
 </file>
 
@@ -5376,6 +5415,9 @@
   <p:clrMapOvr>
     <a:masterClrMapping/>
   </p:clrMapOvr>
+  <p:transition>
+    <p:random/>
+  </p:transition>
 </p:sldLayout>
 </file>
 
@@ -5471,6 +5513,9 @@
   <p:clrMapOvr>
     <a:masterClrMapping/>
   </p:clrMapOvr>
+  <p:transition>
+    <p:random/>
+  </p:transition>
 </p:sldLayout>
 </file>
 
@@ -5726,6 +5771,9 @@
   <p:clrMapOvr>
     <a:masterClrMapping/>
   </p:clrMapOvr>
+  <p:transition>
+    <p:random/>
+  </p:transition>
 </p:sldLayout>
 </file>
 
@@ -6026,6 +6074,9 @@
   <p:clrMapOvr>
     <a:masterClrMapping/>
   </p:clrMapOvr>
+  <p:transition>
+    <p:random/>
+  </p:transition>
 </p:sldLayout>
 </file>
 
@@ -6327,6 +6378,9 @@
     <p:sldLayoutId id="2147483785" r:id="rId16"/>
     <p:sldLayoutId id="2147483786" r:id="rId17"/>
   </p:sldLayoutIdLst>
+  <p:transition>
+    <p:random/>
+  </p:transition>
   <p:txStyles>
     <p:titleStyle>
       <a:lvl1pPr algn="ctr" defTabSz="457200" rtl="0" eaLnBrk="1" latinLnBrk="0" hangingPunct="1">
@@ -7273,6 +7327,9 @@
   <p:clrMapOvr>
     <a:masterClrMapping/>
   </p:clrMapOvr>
+  <p:transition spd="slow">
+    <p:random/>
+  </p:transition>
 </p:sld>
 </file>
 
@@ -7442,6 +7499,9 @@
   <p:clrMapOvr>
     <a:masterClrMapping/>
   </p:clrMapOvr>
+  <p:transition>
+    <p:random/>
+  </p:transition>
 </p:sld>
 </file>
 
@@ -7983,6 +8043,9 @@
   <p:clrMapOvr>
     <a:masterClrMapping/>
   </p:clrMapOvr>
+  <p:transition>
+    <p:random/>
+  </p:transition>
 </p:sld>
 </file>
 
@@ -8251,6 +8314,9 @@
   <p:clrMapOvr>
     <a:masterClrMapping/>
   </p:clrMapOvr>
+  <p:transition>
+    <p:random/>
+  </p:transition>
 </p:sld>
 </file>
 
@@ -8344,6 +8410,9 @@
   <p:clrMapOvr>
     <a:masterClrMapping/>
   </p:clrMapOvr>
+  <p:transition>
+    <p:random/>
+  </p:transition>
 </p:sld>
 </file>
 
@@ -8475,6 +8544,9 @@
   <p:clrMapOvr>
     <a:masterClrMapping/>
   </p:clrMapOvr>
+  <p:transition>
+    <p:random/>
+  </p:transition>
 </p:sld>
 </file>
 
@@ -8540,6 +8612,9 @@
   <p:clrMapOvr>
     <a:masterClrMapping/>
   </p:clrMapOvr>
+  <p:transition>
+    <p:random/>
+  </p:transition>
 </p:sld>
 </file>
 

--- a/BEMUTATÓ.pptx
+++ b/BEMUTATÓ.pptx
@@ -6981,9 +6981,9 @@
         <p:grpSpPr>
           <a:xfrm>
             <a:off x="903937" y="5082010"/>
-            <a:ext cx="6437195" cy="1139107"/>
+            <a:ext cx="9087556" cy="1115595"/>
             <a:chOff x="903937" y="3059668"/>
-            <a:chExt cx="6437195" cy="1139107"/>
+            <a:chExt cx="9087556" cy="1115595"/>
           </a:xfrm>
         </p:grpSpPr>
         <p:sp>
@@ -7072,7 +7072,7 @@
           </p:nvSpPr>
           <p:spPr>
             <a:xfrm>
-              <a:off x="5295379" y="3614000"/>
+              <a:off x="7945740" y="3590487"/>
               <a:ext cx="2045753" cy="584775"/>
             </a:xfrm>
             <a:prstGeom prst="rect">
@@ -7095,228 +7095,6 @@
           </p:txBody>
         </p:sp>
       </p:grpSp>
-      <p:grpSp>
-        <p:nvGrpSpPr>
-          <p:cNvPr id="11" name="Csoportba foglalás 10">
-            <a:extLst>
-              <a:ext uri="{FF2B5EF4-FFF2-40B4-BE49-F238E27FC236}">
-                <a16:creationId xmlns:a16="http://schemas.microsoft.com/office/drawing/2014/main" id="{CC129AF1-9071-42B2-BD76-BB6C1C15EFE7}"/>
-              </a:ext>
-            </a:extLst>
-          </p:cNvPr>
-          <p:cNvGrpSpPr/>
-          <p:nvPr/>
-        </p:nvGrpSpPr>
-        <p:grpSpPr>
-          <a:xfrm rot="1235870">
-            <a:off x="3847783" y="5520398"/>
-            <a:ext cx="796955" cy="276999"/>
-            <a:chOff x="4941115" y="4687944"/>
-            <a:chExt cx="796955" cy="276999"/>
-          </a:xfrm>
-        </p:grpSpPr>
-        <p:sp>
-          <p:nvSpPr>
-            <p:cNvPr id="10" name="Téglalap: lekerekített 9">
-              <a:extLst>
-                <a:ext uri="{FF2B5EF4-FFF2-40B4-BE49-F238E27FC236}">
-                  <a16:creationId xmlns:a16="http://schemas.microsoft.com/office/drawing/2014/main" id="{C911015F-171C-410F-8F90-F3C33F092899}"/>
-                </a:ext>
-              </a:extLst>
-            </p:cNvPr>
-            <p:cNvSpPr/>
-            <p:nvPr/>
-          </p:nvSpPr>
-          <p:spPr>
-            <a:xfrm>
-              <a:off x="5106229" y="4745832"/>
-              <a:ext cx="466725" cy="173831"/>
-            </a:xfrm>
-            <a:prstGeom prst="roundRect">
-              <a:avLst/>
-            </a:prstGeom>
-            <a:solidFill>
-              <a:schemeClr val="accent5"/>
-            </a:solidFill>
-            <a:ln>
-              <a:noFill/>
-            </a:ln>
-          </p:spPr>
-          <p:style>
-            <a:lnRef idx="2">
-              <a:schemeClr val="accent1">
-                <a:shade val="50000"/>
-              </a:schemeClr>
-            </a:lnRef>
-            <a:fillRef idx="1">
-              <a:schemeClr val="accent1"/>
-            </a:fillRef>
-            <a:effectRef idx="0">
-              <a:schemeClr val="accent1"/>
-            </a:effectRef>
-            <a:fontRef idx="minor">
-              <a:schemeClr val="lt1"/>
-            </a:fontRef>
-          </p:style>
-          <p:txBody>
-            <a:bodyPr rtlCol="0" anchor="ctr"/>
-            <a:lstStyle/>
-            <a:p>
-              <a:pPr algn="ctr"/>
-              <a:endParaRPr lang="hu-HU"/>
-            </a:p>
-          </p:txBody>
-        </p:sp>
-        <p:sp>
-          <p:nvSpPr>
-            <p:cNvPr id="9" name="Szövegdoboz 8">
-              <a:extLst>
-                <a:ext uri="{FF2B5EF4-FFF2-40B4-BE49-F238E27FC236}">
-                  <a16:creationId xmlns:a16="http://schemas.microsoft.com/office/drawing/2014/main" id="{FE19D459-E326-4B3D-84BA-78186CF12CDF}"/>
-                </a:ext>
-              </a:extLst>
-            </p:cNvPr>
-            <p:cNvSpPr txBox="1"/>
-            <p:nvPr/>
-          </p:nvSpPr>
-          <p:spPr>
-            <a:xfrm>
-              <a:off x="4941115" y="4687944"/>
-              <a:ext cx="796955" cy="276999"/>
-            </a:xfrm>
-            <a:prstGeom prst="rect">
-              <a:avLst/>
-            </a:prstGeom>
-            <a:noFill/>
-          </p:spPr>
-          <p:txBody>
-            <a:bodyPr wrap="square" rtlCol="0">
-              <a:spAutoFit/>
-            </a:bodyPr>
-            <a:lstStyle/>
-            <a:p>
-              <a:pPr algn="ctr"/>
-              <a:r>
-                <a:rPr lang="hu-HU" sz="1200" dirty="0" err="1"/>
-                <a:t>Senior</a:t>
-              </a:r>
-              <a:endParaRPr lang="hu-HU" sz="1200" dirty="0"/>
-            </a:p>
-          </p:txBody>
-        </p:sp>
-      </p:grpSp>
-      <p:grpSp>
-        <p:nvGrpSpPr>
-          <p:cNvPr id="12" name="Csoportba foglalás 11">
-            <a:extLst>
-              <a:ext uri="{FF2B5EF4-FFF2-40B4-BE49-F238E27FC236}">
-                <a16:creationId xmlns:a16="http://schemas.microsoft.com/office/drawing/2014/main" id="{2D80E1C5-E4A6-433E-85FE-648459CDC38E}"/>
-              </a:ext>
-            </a:extLst>
-          </p:cNvPr>
-          <p:cNvGrpSpPr/>
-          <p:nvPr/>
-        </p:nvGrpSpPr>
-        <p:grpSpPr>
-          <a:xfrm rot="1235870">
-            <a:off x="6823799" y="5582675"/>
-            <a:ext cx="796955" cy="276999"/>
-            <a:chOff x="4941114" y="4694248"/>
-            <a:chExt cx="796955" cy="276999"/>
-          </a:xfrm>
-        </p:grpSpPr>
-        <p:sp>
-          <p:nvSpPr>
-            <p:cNvPr id="13" name="Téglalap: lekerekített 12">
-              <a:extLst>
-                <a:ext uri="{FF2B5EF4-FFF2-40B4-BE49-F238E27FC236}">
-                  <a16:creationId xmlns:a16="http://schemas.microsoft.com/office/drawing/2014/main" id="{32113060-4EDC-439F-B8A5-20D707261F11}"/>
-                </a:ext>
-              </a:extLst>
-            </p:cNvPr>
-            <p:cNvSpPr/>
-            <p:nvPr/>
-          </p:nvSpPr>
-          <p:spPr>
-            <a:xfrm>
-              <a:off x="5106229" y="4745832"/>
-              <a:ext cx="466725" cy="173831"/>
-            </a:xfrm>
-            <a:prstGeom prst="roundRect">
-              <a:avLst/>
-            </a:prstGeom>
-            <a:solidFill>
-              <a:schemeClr val="accent2">
-                <a:lumMod val="60000"/>
-                <a:lumOff val="40000"/>
-              </a:schemeClr>
-            </a:solidFill>
-            <a:ln>
-              <a:noFill/>
-            </a:ln>
-          </p:spPr>
-          <p:style>
-            <a:lnRef idx="2">
-              <a:schemeClr val="accent1">
-                <a:shade val="50000"/>
-              </a:schemeClr>
-            </a:lnRef>
-            <a:fillRef idx="1">
-              <a:schemeClr val="accent1"/>
-            </a:fillRef>
-            <a:effectRef idx="0">
-              <a:schemeClr val="accent1"/>
-            </a:effectRef>
-            <a:fontRef idx="minor">
-              <a:schemeClr val="lt1"/>
-            </a:fontRef>
-          </p:style>
-          <p:txBody>
-            <a:bodyPr rtlCol="0" anchor="ctr"/>
-            <a:lstStyle/>
-            <a:p>
-              <a:pPr algn="ctr"/>
-              <a:endParaRPr lang="hu-HU"/>
-            </a:p>
-          </p:txBody>
-        </p:sp>
-        <p:sp>
-          <p:nvSpPr>
-            <p:cNvPr id="14" name="Szövegdoboz 13">
-              <a:extLst>
-                <a:ext uri="{FF2B5EF4-FFF2-40B4-BE49-F238E27FC236}">
-                  <a16:creationId xmlns:a16="http://schemas.microsoft.com/office/drawing/2014/main" id="{A0DFDED4-C7C7-402A-BE34-5FE88657167C}"/>
-                </a:ext>
-              </a:extLst>
-            </p:cNvPr>
-            <p:cNvSpPr txBox="1"/>
-            <p:nvPr/>
-          </p:nvSpPr>
-          <p:spPr>
-            <a:xfrm>
-              <a:off x="4941114" y="4694248"/>
-              <a:ext cx="796955" cy="276999"/>
-            </a:xfrm>
-            <a:prstGeom prst="rect">
-              <a:avLst/>
-            </a:prstGeom>
-            <a:noFill/>
-          </p:spPr>
-          <p:txBody>
-            <a:bodyPr wrap="square" rtlCol="0">
-              <a:spAutoFit/>
-            </a:bodyPr>
-            <a:lstStyle/>
-            <a:p>
-              <a:pPr algn="ctr"/>
-              <a:r>
-                <a:rPr lang="hu-HU" sz="1200" dirty="0"/>
-                <a:t>Junior</a:t>
-              </a:r>
-            </a:p>
-          </p:txBody>
-        </p:sp>
-      </p:grpSp>
     </p:spTree>
     <p:extLst>
       <p:ext uri="{BB962C8B-B14F-4D97-AF65-F5344CB8AC3E}">
@@ -7330,6 +7108,139 @@
   <p:transition spd="slow">
     <p:random/>
   </p:transition>
+  <p:timing>
+    <p:tnLst>
+      <p:par>
+        <p:cTn id="1" dur="indefinite" restart="never" nodeType="tmRoot">
+          <p:childTnLst>
+            <p:seq concurrent="1" nextAc="seek">
+              <p:cTn id="2" dur="indefinite" nodeType="mainSeq">
+                <p:childTnLst>
+                  <p:par>
+                    <p:cTn id="3" fill="hold">
+                      <p:stCondLst>
+                        <p:cond delay="indefinite"/>
+                        <p:cond evt="onBegin" delay="0">
+                          <p:tn val="2"/>
+                        </p:cond>
+                      </p:stCondLst>
+                      <p:childTnLst>
+                        <p:par>
+                          <p:cTn id="4" fill="hold">
+                            <p:stCondLst>
+                              <p:cond delay="0"/>
+                            </p:stCondLst>
+                            <p:childTnLst>
+                              <p:par>
+                                <p:cTn id="5" presetID="14" presetClass="entr" presetSubtype="10" fill="hold" grpId="0" nodeType="afterEffect">
+                                  <p:stCondLst>
+                                    <p:cond delay="0"/>
+                                  </p:stCondLst>
+                                  <p:childTnLst>
+                                    <p:set>
+                                      <p:cBhvr>
+                                        <p:cTn id="6" dur="1" fill="hold">
+                                          <p:stCondLst>
+                                            <p:cond delay="0"/>
+                                          </p:stCondLst>
+                                        </p:cTn>
+                                        <p:tgtEl>
+                                          <p:spTgt spid="4"/>
+                                        </p:tgtEl>
+                                        <p:attrNameLst>
+                                          <p:attrName>style.visibility</p:attrName>
+                                        </p:attrNameLst>
+                                      </p:cBhvr>
+                                      <p:to>
+                                        <p:strVal val="visible"/>
+                                      </p:to>
+                                    </p:set>
+                                    <p:animEffect transition="in" filter="randombar(horizontal)">
+                                      <p:cBhvr>
+                                        <p:cTn id="7" dur="500"/>
+                                        <p:tgtEl>
+                                          <p:spTgt spid="4"/>
+                                        </p:tgtEl>
+                                      </p:cBhvr>
+                                    </p:animEffect>
+                                  </p:childTnLst>
+                                </p:cTn>
+                              </p:par>
+                            </p:childTnLst>
+                          </p:cTn>
+                        </p:par>
+                        <p:par>
+                          <p:cTn id="8" fill="hold">
+                            <p:stCondLst>
+                              <p:cond delay="500"/>
+                            </p:stCondLst>
+                            <p:childTnLst>
+                              <p:par>
+                                <p:cTn id="9" presetID="22" presetClass="entr" presetSubtype="8" fill="hold" nodeType="afterEffect">
+                                  <p:stCondLst>
+                                    <p:cond delay="0"/>
+                                  </p:stCondLst>
+                                  <p:childTnLst>
+                                    <p:set>
+                                      <p:cBhvr>
+                                        <p:cTn id="10" dur="1" fill="hold">
+                                          <p:stCondLst>
+                                            <p:cond delay="0"/>
+                                          </p:stCondLst>
+                                        </p:cTn>
+                                        <p:tgtEl>
+                                          <p:spTgt spid="8"/>
+                                        </p:tgtEl>
+                                        <p:attrNameLst>
+                                          <p:attrName>style.visibility</p:attrName>
+                                        </p:attrNameLst>
+                                      </p:cBhvr>
+                                      <p:to>
+                                        <p:strVal val="visible"/>
+                                      </p:to>
+                                    </p:set>
+                                    <p:animEffect transition="in" filter="wipe(left)">
+                                      <p:cBhvr>
+                                        <p:cTn id="11" dur="500"/>
+                                        <p:tgtEl>
+                                          <p:spTgt spid="8"/>
+                                        </p:tgtEl>
+                                      </p:cBhvr>
+                                    </p:animEffect>
+                                  </p:childTnLst>
+                                </p:cTn>
+                              </p:par>
+                            </p:childTnLst>
+                          </p:cTn>
+                        </p:par>
+                      </p:childTnLst>
+                    </p:cTn>
+                  </p:par>
+                </p:childTnLst>
+              </p:cTn>
+              <p:prevCondLst>
+                <p:cond evt="onPrev" delay="0">
+                  <p:tgtEl>
+                    <p:sldTgt/>
+                  </p:tgtEl>
+                </p:cond>
+              </p:prevCondLst>
+              <p:nextCondLst>
+                <p:cond evt="onNext" delay="0">
+                  <p:tgtEl>
+                    <p:sldTgt/>
+                  </p:tgtEl>
+                </p:cond>
+              </p:nextCondLst>
+            </p:seq>
+          </p:childTnLst>
+        </p:cTn>
+      </p:par>
+    </p:tnLst>
+    <p:bldLst>
+      <p:bldP spid="4" grpId="0"/>
+    </p:bldLst>
+  </p:timing>
 </p:sld>
 </file>
 
@@ -7350,41 +7261,6 @@
           <a:chExt cx="0" cy="0"/>
         </a:xfrm>
       </p:grpSpPr>
-      <p:sp>
-        <p:nvSpPr>
-          <p:cNvPr id="2" name="Szövegdoboz 1">
-            <a:extLst>
-              <a:ext uri="{FF2B5EF4-FFF2-40B4-BE49-F238E27FC236}">
-                <a16:creationId xmlns:a16="http://schemas.microsoft.com/office/drawing/2014/main" id="{31FD0E52-1959-4169-8D06-5E7ECDF07149}"/>
-              </a:ext>
-            </a:extLst>
-          </p:cNvPr>
-          <p:cNvSpPr txBox="1"/>
-          <p:nvPr/>
-        </p:nvSpPr>
-        <p:spPr>
-          <a:xfrm>
-            <a:off x="365760" y="922020"/>
-            <a:ext cx="3893820" cy="461665"/>
-          </a:xfrm>
-          <a:prstGeom prst="rect">
-            <a:avLst/>
-          </a:prstGeom>
-          <a:noFill/>
-        </p:spPr>
-        <p:txBody>
-          <a:bodyPr wrap="square" rtlCol="0">
-            <a:spAutoFit/>
-          </a:bodyPr>
-          <a:lstStyle/>
-          <a:p>
-            <a:r>
-              <a:rPr lang="hu-HU" sz="2400" dirty="0"/>
-              <a:t>Feladat témája:</a:t>
-            </a:r>
-          </a:p>
-        </p:txBody>
-      </p:sp>
       <p:sp>
         <p:nvSpPr>
           <p:cNvPr id="3" name="Szövegdoboz 2">
@@ -7489,6 +7365,41 @@
           </a:prstGeom>
         </p:spPr>
       </p:pic>
+      <p:sp>
+        <p:nvSpPr>
+          <p:cNvPr id="6" name="Szövegdoboz 5">
+            <a:extLst>
+              <a:ext uri="{FF2B5EF4-FFF2-40B4-BE49-F238E27FC236}">
+                <a16:creationId xmlns:a16="http://schemas.microsoft.com/office/drawing/2014/main" id="{C1CEEC69-0970-45D3-820C-122BAEF52F70}"/>
+              </a:ext>
+            </a:extLst>
+          </p:cNvPr>
+          <p:cNvSpPr txBox="1"/>
+          <p:nvPr/>
+        </p:nvSpPr>
+        <p:spPr>
+          <a:xfrm>
+            <a:off x="117446" y="125835"/>
+            <a:ext cx="3397541" cy="523220"/>
+          </a:xfrm>
+          <a:prstGeom prst="rect">
+            <a:avLst/>
+          </a:prstGeom>
+          <a:noFill/>
+        </p:spPr>
+        <p:txBody>
+          <a:bodyPr wrap="square" rtlCol="0">
+            <a:spAutoFit/>
+          </a:bodyPr>
+          <a:lstStyle/>
+          <a:p>
+            <a:r>
+              <a:rPr lang="hu-HU" sz="2800" dirty="0"/>
+              <a:t>Feladat témája</a:t>
+            </a:r>
+          </a:p>
+        </p:txBody>
+      </p:sp>
     </p:spTree>
     <p:extLst>
       <p:ext uri="{BB962C8B-B14F-4D97-AF65-F5344CB8AC3E}">
@@ -7502,6 +7413,224 @@
   <p:transition>
     <p:random/>
   </p:transition>
+  <p:timing>
+    <p:tnLst>
+      <p:par>
+        <p:cTn id="1" dur="indefinite" restart="never" nodeType="tmRoot">
+          <p:childTnLst>
+            <p:seq concurrent="1" nextAc="seek">
+              <p:cTn id="2" dur="indefinite" nodeType="mainSeq">
+                <p:childTnLst>
+                  <p:par>
+                    <p:cTn id="3" fill="hold">
+                      <p:stCondLst>
+                        <p:cond delay="indefinite"/>
+                        <p:cond evt="onBegin" delay="0">
+                          <p:tn val="2"/>
+                        </p:cond>
+                      </p:stCondLst>
+                      <p:childTnLst>
+                        <p:par>
+                          <p:cTn id="4" fill="hold">
+                            <p:stCondLst>
+                              <p:cond delay="0"/>
+                            </p:stCondLst>
+                            <p:childTnLst>
+                              <p:par>
+                                <p:cTn id="5" presetID="10" presetClass="entr" presetSubtype="0" fill="hold" grpId="0" nodeType="afterEffect">
+                                  <p:stCondLst>
+                                    <p:cond delay="0"/>
+                                  </p:stCondLst>
+                                  <p:childTnLst>
+                                    <p:set>
+                                      <p:cBhvr>
+                                        <p:cTn id="6" dur="1" fill="hold">
+                                          <p:stCondLst>
+                                            <p:cond delay="0"/>
+                                          </p:stCondLst>
+                                        </p:cTn>
+                                        <p:tgtEl>
+                                          <p:spTgt spid="6"/>
+                                        </p:tgtEl>
+                                        <p:attrNameLst>
+                                          <p:attrName>style.visibility</p:attrName>
+                                        </p:attrNameLst>
+                                      </p:cBhvr>
+                                      <p:to>
+                                        <p:strVal val="visible"/>
+                                      </p:to>
+                                    </p:set>
+                                    <p:animEffect transition="in" filter="fade">
+                                      <p:cBhvr>
+                                        <p:cTn id="7" dur="500"/>
+                                        <p:tgtEl>
+                                          <p:spTgt spid="6"/>
+                                        </p:tgtEl>
+                                      </p:cBhvr>
+                                    </p:animEffect>
+                                  </p:childTnLst>
+                                </p:cTn>
+                              </p:par>
+                            </p:childTnLst>
+                          </p:cTn>
+                        </p:par>
+                        <p:par>
+                          <p:cTn id="8" fill="hold">
+                            <p:stCondLst>
+                              <p:cond delay="500"/>
+                            </p:stCondLst>
+                            <p:childTnLst>
+                              <p:par>
+                                <p:cTn id="9" presetID="53" presetClass="entr" presetSubtype="16" fill="hold" grpId="0" nodeType="afterEffect">
+                                  <p:stCondLst>
+                                    <p:cond delay="0"/>
+                                  </p:stCondLst>
+                                  <p:iterate type="lt">
+                                    <p:tmPct val="10000"/>
+                                  </p:iterate>
+                                  <p:childTnLst>
+                                    <p:set>
+                                      <p:cBhvr>
+                                        <p:cTn id="10" dur="1" fill="hold">
+                                          <p:stCondLst>
+                                            <p:cond delay="0"/>
+                                          </p:stCondLst>
+                                        </p:cTn>
+                                        <p:tgtEl>
+                                          <p:spTgt spid="3"/>
+                                        </p:tgtEl>
+                                        <p:attrNameLst>
+                                          <p:attrName>style.visibility</p:attrName>
+                                        </p:attrNameLst>
+                                      </p:cBhvr>
+                                      <p:to>
+                                        <p:strVal val="visible"/>
+                                      </p:to>
+                                    </p:set>
+                                    <p:anim calcmode="lin" valueType="num">
+                                      <p:cBhvr>
+                                        <p:cTn id="11" dur="100" fill="hold"/>
+                                        <p:tgtEl>
+                                          <p:spTgt spid="3"/>
+                                        </p:tgtEl>
+                                        <p:attrNameLst>
+                                          <p:attrName>ppt_w</p:attrName>
+                                        </p:attrNameLst>
+                                      </p:cBhvr>
+                                      <p:tavLst>
+                                        <p:tav tm="0">
+                                          <p:val>
+                                            <p:fltVal val="0"/>
+                                          </p:val>
+                                        </p:tav>
+                                        <p:tav tm="100000">
+                                          <p:val>
+                                            <p:strVal val="#ppt_w"/>
+                                          </p:val>
+                                        </p:tav>
+                                      </p:tavLst>
+                                    </p:anim>
+                                    <p:anim calcmode="lin" valueType="num">
+                                      <p:cBhvr>
+                                        <p:cTn id="12" dur="100" fill="hold"/>
+                                        <p:tgtEl>
+                                          <p:spTgt spid="3"/>
+                                        </p:tgtEl>
+                                        <p:attrNameLst>
+                                          <p:attrName>ppt_h</p:attrName>
+                                        </p:attrNameLst>
+                                      </p:cBhvr>
+                                      <p:tavLst>
+                                        <p:tav tm="0">
+                                          <p:val>
+                                            <p:fltVal val="0"/>
+                                          </p:val>
+                                        </p:tav>
+                                        <p:tav tm="100000">
+                                          <p:val>
+                                            <p:strVal val="#ppt_h"/>
+                                          </p:val>
+                                        </p:tav>
+                                      </p:tavLst>
+                                    </p:anim>
+                                    <p:animEffect transition="in" filter="fade">
+                                      <p:cBhvr>
+                                        <p:cTn id="13" dur="100"/>
+                                        <p:tgtEl>
+                                          <p:spTgt spid="3"/>
+                                        </p:tgtEl>
+                                      </p:cBhvr>
+                                    </p:animEffect>
+                                  </p:childTnLst>
+                                </p:cTn>
+                              </p:par>
+                              <p:par>
+                                <p:cTn id="14" presetID="22" presetClass="entr" presetSubtype="8" fill="hold" nodeType="withEffect">
+                                  <p:stCondLst>
+                                    <p:cond delay="0"/>
+                                  </p:stCondLst>
+                                  <p:childTnLst>
+                                    <p:set>
+                                      <p:cBhvr>
+                                        <p:cTn id="15" dur="1" fill="hold">
+                                          <p:stCondLst>
+                                            <p:cond delay="0"/>
+                                          </p:stCondLst>
+                                        </p:cTn>
+                                        <p:tgtEl>
+                                          <p:spTgt spid="5"/>
+                                        </p:tgtEl>
+                                        <p:attrNameLst>
+                                          <p:attrName>style.visibility</p:attrName>
+                                        </p:attrNameLst>
+                                      </p:cBhvr>
+                                      <p:to>
+                                        <p:strVal val="visible"/>
+                                      </p:to>
+                                    </p:set>
+                                    <p:animEffect transition="in" filter="wipe(left)">
+                                      <p:cBhvr>
+                                        <p:cTn id="16" dur="500"/>
+                                        <p:tgtEl>
+                                          <p:spTgt spid="5"/>
+                                        </p:tgtEl>
+                                      </p:cBhvr>
+                                    </p:animEffect>
+                                  </p:childTnLst>
+                                </p:cTn>
+                              </p:par>
+                            </p:childTnLst>
+                          </p:cTn>
+                        </p:par>
+                      </p:childTnLst>
+                    </p:cTn>
+                  </p:par>
+                </p:childTnLst>
+              </p:cTn>
+              <p:prevCondLst>
+                <p:cond evt="onPrev" delay="0">
+                  <p:tgtEl>
+                    <p:sldTgt/>
+                  </p:tgtEl>
+                </p:cond>
+              </p:prevCondLst>
+              <p:nextCondLst>
+                <p:cond evt="onNext" delay="0">
+                  <p:tgtEl>
+                    <p:sldTgt/>
+                  </p:tgtEl>
+                </p:cond>
+              </p:nextCondLst>
+            </p:seq>
+          </p:childTnLst>
+        </p:cTn>
+      </p:par>
+    </p:tnLst>
+    <p:bldLst>
+      <p:bldP spid="3" grpId="0"/>
+      <p:bldP spid="6" grpId="0"/>
+    </p:bldLst>
+  </p:timing>
 </p:sld>
 </file>
 
@@ -7572,7 +7701,7 @@
         <p:spPr>
           <a:xfrm>
             <a:off x="478174" y="959933"/>
-            <a:ext cx="7810150" cy="4985980"/>
+            <a:ext cx="7810150" cy="646331"/>
           </a:xfrm>
           <a:prstGeom prst="rect">
             <a:avLst/>
@@ -7594,92 +7723,6 @@
               <a:rPr lang="hu-HU" baseline="30000" dirty="0"/>
               <a:t>2</a:t>
             </a:r>
-          </a:p>
-          <a:p>
-            <a:pPr algn="just"/>
-            <a:endParaRPr lang="hu-HU" baseline="30000" dirty="0"/>
-          </a:p>
-          <a:p>
-            <a:pPr algn="just"/>
-            <a:endParaRPr lang="hu-HU" baseline="30000" dirty="0"/>
-          </a:p>
-          <a:p>
-            <a:pPr algn="just"/>
-            <a:endParaRPr lang="hu-HU" baseline="30000" dirty="0"/>
-          </a:p>
-          <a:p>
-            <a:pPr algn="just"/>
-            <a:endParaRPr lang="hu-HU" baseline="30000" dirty="0"/>
-          </a:p>
-          <a:p>
-            <a:pPr algn="just"/>
-            <a:endParaRPr lang="hu-HU" baseline="30000" dirty="0"/>
-          </a:p>
-          <a:p>
-            <a:pPr algn="just"/>
-            <a:endParaRPr lang="hu-HU" baseline="30000" dirty="0"/>
-          </a:p>
-          <a:p>
-            <a:pPr algn="just"/>
-            <a:endParaRPr lang="hu-HU" baseline="30000" dirty="0"/>
-          </a:p>
-          <a:p>
-            <a:pPr algn="just"/>
-            <a:r>
-              <a:rPr lang="hu-HU" dirty="0"/>
-              <a:t>2 . feladat: A beolvasott épületek megszámolása a len() </a:t>
-            </a:r>
-            <a:r>
-              <a:rPr lang="hu-HU" dirty="0" err="1"/>
-              <a:t>function</a:t>
-            </a:r>
-            <a:r>
-              <a:rPr lang="hu-HU" dirty="0"/>
-              <a:t> segítségével</a:t>
-            </a:r>
-          </a:p>
-          <a:p>
-            <a:pPr algn="just"/>
-            <a:endParaRPr lang="hu-HU" dirty="0"/>
-          </a:p>
-          <a:p>
-            <a:pPr algn="just"/>
-            <a:endParaRPr lang="hu-HU" dirty="0"/>
-          </a:p>
-          <a:p>
-            <a:pPr algn="just"/>
-            <a:endParaRPr lang="hu-HU" dirty="0"/>
-          </a:p>
-          <a:p>
-            <a:pPr algn="just"/>
-            <a:endParaRPr lang="hu-HU" dirty="0"/>
-          </a:p>
-          <a:p>
-            <a:pPr algn="just"/>
-            <a:endParaRPr lang="hu-HU" dirty="0"/>
-          </a:p>
-          <a:p>
-            <a:pPr algn="just"/>
-            <a:r>
-              <a:rPr lang="hu-HU" dirty="0"/>
-              <a:t>3. feladat: Be kell kérni egy adószámot és a hozzá tartozó házakat ki kell írni</a:t>
-            </a:r>
-          </a:p>
-          <a:p>
-            <a:pPr algn="just"/>
-            <a:endParaRPr lang="hu-HU" dirty="0"/>
-          </a:p>
-          <a:p>
-            <a:pPr algn="just"/>
-            <a:endParaRPr lang="hu-HU" dirty="0"/>
-          </a:p>
-          <a:p>
-            <a:pPr algn="just"/>
-            <a:endParaRPr lang="hu-HU" dirty="0"/>
-          </a:p>
-          <a:p>
-            <a:pPr algn="just"/>
-            <a:endParaRPr lang="hu-HU" dirty="0"/>
           </a:p>
         </p:txBody>
       </p:sp>
@@ -7713,180 +7756,201 @@
           </a:prstGeom>
         </p:spPr>
       </p:pic>
-      <p:cxnSp>
-        <p:nvCxnSpPr>
-          <p:cNvPr id="9" name="Egyenes összekötő nyíllal 8">
+      <p:grpSp>
+        <p:nvGrpSpPr>
+          <p:cNvPr id="7" name="Csoportba foglalás 6">
             <a:extLst>
               <a:ext uri="{FF2B5EF4-FFF2-40B4-BE49-F238E27FC236}">
-                <a16:creationId xmlns:a16="http://schemas.microsoft.com/office/drawing/2014/main" id="{EF7CA552-9578-48BB-8F7E-57F3681C5D4B}"/>
+                <a16:creationId xmlns:a16="http://schemas.microsoft.com/office/drawing/2014/main" id="{01E6D50F-F01A-498A-8488-F266473B7FCD}"/>
               </a:ext>
             </a:extLst>
           </p:cNvPr>
-          <p:cNvCxnSpPr/>
+          <p:cNvGrpSpPr/>
           <p:nvPr/>
-        </p:nvCxnSpPr>
-        <p:spPr>
-          <a:xfrm flipH="1">
+        </p:nvGrpSpPr>
+        <p:grpSpPr>
+          <a:xfrm>
             <a:off x="4383249" y="1619075"/>
-            <a:ext cx="2202109" cy="0"/>
+            <a:ext cx="2202109" cy="802204"/>
+            <a:chOff x="4383249" y="1619075"/>
+            <a:chExt cx="2202109" cy="802204"/>
           </a:xfrm>
-          <a:prstGeom prst="straightConnector1">
-            <a:avLst/>
-          </a:prstGeom>
-          <a:ln>
-            <a:solidFill>
-              <a:srgbClr val="FF0000"/>
-            </a:solidFill>
-            <a:tailEnd type="triangle"/>
-          </a:ln>
-        </p:spPr>
-        <p:style>
-          <a:lnRef idx="1">
-            <a:schemeClr val="accent1"/>
-          </a:lnRef>
-          <a:fillRef idx="0">
-            <a:schemeClr val="accent1"/>
-          </a:fillRef>
-          <a:effectRef idx="0">
-            <a:schemeClr val="accent1"/>
-          </a:effectRef>
-          <a:fontRef idx="minor">
-            <a:schemeClr val="tx1"/>
-          </a:fontRef>
-        </p:style>
-      </p:cxnSp>
-      <p:cxnSp>
-        <p:nvCxnSpPr>
-          <p:cNvPr id="11" name="Egyenes összekötő nyíllal 10">
-            <a:extLst>
-              <a:ext uri="{FF2B5EF4-FFF2-40B4-BE49-F238E27FC236}">
-                <a16:creationId xmlns:a16="http://schemas.microsoft.com/office/drawing/2014/main" id="{D18C7B2E-F717-4FA3-9F3E-4F8F658C9F35}"/>
-              </a:ext>
-            </a:extLst>
-          </p:cNvPr>
-          <p:cNvCxnSpPr>
-            <a:cxnSpLocks/>
-          </p:cNvCxnSpPr>
-          <p:nvPr/>
-        </p:nvCxnSpPr>
-        <p:spPr>
-          <a:xfrm flipH="1" flipV="1">
-            <a:off x="5327009" y="1996580"/>
-            <a:ext cx="1073791" cy="192947"/>
-          </a:xfrm>
-          <a:prstGeom prst="straightConnector1">
-            <a:avLst/>
-          </a:prstGeom>
-          <a:ln>
-            <a:solidFill>
-              <a:srgbClr val="FF0000"/>
-            </a:solidFill>
-            <a:tailEnd type="triangle"/>
-          </a:ln>
-        </p:spPr>
-        <p:style>
-          <a:lnRef idx="1">
-            <a:schemeClr val="accent1"/>
-          </a:lnRef>
-          <a:fillRef idx="0">
-            <a:schemeClr val="accent1"/>
-          </a:fillRef>
-          <a:effectRef idx="0">
-            <a:schemeClr val="accent1"/>
-          </a:effectRef>
-          <a:fontRef idx="minor">
-            <a:schemeClr val="tx1"/>
-          </a:fontRef>
-        </p:style>
-      </p:cxnSp>
-      <p:cxnSp>
-        <p:nvCxnSpPr>
-          <p:cNvPr id="13" name="Egyenes összekötő nyíllal 12">
-            <a:extLst>
-              <a:ext uri="{FF2B5EF4-FFF2-40B4-BE49-F238E27FC236}">
-                <a16:creationId xmlns:a16="http://schemas.microsoft.com/office/drawing/2014/main" id="{9AA903BD-521A-4250-B46D-F5CC12C9CD4E}"/>
-              </a:ext>
-            </a:extLst>
-          </p:cNvPr>
-          <p:cNvCxnSpPr>
-            <a:cxnSpLocks/>
-          </p:cNvCxnSpPr>
-          <p:nvPr/>
-        </p:nvCxnSpPr>
-        <p:spPr>
-          <a:xfrm flipH="1">
-            <a:off x="5327009" y="2189527"/>
-            <a:ext cx="1073791" cy="58723"/>
-          </a:xfrm>
-          <a:prstGeom prst="straightConnector1">
-            <a:avLst/>
-          </a:prstGeom>
-          <a:ln>
-            <a:solidFill>
-              <a:srgbClr val="FF0000"/>
-            </a:solidFill>
-            <a:tailEnd type="triangle"/>
-          </a:ln>
-        </p:spPr>
-        <p:style>
-          <a:lnRef idx="1">
-            <a:schemeClr val="accent1"/>
-          </a:lnRef>
-          <a:fillRef idx="0">
-            <a:schemeClr val="accent1"/>
-          </a:fillRef>
-          <a:effectRef idx="0">
-            <a:schemeClr val="accent1"/>
-          </a:effectRef>
-          <a:fontRef idx="minor">
-            <a:schemeClr val="tx1"/>
-          </a:fontRef>
-        </p:style>
-      </p:cxnSp>
-      <p:cxnSp>
-        <p:nvCxnSpPr>
-          <p:cNvPr id="16" name="Egyenes összekötő nyíllal 15">
-            <a:extLst>
-              <a:ext uri="{FF2B5EF4-FFF2-40B4-BE49-F238E27FC236}">
-                <a16:creationId xmlns:a16="http://schemas.microsoft.com/office/drawing/2014/main" id="{103B7C94-4EAC-44E8-B285-41598C6EB1AC}"/>
-              </a:ext>
-            </a:extLst>
-          </p:cNvPr>
-          <p:cNvCxnSpPr>
-            <a:cxnSpLocks/>
-          </p:cNvCxnSpPr>
-          <p:nvPr/>
-        </p:nvCxnSpPr>
-        <p:spPr>
-          <a:xfrm flipH="1">
-            <a:off x="5327010" y="2189527"/>
-            <a:ext cx="1073790" cy="231752"/>
-          </a:xfrm>
-          <a:prstGeom prst="straightConnector1">
-            <a:avLst/>
-          </a:prstGeom>
-          <a:ln>
-            <a:solidFill>
-              <a:srgbClr val="FF0000"/>
-            </a:solidFill>
-            <a:tailEnd type="triangle"/>
-          </a:ln>
-        </p:spPr>
-        <p:style>
-          <a:lnRef idx="1">
-            <a:schemeClr val="accent1"/>
-          </a:lnRef>
-          <a:fillRef idx="0">
-            <a:schemeClr val="accent1"/>
-          </a:fillRef>
-          <a:effectRef idx="0">
-            <a:schemeClr val="accent1"/>
-          </a:effectRef>
-          <a:fontRef idx="minor">
-            <a:schemeClr val="tx1"/>
-          </a:fontRef>
-        </p:style>
-      </p:cxnSp>
+        </p:grpSpPr>
+        <p:cxnSp>
+          <p:nvCxnSpPr>
+            <p:cNvPr id="9" name="Egyenes összekötő nyíllal 8">
+              <a:extLst>
+                <a:ext uri="{FF2B5EF4-FFF2-40B4-BE49-F238E27FC236}">
+                  <a16:creationId xmlns:a16="http://schemas.microsoft.com/office/drawing/2014/main" id="{EF7CA552-9578-48BB-8F7E-57F3681C5D4B}"/>
+                </a:ext>
+              </a:extLst>
+            </p:cNvPr>
+            <p:cNvCxnSpPr/>
+            <p:nvPr/>
+          </p:nvCxnSpPr>
+          <p:spPr>
+            <a:xfrm flipH="1">
+              <a:off x="4383249" y="1619075"/>
+              <a:ext cx="2202109" cy="0"/>
+            </a:xfrm>
+            <a:prstGeom prst="straightConnector1">
+              <a:avLst/>
+            </a:prstGeom>
+            <a:ln>
+              <a:solidFill>
+                <a:srgbClr val="FF0000"/>
+              </a:solidFill>
+              <a:tailEnd type="triangle"/>
+            </a:ln>
+          </p:spPr>
+          <p:style>
+            <a:lnRef idx="1">
+              <a:schemeClr val="accent1"/>
+            </a:lnRef>
+            <a:fillRef idx="0">
+              <a:schemeClr val="accent1"/>
+            </a:fillRef>
+            <a:effectRef idx="0">
+              <a:schemeClr val="accent1"/>
+            </a:effectRef>
+            <a:fontRef idx="minor">
+              <a:schemeClr val="tx1"/>
+            </a:fontRef>
+          </p:style>
+        </p:cxnSp>
+        <p:cxnSp>
+          <p:nvCxnSpPr>
+            <p:cNvPr id="11" name="Egyenes összekötő nyíllal 10">
+              <a:extLst>
+                <a:ext uri="{FF2B5EF4-FFF2-40B4-BE49-F238E27FC236}">
+                  <a16:creationId xmlns:a16="http://schemas.microsoft.com/office/drawing/2014/main" id="{D18C7B2E-F717-4FA3-9F3E-4F8F658C9F35}"/>
+                </a:ext>
+              </a:extLst>
+            </p:cNvPr>
+            <p:cNvCxnSpPr>
+              <a:cxnSpLocks/>
+            </p:cNvCxnSpPr>
+            <p:nvPr/>
+          </p:nvCxnSpPr>
+          <p:spPr>
+            <a:xfrm flipH="1" flipV="1">
+              <a:off x="5327009" y="1996580"/>
+              <a:ext cx="1073791" cy="192947"/>
+            </a:xfrm>
+            <a:prstGeom prst="straightConnector1">
+              <a:avLst/>
+            </a:prstGeom>
+            <a:ln>
+              <a:solidFill>
+                <a:srgbClr val="FF0000"/>
+              </a:solidFill>
+              <a:tailEnd type="triangle"/>
+            </a:ln>
+          </p:spPr>
+          <p:style>
+            <a:lnRef idx="1">
+              <a:schemeClr val="accent1"/>
+            </a:lnRef>
+            <a:fillRef idx="0">
+              <a:schemeClr val="accent1"/>
+            </a:fillRef>
+            <a:effectRef idx="0">
+              <a:schemeClr val="accent1"/>
+            </a:effectRef>
+            <a:fontRef idx="minor">
+              <a:schemeClr val="tx1"/>
+            </a:fontRef>
+          </p:style>
+        </p:cxnSp>
+        <p:cxnSp>
+          <p:nvCxnSpPr>
+            <p:cNvPr id="13" name="Egyenes összekötő nyíllal 12">
+              <a:extLst>
+                <a:ext uri="{FF2B5EF4-FFF2-40B4-BE49-F238E27FC236}">
+                  <a16:creationId xmlns:a16="http://schemas.microsoft.com/office/drawing/2014/main" id="{9AA903BD-521A-4250-B46D-F5CC12C9CD4E}"/>
+                </a:ext>
+              </a:extLst>
+            </p:cNvPr>
+            <p:cNvCxnSpPr>
+              <a:cxnSpLocks/>
+            </p:cNvCxnSpPr>
+            <p:nvPr/>
+          </p:nvCxnSpPr>
+          <p:spPr>
+            <a:xfrm flipH="1">
+              <a:off x="5327009" y="2189527"/>
+              <a:ext cx="1073791" cy="58723"/>
+            </a:xfrm>
+            <a:prstGeom prst="straightConnector1">
+              <a:avLst/>
+            </a:prstGeom>
+            <a:ln>
+              <a:solidFill>
+                <a:srgbClr val="FF0000"/>
+              </a:solidFill>
+              <a:tailEnd type="triangle"/>
+            </a:ln>
+          </p:spPr>
+          <p:style>
+            <a:lnRef idx="1">
+              <a:schemeClr val="accent1"/>
+            </a:lnRef>
+            <a:fillRef idx="0">
+              <a:schemeClr val="accent1"/>
+            </a:fillRef>
+            <a:effectRef idx="0">
+              <a:schemeClr val="accent1"/>
+            </a:effectRef>
+            <a:fontRef idx="minor">
+              <a:schemeClr val="tx1"/>
+            </a:fontRef>
+          </p:style>
+        </p:cxnSp>
+        <p:cxnSp>
+          <p:nvCxnSpPr>
+            <p:cNvPr id="16" name="Egyenes összekötő nyíllal 15">
+              <a:extLst>
+                <a:ext uri="{FF2B5EF4-FFF2-40B4-BE49-F238E27FC236}">
+                  <a16:creationId xmlns:a16="http://schemas.microsoft.com/office/drawing/2014/main" id="{103B7C94-4EAC-44E8-B285-41598C6EB1AC}"/>
+                </a:ext>
+              </a:extLst>
+            </p:cNvPr>
+            <p:cNvCxnSpPr>
+              <a:cxnSpLocks/>
+            </p:cNvCxnSpPr>
+            <p:nvPr/>
+          </p:nvCxnSpPr>
+          <p:spPr>
+            <a:xfrm flipH="1">
+              <a:off x="5327010" y="2189527"/>
+              <a:ext cx="1073790" cy="231752"/>
+            </a:xfrm>
+            <a:prstGeom prst="straightConnector1">
+              <a:avLst/>
+            </a:prstGeom>
+            <a:ln>
+              <a:solidFill>
+                <a:srgbClr val="FF0000"/>
+              </a:solidFill>
+              <a:tailEnd type="triangle"/>
+            </a:ln>
+          </p:spPr>
+          <p:style>
+            <a:lnRef idx="1">
+              <a:schemeClr val="accent1"/>
+            </a:lnRef>
+            <a:fillRef idx="0">
+              <a:schemeClr val="accent1"/>
+            </a:fillRef>
+            <a:effectRef idx="0">
+              <a:schemeClr val="accent1"/>
+            </a:effectRef>
+            <a:fontRef idx="minor">
+              <a:schemeClr val="tx1"/>
+            </a:fontRef>
+          </p:style>
+        </p:cxnSp>
+      </p:grpSp>
       <p:sp>
         <p:nvSpPr>
           <p:cNvPr id="20" name="Szövegdoboz 19">
@@ -8033,6 +8097,84 @@
           </a:prstGeom>
         </p:spPr>
       </p:pic>
+      <p:sp>
+        <p:nvSpPr>
+          <p:cNvPr id="5" name="Szövegdoboz 4">
+            <a:extLst>
+              <a:ext uri="{FF2B5EF4-FFF2-40B4-BE49-F238E27FC236}">
+                <a16:creationId xmlns:a16="http://schemas.microsoft.com/office/drawing/2014/main" id="{8C8D6CF6-B078-4C50-B8EA-E661B7101E7C}"/>
+              </a:ext>
+            </a:extLst>
+          </p:cNvPr>
+          <p:cNvSpPr txBox="1"/>
+          <p:nvPr/>
+        </p:nvSpPr>
+        <p:spPr>
+          <a:xfrm>
+            <a:off x="478174" y="2907013"/>
+            <a:ext cx="7373493" cy="369332"/>
+          </a:xfrm>
+          <a:prstGeom prst="rect">
+            <a:avLst/>
+          </a:prstGeom>
+          <a:noFill/>
+        </p:spPr>
+        <p:txBody>
+          <a:bodyPr wrap="none" rtlCol="0">
+            <a:spAutoFit/>
+          </a:bodyPr>
+          <a:lstStyle/>
+          <a:p>
+            <a:r>
+              <a:rPr lang="hu-HU" dirty="0"/>
+              <a:t>2 . feladat: A beolvasott épületek megszámolása a len() </a:t>
+            </a:r>
+            <a:r>
+              <a:rPr lang="hu-HU" dirty="0" err="1"/>
+              <a:t>function</a:t>
+            </a:r>
+            <a:r>
+              <a:rPr lang="hu-HU" dirty="0"/>
+              <a:t> segítségével</a:t>
+            </a:r>
+          </a:p>
+        </p:txBody>
+      </p:sp>
+      <p:sp>
+        <p:nvSpPr>
+          <p:cNvPr id="6" name="Szövegdoboz 5">
+            <a:extLst>
+              <a:ext uri="{FF2B5EF4-FFF2-40B4-BE49-F238E27FC236}">
+                <a16:creationId xmlns:a16="http://schemas.microsoft.com/office/drawing/2014/main" id="{7D3F9270-04B6-44C0-A3FB-5E5250FB366B}"/>
+              </a:ext>
+            </a:extLst>
+          </p:cNvPr>
+          <p:cNvSpPr txBox="1"/>
+          <p:nvPr/>
+        </p:nvSpPr>
+        <p:spPr>
+          <a:xfrm>
+            <a:off x="478174" y="4562431"/>
+            <a:ext cx="7202293" cy="369332"/>
+          </a:xfrm>
+          <a:prstGeom prst="rect">
+            <a:avLst/>
+          </a:prstGeom>
+          <a:noFill/>
+        </p:spPr>
+        <p:txBody>
+          <a:bodyPr wrap="none" rtlCol="0">
+            <a:spAutoFit/>
+          </a:bodyPr>
+          <a:lstStyle/>
+          <a:p>
+            <a:r>
+              <a:rPr lang="hu-HU" dirty="0"/>
+              <a:t>3. feladat: Be kell kérni egy adószámot és a hozzá tartozó házakat ki kell írni</a:t>
+            </a:r>
+          </a:p>
+        </p:txBody>
+      </p:sp>
     </p:spTree>
     <p:extLst>
       <p:ext uri="{BB962C8B-B14F-4D97-AF65-F5344CB8AC3E}">
@@ -8046,6 +8188,358 @@
   <p:transition>
     <p:random/>
   </p:transition>
+  <p:timing>
+    <p:tnLst>
+      <p:par>
+        <p:cTn id="1" dur="indefinite" restart="never" nodeType="tmRoot">
+          <p:childTnLst>
+            <p:seq concurrent="1" nextAc="seek">
+              <p:cTn id="2" dur="indefinite" nodeType="mainSeq">
+                <p:childTnLst>
+                  <p:par>
+                    <p:cTn id="3" fill="hold">
+                      <p:stCondLst>
+                        <p:cond delay="indefinite"/>
+                        <p:cond evt="onBegin" delay="0">
+                          <p:tn val="2"/>
+                        </p:cond>
+                      </p:stCondLst>
+                      <p:childTnLst>
+                        <p:par>
+                          <p:cTn id="4" fill="hold">
+                            <p:stCondLst>
+                              <p:cond delay="0"/>
+                            </p:stCondLst>
+                            <p:childTnLst>
+                              <p:par>
+                                <p:cTn id="5" presetID="10" presetClass="entr" presetSubtype="0" fill="hold" grpId="0" nodeType="afterEffect">
+                                  <p:stCondLst>
+                                    <p:cond delay="0"/>
+                                  </p:stCondLst>
+                                  <p:childTnLst>
+                                    <p:set>
+                                      <p:cBhvr>
+                                        <p:cTn id="6" dur="1" fill="hold">
+                                          <p:stCondLst>
+                                            <p:cond delay="0"/>
+                                          </p:stCondLst>
+                                        </p:cTn>
+                                        <p:tgtEl>
+                                          <p:spTgt spid="2"/>
+                                        </p:tgtEl>
+                                        <p:attrNameLst>
+                                          <p:attrName>style.visibility</p:attrName>
+                                        </p:attrNameLst>
+                                      </p:cBhvr>
+                                      <p:to>
+                                        <p:strVal val="visible"/>
+                                      </p:to>
+                                    </p:set>
+                                    <p:animEffect transition="in" filter="fade">
+                                      <p:cBhvr>
+                                        <p:cTn id="7" dur="500"/>
+                                        <p:tgtEl>
+                                          <p:spTgt spid="2"/>
+                                        </p:tgtEl>
+                                      </p:cBhvr>
+                                    </p:animEffect>
+                                  </p:childTnLst>
+                                </p:cTn>
+                              </p:par>
+                            </p:childTnLst>
+                          </p:cTn>
+                        </p:par>
+                      </p:childTnLst>
+                    </p:cTn>
+                  </p:par>
+                  <p:par>
+                    <p:cTn id="8" fill="hold">
+                      <p:stCondLst>
+                        <p:cond delay="indefinite"/>
+                      </p:stCondLst>
+                      <p:childTnLst>
+                        <p:par>
+                          <p:cTn id="9" fill="hold">
+                            <p:stCondLst>
+                              <p:cond delay="0"/>
+                            </p:stCondLst>
+                            <p:childTnLst>
+                              <p:par>
+                                <p:cTn id="10" presetID="42" presetClass="entr" presetSubtype="0" fill="hold" grpId="0" nodeType="clickEffect">
+                                  <p:stCondLst>
+                                    <p:cond delay="0"/>
+                                  </p:stCondLst>
+                                  <p:iterate type="lt">
+                                    <p:tmPct val="10000"/>
+                                  </p:iterate>
+                                  <p:childTnLst>
+                                    <p:set>
+                                      <p:cBhvr>
+                                        <p:cTn id="11" dur="1" fill="hold">
+                                          <p:stCondLst>
+                                            <p:cond delay="0"/>
+                                          </p:stCondLst>
+                                        </p:cTn>
+                                        <p:tgtEl>
+                                          <p:spTgt spid="3"/>
+                                        </p:tgtEl>
+                                        <p:attrNameLst>
+                                          <p:attrName>style.visibility</p:attrName>
+                                        </p:attrNameLst>
+                                      </p:cBhvr>
+                                      <p:to>
+                                        <p:strVal val="visible"/>
+                                      </p:to>
+                                    </p:set>
+                                    <p:animEffect transition="in" filter="fade">
+                                      <p:cBhvr>
+                                        <p:cTn id="12" dur="200"/>
+                                        <p:tgtEl>
+                                          <p:spTgt spid="3"/>
+                                        </p:tgtEl>
+                                      </p:cBhvr>
+                                    </p:animEffect>
+                                    <p:anim calcmode="lin" valueType="num">
+                                      <p:cBhvr>
+                                        <p:cTn id="13" dur="200" fill="hold"/>
+                                        <p:tgtEl>
+                                          <p:spTgt spid="3"/>
+                                        </p:tgtEl>
+                                        <p:attrNameLst>
+                                          <p:attrName>ppt_x</p:attrName>
+                                        </p:attrNameLst>
+                                      </p:cBhvr>
+                                      <p:tavLst>
+                                        <p:tav tm="0">
+                                          <p:val>
+                                            <p:strVal val="#ppt_x"/>
+                                          </p:val>
+                                        </p:tav>
+                                        <p:tav tm="100000">
+                                          <p:val>
+                                            <p:strVal val="#ppt_x"/>
+                                          </p:val>
+                                        </p:tav>
+                                      </p:tavLst>
+                                    </p:anim>
+                                    <p:anim calcmode="lin" valueType="num">
+                                      <p:cBhvr>
+                                        <p:cTn id="14" dur="200" fill="hold"/>
+                                        <p:tgtEl>
+                                          <p:spTgt spid="3"/>
+                                        </p:tgtEl>
+                                        <p:attrNameLst>
+                                          <p:attrName>ppt_y</p:attrName>
+                                        </p:attrNameLst>
+                                      </p:cBhvr>
+                                      <p:tavLst>
+                                        <p:tav tm="0">
+                                          <p:val>
+                                            <p:strVal val="#ppt_y+.1"/>
+                                          </p:val>
+                                        </p:tav>
+                                        <p:tav tm="100000">
+                                          <p:val>
+                                            <p:strVal val="#ppt_y"/>
+                                          </p:val>
+                                        </p:tav>
+                                      </p:tavLst>
+                                    </p:anim>
+                                  </p:childTnLst>
+                                </p:cTn>
+                              </p:par>
+                            </p:childTnLst>
+                          </p:cTn>
+                        </p:par>
+                        <p:par>
+                          <p:cTn id="15" fill="hold">
+                            <p:stCondLst>
+                              <p:cond delay="2080"/>
+                            </p:stCondLst>
+                            <p:childTnLst>
+                              <p:par>
+                                <p:cTn id="16" presetID="10" presetClass="entr" presetSubtype="0" fill="hold" nodeType="afterEffect">
+                                  <p:stCondLst>
+                                    <p:cond delay="0"/>
+                                  </p:stCondLst>
+                                  <p:childTnLst>
+                                    <p:set>
+                                      <p:cBhvr>
+                                        <p:cTn id="17" dur="1" fill="hold">
+                                          <p:stCondLst>
+                                            <p:cond delay="0"/>
+                                          </p:stCondLst>
+                                        </p:cTn>
+                                        <p:tgtEl>
+                                          <p:spTgt spid="4"/>
+                                        </p:tgtEl>
+                                        <p:attrNameLst>
+                                          <p:attrName>style.visibility</p:attrName>
+                                        </p:attrNameLst>
+                                      </p:cBhvr>
+                                      <p:to>
+                                        <p:strVal val="visible"/>
+                                      </p:to>
+                                    </p:set>
+                                    <p:animEffect transition="in" filter="fade">
+                                      <p:cBhvr>
+                                        <p:cTn id="18" dur="500"/>
+                                        <p:tgtEl>
+                                          <p:spTgt spid="4"/>
+                                        </p:tgtEl>
+                                      </p:cBhvr>
+                                    </p:animEffect>
+                                  </p:childTnLst>
+                                </p:cTn>
+                              </p:par>
+                            </p:childTnLst>
+                          </p:cTn>
+                        </p:par>
+                        <p:par>
+                          <p:cTn id="19" fill="hold">
+                            <p:stCondLst>
+                              <p:cond delay="2580"/>
+                            </p:stCondLst>
+                            <p:childTnLst>
+                              <p:par>
+                                <p:cTn id="20" presetID="22" presetClass="entr" presetSubtype="2" fill="hold" nodeType="afterEffect">
+                                  <p:stCondLst>
+                                    <p:cond delay="0"/>
+                                  </p:stCondLst>
+                                  <p:childTnLst>
+                                    <p:set>
+                                      <p:cBhvr>
+                                        <p:cTn id="21" dur="1" fill="hold">
+                                          <p:stCondLst>
+                                            <p:cond delay="0"/>
+                                          </p:stCondLst>
+                                        </p:cTn>
+                                        <p:tgtEl>
+                                          <p:spTgt spid="7"/>
+                                        </p:tgtEl>
+                                        <p:attrNameLst>
+                                          <p:attrName>style.visibility</p:attrName>
+                                        </p:attrNameLst>
+                                      </p:cBhvr>
+                                      <p:to>
+                                        <p:strVal val="visible"/>
+                                      </p:to>
+                                    </p:set>
+                                    <p:animEffect transition="in" filter="wipe(right)">
+                                      <p:cBhvr>
+                                        <p:cTn id="22" dur="500"/>
+                                        <p:tgtEl>
+                                          <p:spTgt spid="7"/>
+                                        </p:tgtEl>
+                                      </p:cBhvr>
+                                    </p:animEffect>
+                                  </p:childTnLst>
+                                </p:cTn>
+                              </p:par>
+                              <p:par>
+                                <p:cTn id="23" presetID="22" presetClass="entr" presetSubtype="8" fill="hold" grpId="0" nodeType="withEffect">
+                                  <p:stCondLst>
+                                    <p:cond delay="0"/>
+                                  </p:stCondLst>
+                                  <p:childTnLst>
+                                    <p:set>
+                                      <p:cBhvr>
+                                        <p:cTn id="24" dur="1" fill="hold">
+                                          <p:stCondLst>
+                                            <p:cond delay="0"/>
+                                          </p:stCondLst>
+                                        </p:cTn>
+                                        <p:tgtEl>
+                                          <p:spTgt spid="21"/>
+                                        </p:tgtEl>
+                                        <p:attrNameLst>
+                                          <p:attrName>style.visibility</p:attrName>
+                                        </p:attrNameLst>
+                                      </p:cBhvr>
+                                      <p:to>
+                                        <p:strVal val="visible"/>
+                                      </p:to>
+                                    </p:set>
+                                    <p:animEffect transition="in" filter="wipe(left)">
+                                      <p:cBhvr>
+                                        <p:cTn id="25" dur="500"/>
+                                        <p:tgtEl>
+                                          <p:spTgt spid="21"/>
+                                        </p:tgtEl>
+                                      </p:cBhvr>
+                                    </p:animEffect>
+                                  </p:childTnLst>
+                                </p:cTn>
+                              </p:par>
+                              <p:par>
+                                <p:cTn id="26" presetID="22" presetClass="entr" presetSubtype="8" fill="hold" grpId="0" nodeType="withEffect">
+                                  <p:stCondLst>
+                                    <p:cond delay="0"/>
+                                  </p:stCondLst>
+                                  <p:childTnLst>
+                                    <p:set>
+                                      <p:cBhvr>
+                                        <p:cTn id="27" dur="1" fill="hold">
+                                          <p:stCondLst>
+                                            <p:cond delay="0"/>
+                                          </p:stCondLst>
+                                        </p:cTn>
+                                        <p:tgtEl>
+                                          <p:spTgt spid="20"/>
+                                        </p:tgtEl>
+                                        <p:attrNameLst>
+                                          <p:attrName>style.visibility</p:attrName>
+                                        </p:attrNameLst>
+                                      </p:cBhvr>
+                                      <p:to>
+                                        <p:strVal val="visible"/>
+                                      </p:to>
+                                    </p:set>
+                                    <p:animEffect transition="in" filter="wipe(left)">
+                                      <p:cBhvr>
+                                        <p:cTn id="28" dur="500"/>
+                                        <p:tgtEl>
+                                          <p:spTgt spid="20"/>
+                                        </p:tgtEl>
+                                      </p:cBhvr>
+                                    </p:animEffect>
+                                  </p:childTnLst>
+                                </p:cTn>
+                              </p:par>
+                            </p:childTnLst>
+                          </p:cTn>
+                        </p:par>
+                      </p:childTnLst>
+                    </p:cTn>
+                  </p:par>
+                </p:childTnLst>
+              </p:cTn>
+              <p:prevCondLst>
+                <p:cond evt="onPrev" delay="0">
+                  <p:tgtEl>
+                    <p:sldTgt/>
+                  </p:tgtEl>
+                </p:cond>
+              </p:prevCondLst>
+              <p:nextCondLst>
+                <p:cond evt="onNext" delay="0">
+                  <p:tgtEl>
+                    <p:sldTgt/>
+                  </p:tgtEl>
+                </p:cond>
+              </p:nextCondLst>
+            </p:seq>
+          </p:childTnLst>
+        </p:cTn>
+      </p:par>
+    </p:tnLst>
+    <p:bldLst>
+      <p:bldP spid="2" grpId="0"/>
+      <p:bldP spid="3" grpId="0"/>
+      <p:bldP spid="20" grpId="0"/>
+      <p:bldP spid="21" grpId="0"/>
+    </p:bldLst>
+  </p:timing>
 </p:sld>
 </file>
 

--- a/BEMUTATÓ.pptx
+++ b/BEMUTATÓ.pptx
@@ -1154,7 +1154,7 @@
           <a:p>
             <a:fld id="{F9AC1FAF-B44D-4AC2-B330-81B5E0D3A614}" type="datetimeFigureOut">
               <a:rPr lang="hu-HU" smtClean="0"/>
-              <a:t>2023.02.28</a:t>
+              <a:t>2023.03.01</a:t>
             </a:fld>
             <a:endParaRPr lang="hu-HU"/>
           </a:p>
@@ -1455,7 +1455,7 @@
           <a:p>
             <a:fld id="{F9AC1FAF-B44D-4AC2-B330-81B5E0D3A614}" type="datetimeFigureOut">
               <a:rPr lang="hu-HU" smtClean="0"/>
-              <a:t>2023.02.28</a:t>
+              <a:t>2023.03.01</a:t>
             </a:fld>
             <a:endParaRPr lang="hu-HU"/>
           </a:p>
@@ -1650,7 +1650,7 @@
           <a:p>
             <a:fld id="{F9AC1FAF-B44D-4AC2-B330-81B5E0D3A614}" type="datetimeFigureOut">
               <a:rPr lang="hu-HU" smtClean="0"/>
-              <a:t>2023.02.28</a:t>
+              <a:t>2023.03.01</a:t>
             </a:fld>
             <a:endParaRPr lang="hu-HU"/>
           </a:p>
@@ -1914,7 +1914,7 @@
           <a:p>
             <a:fld id="{F9AC1FAF-B44D-4AC2-B330-81B5E0D3A614}" type="datetimeFigureOut">
               <a:rPr lang="hu-HU" smtClean="0"/>
-              <a:t>2023.02.28</a:t>
+              <a:t>2023.03.01</a:t>
             </a:fld>
             <a:endParaRPr lang="hu-HU"/>
           </a:p>
@@ -2341,7 +2341,7 @@
           <a:p>
             <a:fld id="{F9AC1FAF-B44D-4AC2-B330-81B5E0D3A614}" type="datetimeFigureOut">
               <a:rPr lang="hu-HU" smtClean="0"/>
-              <a:t>2023.02.28</a:t>
+              <a:t>2023.03.01</a:t>
             </a:fld>
             <a:endParaRPr lang="hu-HU"/>
           </a:p>
@@ -2881,7 +2881,7 @@
           <a:p>
             <a:fld id="{F9AC1FAF-B44D-4AC2-B330-81B5E0D3A614}" type="datetimeFigureOut">
               <a:rPr lang="hu-HU" smtClean="0"/>
-              <a:t>2023.02.28</a:t>
+              <a:t>2023.03.01</a:t>
             </a:fld>
             <a:endParaRPr lang="hu-HU"/>
           </a:p>
@@ -3748,7 +3748,7 @@
           <a:p>
             <a:fld id="{F9AC1FAF-B44D-4AC2-B330-81B5E0D3A614}" type="datetimeFigureOut">
               <a:rPr lang="hu-HU" smtClean="0"/>
-              <a:t>2023.02.28</a:t>
+              <a:t>2023.03.01</a:t>
             </a:fld>
             <a:endParaRPr lang="hu-HU"/>
           </a:p>
@@ -3921,7 +3921,7 @@
           <a:p>
             <a:fld id="{F9AC1FAF-B44D-4AC2-B330-81B5E0D3A614}" type="datetimeFigureOut">
               <a:rPr lang="hu-HU" smtClean="0"/>
-              <a:t>2023.02.28</a:t>
+              <a:t>2023.03.01</a:t>
             </a:fld>
             <a:endParaRPr lang="hu-HU"/>
           </a:p>
@@ -4108,7 +4108,7 @@
           <a:p>
             <a:fld id="{F9AC1FAF-B44D-4AC2-B330-81B5E0D3A614}" type="datetimeFigureOut">
               <a:rPr lang="hu-HU" smtClean="0"/>
-              <a:t>2023.02.28</a:t>
+              <a:t>2023.03.01</a:t>
             </a:fld>
             <a:endParaRPr lang="hu-HU"/>
           </a:p>
@@ -4281,7 +4281,7 @@
           <a:p>
             <a:fld id="{F9AC1FAF-B44D-4AC2-B330-81B5E0D3A614}" type="datetimeFigureOut">
               <a:rPr lang="hu-HU" smtClean="0"/>
-              <a:t>2023.02.28</a:t>
+              <a:t>2023.03.01</a:t>
             </a:fld>
             <a:endParaRPr lang="hu-HU"/>
           </a:p>
@@ -4528,7 +4528,7 @@
           <a:p>
             <a:fld id="{F9AC1FAF-B44D-4AC2-B330-81B5E0D3A614}" type="datetimeFigureOut">
               <a:rPr lang="hu-HU" smtClean="0"/>
-              <a:t>2023.02.28</a:t>
+              <a:t>2023.03.01</a:t>
             </a:fld>
             <a:endParaRPr lang="hu-HU"/>
           </a:p>
@@ -4767,7 +4767,7 @@
           <a:p>
             <a:fld id="{F9AC1FAF-B44D-4AC2-B330-81B5E0D3A614}" type="datetimeFigureOut">
               <a:rPr lang="hu-HU" smtClean="0"/>
-              <a:t>2023.02.28</a:t>
+              <a:t>2023.03.01</a:t>
             </a:fld>
             <a:endParaRPr lang="hu-HU"/>
           </a:p>
@@ -5236,7 +5236,7 @@
           <a:p>
             <a:fld id="{F9AC1FAF-B44D-4AC2-B330-81B5E0D3A614}" type="datetimeFigureOut">
               <a:rPr lang="hu-HU" smtClean="0"/>
-              <a:t>2023.02.28</a:t>
+              <a:t>2023.03.01</a:t>
             </a:fld>
             <a:endParaRPr lang="hu-HU"/>
           </a:p>
@@ -5357,7 +5357,7 @@
           <a:p>
             <a:fld id="{F9AC1FAF-B44D-4AC2-B330-81B5E0D3A614}" type="datetimeFigureOut">
               <a:rPr lang="hu-HU" smtClean="0"/>
-              <a:t>2023.02.28</a:t>
+              <a:t>2023.03.01</a:t>
             </a:fld>
             <a:endParaRPr lang="hu-HU"/>
           </a:p>
@@ -5455,7 +5455,7 @@
           <a:p>
             <a:fld id="{F9AC1FAF-B44D-4AC2-B330-81B5E0D3A614}" type="datetimeFigureOut">
               <a:rPr lang="hu-HU" smtClean="0"/>
-              <a:t>2023.02.28</a:t>
+              <a:t>2023.03.01</a:t>
             </a:fld>
             <a:endParaRPr lang="hu-HU"/>
           </a:p>
@@ -5713,7 +5713,7 @@
           <a:p>
             <a:fld id="{F9AC1FAF-B44D-4AC2-B330-81B5E0D3A614}" type="datetimeFigureOut">
               <a:rPr lang="hu-HU" smtClean="0"/>
-              <a:t>2023.02.28</a:t>
+              <a:t>2023.03.01</a:t>
             </a:fld>
             <a:endParaRPr lang="hu-HU"/>
           </a:p>
@@ -6016,7 +6016,7 @@
           <a:p>
             <a:fld id="{F9AC1FAF-B44D-4AC2-B330-81B5E0D3A614}" type="datetimeFigureOut">
               <a:rPr lang="hu-HU" smtClean="0"/>
-              <a:t>2023.02.28</a:t>
+              <a:t>2023.03.01</a:t>
             </a:fld>
             <a:endParaRPr lang="hu-HU"/>
           </a:p>
@@ -6253,7 +6253,7 @@
           <a:p>
             <a:fld id="{F9AC1FAF-B44D-4AC2-B330-81B5E0D3A614}" type="datetimeFigureOut">
               <a:rPr lang="hu-HU" smtClean="0"/>
-              <a:t>2023.02.28</a:t>
+              <a:t>2023.03.01</a:t>
             </a:fld>
             <a:endParaRPr lang="hu-HU"/>
           </a:p>
@@ -6944,8 +6944,8 @@
         </p:nvSpPr>
         <p:spPr>
           <a:xfrm>
-            <a:off x="2969119" y="660395"/>
-            <a:ext cx="6253763" cy="1015663"/>
+            <a:off x="2958988" y="660395"/>
+            <a:ext cx="6274025" cy="1015663"/>
           </a:xfrm>
           <a:prstGeom prst="rect">
             <a:avLst/>
@@ -6961,7 +6961,15 @@
             <a:pPr algn="ctr"/>
             <a:r>
               <a:rPr lang="hu-HU" sz="6000" dirty="0"/>
-              <a:t>2023 Projectmunka</a:t>
+              <a:t>2023 Proje</a:t>
+            </a:r>
+            <a:r>
+              <a:rPr lang="en-US" sz="6000" dirty="0"/>
+              <a:t>k</a:t>
+            </a:r>
+            <a:r>
+              <a:rPr lang="hu-HU" sz="6000" dirty="0"/>
+              <a:t>tmunka</a:t>
             </a:r>
           </a:p>
         </p:txBody>
@@ -8512,6 +8520,298 @@
                       </p:childTnLst>
                     </p:cTn>
                   </p:par>
+                  <p:par>
+                    <p:cTn id="29" fill="hold">
+                      <p:stCondLst>
+                        <p:cond delay="indefinite"/>
+                      </p:stCondLst>
+                      <p:childTnLst>
+                        <p:par>
+                          <p:cTn id="30" fill="hold">
+                            <p:stCondLst>
+                              <p:cond delay="0"/>
+                            </p:stCondLst>
+                            <p:childTnLst>
+                              <p:par>
+                                <p:cTn id="31" presetID="42" presetClass="entr" presetSubtype="0" fill="hold" grpId="0" nodeType="clickEffect">
+                                  <p:stCondLst>
+                                    <p:cond delay="0"/>
+                                  </p:stCondLst>
+                                  <p:iterate type="lt">
+                                    <p:tmPct val="10000"/>
+                                  </p:iterate>
+                                  <p:childTnLst>
+                                    <p:set>
+                                      <p:cBhvr>
+                                        <p:cTn id="32" dur="1" fill="hold">
+                                          <p:stCondLst>
+                                            <p:cond delay="0"/>
+                                          </p:stCondLst>
+                                        </p:cTn>
+                                        <p:tgtEl>
+                                          <p:spTgt spid="5"/>
+                                        </p:tgtEl>
+                                        <p:attrNameLst>
+                                          <p:attrName>style.visibility</p:attrName>
+                                        </p:attrNameLst>
+                                      </p:cBhvr>
+                                      <p:to>
+                                        <p:strVal val="visible"/>
+                                      </p:to>
+                                    </p:set>
+                                    <p:animEffect transition="in" filter="fade">
+                                      <p:cBhvr>
+                                        <p:cTn id="33" dur="200"/>
+                                        <p:tgtEl>
+                                          <p:spTgt spid="5"/>
+                                        </p:tgtEl>
+                                      </p:cBhvr>
+                                    </p:animEffect>
+                                    <p:anim calcmode="lin" valueType="num">
+                                      <p:cBhvr>
+                                        <p:cTn id="34" dur="200" fill="hold"/>
+                                        <p:tgtEl>
+                                          <p:spTgt spid="5"/>
+                                        </p:tgtEl>
+                                        <p:attrNameLst>
+                                          <p:attrName>ppt_x</p:attrName>
+                                        </p:attrNameLst>
+                                      </p:cBhvr>
+                                      <p:tavLst>
+                                        <p:tav tm="0">
+                                          <p:val>
+                                            <p:strVal val="#ppt_x"/>
+                                          </p:val>
+                                        </p:tav>
+                                        <p:tav tm="100000">
+                                          <p:val>
+                                            <p:strVal val="#ppt_x"/>
+                                          </p:val>
+                                        </p:tav>
+                                      </p:tavLst>
+                                    </p:anim>
+                                    <p:anim calcmode="lin" valueType="num">
+                                      <p:cBhvr>
+                                        <p:cTn id="35" dur="200" fill="hold"/>
+                                        <p:tgtEl>
+                                          <p:spTgt spid="5"/>
+                                        </p:tgtEl>
+                                        <p:attrNameLst>
+                                          <p:attrName>ppt_y</p:attrName>
+                                        </p:attrNameLst>
+                                      </p:cBhvr>
+                                      <p:tavLst>
+                                        <p:tav tm="0">
+                                          <p:val>
+                                            <p:strVal val="#ppt_y+.1"/>
+                                          </p:val>
+                                        </p:tav>
+                                        <p:tav tm="100000">
+                                          <p:val>
+                                            <p:strVal val="#ppt_y"/>
+                                          </p:val>
+                                        </p:tav>
+                                      </p:tavLst>
+                                    </p:anim>
+                                  </p:childTnLst>
+                                </p:cTn>
+                              </p:par>
+                            </p:childTnLst>
+                          </p:cTn>
+                        </p:par>
+                        <p:par>
+                          <p:cTn id="36" fill="hold">
+                            <p:stCondLst>
+                              <p:cond delay="1520"/>
+                            </p:stCondLst>
+                            <p:childTnLst>
+                              <p:par>
+                                <p:cTn id="37" presetID="10" presetClass="entr" presetSubtype="0" fill="hold" nodeType="afterEffect">
+                                  <p:stCondLst>
+                                    <p:cond delay="0"/>
+                                  </p:stCondLst>
+                                  <p:childTnLst>
+                                    <p:set>
+                                      <p:cBhvr>
+                                        <p:cTn id="38" dur="1" fill="hold">
+                                          <p:stCondLst>
+                                            <p:cond delay="0"/>
+                                          </p:stCondLst>
+                                        </p:cTn>
+                                        <p:tgtEl>
+                                          <p:spTgt spid="28"/>
+                                        </p:tgtEl>
+                                        <p:attrNameLst>
+                                          <p:attrName>style.visibility</p:attrName>
+                                        </p:attrNameLst>
+                                      </p:cBhvr>
+                                      <p:to>
+                                        <p:strVal val="visible"/>
+                                      </p:to>
+                                    </p:set>
+                                    <p:animEffect transition="in" filter="fade">
+                                      <p:cBhvr>
+                                        <p:cTn id="39" dur="500"/>
+                                        <p:tgtEl>
+                                          <p:spTgt spid="28"/>
+                                        </p:tgtEl>
+                                      </p:cBhvr>
+                                    </p:animEffect>
+                                  </p:childTnLst>
+                                </p:cTn>
+                              </p:par>
+                            </p:childTnLst>
+                          </p:cTn>
+                        </p:par>
+                      </p:childTnLst>
+                    </p:cTn>
+                  </p:par>
+                  <p:par>
+                    <p:cTn id="40" fill="hold">
+                      <p:stCondLst>
+                        <p:cond delay="indefinite"/>
+                      </p:stCondLst>
+                      <p:childTnLst>
+                        <p:par>
+                          <p:cTn id="41" fill="hold">
+                            <p:stCondLst>
+                              <p:cond delay="0"/>
+                            </p:stCondLst>
+                            <p:childTnLst>
+                              <p:par>
+                                <p:cTn id="42" presetID="42" presetClass="entr" presetSubtype="0" fill="hold" grpId="0" nodeType="clickEffect">
+                                  <p:stCondLst>
+                                    <p:cond delay="0"/>
+                                  </p:stCondLst>
+                                  <p:iterate type="lt">
+                                    <p:tmPct val="10000"/>
+                                  </p:iterate>
+                                  <p:childTnLst>
+                                    <p:set>
+                                      <p:cBhvr>
+                                        <p:cTn id="43" dur="1" fill="hold">
+                                          <p:stCondLst>
+                                            <p:cond delay="0"/>
+                                          </p:stCondLst>
+                                        </p:cTn>
+                                        <p:tgtEl>
+                                          <p:spTgt spid="6"/>
+                                        </p:tgtEl>
+                                        <p:attrNameLst>
+                                          <p:attrName>style.visibility</p:attrName>
+                                        </p:attrNameLst>
+                                      </p:cBhvr>
+                                      <p:to>
+                                        <p:strVal val="visible"/>
+                                      </p:to>
+                                    </p:set>
+                                    <p:animEffect transition="in" filter="fade">
+                                      <p:cBhvr>
+                                        <p:cTn id="44" dur="200"/>
+                                        <p:tgtEl>
+                                          <p:spTgt spid="6"/>
+                                        </p:tgtEl>
+                                      </p:cBhvr>
+                                    </p:animEffect>
+                                    <p:anim calcmode="lin" valueType="num">
+                                      <p:cBhvr>
+                                        <p:cTn id="45" dur="200" fill="hold"/>
+                                        <p:tgtEl>
+                                          <p:spTgt spid="6"/>
+                                        </p:tgtEl>
+                                        <p:attrNameLst>
+                                          <p:attrName>ppt_x</p:attrName>
+                                        </p:attrNameLst>
+                                      </p:cBhvr>
+                                      <p:tavLst>
+                                        <p:tav tm="0">
+                                          <p:val>
+                                            <p:strVal val="#ppt_x"/>
+                                          </p:val>
+                                        </p:tav>
+                                        <p:tav tm="100000">
+                                          <p:val>
+                                            <p:strVal val="#ppt_x"/>
+                                          </p:val>
+                                        </p:tav>
+                                      </p:tavLst>
+                                    </p:anim>
+                                    <p:anim calcmode="lin" valueType="num">
+                                      <p:cBhvr>
+                                        <p:cTn id="46" dur="200" fill="hold"/>
+                                        <p:tgtEl>
+                                          <p:spTgt spid="6"/>
+                                        </p:tgtEl>
+                                        <p:attrNameLst>
+                                          <p:attrName>ppt_y</p:attrName>
+                                        </p:attrNameLst>
+                                      </p:cBhvr>
+                                      <p:tavLst>
+                                        <p:tav tm="0">
+                                          <p:val>
+                                            <p:strVal val="#ppt_y+.1"/>
+                                          </p:val>
+                                        </p:tav>
+                                        <p:tav tm="100000">
+                                          <p:val>
+                                            <p:strVal val="#ppt_y"/>
+                                          </p:val>
+                                        </p:tav>
+                                      </p:tavLst>
+                                    </p:anim>
+                                  </p:childTnLst>
+                                </p:cTn>
+                              </p:par>
+                            </p:childTnLst>
+                          </p:cTn>
+                        </p:par>
+                        <p:par>
+                          <p:cTn id="47" fill="hold">
+                            <p:stCondLst>
+                              <p:cond delay="1480"/>
+                            </p:stCondLst>
+                            <p:childTnLst>
+                              <p:par>
+                                <p:cTn id="48" presetID="10" presetClass="entr" presetSubtype="0" fill="hold" nodeType="afterEffect">
+                                  <p:stCondLst>
+                                    <p:cond delay="0"/>
+                                  </p:stCondLst>
+                                  <p:childTnLst>
+                                    <p:set>
+                                      <p:cBhvr>
+                                        <p:cTn id="49" dur="1" fill="hold">
+                                          <p:stCondLst>
+                                            <p:cond delay="0"/>
+                                          </p:stCondLst>
+                                        </p:cTn>
+                                        <p:tgtEl>
+                                          <p:spTgt spid="30"/>
+                                        </p:tgtEl>
+                                        <p:attrNameLst>
+                                          <p:attrName>style.visibility</p:attrName>
+                                        </p:attrNameLst>
+                                      </p:cBhvr>
+                                      <p:to>
+                                        <p:strVal val="visible"/>
+                                      </p:to>
+                                    </p:set>
+                                    <p:animEffect transition="in" filter="fade">
+                                      <p:cBhvr>
+                                        <p:cTn id="50" dur="500"/>
+                                        <p:tgtEl>
+                                          <p:spTgt spid="30"/>
+                                        </p:tgtEl>
+                                      </p:cBhvr>
+                                    </p:animEffect>
+                                  </p:childTnLst>
+                                </p:cTn>
+                              </p:par>
+                            </p:childTnLst>
+                          </p:cTn>
+                        </p:par>
+                      </p:childTnLst>
+                    </p:cTn>
+                  </p:par>
                 </p:childTnLst>
               </p:cTn>
               <p:prevCondLst>
@@ -8538,6 +8838,8 @@
       <p:bldP spid="3" grpId="0"/>
       <p:bldP spid="20" grpId="0"/>
       <p:bldP spid="21" grpId="0"/>
+      <p:bldP spid="5" grpId="0"/>
+      <p:bldP spid="6" grpId="0"/>
     </p:bldLst>
   </p:timing>
 </p:sld>
@@ -8575,7 +8877,7 @@
         <p:spPr>
           <a:xfrm>
             <a:off x="485210" y="1083591"/>
-            <a:ext cx="10051362" cy="4247317"/>
+            <a:ext cx="10051362" cy="646331"/>
           </a:xfrm>
           <a:prstGeom prst="rect">
             <a:avLst/>
@@ -8600,68 +8902,6 @@
             <a:r>
               <a:rPr lang="hu-HU" dirty="0"/>
               <a:t> létrehozni, melyben paraméterként kellene használni a adósávot és az alapterületet</a:t>
-            </a:r>
-          </a:p>
-          <a:p>
-            <a:pPr algn="just"/>
-            <a:endParaRPr lang="hu-HU" dirty="0"/>
-          </a:p>
-          <a:p>
-            <a:pPr algn="just"/>
-            <a:endParaRPr lang="hu-HU" dirty="0"/>
-          </a:p>
-          <a:p>
-            <a:pPr algn="just"/>
-            <a:endParaRPr lang="hu-HU" dirty="0"/>
-          </a:p>
-          <a:p>
-            <a:pPr algn="just"/>
-            <a:endParaRPr lang="hu-HU" dirty="0"/>
-          </a:p>
-          <a:p>
-            <a:pPr algn="just"/>
-            <a:endParaRPr lang="hu-HU" dirty="0"/>
-          </a:p>
-          <a:p>
-            <a:pPr algn="just"/>
-            <a:endParaRPr lang="hu-HU" dirty="0"/>
-          </a:p>
-          <a:p>
-            <a:pPr algn="just"/>
-            <a:r>
-              <a:rPr lang="hu-HU" dirty="0"/>
-              <a:t>5. feladat: Az összes háznak az adóját összeadjuk </a:t>
-            </a:r>
-            <a:r>
-              <a:rPr lang="hu-HU" dirty="0" err="1"/>
-              <a:t>adósávonként</a:t>
-            </a:r>
-            <a:r>
-              <a:rPr lang="hu-HU" dirty="0"/>
-              <a:t> és kiírjuk</a:t>
-            </a:r>
-          </a:p>
-          <a:p>
-            <a:pPr algn="just"/>
-            <a:endParaRPr lang="hu-HU" dirty="0"/>
-          </a:p>
-          <a:p>
-            <a:pPr algn="just"/>
-            <a:endParaRPr lang="hu-HU" dirty="0"/>
-          </a:p>
-          <a:p>
-            <a:pPr algn="just"/>
-            <a:endParaRPr lang="hu-HU" dirty="0"/>
-          </a:p>
-          <a:p>
-            <a:pPr algn="just"/>
-            <a:endParaRPr lang="hu-HU" dirty="0"/>
-          </a:p>
-          <a:p>
-            <a:pPr algn="just"/>
-            <a:r>
-              <a:rPr lang="hu-HU" dirty="0"/>
-              <a:t>6. feladat: Az utcákat kigyűjtjük ami több adósávba esik. Pl. ha az utca1 az A és B adósávba esik akkor ki kell gyűjteni</a:t>
             </a:r>
           </a:p>
         </p:txBody>
@@ -8680,8 +8920,8 @@
         </p:nvSpPr>
         <p:spPr>
           <a:xfrm>
-            <a:off x="117446" y="125835"/>
-            <a:ext cx="3397541" cy="523220"/>
+            <a:off x="117447" y="125835"/>
+            <a:ext cx="1605846" cy="523220"/>
           </a:xfrm>
           <a:prstGeom prst="rect">
             <a:avLst/>
@@ -8798,6 +9038,76 @@
           </a:prstGeom>
         </p:spPr>
       </p:pic>
+      <p:sp>
+        <p:nvSpPr>
+          <p:cNvPr id="2" name="Szövegdoboz 1">
+            <a:extLst>
+              <a:ext uri="{FF2B5EF4-FFF2-40B4-BE49-F238E27FC236}">
+                <a16:creationId xmlns:a16="http://schemas.microsoft.com/office/drawing/2014/main" id="{8810F74E-DAD7-490A-10CD-5B172F6BDE7B}"/>
+              </a:ext>
+            </a:extLst>
+          </p:cNvPr>
+          <p:cNvSpPr txBox="1"/>
+          <p:nvPr/>
+        </p:nvSpPr>
+        <p:spPr>
+          <a:xfrm>
+            <a:off x="485210" y="3272721"/>
+            <a:ext cx="6968639" cy="369332"/>
+          </a:xfrm>
+          <a:prstGeom prst="rect">
+            <a:avLst/>
+          </a:prstGeom>
+          <a:noFill/>
+        </p:spPr>
+        <p:txBody>
+          <a:bodyPr wrap="none" rtlCol="0">
+            <a:spAutoFit/>
+          </a:bodyPr>
+          <a:lstStyle/>
+          <a:p>
+            <a:r>
+              <a:rPr lang="hu-HU" dirty="0"/>
+              <a:t>5. feladat: Az összes háznak az adóját összeadjuk adósávonként és kiírjuk</a:t>
+            </a:r>
+          </a:p>
+        </p:txBody>
+      </p:sp>
+      <p:sp>
+        <p:nvSpPr>
+          <p:cNvPr id="3" name="Szövegdoboz 2">
+            <a:extLst>
+              <a:ext uri="{FF2B5EF4-FFF2-40B4-BE49-F238E27FC236}">
+                <a16:creationId xmlns:a16="http://schemas.microsoft.com/office/drawing/2014/main" id="{9065D573-300C-1CC9-8A62-C3F3B287E932}"/>
+              </a:ext>
+            </a:extLst>
+          </p:cNvPr>
+          <p:cNvSpPr txBox="1"/>
+          <p:nvPr/>
+        </p:nvSpPr>
+        <p:spPr>
+          <a:xfrm>
+            <a:off x="485210" y="4719952"/>
+            <a:ext cx="10989099" cy="369332"/>
+          </a:xfrm>
+          <a:prstGeom prst="rect">
+            <a:avLst/>
+          </a:prstGeom>
+          <a:noFill/>
+        </p:spPr>
+        <p:txBody>
+          <a:bodyPr wrap="none" rtlCol="0">
+            <a:spAutoFit/>
+          </a:bodyPr>
+          <a:lstStyle/>
+          <a:p>
+            <a:r>
+              <a:rPr lang="hu-HU" dirty="0"/>
+              <a:t>6. feladat: Az utcákat kigyűjtjük ami több adósávba esik. Pl. ha az utca1 az A és B adósávba esik akkor ki kell gyűjteni</a:t>
+            </a:r>
+          </a:p>
+        </p:txBody>
+      </p:sp>
     </p:spTree>
     <p:extLst>
       <p:ext uri="{BB962C8B-B14F-4D97-AF65-F5344CB8AC3E}">
@@ -8811,6 +9121,398 @@
   <p:transition>
     <p:random/>
   </p:transition>
+  <p:timing>
+    <p:tnLst>
+      <p:par>
+        <p:cTn id="1" dur="indefinite" restart="never" nodeType="tmRoot">
+          <p:childTnLst>
+            <p:seq concurrent="1" nextAc="seek">
+              <p:cTn id="2" dur="indefinite" nodeType="mainSeq">
+                <p:childTnLst>
+                  <p:par>
+                    <p:cTn id="3" fill="hold">
+                      <p:stCondLst>
+                        <p:cond delay="indefinite"/>
+                        <p:cond evt="onBegin" delay="0">
+                          <p:tn val="2"/>
+                        </p:cond>
+                      </p:stCondLst>
+                      <p:childTnLst>
+                        <p:par>
+                          <p:cTn id="4" fill="hold">
+                            <p:stCondLst>
+                              <p:cond delay="0"/>
+                            </p:stCondLst>
+                            <p:childTnLst>
+                              <p:par>
+                                <p:cTn id="5" presetID="10" presetClass="entr" presetSubtype="0" fill="hold" grpId="0" nodeType="afterEffect">
+                                  <p:stCondLst>
+                                    <p:cond delay="0"/>
+                                  </p:stCondLst>
+                                  <p:childTnLst>
+                                    <p:set>
+                                      <p:cBhvr>
+                                        <p:cTn id="6" dur="1" fill="hold">
+                                          <p:stCondLst>
+                                            <p:cond delay="0"/>
+                                          </p:stCondLst>
+                                        </p:cTn>
+                                        <p:tgtEl>
+                                          <p:spTgt spid="9"/>
+                                        </p:tgtEl>
+                                        <p:attrNameLst>
+                                          <p:attrName>style.visibility</p:attrName>
+                                        </p:attrNameLst>
+                                      </p:cBhvr>
+                                      <p:to>
+                                        <p:strVal val="visible"/>
+                                      </p:to>
+                                    </p:set>
+                                    <p:animEffect transition="in" filter="fade">
+                                      <p:cBhvr>
+                                        <p:cTn id="7" dur="500"/>
+                                        <p:tgtEl>
+                                          <p:spTgt spid="9"/>
+                                        </p:tgtEl>
+                                      </p:cBhvr>
+                                    </p:animEffect>
+                                  </p:childTnLst>
+                                </p:cTn>
+                              </p:par>
+                            </p:childTnLst>
+                          </p:cTn>
+                        </p:par>
+                      </p:childTnLst>
+                    </p:cTn>
+                  </p:par>
+                  <p:par>
+                    <p:cTn id="8" fill="hold">
+                      <p:stCondLst>
+                        <p:cond delay="indefinite"/>
+                      </p:stCondLst>
+                      <p:childTnLst>
+                        <p:par>
+                          <p:cTn id="9" fill="hold">
+                            <p:stCondLst>
+                              <p:cond delay="0"/>
+                            </p:stCondLst>
+                            <p:childTnLst>
+                              <p:par>
+                                <p:cTn id="10" presetID="14" presetClass="entr" presetSubtype="10" fill="hold" grpId="0" nodeType="clickEffect">
+                                  <p:stCondLst>
+                                    <p:cond delay="0"/>
+                                  </p:stCondLst>
+                                  <p:iterate type="lt">
+                                    <p:tmPct val="10000"/>
+                                  </p:iterate>
+                                  <p:childTnLst>
+                                    <p:set>
+                                      <p:cBhvr>
+                                        <p:cTn id="11" dur="1" fill="hold">
+                                          <p:stCondLst>
+                                            <p:cond delay="0"/>
+                                          </p:stCondLst>
+                                        </p:cTn>
+                                        <p:tgtEl>
+                                          <p:spTgt spid="8"/>
+                                        </p:tgtEl>
+                                        <p:attrNameLst>
+                                          <p:attrName>style.visibility</p:attrName>
+                                        </p:attrNameLst>
+                                      </p:cBhvr>
+                                      <p:to>
+                                        <p:strVal val="visible"/>
+                                      </p:to>
+                                    </p:set>
+                                    <p:animEffect transition="in" filter="randombar(horizontal)">
+                                      <p:cBhvr>
+                                        <p:cTn id="12" dur="200"/>
+                                        <p:tgtEl>
+                                          <p:spTgt spid="8"/>
+                                        </p:tgtEl>
+                                      </p:cBhvr>
+                                    </p:animEffect>
+                                  </p:childTnLst>
+                                </p:cTn>
+                              </p:par>
+                            </p:childTnLst>
+                          </p:cTn>
+                        </p:par>
+                        <p:par>
+                          <p:cTn id="13" fill="hold">
+                            <p:stCondLst>
+                              <p:cond delay="2540"/>
+                            </p:stCondLst>
+                            <p:childTnLst>
+                              <p:par>
+                                <p:cTn id="14" presetID="6" presetClass="entr" presetSubtype="32" fill="hold" nodeType="afterEffect">
+                                  <p:stCondLst>
+                                    <p:cond delay="0"/>
+                                  </p:stCondLst>
+                                  <p:childTnLst>
+                                    <p:set>
+                                      <p:cBhvr>
+                                        <p:cTn id="15" dur="1" fill="hold">
+                                          <p:stCondLst>
+                                            <p:cond delay="0"/>
+                                          </p:stCondLst>
+                                        </p:cTn>
+                                        <p:tgtEl>
+                                          <p:spTgt spid="11"/>
+                                        </p:tgtEl>
+                                        <p:attrNameLst>
+                                          <p:attrName>style.visibility</p:attrName>
+                                        </p:attrNameLst>
+                                      </p:cBhvr>
+                                      <p:to>
+                                        <p:strVal val="visible"/>
+                                      </p:to>
+                                    </p:set>
+                                    <p:animEffect transition="in" filter="circle(out)">
+                                      <p:cBhvr>
+                                        <p:cTn id="16" dur="1000"/>
+                                        <p:tgtEl>
+                                          <p:spTgt spid="11"/>
+                                        </p:tgtEl>
+                                      </p:cBhvr>
+                                    </p:animEffect>
+                                  </p:childTnLst>
+                                </p:cTn>
+                              </p:par>
+                            </p:childTnLst>
+                          </p:cTn>
+                        </p:par>
+                      </p:childTnLst>
+                    </p:cTn>
+                  </p:par>
+                  <p:par>
+                    <p:cTn id="17" fill="hold">
+                      <p:stCondLst>
+                        <p:cond delay="indefinite"/>
+                      </p:stCondLst>
+                      <p:childTnLst>
+                        <p:par>
+                          <p:cTn id="18" fill="hold">
+                            <p:stCondLst>
+                              <p:cond delay="0"/>
+                            </p:stCondLst>
+                            <p:childTnLst>
+                              <p:par>
+                                <p:cTn id="19" presetID="14" presetClass="entr" presetSubtype="10" fill="hold" grpId="0" nodeType="clickEffect">
+                                  <p:stCondLst>
+                                    <p:cond delay="0"/>
+                                  </p:stCondLst>
+                                  <p:iterate type="lt">
+                                    <p:tmPct val="10000"/>
+                                  </p:iterate>
+                                  <p:childTnLst>
+                                    <p:set>
+                                      <p:cBhvr>
+                                        <p:cTn id="20" dur="1" fill="hold">
+                                          <p:stCondLst>
+                                            <p:cond delay="0"/>
+                                          </p:stCondLst>
+                                        </p:cTn>
+                                        <p:tgtEl>
+                                          <p:spTgt spid="2"/>
+                                        </p:tgtEl>
+                                        <p:attrNameLst>
+                                          <p:attrName>style.visibility</p:attrName>
+                                        </p:attrNameLst>
+                                      </p:cBhvr>
+                                      <p:to>
+                                        <p:strVal val="visible"/>
+                                      </p:to>
+                                    </p:set>
+                                    <p:animEffect transition="in" filter="randombar(horizontal)">
+                                      <p:cBhvr>
+                                        <p:cTn id="21" dur="200"/>
+                                        <p:tgtEl>
+                                          <p:spTgt spid="2"/>
+                                        </p:tgtEl>
+                                      </p:cBhvr>
+                                    </p:animEffect>
+                                  </p:childTnLst>
+                                </p:cTn>
+                              </p:par>
+                            </p:childTnLst>
+                          </p:cTn>
+                        </p:par>
+                        <p:par>
+                          <p:cTn id="22" fill="hold">
+                            <p:stCondLst>
+                              <p:cond delay="1440"/>
+                            </p:stCondLst>
+                            <p:childTnLst>
+                              <p:par>
+                                <p:cTn id="23" presetID="4" presetClass="entr" presetSubtype="32" fill="hold" nodeType="afterEffect">
+                                  <p:stCondLst>
+                                    <p:cond delay="0"/>
+                                  </p:stCondLst>
+                                  <p:childTnLst>
+                                    <p:set>
+                                      <p:cBhvr>
+                                        <p:cTn id="24" dur="1" fill="hold">
+                                          <p:stCondLst>
+                                            <p:cond delay="0"/>
+                                          </p:stCondLst>
+                                        </p:cTn>
+                                        <p:tgtEl>
+                                          <p:spTgt spid="13"/>
+                                        </p:tgtEl>
+                                        <p:attrNameLst>
+                                          <p:attrName>style.visibility</p:attrName>
+                                        </p:attrNameLst>
+                                      </p:cBhvr>
+                                      <p:to>
+                                        <p:strVal val="visible"/>
+                                      </p:to>
+                                    </p:set>
+                                    <p:animEffect transition="in" filter="box(out)">
+                                      <p:cBhvr>
+                                        <p:cTn id="25" dur="1000"/>
+                                        <p:tgtEl>
+                                          <p:spTgt spid="13"/>
+                                        </p:tgtEl>
+                                      </p:cBhvr>
+                                    </p:animEffect>
+                                  </p:childTnLst>
+                                </p:cTn>
+                              </p:par>
+                            </p:childTnLst>
+                          </p:cTn>
+                        </p:par>
+                      </p:childTnLst>
+                    </p:cTn>
+                  </p:par>
+                  <p:par>
+                    <p:cTn id="26" fill="hold">
+                      <p:stCondLst>
+                        <p:cond delay="indefinite"/>
+                      </p:stCondLst>
+                      <p:childTnLst>
+                        <p:par>
+                          <p:cTn id="27" fill="hold">
+                            <p:stCondLst>
+                              <p:cond delay="0"/>
+                            </p:stCondLst>
+                            <p:childTnLst>
+                              <p:par>
+                                <p:cTn id="28" presetID="14" presetClass="entr" presetSubtype="10" fill="hold" grpId="0" nodeType="clickEffect">
+                                  <p:stCondLst>
+                                    <p:cond delay="0"/>
+                                  </p:stCondLst>
+                                  <p:iterate type="lt">
+                                    <p:tmPct val="10000"/>
+                                  </p:iterate>
+                                  <p:childTnLst>
+                                    <p:set>
+                                      <p:cBhvr>
+                                        <p:cTn id="29" dur="1" fill="hold">
+                                          <p:stCondLst>
+                                            <p:cond delay="0"/>
+                                          </p:stCondLst>
+                                        </p:cTn>
+                                        <p:tgtEl>
+                                          <p:spTgt spid="3"/>
+                                        </p:tgtEl>
+                                        <p:attrNameLst>
+                                          <p:attrName>style.visibility</p:attrName>
+                                        </p:attrNameLst>
+                                      </p:cBhvr>
+                                      <p:to>
+                                        <p:strVal val="visible"/>
+                                      </p:to>
+                                    </p:set>
+                                    <p:animEffect transition="in" filter="randombar(horizontal)">
+                                      <p:cBhvr>
+                                        <p:cTn id="30" dur="200"/>
+                                        <p:tgtEl>
+                                          <p:spTgt spid="3"/>
+                                        </p:tgtEl>
+                                      </p:cBhvr>
+                                    </p:animEffect>
+                                  </p:childTnLst>
+                                </p:cTn>
+                              </p:par>
+                            </p:childTnLst>
+                          </p:cTn>
+                        </p:par>
+                        <p:par>
+                          <p:cTn id="31" fill="hold">
+                            <p:stCondLst>
+                              <p:cond delay="2140"/>
+                            </p:stCondLst>
+                            <p:childTnLst>
+                              <p:par>
+                                <p:cTn id="32" presetID="8" presetClass="entr" presetSubtype="32" fill="hold" nodeType="afterEffect">
+                                  <p:stCondLst>
+                                    <p:cond delay="0"/>
+                                  </p:stCondLst>
+                                  <p:childTnLst>
+                                    <p:set>
+                                      <p:cBhvr>
+                                        <p:cTn id="33" dur="1" fill="hold">
+                                          <p:stCondLst>
+                                            <p:cond delay="0"/>
+                                          </p:stCondLst>
+                                        </p:cTn>
+                                        <p:tgtEl>
+                                          <p:spTgt spid="14"/>
+                                        </p:tgtEl>
+                                        <p:attrNameLst>
+                                          <p:attrName>style.visibility</p:attrName>
+                                        </p:attrNameLst>
+                                      </p:cBhvr>
+                                      <p:to>
+                                        <p:strVal val="visible"/>
+                                      </p:to>
+                                    </p:set>
+                                    <p:animEffect transition="in" filter="diamond(out)">
+                                      <p:cBhvr>
+                                        <p:cTn id="34" dur="1000"/>
+                                        <p:tgtEl>
+                                          <p:spTgt spid="14"/>
+                                        </p:tgtEl>
+                                      </p:cBhvr>
+                                    </p:animEffect>
+                                  </p:childTnLst>
+                                </p:cTn>
+                              </p:par>
+                            </p:childTnLst>
+                          </p:cTn>
+                        </p:par>
+                      </p:childTnLst>
+                    </p:cTn>
+                  </p:par>
+                </p:childTnLst>
+              </p:cTn>
+              <p:prevCondLst>
+                <p:cond evt="onPrev" delay="0">
+                  <p:tgtEl>
+                    <p:sldTgt/>
+                  </p:tgtEl>
+                </p:cond>
+              </p:prevCondLst>
+              <p:nextCondLst>
+                <p:cond evt="onNext" delay="0">
+                  <p:tgtEl>
+                    <p:sldTgt/>
+                  </p:tgtEl>
+                </p:cond>
+              </p:nextCondLst>
+            </p:seq>
+          </p:childTnLst>
+        </p:cTn>
+      </p:par>
+    </p:tnLst>
+    <p:bldLst>
+      <p:bldP spid="8" grpId="0"/>
+      <p:bldP spid="9" grpId="0"/>
+      <p:bldP spid="2" grpId="0"/>
+      <p:bldP spid="3" grpId="0"/>
+    </p:bldLst>
+  </p:timing>
 </p:sld>
 </file>
 
@@ -8879,13 +9581,13 @@
           <p:nvPr>
             <p:extLst>
               <p:ext uri="{D42A27DB-BD31-4B8C-83A1-F6EECF244321}">
-                <p14:modId xmlns:p14="http://schemas.microsoft.com/office/powerpoint/2010/main" val="4229714678"/>
+                <p14:modId xmlns:p14="http://schemas.microsoft.com/office/powerpoint/2010/main" val="3000879689"/>
               </p:ext>
             </p:extLst>
           </p:nvPr>
         </p:nvGraphicFramePr>
         <p:xfrm>
-          <a:off x="2032000" y="719666"/>
+          <a:off x="4064000" y="842758"/>
           <a:ext cx="8128000" cy="5418667"/>
         </p:xfrm>
         <a:graphic>
@@ -8894,6 +9596,277 @@
           </a:graphicData>
         </a:graphic>
       </p:graphicFrame>
+      <p:sp>
+        <p:nvSpPr>
+          <p:cNvPr id="2" name="Szövegdoboz 1">
+            <a:extLst>
+              <a:ext uri="{FF2B5EF4-FFF2-40B4-BE49-F238E27FC236}">
+                <a16:creationId xmlns:a16="http://schemas.microsoft.com/office/drawing/2014/main" id="{1B4BEA77-936C-2F7A-85D8-1B0BA21A6388}"/>
+              </a:ext>
+            </a:extLst>
+          </p:cNvPr>
+          <p:cNvSpPr txBox="1"/>
+          <p:nvPr/>
+        </p:nvSpPr>
+        <p:spPr>
+          <a:xfrm>
+            <a:off x="117446" y="1195754"/>
+            <a:ext cx="898003" cy="400110"/>
+          </a:xfrm>
+          <a:prstGeom prst="rect">
+            <a:avLst/>
+          </a:prstGeom>
+          <a:noFill/>
+        </p:spPr>
+        <p:txBody>
+          <a:bodyPr wrap="none" rtlCol="0">
+            <a:spAutoFit/>
+          </a:bodyPr>
+          <a:lstStyle/>
+          <a:p>
+            <a:r>
+              <a:rPr lang="en-US" sz="2000" u="sng" dirty="0"/>
+              <a:t>Martin</a:t>
+            </a:r>
+            <a:endParaRPr lang="hu-HU" sz="2000" u="sng" dirty="0"/>
+          </a:p>
+        </p:txBody>
+      </p:sp>
+      <p:sp>
+        <p:nvSpPr>
+          <p:cNvPr id="4" name="Szövegdoboz 3">
+            <a:extLst>
+              <a:ext uri="{FF2B5EF4-FFF2-40B4-BE49-F238E27FC236}">
+                <a16:creationId xmlns:a16="http://schemas.microsoft.com/office/drawing/2014/main" id="{1FFFDF57-BFF8-BA91-0C20-EE1B5B59B06D}"/>
+              </a:ext>
+            </a:extLst>
+          </p:cNvPr>
+          <p:cNvSpPr txBox="1"/>
+          <p:nvPr/>
+        </p:nvSpPr>
+        <p:spPr>
+          <a:xfrm>
+            <a:off x="117446" y="1714500"/>
+            <a:ext cx="2489656" cy="1754326"/>
+          </a:xfrm>
+          <a:prstGeom prst="rect">
+            <a:avLst/>
+          </a:prstGeom>
+          <a:noFill/>
+        </p:spPr>
+        <p:txBody>
+          <a:bodyPr wrap="none" rtlCol="0">
+            <a:spAutoFit/>
+          </a:bodyPr>
+          <a:lstStyle/>
+          <a:p>
+            <a:pPr marL="285750" indent="-285750">
+              <a:buFont typeface="Arial" panose="020B0604020202020204" pitchFamily="34" charset="0"/>
+              <a:buChar char="•"/>
+            </a:pPr>
+            <a:r>
+              <a:rPr lang="hu-HU" dirty="0"/>
+              <a:t>2. Feladat</a:t>
+            </a:r>
+          </a:p>
+          <a:p>
+            <a:pPr marL="285750" indent="-285750">
+              <a:buFont typeface="Arial" panose="020B0604020202020204" pitchFamily="34" charset="0"/>
+              <a:buChar char="•"/>
+            </a:pPr>
+            <a:r>
+              <a:rPr lang="hu-HU" dirty="0"/>
+              <a:t>4. Feladat</a:t>
+            </a:r>
+          </a:p>
+          <a:p>
+            <a:pPr marL="285750" indent="-285750">
+              <a:buFont typeface="Arial" panose="020B0604020202020204" pitchFamily="34" charset="0"/>
+              <a:buChar char="•"/>
+            </a:pPr>
+            <a:r>
+              <a:rPr lang="hu-HU" dirty="0"/>
+              <a:t>5. Feladat</a:t>
+            </a:r>
+          </a:p>
+          <a:p>
+            <a:pPr marL="285750" indent="-285750">
+              <a:buFont typeface="Arial" panose="020B0604020202020204" pitchFamily="34" charset="0"/>
+              <a:buChar char="•"/>
+            </a:pPr>
+            <a:r>
+              <a:rPr lang="hu-HU" dirty="0"/>
+              <a:t>Unittestelés</a:t>
+            </a:r>
+          </a:p>
+          <a:p>
+            <a:pPr marL="285750" indent="-285750">
+              <a:buFont typeface="Arial" panose="020B0604020202020204" pitchFamily="34" charset="0"/>
+              <a:buChar char="•"/>
+            </a:pPr>
+            <a:r>
+              <a:rPr lang="hu-HU" dirty="0"/>
+              <a:t>Bugok javítása</a:t>
+            </a:r>
+            <a:endParaRPr lang="en-US" dirty="0"/>
+          </a:p>
+          <a:p>
+            <a:pPr marL="285750" indent="-285750">
+              <a:buFont typeface="Arial" panose="020B0604020202020204" pitchFamily="34" charset="0"/>
+              <a:buChar char="•"/>
+            </a:pPr>
+            <a:r>
+              <a:rPr lang="en-US" dirty="0"/>
+              <a:t>Readme.md </a:t>
+            </a:r>
+            <a:r>
+              <a:rPr lang="en-US" dirty="0" err="1"/>
+              <a:t>frissítése</a:t>
+            </a:r>
+            <a:endParaRPr lang="hu-HU" dirty="0"/>
+          </a:p>
+        </p:txBody>
+      </p:sp>
+      <p:sp>
+        <p:nvSpPr>
+          <p:cNvPr id="5" name="Szövegdoboz 4">
+            <a:extLst>
+              <a:ext uri="{FF2B5EF4-FFF2-40B4-BE49-F238E27FC236}">
+                <a16:creationId xmlns:a16="http://schemas.microsoft.com/office/drawing/2014/main" id="{EE30866F-73D7-A0C4-68FA-F6902454D263}"/>
+              </a:ext>
+            </a:extLst>
+          </p:cNvPr>
+          <p:cNvSpPr txBox="1"/>
+          <p:nvPr/>
+        </p:nvSpPr>
+        <p:spPr>
+          <a:xfrm>
+            <a:off x="117446" y="3486572"/>
+            <a:ext cx="969561" cy="400110"/>
+          </a:xfrm>
+          <a:prstGeom prst="rect">
+            <a:avLst/>
+          </a:prstGeom>
+          <a:noFill/>
+        </p:spPr>
+        <p:txBody>
+          <a:bodyPr wrap="none" rtlCol="0">
+            <a:spAutoFit/>
+          </a:bodyPr>
+          <a:lstStyle/>
+          <a:p>
+            <a:r>
+              <a:rPr lang="en-US" sz="2000" u="sng" dirty="0"/>
+              <a:t>Marcell</a:t>
+            </a:r>
+            <a:endParaRPr lang="hu-HU" sz="2000" u="sng" dirty="0"/>
+          </a:p>
+        </p:txBody>
+      </p:sp>
+      <p:sp>
+        <p:nvSpPr>
+          <p:cNvPr id="8" name="Szövegdoboz 7">
+            <a:extLst>
+              <a:ext uri="{FF2B5EF4-FFF2-40B4-BE49-F238E27FC236}">
+                <a16:creationId xmlns:a16="http://schemas.microsoft.com/office/drawing/2014/main" id="{AFDBAF1E-2DB2-6412-91BD-CD279043B246}"/>
+              </a:ext>
+            </a:extLst>
+          </p:cNvPr>
+          <p:cNvSpPr txBox="1"/>
+          <p:nvPr/>
+        </p:nvSpPr>
+        <p:spPr>
+          <a:xfrm>
+            <a:off x="117446" y="3886682"/>
+            <a:ext cx="2221057" cy="1754326"/>
+          </a:xfrm>
+          <a:prstGeom prst="rect">
+            <a:avLst/>
+          </a:prstGeom>
+          <a:noFill/>
+        </p:spPr>
+        <p:txBody>
+          <a:bodyPr wrap="none" rtlCol="0">
+            <a:spAutoFit/>
+          </a:bodyPr>
+          <a:lstStyle/>
+          <a:p>
+            <a:pPr marL="285750" indent="-285750">
+              <a:buFont typeface="Arial" panose="020B0604020202020204" pitchFamily="34" charset="0"/>
+              <a:buChar char="•"/>
+            </a:pPr>
+            <a:r>
+              <a:rPr lang="en-US" dirty="0"/>
+              <a:t>3</a:t>
+            </a:r>
+            <a:r>
+              <a:rPr lang="hu-HU" dirty="0"/>
+              <a:t>. Feladat</a:t>
+            </a:r>
+          </a:p>
+          <a:p>
+            <a:pPr marL="285750" indent="-285750">
+              <a:buFont typeface="Arial" panose="020B0604020202020204" pitchFamily="34" charset="0"/>
+              <a:buChar char="•"/>
+            </a:pPr>
+            <a:r>
+              <a:rPr lang="hu-HU" dirty="0"/>
+              <a:t>6. Feladat</a:t>
+            </a:r>
+          </a:p>
+          <a:p>
+            <a:pPr marL="285750" indent="-285750">
+              <a:buFont typeface="Arial" panose="020B0604020202020204" pitchFamily="34" charset="0"/>
+              <a:buChar char="•"/>
+            </a:pPr>
+            <a:r>
+              <a:rPr lang="hu-HU" dirty="0"/>
+              <a:t>7. Feladat</a:t>
+            </a:r>
+          </a:p>
+          <a:p>
+            <a:pPr marL="285750" indent="-285750">
+              <a:buFont typeface="Arial" panose="020B0604020202020204" pitchFamily="34" charset="0"/>
+              <a:buChar char="•"/>
+            </a:pPr>
+            <a:r>
+              <a:rPr lang="en-US" dirty="0" err="1"/>
+              <a:t>Powerpoint</a:t>
+            </a:r>
+            <a:endParaRPr lang="en-US" dirty="0"/>
+          </a:p>
+          <a:p>
+            <a:pPr marL="285750" indent="-285750">
+              <a:buFont typeface="Arial" panose="020B0604020202020204" pitchFamily="34" charset="0"/>
+              <a:buChar char="•"/>
+            </a:pPr>
+            <a:r>
+              <a:rPr lang="hu-HU" dirty="0"/>
+              <a:t>Bugok javítása</a:t>
+            </a:r>
+            <a:endParaRPr lang="en-US" dirty="0"/>
+          </a:p>
+          <a:p>
+            <a:pPr marL="285750" indent="-285750">
+              <a:buFont typeface="Arial" panose="020B0604020202020204" pitchFamily="34" charset="0"/>
+              <a:buChar char="•"/>
+            </a:pPr>
+            <a:r>
+              <a:rPr lang="en-US" dirty="0" err="1"/>
+              <a:t>Kód</a:t>
+            </a:r>
+            <a:r>
+              <a:rPr lang="en-US" dirty="0"/>
+              <a:t> </a:t>
+            </a:r>
+            <a:r>
+              <a:rPr lang="en-US" dirty="0" err="1"/>
+              <a:t>optimalizálása</a:t>
+            </a:r>
+            <a:endParaRPr lang="en-US" dirty="0"/>
+          </a:p>
+        </p:txBody>
+      </p:sp>
     </p:spTree>
     <p:extLst>
       <p:ext uri="{BB962C8B-B14F-4D97-AF65-F5344CB8AC3E}">
@@ -8907,6 +9880,425 @@
   <p:transition>
     <p:random/>
   </p:transition>
+  <p:timing>
+    <p:tnLst>
+      <p:par>
+        <p:cTn id="1" dur="indefinite" restart="never" nodeType="tmRoot">
+          <p:childTnLst>
+            <p:seq concurrent="1" nextAc="seek">
+              <p:cTn id="2" dur="indefinite" nodeType="mainSeq">
+                <p:childTnLst>
+                  <p:par>
+                    <p:cTn id="3" fill="hold">
+                      <p:stCondLst>
+                        <p:cond delay="indefinite"/>
+                        <p:cond evt="onBegin" delay="0">
+                          <p:tn val="2"/>
+                        </p:cond>
+                      </p:stCondLst>
+                      <p:childTnLst>
+                        <p:par>
+                          <p:cTn id="4" fill="hold">
+                            <p:stCondLst>
+                              <p:cond delay="0"/>
+                            </p:stCondLst>
+                            <p:childTnLst>
+                              <p:par>
+                                <p:cTn id="5" presetID="10" presetClass="entr" presetSubtype="0" fill="hold" grpId="0" nodeType="afterEffect">
+                                  <p:stCondLst>
+                                    <p:cond delay="0"/>
+                                  </p:stCondLst>
+                                  <p:childTnLst>
+                                    <p:set>
+                                      <p:cBhvr>
+                                        <p:cTn id="6" dur="1" fill="hold">
+                                          <p:stCondLst>
+                                            <p:cond delay="0"/>
+                                          </p:stCondLst>
+                                        </p:cTn>
+                                        <p:tgtEl>
+                                          <p:spTgt spid="3"/>
+                                        </p:tgtEl>
+                                        <p:attrNameLst>
+                                          <p:attrName>style.visibility</p:attrName>
+                                        </p:attrNameLst>
+                                      </p:cBhvr>
+                                      <p:to>
+                                        <p:strVal val="visible"/>
+                                      </p:to>
+                                    </p:set>
+                                    <p:animEffect transition="in" filter="fade">
+                                      <p:cBhvr>
+                                        <p:cTn id="7" dur="500"/>
+                                        <p:tgtEl>
+                                          <p:spTgt spid="3"/>
+                                        </p:tgtEl>
+                                      </p:cBhvr>
+                                    </p:animEffect>
+                                  </p:childTnLst>
+                                </p:cTn>
+                              </p:par>
+                            </p:childTnLst>
+                          </p:cTn>
+                        </p:par>
+                      </p:childTnLst>
+                    </p:cTn>
+                  </p:par>
+                  <p:par>
+                    <p:cTn id="8" fill="hold">
+                      <p:stCondLst>
+                        <p:cond delay="indefinite"/>
+                      </p:stCondLst>
+                      <p:childTnLst>
+                        <p:par>
+                          <p:cTn id="9" fill="hold">
+                            <p:stCondLst>
+                              <p:cond delay="0"/>
+                            </p:stCondLst>
+                            <p:childTnLst>
+                              <p:par>
+                                <p:cTn id="10" presetID="21" presetClass="entr" presetSubtype="2" fill="hold" grpId="0" nodeType="clickEffect">
+                                  <p:stCondLst>
+                                    <p:cond delay="0"/>
+                                  </p:stCondLst>
+                                  <p:childTnLst>
+                                    <p:set>
+                                      <p:cBhvr>
+                                        <p:cTn id="11" dur="1" fill="hold">
+                                          <p:stCondLst>
+                                            <p:cond delay="0"/>
+                                          </p:stCondLst>
+                                        </p:cTn>
+                                        <p:tgtEl>
+                                          <p:spTgt spid="6"/>
+                                        </p:tgtEl>
+                                        <p:attrNameLst>
+                                          <p:attrName>style.visibility</p:attrName>
+                                        </p:attrNameLst>
+                                      </p:cBhvr>
+                                      <p:to>
+                                        <p:strVal val="visible"/>
+                                      </p:to>
+                                    </p:set>
+                                    <p:animEffect transition="in" filter="wheel(2)">
+                                      <p:cBhvr>
+                                        <p:cTn id="12" dur="2000"/>
+                                        <p:tgtEl>
+                                          <p:spTgt spid="6"/>
+                                        </p:tgtEl>
+                                      </p:cBhvr>
+                                    </p:animEffect>
+                                  </p:childTnLst>
+                                </p:cTn>
+                              </p:par>
+                            </p:childTnLst>
+                          </p:cTn>
+                        </p:par>
+                      </p:childTnLst>
+                    </p:cTn>
+                  </p:par>
+                  <p:par>
+                    <p:cTn id="13" fill="hold">
+                      <p:stCondLst>
+                        <p:cond delay="indefinite"/>
+                      </p:stCondLst>
+                      <p:childTnLst>
+                        <p:par>
+                          <p:cTn id="14" fill="hold">
+                            <p:stCondLst>
+                              <p:cond delay="0"/>
+                            </p:stCondLst>
+                            <p:childTnLst>
+                              <p:par>
+                                <p:cTn id="15" presetID="2" presetClass="entr" presetSubtype="8" fill="hold" grpId="0" nodeType="clickEffect">
+                                  <p:stCondLst>
+                                    <p:cond delay="0"/>
+                                  </p:stCondLst>
+                                  <p:childTnLst>
+                                    <p:set>
+                                      <p:cBhvr>
+                                        <p:cTn id="16" dur="1" fill="hold">
+                                          <p:stCondLst>
+                                            <p:cond delay="0"/>
+                                          </p:stCondLst>
+                                        </p:cTn>
+                                        <p:tgtEl>
+                                          <p:spTgt spid="2"/>
+                                        </p:tgtEl>
+                                        <p:attrNameLst>
+                                          <p:attrName>style.visibility</p:attrName>
+                                        </p:attrNameLst>
+                                      </p:cBhvr>
+                                      <p:to>
+                                        <p:strVal val="visible"/>
+                                      </p:to>
+                                    </p:set>
+                                    <p:anim calcmode="lin" valueType="num">
+                                      <p:cBhvr additive="base">
+                                        <p:cTn id="17" dur="250" fill="hold"/>
+                                        <p:tgtEl>
+                                          <p:spTgt spid="2"/>
+                                        </p:tgtEl>
+                                        <p:attrNameLst>
+                                          <p:attrName>ppt_x</p:attrName>
+                                        </p:attrNameLst>
+                                      </p:cBhvr>
+                                      <p:tavLst>
+                                        <p:tav tm="0">
+                                          <p:val>
+                                            <p:strVal val="0-#ppt_w/2"/>
+                                          </p:val>
+                                        </p:tav>
+                                        <p:tav tm="100000">
+                                          <p:val>
+                                            <p:strVal val="#ppt_x"/>
+                                          </p:val>
+                                        </p:tav>
+                                      </p:tavLst>
+                                    </p:anim>
+                                    <p:anim calcmode="lin" valueType="num">
+                                      <p:cBhvr additive="base">
+                                        <p:cTn id="18" dur="250" fill="hold"/>
+                                        <p:tgtEl>
+                                          <p:spTgt spid="2"/>
+                                        </p:tgtEl>
+                                        <p:attrNameLst>
+                                          <p:attrName>ppt_y</p:attrName>
+                                        </p:attrNameLst>
+                                      </p:cBhvr>
+                                      <p:tavLst>
+                                        <p:tav tm="0">
+                                          <p:val>
+                                            <p:strVal val="#ppt_y"/>
+                                          </p:val>
+                                        </p:tav>
+                                        <p:tav tm="100000">
+                                          <p:val>
+                                            <p:strVal val="#ppt_y"/>
+                                          </p:val>
+                                        </p:tav>
+                                      </p:tavLst>
+                                    </p:anim>
+                                  </p:childTnLst>
+                                </p:cTn>
+                              </p:par>
+                            </p:childTnLst>
+                          </p:cTn>
+                        </p:par>
+                        <p:par>
+                          <p:cTn id="19" fill="hold">
+                            <p:stCondLst>
+                              <p:cond delay="250"/>
+                            </p:stCondLst>
+                            <p:childTnLst>
+                              <p:par>
+                                <p:cTn id="20" presetID="22" presetClass="entr" presetSubtype="8" fill="hold" grpId="0" nodeType="afterEffect">
+                                  <p:stCondLst>
+                                    <p:cond delay="0"/>
+                                  </p:stCondLst>
+                                  <p:childTnLst>
+                                    <p:set>
+                                      <p:cBhvr>
+                                        <p:cTn id="21" dur="1" fill="hold">
+                                          <p:stCondLst>
+                                            <p:cond delay="0"/>
+                                          </p:stCondLst>
+                                        </p:cTn>
+                                        <p:tgtEl>
+                                          <p:spTgt spid="4"/>
+                                        </p:tgtEl>
+                                        <p:attrNameLst>
+                                          <p:attrName>style.visibility</p:attrName>
+                                        </p:attrNameLst>
+                                      </p:cBhvr>
+                                      <p:to>
+                                        <p:strVal val="visible"/>
+                                      </p:to>
+                                    </p:set>
+                                    <p:animEffect transition="in" filter="wipe(left)">
+                                      <p:cBhvr>
+                                        <p:cTn id="22" dur="500"/>
+                                        <p:tgtEl>
+                                          <p:spTgt spid="4"/>
+                                        </p:tgtEl>
+                                      </p:cBhvr>
+                                    </p:animEffect>
+                                  </p:childTnLst>
+                                </p:cTn>
+                              </p:par>
+                            </p:childTnLst>
+                          </p:cTn>
+                        </p:par>
+                      </p:childTnLst>
+                    </p:cTn>
+                  </p:par>
+                  <p:par>
+                    <p:cTn id="23" fill="hold">
+                      <p:stCondLst>
+                        <p:cond delay="indefinite"/>
+                      </p:stCondLst>
+                      <p:childTnLst>
+                        <p:par>
+                          <p:cTn id="24" fill="hold">
+                            <p:stCondLst>
+                              <p:cond delay="0"/>
+                            </p:stCondLst>
+                            <p:childTnLst>
+                              <p:par>
+                                <p:cTn id="25" presetID="2" presetClass="entr" presetSubtype="8" fill="hold" grpId="0" nodeType="clickEffect">
+                                  <p:stCondLst>
+                                    <p:cond delay="0"/>
+                                  </p:stCondLst>
+                                  <p:childTnLst>
+                                    <p:set>
+                                      <p:cBhvr>
+                                        <p:cTn id="26" dur="1" fill="hold">
+                                          <p:stCondLst>
+                                            <p:cond delay="0"/>
+                                          </p:stCondLst>
+                                        </p:cTn>
+                                        <p:tgtEl>
+                                          <p:spTgt spid="5"/>
+                                        </p:tgtEl>
+                                        <p:attrNameLst>
+                                          <p:attrName>style.visibility</p:attrName>
+                                        </p:attrNameLst>
+                                      </p:cBhvr>
+                                      <p:to>
+                                        <p:strVal val="visible"/>
+                                      </p:to>
+                                    </p:set>
+                                    <p:anim calcmode="lin" valueType="num">
+                                      <p:cBhvr additive="base">
+                                        <p:cTn id="27" dur="250" fill="hold"/>
+                                        <p:tgtEl>
+                                          <p:spTgt spid="5"/>
+                                        </p:tgtEl>
+                                        <p:attrNameLst>
+                                          <p:attrName>ppt_x</p:attrName>
+                                        </p:attrNameLst>
+                                      </p:cBhvr>
+                                      <p:tavLst>
+                                        <p:tav tm="0">
+                                          <p:val>
+                                            <p:strVal val="0-#ppt_w/2"/>
+                                          </p:val>
+                                        </p:tav>
+                                        <p:tav tm="100000">
+                                          <p:val>
+                                            <p:strVal val="#ppt_x"/>
+                                          </p:val>
+                                        </p:tav>
+                                      </p:tavLst>
+                                    </p:anim>
+                                    <p:anim calcmode="lin" valueType="num">
+                                      <p:cBhvr additive="base">
+                                        <p:cTn id="28" dur="250" fill="hold"/>
+                                        <p:tgtEl>
+                                          <p:spTgt spid="5"/>
+                                        </p:tgtEl>
+                                        <p:attrNameLst>
+                                          <p:attrName>ppt_y</p:attrName>
+                                        </p:attrNameLst>
+                                      </p:cBhvr>
+                                      <p:tavLst>
+                                        <p:tav tm="0">
+                                          <p:val>
+                                            <p:strVal val="#ppt_y"/>
+                                          </p:val>
+                                        </p:tav>
+                                        <p:tav tm="100000">
+                                          <p:val>
+                                            <p:strVal val="#ppt_y"/>
+                                          </p:val>
+                                        </p:tav>
+                                      </p:tavLst>
+                                    </p:anim>
+                                  </p:childTnLst>
+                                </p:cTn>
+                              </p:par>
+                            </p:childTnLst>
+                          </p:cTn>
+                        </p:par>
+                        <p:par>
+                          <p:cTn id="29" fill="hold">
+                            <p:stCondLst>
+                              <p:cond delay="250"/>
+                            </p:stCondLst>
+                            <p:childTnLst>
+                              <p:par>
+                                <p:cTn id="30" presetID="22" presetClass="entr" presetSubtype="8" fill="hold" grpId="0" nodeType="afterEffect">
+                                  <p:stCondLst>
+                                    <p:cond delay="0"/>
+                                  </p:stCondLst>
+                                  <p:childTnLst>
+                                    <p:set>
+                                      <p:cBhvr>
+                                        <p:cTn id="31" dur="1" fill="hold">
+                                          <p:stCondLst>
+                                            <p:cond delay="0"/>
+                                          </p:stCondLst>
+                                        </p:cTn>
+                                        <p:tgtEl>
+                                          <p:spTgt spid="8"/>
+                                        </p:tgtEl>
+                                        <p:attrNameLst>
+                                          <p:attrName>style.visibility</p:attrName>
+                                        </p:attrNameLst>
+                                      </p:cBhvr>
+                                      <p:to>
+                                        <p:strVal val="visible"/>
+                                      </p:to>
+                                    </p:set>
+                                    <p:animEffect transition="in" filter="wipe(left)">
+                                      <p:cBhvr>
+                                        <p:cTn id="32" dur="500"/>
+                                        <p:tgtEl>
+                                          <p:spTgt spid="8"/>
+                                        </p:tgtEl>
+                                      </p:cBhvr>
+                                    </p:animEffect>
+                                  </p:childTnLst>
+                                </p:cTn>
+                              </p:par>
+                            </p:childTnLst>
+                          </p:cTn>
+                        </p:par>
+                      </p:childTnLst>
+                    </p:cTn>
+                  </p:par>
+                </p:childTnLst>
+              </p:cTn>
+              <p:prevCondLst>
+                <p:cond evt="onPrev" delay="0">
+                  <p:tgtEl>
+                    <p:sldTgt/>
+                  </p:tgtEl>
+                </p:cond>
+              </p:prevCondLst>
+              <p:nextCondLst>
+                <p:cond evt="onNext" delay="0">
+                  <p:tgtEl>
+                    <p:sldTgt/>
+                  </p:tgtEl>
+                </p:cond>
+              </p:nextCondLst>
+            </p:seq>
+          </p:childTnLst>
+        </p:cTn>
+      </p:par>
+    </p:tnLst>
+    <p:bldLst>
+      <p:bldP spid="3" grpId="0"/>
+      <p:bldGraphic spid="6" grpId="0">
+        <p:bldAsOne/>
+      </p:bldGraphic>
+      <p:bldP spid="2" grpId="0"/>
+      <p:bldP spid="4" grpId="0"/>
+      <p:bldP spid="5" grpId="0"/>
+      <p:bldP spid="8" grpId="0"/>
+    </p:bldLst>
+  </p:timing>
 </p:sld>
 </file>
 
@@ -9041,6 +10433,148 @@
   <p:transition>
     <p:random/>
   </p:transition>
+  <p:timing>
+    <p:tnLst>
+      <p:par>
+        <p:cTn id="1" dur="indefinite" restart="never" nodeType="tmRoot">
+          <p:childTnLst>
+            <p:seq concurrent="1" nextAc="seek">
+              <p:cTn id="2" dur="indefinite" nodeType="mainSeq">
+                <p:childTnLst>
+                  <p:par>
+                    <p:cTn id="3" fill="hold">
+                      <p:stCondLst>
+                        <p:cond delay="indefinite"/>
+                        <p:cond evt="onBegin" delay="0">
+                          <p:tn val="2"/>
+                        </p:cond>
+                      </p:stCondLst>
+                      <p:childTnLst>
+                        <p:par>
+                          <p:cTn id="4" fill="hold">
+                            <p:stCondLst>
+                              <p:cond delay="0"/>
+                            </p:stCondLst>
+                            <p:childTnLst>
+                              <p:par>
+                                <p:cTn id="5" presetID="10" presetClass="entr" presetSubtype="0" fill="hold" grpId="0" nodeType="afterEffect">
+                                  <p:stCondLst>
+                                    <p:cond delay="0"/>
+                                  </p:stCondLst>
+                                  <p:childTnLst>
+                                    <p:set>
+                                      <p:cBhvr>
+                                        <p:cTn id="6" dur="1" fill="hold">
+                                          <p:stCondLst>
+                                            <p:cond delay="0"/>
+                                          </p:stCondLst>
+                                        </p:cTn>
+                                        <p:tgtEl>
+                                          <p:spTgt spid="3"/>
+                                        </p:tgtEl>
+                                        <p:attrNameLst>
+                                          <p:attrName>style.visibility</p:attrName>
+                                        </p:attrNameLst>
+                                      </p:cBhvr>
+                                      <p:to>
+                                        <p:strVal val="visible"/>
+                                      </p:to>
+                                    </p:set>
+                                    <p:animEffect transition="in" filter="fade">
+                                      <p:cBhvr>
+                                        <p:cTn id="7" dur="500"/>
+                                        <p:tgtEl>
+                                          <p:spTgt spid="3"/>
+                                        </p:tgtEl>
+                                      </p:cBhvr>
+                                    </p:animEffect>
+                                  </p:childTnLst>
+                                </p:cTn>
+                              </p:par>
+                            </p:childTnLst>
+                          </p:cTn>
+                        </p:par>
+                      </p:childTnLst>
+                    </p:cTn>
+                  </p:par>
+                  <p:par>
+                    <p:cTn id="8" fill="hold">
+                      <p:stCondLst>
+                        <p:cond delay="indefinite"/>
+                      </p:stCondLst>
+                      <p:childTnLst>
+                        <p:par>
+                          <p:cTn id="9" fill="hold">
+                            <p:stCondLst>
+                              <p:cond delay="0"/>
+                            </p:stCondLst>
+                            <p:childTnLst>
+                              <p:par>
+                                <p:cTn id="10" presetID="22" presetClass="entr" presetSubtype="2" fill="hold" nodeType="clickEffect">
+                                  <p:stCondLst>
+                                    <p:cond delay="0"/>
+                                  </p:stCondLst>
+                                  <p:childTnLst>
+                                    <p:set>
+                                      <p:cBhvr>
+                                        <p:cTn id="11" dur="1" fill="hold">
+                                          <p:stCondLst>
+                                            <p:cond delay="0"/>
+                                          </p:stCondLst>
+                                        </p:cTn>
+                                        <p:tgtEl>
+                                          <p:spTgt spid="2"/>
+                                        </p:tgtEl>
+                                        <p:attrNameLst>
+                                          <p:attrName>style.visibility</p:attrName>
+                                        </p:attrNameLst>
+                                      </p:cBhvr>
+                                      <p:to>
+                                        <p:strVal val="visible"/>
+                                      </p:to>
+                                    </p:set>
+                                    <p:animEffect transition="in" filter="wipe(right)">
+                                      <p:cBhvr>
+                                        <p:cTn id="12" dur="500"/>
+                                        <p:tgtEl>
+                                          <p:spTgt spid="2"/>
+                                        </p:tgtEl>
+                                      </p:cBhvr>
+                                    </p:animEffect>
+                                  </p:childTnLst>
+                                </p:cTn>
+                              </p:par>
+                            </p:childTnLst>
+                          </p:cTn>
+                        </p:par>
+                      </p:childTnLst>
+                    </p:cTn>
+                  </p:par>
+                </p:childTnLst>
+              </p:cTn>
+              <p:prevCondLst>
+                <p:cond evt="onPrev" delay="0">
+                  <p:tgtEl>
+                    <p:sldTgt/>
+                  </p:tgtEl>
+                </p:cond>
+              </p:prevCondLst>
+              <p:nextCondLst>
+                <p:cond evt="onNext" delay="0">
+                  <p:tgtEl>
+                    <p:sldTgt/>
+                  </p:tgtEl>
+                </p:cond>
+              </p:nextCondLst>
+            </p:seq>
+          </p:childTnLst>
+        </p:cTn>
+      </p:par>
+    </p:tnLst>
+    <p:bldLst>
+      <p:bldP spid="3" grpId="0"/>
+    </p:bldLst>
+  </p:timing>
 </p:sld>
 </file>
 
@@ -9109,6 +10643,95 @@
   <p:transition>
     <p:random/>
   </p:transition>
+  <p:timing>
+    <p:tnLst>
+      <p:par>
+        <p:cTn id="1" dur="indefinite" restart="never" nodeType="tmRoot">
+          <p:childTnLst>
+            <p:seq concurrent="1" nextAc="seek">
+              <p:cTn id="2" dur="indefinite" nodeType="mainSeq">
+                <p:childTnLst>
+                  <p:par>
+                    <p:cTn id="3" fill="hold">
+                      <p:stCondLst>
+                        <p:cond delay="indefinite"/>
+                        <p:cond evt="onBegin" delay="0">
+                          <p:tn val="2"/>
+                        </p:cond>
+                      </p:stCondLst>
+                      <p:childTnLst>
+                        <p:par>
+                          <p:cTn id="4" fill="hold">
+                            <p:stCondLst>
+                              <p:cond delay="0"/>
+                            </p:stCondLst>
+                            <p:childTnLst>
+                              <p:par>
+                                <p:cTn id="5" presetID="10" presetClass="entr" presetSubtype="0" fill="hold" grpId="0" nodeType="afterEffect">
+                                  <p:stCondLst>
+                                    <p:cond delay="0"/>
+                                  </p:stCondLst>
+                                  <p:childTnLst>
+                                    <p:set>
+                                      <p:cBhvr>
+                                        <p:cTn id="6" dur="1" fill="hold">
+                                          <p:stCondLst>
+                                            <p:cond delay="0"/>
+                                          </p:stCondLst>
+                                        </p:cTn>
+                                        <p:tgtEl>
+                                          <p:spTgt spid="2"/>
+                                        </p:tgtEl>
+                                        <p:attrNameLst>
+                                          <p:attrName>style.visibility</p:attrName>
+                                        </p:attrNameLst>
+                                      </p:cBhvr>
+                                      <p:to>
+                                        <p:strVal val="visible"/>
+                                      </p:to>
+                                    </p:set>
+                                    <p:animEffect transition="in" filter="fade">
+                                      <p:cBhvr>
+                                        <p:cTn id="7" dur="500"/>
+                                        <p:tgtEl>
+                                          <p:spTgt spid="2"/>
+                                        </p:tgtEl>
+                                      </p:cBhvr>
+                                    </p:animEffect>
+                                  </p:childTnLst>
+                                </p:cTn>
+                              </p:par>
+                            </p:childTnLst>
+                          </p:cTn>
+                        </p:par>
+                      </p:childTnLst>
+                    </p:cTn>
+                  </p:par>
+                </p:childTnLst>
+              </p:cTn>
+              <p:prevCondLst>
+                <p:cond evt="onPrev" delay="0">
+                  <p:tgtEl>
+                    <p:sldTgt/>
+                  </p:tgtEl>
+                </p:cond>
+              </p:prevCondLst>
+              <p:nextCondLst>
+                <p:cond evt="onNext" delay="0">
+                  <p:tgtEl>
+                    <p:sldTgt/>
+                  </p:tgtEl>
+                </p:cond>
+              </p:nextCondLst>
+            </p:seq>
+          </p:childTnLst>
+        </p:cTn>
+      </p:par>
+    </p:tnLst>
+    <p:bldLst>
+      <p:bldP spid="2" grpId="0"/>
+    </p:bldLst>
+  </p:timing>
 </p:sld>
 </file>
 

--- a/BEMUTATÓ.pptx
+++ b/BEMUTATÓ.pptx
@@ -1154,7 +1154,7 @@
           <a:p>
             <a:fld id="{F9AC1FAF-B44D-4AC2-B330-81B5E0D3A614}" type="datetimeFigureOut">
               <a:rPr lang="hu-HU" smtClean="0"/>
-              <a:t>2023.03.01</a:t>
+              <a:t>2023.03.07</a:t>
             </a:fld>
             <a:endParaRPr lang="hu-HU"/>
           </a:p>
@@ -1455,7 +1455,7 @@
           <a:p>
             <a:fld id="{F9AC1FAF-B44D-4AC2-B330-81B5E0D3A614}" type="datetimeFigureOut">
               <a:rPr lang="hu-HU" smtClean="0"/>
-              <a:t>2023.03.01</a:t>
+              <a:t>2023.03.07</a:t>
             </a:fld>
             <a:endParaRPr lang="hu-HU"/>
           </a:p>
@@ -1650,7 +1650,7 @@
           <a:p>
             <a:fld id="{F9AC1FAF-B44D-4AC2-B330-81B5E0D3A614}" type="datetimeFigureOut">
               <a:rPr lang="hu-HU" smtClean="0"/>
-              <a:t>2023.03.01</a:t>
+              <a:t>2023.03.07</a:t>
             </a:fld>
             <a:endParaRPr lang="hu-HU"/>
           </a:p>
@@ -1914,7 +1914,7 @@
           <a:p>
             <a:fld id="{F9AC1FAF-B44D-4AC2-B330-81B5E0D3A614}" type="datetimeFigureOut">
               <a:rPr lang="hu-HU" smtClean="0"/>
-              <a:t>2023.03.01</a:t>
+              <a:t>2023.03.07</a:t>
             </a:fld>
             <a:endParaRPr lang="hu-HU"/>
           </a:p>
@@ -2341,7 +2341,7 @@
           <a:p>
             <a:fld id="{F9AC1FAF-B44D-4AC2-B330-81B5E0D3A614}" type="datetimeFigureOut">
               <a:rPr lang="hu-HU" smtClean="0"/>
-              <a:t>2023.03.01</a:t>
+              <a:t>2023.03.07</a:t>
             </a:fld>
             <a:endParaRPr lang="hu-HU"/>
           </a:p>
@@ -2881,7 +2881,7 @@
           <a:p>
             <a:fld id="{F9AC1FAF-B44D-4AC2-B330-81B5E0D3A614}" type="datetimeFigureOut">
               <a:rPr lang="hu-HU" smtClean="0"/>
-              <a:t>2023.03.01</a:t>
+              <a:t>2023.03.07</a:t>
             </a:fld>
             <a:endParaRPr lang="hu-HU"/>
           </a:p>
@@ -3748,7 +3748,7 @@
           <a:p>
             <a:fld id="{F9AC1FAF-B44D-4AC2-B330-81B5E0D3A614}" type="datetimeFigureOut">
               <a:rPr lang="hu-HU" smtClean="0"/>
-              <a:t>2023.03.01</a:t>
+              <a:t>2023.03.07</a:t>
             </a:fld>
             <a:endParaRPr lang="hu-HU"/>
           </a:p>
@@ -3921,7 +3921,7 @@
           <a:p>
             <a:fld id="{F9AC1FAF-B44D-4AC2-B330-81B5E0D3A614}" type="datetimeFigureOut">
               <a:rPr lang="hu-HU" smtClean="0"/>
-              <a:t>2023.03.01</a:t>
+              <a:t>2023.03.07</a:t>
             </a:fld>
             <a:endParaRPr lang="hu-HU"/>
           </a:p>
@@ -4108,7 +4108,7 @@
           <a:p>
             <a:fld id="{F9AC1FAF-B44D-4AC2-B330-81B5E0D3A614}" type="datetimeFigureOut">
               <a:rPr lang="hu-HU" smtClean="0"/>
-              <a:t>2023.03.01</a:t>
+              <a:t>2023.03.07</a:t>
             </a:fld>
             <a:endParaRPr lang="hu-HU"/>
           </a:p>
@@ -4281,7 +4281,7 @@
           <a:p>
             <a:fld id="{F9AC1FAF-B44D-4AC2-B330-81B5E0D3A614}" type="datetimeFigureOut">
               <a:rPr lang="hu-HU" smtClean="0"/>
-              <a:t>2023.03.01</a:t>
+              <a:t>2023.03.07</a:t>
             </a:fld>
             <a:endParaRPr lang="hu-HU"/>
           </a:p>
@@ -4528,7 +4528,7 @@
           <a:p>
             <a:fld id="{F9AC1FAF-B44D-4AC2-B330-81B5E0D3A614}" type="datetimeFigureOut">
               <a:rPr lang="hu-HU" smtClean="0"/>
-              <a:t>2023.03.01</a:t>
+              <a:t>2023.03.07</a:t>
             </a:fld>
             <a:endParaRPr lang="hu-HU"/>
           </a:p>
@@ -4767,7 +4767,7 @@
           <a:p>
             <a:fld id="{F9AC1FAF-B44D-4AC2-B330-81B5E0D3A614}" type="datetimeFigureOut">
               <a:rPr lang="hu-HU" smtClean="0"/>
-              <a:t>2023.03.01</a:t>
+              <a:t>2023.03.07</a:t>
             </a:fld>
             <a:endParaRPr lang="hu-HU"/>
           </a:p>
@@ -5236,7 +5236,7 @@
           <a:p>
             <a:fld id="{F9AC1FAF-B44D-4AC2-B330-81B5E0D3A614}" type="datetimeFigureOut">
               <a:rPr lang="hu-HU" smtClean="0"/>
-              <a:t>2023.03.01</a:t>
+              <a:t>2023.03.07</a:t>
             </a:fld>
             <a:endParaRPr lang="hu-HU"/>
           </a:p>
@@ -5357,7 +5357,7 @@
           <a:p>
             <a:fld id="{F9AC1FAF-B44D-4AC2-B330-81B5E0D3A614}" type="datetimeFigureOut">
               <a:rPr lang="hu-HU" smtClean="0"/>
-              <a:t>2023.03.01</a:t>
+              <a:t>2023.03.07</a:t>
             </a:fld>
             <a:endParaRPr lang="hu-HU"/>
           </a:p>
@@ -5455,7 +5455,7 @@
           <a:p>
             <a:fld id="{F9AC1FAF-B44D-4AC2-B330-81B5E0D3A614}" type="datetimeFigureOut">
               <a:rPr lang="hu-HU" smtClean="0"/>
-              <a:t>2023.03.01</a:t>
+              <a:t>2023.03.07</a:t>
             </a:fld>
             <a:endParaRPr lang="hu-HU"/>
           </a:p>
@@ -5713,7 +5713,7 @@
           <a:p>
             <a:fld id="{F9AC1FAF-B44D-4AC2-B330-81B5E0D3A614}" type="datetimeFigureOut">
               <a:rPr lang="hu-HU" smtClean="0"/>
-              <a:t>2023.03.01</a:t>
+              <a:t>2023.03.07</a:t>
             </a:fld>
             <a:endParaRPr lang="hu-HU"/>
           </a:p>
@@ -6016,7 +6016,7 @@
           <a:p>
             <a:fld id="{F9AC1FAF-B44D-4AC2-B330-81B5E0D3A614}" type="datetimeFigureOut">
               <a:rPr lang="hu-HU" smtClean="0"/>
-              <a:t>2023.03.01</a:t>
+              <a:t>2023.03.07</a:t>
             </a:fld>
             <a:endParaRPr lang="hu-HU"/>
           </a:p>
@@ -6253,7 +6253,7 @@
           <a:p>
             <a:fld id="{F9AC1FAF-B44D-4AC2-B330-81B5E0D3A614}" type="datetimeFigureOut">
               <a:rPr lang="hu-HU" smtClean="0"/>
-              <a:t>2023.03.01</a:t>
+              <a:t>2023.03.07</a:t>
             </a:fld>
             <a:endParaRPr lang="hu-HU"/>
           </a:p>
@@ -7709,7 +7709,7 @@
         <p:spPr>
           <a:xfrm>
             <a:off x="478174" y="959933"/>
-            <a:ext cx="7810150" cy="646331"/>
+            <a:ext cx="5523131" cy="584775"/>
           </a:xfrm>
           <a:prstGeom prst="rect">
             <a:avLst/>
@@ -7724,11 +7724,18 @@
           <a:p>
             <a:pPr algn="just"/>
             <a:r>
-              <a:rPr lang="hu-HU" dirty="0"/>
-              <a:t>1. feladat: A file beolvasása, a házak információjáért (alapterület, tulajdonos, stb.) és a fizetendő pénz/m</a:t>
-            </a:r>
-            <a:r>
-              <a:rPr lang="hu-HU" baseline="30000" dirty="0"/>
+              <a:rPr lang="hu-HU" sz="1600" dirty="0"/>
+              <a:t>1. feladat: A file beolvasása, a házak információjáért </a:t>
+            </a:r>
+            <a:br>
+              <a:rPr lang="hu-HU" sz="1600" dirty="0"/>
+            </a:br>
+            <a:r>
+              <a:rPr lang="hu-HU" sz="1600" dirty="0"/>
+              <a:t>(alapterület, tulajdonos, stb.) és a fizetendő pénz/m</a:t>
+            </a:r>
+            <a:r>
+              <a:rPr lang="hu-HU" sz="1600" baseline="30000" dirty="0"/>
               <a:t>2</a:t>
             </a:r>
           </a:p>
@@ -7756,7 +7763,7 @@
         </p:blipFill>
         <p:spPr>
           <a:xfrm>
-            <a:off x="3177506" y="1499484"/>
+            <a:off x="933263" y="1579159"/>
             <a:ext cx="2980013" cy="1270993"/>
           </a:xfrm>
           <a:prstGeom prst="rect">
@@ -7778,7 +7785,7 @@
         </p:nvGrpSpPr>
         <p:grpSpPr>
           <a:xfrm>
-            <a:off x="4383249" y="1619075"/>
+            <a:off x="2139006" y="1698750"/>
             <a:ext cx="2202109" cy="802204"/>
             <a:chOff x="4383249" y="1619075"/>
             <a:chExt cx="2202109" cy="802204"/>
@@ -7973,7 +7980,7 @@
         </p:nvSpPr>
         <p:spPr>
           <a:xfrm>
-            <a:off x="6482922" y="1465186"/>
+            <a:off x="4238679" y="1544861"/>
             <a:ext cx="1557927" cy="307777"/>
           </a:xfrm>
           <a:prstGeom prst="rect">
@@ -8012,7 +8019,7 @@
         </p:nvSpPr>
         <p:spPr>
           <a:xfrm>
-            <a:off x="6322317" y="2035637"/>
+            <a:off x="4078074" y="2115312"/>
             <a:ext cx="1573123" cy="307777"/>
           </a:xfrm>
           <a:prstGeom prst="rect">
@@ -8183,6 +8190,42 @@
           </a:p>
         </p:txBody>
       </p:sp>
+      <p:pic>
+        <p:nvPicPr>
+          <p:cNvPr id="14" name="Kép 13">
+            <a:extLst>
+              <a:ext uri="{FF2B5EF4-FFF2-40B4-BE49-F238E27FC236}">
+                <a16:creationId xmlns:a16="http://schemas.microsoft.com/office/drawing/2014/main" id="{A45412F9-58A2-49A7-93F4-DDFDE533510A}"/>
+              </a:ext>
+            </a:extLst>
+          </p:cNvPr>
+          <p:cNvPicPr>
+            <a:picLocks noChangeAspect="1"/>
+          </p:cNvPicPr>
+          <p:nvPr/>
+        </p:nvPicPr>
+        <p:blipFill>
+          <a:blip r:embed="rId5">
+            <a:extLst>
+              <a:ext uri="{28A0092B-C50C-407E-A947-70E740481C1C}">
+                <a14:useLocalDpi xmlns:a14="http://schemas.microsoft.com/office/drawing/2010/main" val="0"/>
+              </a:ext>
+            </a:extLst>
+          </a:blip>
+          <a:stretch>
+            <a:fillRect/>
+          </a:stretch>
+        </p:blipFill>
+        <p:spPr>
+          <a:xfrm>
+            <a:off x="6306060" y="0"/>
+            <a:ext cx="4868034" cy="3145036"/>
+          </a:xfrm>
+          <a:prstGeom prst="rect">
+            <a:avLst/>
+          </a:prstGeom>
+        </p:spPr>
+      </p:pic>
     </p:spTree>
     <p:extLst>
       <p:ext uri="{BB962C8B-B14F-4D97-AF65-F5344CB8AC3E}">
@@ -8517,23 +8560,67 @@
                             </p:childTnLst>
                           </p:cTn>
                         </p:par>
+                        <p:par>
+                          <p:cTn id="29" fill="hold">
+                            <p:stCondLst>
+                              <p:cond delay="3080"/>
+                            </p:stCondLst>
+                            <p:childTnLst>
+                              <p:par>
+                                <p:cTn id="30" presetID="10" presetClass="entr" presetSubtype="0" fill="hold" nodeType="afterEffect">
+                                  <p:stCondLst>
+                                    <p:cond delay="0"/>
+                                  </p:stCondLst>
+                                  <p:childTnLst>
+                                    <p:set>
+                                      <p:cBhvr>
+                                        <p:cTn id="31" dur="1" fill="hold">
+                                          <p:stCondLst>
+                                            <p:cond delay="0"/>
+                                          </p:stCondLst>
+                                        </p:cTn>
+                                        <p:tgtEl>
+                                          <p:spTgt spid="14"/>
+                                        </p:tgtEl>
+                                        <p:attrNameLst>
+                                          <p:attrName>style.visibility</p:attrName>
+                                        </p:attrNameLst>
+                                      </p:cBhvr>
+                                      <p:to>
+                                        <p:strVal val="visible"/>
+                                      </p:to>
+                                    </p:set>
+                                    <p:animEffect transition="in" filter="fade">
+                                      <p:cBhvr>
+                                        <p:cTn id="32" dur="500"/>
+                                        <p:tgtEl>
+                                          <p:spTgt spid="14"/>
+                                        </p:tgtEl>
+                                      </p:cBhvr>
+                                    </p:animEffect>
+                                  </p:childTnLst>
+                                </p:cTn>
+                              </p:par>
+                            </p:childTnLst>
+                          </p:cTn>
+                        </p:par>
                       </p:childTnLst>
                     </p:cTn>
                   </p:par>
                   <p:par>
-                    <p:cTn id="29" fill="hold">
+                    <p:cTn id="33" fill="hold">
                       <p:stCondLst>
                         <p:cond delay="indefinite"/>
                       </p:stCondLst>
                       <p:childTnLst>
                         <p:par>
-                          <p:cTn id="30" fill="hold">
+                          <p:cTn id="34" fill="hold">
                             <p:stCondLst>
                               <p:cond delay="0"/>
                             </p:stCondLst>
                             <p:childTnLst>
                               <p:par>
-                                <p:cTn id="31" presetID="42" presetClass="entr" presetSubtype="0" fill="hold" grpId="0" nodeType="clickEffect">
+                                <p:cTn id="35" presetID="42" presetClass="entr" presetSubtype="0" fill="hold" grpId="0" nodeType="clickEffect">
                                   <p:stCondLst>
                                     <p:cond delay="0"/>
                                   </p:stCondLst>
@@ -8543,7 +8630,7 @@
                                   <p:childTnLst>
                                     <p:set>
                                       <p:cBhvr>
-                                        <p:cTn id="32" dur="1" fill="hold">
+                                        <p:cTn id="36" dur="1" fill="hold">
                                           <p:stCondLst>
                                             <p:cond delay="0"/>
                                           </p:stCondLst>
@@ -8561,7 +8648,7 @@
                                     </p:set>
                                     <p:animEffect transition="in" filter="fade">
                                       <p:cBhvr>
-                                        <p:cTn id="33" dur="200"/>
+                                        <p:cTn id="37" dur="200"/>
                                         <p:tgtEl>
                                           <p:spTgt spid="5"/>
                                         </p:tgtEl>
@@ -8569,7 +8656,7 @@
                                     </p:animEffect>
                                     <p:anim calcmode="lin" valueType="num">
                                       <p:cBhvr>
-                                        <p:cTn id="34" dur="200" fill="hold"/>
+                                        <p:cTn id="38" dur="200" fill="hold"/>
                                         <p:tgtEl>
                                           <p:spTgt spid="5"/>
                                         </p:tgtEl>
@@ -8592,7 +8679,7 @@
                                     </p:anim>
                                     <p:anim calcmode="lin" valueType="num">
                                       <p:cBhvr>
-                                        <p:cTn id="35" dur="200" fill="hold"/>
+                                        <p:cTn id="39" dur="200" fill="hold"/>
                                         <p:tgtEl>
                                           <p:spTgt spid="5"/>
                                         </p:tgtEl>
@@ -8620,20 +8707,20 @@
                           </p:cTn>
                         </p:par>
                         <p:par>
-                          <p:cTn id="36" fill="hold">
+                          <p:cTn id="40" fill="hold">
                             <p:stCondLst>
                               <p:cond delay="1520"/>
                             </p:stCondLst>
                             <p:childTnLst>
                               <p:par>
-                                <p:cTn id="37" presetID="10" presetClass="entr" presetSubtype="0" fill="hold" nodeType="afterEffect">
+                                <p:cTn id="41" presetID="10" presetClass="entr" presetSubtype="0" fill="hold" nodeType="afterEffect">
                                   <p:stCondLst>
                                     <p:cond delay="0"/>
                                   </p:stCondLst>
                                   <p:childTnLst>
                                     <p:set>
                                       <p:cBhvr>
-                                        <p:cTn id="38" dur="1" fill="hold">
+                                        <p:cTn id="42" dur="1" fill="hold">
                                           <p:stCondLst>
                                             <p:cond delay="0"/>
                                           </p:stCondLst>
@@ -8651,7 +8738,7 @@
                                     </p:set>
                                     <p:animEffect transition="in" filter="fade">
                                       <p:cBhvr>
-                                        <p:cTn id="39" dur="500"/>
+                                        <p:cTn id="43" dur="500"/>
                                         <p:tgtEl>
                                           <p:spTgt spid="28"/>
                                         </p:tgtEl>
@@ -8667,19 +8754,19 @@
                     </p:cTn>
                   </p:par>
                   <p:par>
-                    <p:cTn id="40" fill="hold">
+                    <p:cTn id="44" fill="hold">
                       <p:stCondLst>
                         <p:cond delay="indefinite"/>
                       </p:stCondLst>
                       <p:childTnLst>
                         <p:par>
-                          <p:cTn id="41" fill="hold">
+                          <p:cTn id="45" fill="hold">
                             <p:stCondLst>
                               <p:cond delay="0"/>
                             </p:stCondLst>
                             <p:childTnLst>
                               <p:par>
-                                <p:cTn id="42" presetID="42" presetClass="entr" presetSubtype="0" fill="hold" grpId="0" nodeType="clickEffect">
+                                <p:cTn id="46" presetID="42" presetClass="entr" presetSubtype="0" fill="hold" grpId="0" nodeType="clickEffect">
                                   <p:stCondLst>
                                     <p:cond delay="0"/>
                                   </p:stCondLst>
@@ -8689,7 +8776,7 @@
                                   <p:childTnLst>
                                     <p:set>
                                       <p:cBhvr>
-                                        <p:cTn id="43" dur="1" fill="hold">
+                                        <p:cTn id="47" dur="1" fill="hold">
                                           <p:stCondLst>
                                             <p:cond delay="0"/>
                                           </p:stCondLst>
@@ -8707,7 +8794,7 @@
                                     </p:set>
                                     <p:animEffect transition="in" filter="fade">
                                       <p:cBhvr>
-                                        <p:cTn id="44" dur="200"/>
+                                        <p:cTn id="48" dur="200"/>
                                         <p:tgtEl>
                                           <p:spTgt spid="6"/>
                                         </p:tgtEl>
@@ -8715,7 +8802,7 @@
                                     </p:animEffect>
                                     <p:anim calcmode="lin" valueType="num">
                                       <p:cBhvr>
-                                        <p:cTn id="45" dur="200" fill="hold"/>
+                                        <p:cTn id="49" dur="200" fill="hold"/>
                                         <p:tgtEl>
                                           <p:spTgt spid="6"/>
                                         </p:tgtEl>
@@ -8738,7 +8825,7 @@
                                     </p:anim>
                                     <p:anim calcmode="lin" valueType="num">
                                       <p:cBhvr>
-                                        <p:cTn id="46" dur="200" fill="hold"/>
+                                        <p:cTn id="50" dur="200" fill="hold"/>
                                         <p:tgtEl>
                                           <p:spTgt spid="6"/>
                                         </p:tgtEl>
@@ -8766,20 +8853,20 @@
                           </p:cTn>
                         </p:par>
                         <p:par>
-                          <p:cTn id="47" fill="hold">
+                          <p:cTn id="51" fill="hold">
                             <p:stCondLst>
                               <p:cond delay="1480"/>
                             </p:stCondLst>
                             <p:childTnLst>
                               <p:par>
-                                <p:cTn id="48" presetID="10" presetClass="entr" presetSubtype="0" fill="hold" nodeType="afterEffect">
+                                <p:cTn id="52" presetID="10" presetClass="entr" presetSubtype="0" fill="hold" nodeType="afterEffect">
                                   <p:stCondLst>
                                     <p:cond delay="0"/>
                                   </p:stCondLst>
                                   <p:childTnLst>
                                     <p:set>
                                       <p:cBhvr>
-                                        <p:cTn id="49" dur="1" fill="hold">
+                                        <p:cTn id="53" dur="1" fill="hold">
                                           <p:stCondLst>
                                             <p:cond delay="0"/>
                                           </p:stCondLst>
@@ -8797,7 +8884,7 @@
                                     </p:set>
                                     <p:animEffect transition="in" filter="fade">
                                       <p:cBhvr>
-                                        <p:cTn id="50" dur="500"/>
+                                        <p:cTn id="54" dur="500"/>
                                         <p:tgtEl>
                                           <p:spTgt spid="30"/>
                                         </p:tgtEl>
@@ -8876,8 +8963,8 @@
         </p:nvSpPr>
         <p:spPr>
           <a:xfrm>
-            <a:off x="485210" y="1083591"/>
-            <a:ext cx="10051362" cy="646331"/>
+            <a:off x="485210" y="851114"/>
+            <a:ext cx="6493427" cy="923330"/>
           </a:xfrm>
           <a:prstGeom prst="rect">
             <a:avLst/>
@@ -8969,7 +9056,7 @@
         </p:blipFill>
         <p:spPr>
           <a:xfrm>
-            <a:off x="3180300" y="1175870"/>
+            <a:off x="1911581" y="1163355"/>
             <a:ext cx="4115895" cy="2387848"/>
           </a:xfrm>
           <a:prstGeom prst="rect">
@@ -9000,7 +9087,7 @@
         </p:blipFill>
         <p:spPr>
           <a:xfrm>
-            <a:off x="2284603" y="3720388"/>
+            <a:off x="571213" y="3682692"/>
             <a:ext cx="4694034" cy="824688"/>
           </a:xfrm>
           <a:prstGeom prst="rect">
@@ -9030,7 +9117,7 @@
         </p:blipFill>
         <p:spPr>
           <a:xfrm>
-            <a:off x="1969184" y="5167619"/>
+            <a:off x="8058401" y="5301856"/>
             <a:ext cx="3951675" cy="1390166"/>
           </a:xfrm>
           <a:prstGeom prst="rect">
@@ -9087,8 +9174,8 @@
         </p:nvSpPr>
         <p:spPr>
           <a:xfrm>
-            <a:off x="485210" y="4719952"/>
-            <a:ext cx="10989099" cy="369332"/>
+            <a:off x="484779" y="4701691"/>
+            <a:ext cx="3190576" cy="1200329"/>
           </a:xfrm>
           <a:prstGeom prst="rect">
             <a:avLst/>
@@ -9096,7 +9183,7 @@
           <a:noFill/>
         </p:spPr>
         <p:txBody>
-          <a:bodyPr wrap="none" rtlCol="0">
+          <a:bodyPr wrap="square" rtlCol="0">
             <a:spAutoFit/>
           </a:bodyPr>
           <a:lstStyle/>
@@ -9108,6 +9195,114 @@
           </a:p>
         </p:txBody>
       </p:sp>
+      <p:pic>
+        <p:nvPicPr>
+          <p:cNvPr id="5" name="Kép 4">
+            <a:extLst>
+              <a:ext uri="{FF2B5EF4-FFF2-40B4-BE49-F238E27FC236}">
+                <a16:creationId xmlns:a16="http://schemas.microsoft.com/office/drawing/2014/main" id="{C352461C-67D8-4BF4-9912-6DC4FD8AFA8E}"/>
+              </a:ext>
+            </a:extLst>
+          </p:cNvPr>
+          <p:cNvPicPr>
+            <a:picLocks noChangeAspect="1"/>
+          </p:cNvPicPr>
+          <p:nvPr/>
+        </p:nvPicPr>
+        <p:blipFill>
+          <a:blip r:embed="rId5">
+            <a:extLst>
+              <a:ext uri="{28A0092B-C50C-407E-A947-70E740481C1C}">
+                <a14:useLocalDpi xmlns:a14="http://schemas.microsoft.com/office/drawing/2010/main" val="0"/>
+              </a:ext>
+            </a:extLst>
+          </a:blip>
+          <a:stretch>
+            <a:fillRect/>
+          </a:stretch>
+        </p:blipFill>
+        <p:spPr>
+          <a:xfrm>
+            <a:off x="8058401" y="-250287"/>
+            <a:ext cx="4266113" cy="3126132"/>
+          </a:xfrm>
+          <a:prstGeom prst="rect">
+            <a:avLst/>
+          </a:prstGeom>
+        </p:spPr>
+      </p:pic>
+      <p:pic>
+        <p:nvPicPr>
+          <p:cNvPr id="7" name="Kép 6">
+            <a:extLst>
+              <a:ext uri="{FF2B5EF4-FFF2-40B4-BE49-F238E27FC236}">
+                <a16:creationId xmlns:a16="http://schemas.microsoft.com/office/drawing/2014/main" id="{E32D27C2-8CF7-4C0F-AE10-CA32D5464B57}"/>
+              </a:ext>
+            </a:extLst>
+          </p:cNvPr>
+          <p:cNvPicPr>
+            <a:picLocks noChangeAspect="1"/>
+          </p:cNvPicPr>
+          <p:nvPr/>
+        </p:nvPicPr>
+        <p:blipFill>
+          <a:blip r:embed="rId6">
+            <a:extLst>
+              <a:ext uri="{28A0092B-C50C-407E-A947-70E740481C1C}">
+                <a14:useLocalDpi xmlns:a14="http://schemas.microsoft.com/office/drawing/2010/main" val="0"/>
+              </a:ext>
+            </a:extLst>
+          </a:blip>
+          <a:stretch>
+            <a:fillRect/>
+          </a:stretch>
+        </p:blipFill>
+        <p:spPr>
+          <a:xfrm>
+            <a:off x="5265247" y="3362555"/>
+            <a:ext cx="6839057" cy="1464962"/>
+          </a:xfrm>
+          <a:prstGeom prst="rect">
+            <a:avLst/>
+          </a:prstGeom>
+        </p:spPr>
+      </p:pic>
+      <p:pic>
+        <p:nvPicPr>
+          <p:cNvPr id="15" name="Kép 14">
+            <a:extLst>
+              <a:ext uri="{FF2B5EF4-FFF2-40B4-BE49-F238E27FC236}">
+                <a16:creationId xmlns:a16="http://schemas.microsoft.com/office/drawing/2014/main" id="{BA628B63-9424-4B5C-96B2-F93A03E178A1}"/>
+              </a:ext>
+            </a:extLst>
+          </p:cNvPr>
+          <p:cNvPicPr>
+            <a:picLocks noChangeAspect="1"/>
+          </p:cNvPicPr>
+          <p:nvPr/>
+        </p:nvPicPr>
+        <p:blipFill>
+          <a:blip r:embed="rId7">
+            <a:extLst>
+              <a:ext uri="{28A0092B-C50C-407E-A947-70E740481C1C}">
+                <a14:useLocalDpi xmlns:a14="http://schemas.microsoft.com/office/drawing/2010/main" val="0"/>
+              </a:ext>
+            </a:extLst>
+          </a:blip>
+          <a:stretch>
+            <a:fillRect/>
+          </a:stretch>
+        </p:blipFill>
+        <p:spPr>
+          <a:xfrm>
+            <a:off x="3969528" y="4378263"/>
+            <a:ext cx="3785385" cy="2632763"/>
+          </a:xfrm>
+          <a:prstGeom prst="rect">
+            <a:avLst/>
+          </a:prstGeom>
+        </p:spPr>
+      </p:pic>
     </p:spTree>
     <p:extLst>
       <p:ext uri="{BB962C8B-B14F-4D97-AF65-F5344CB8AC3E}">
@@ -9282,23 +9477,67 @@
                             </p:childTnLst>
                           </p:cTn>
                         </p:par>
+                        <p:par>
+                          <p:cTn id="17" fill="hold">
+                            <p:stCondLst>
+                              <p:cond delay="3540"/>
+                            </p:stCondLst>
+                            <p:childTnLst>
+                              <p:par>
+                                <p:cTn id="18" presetID="10" presetClass="entr" presetSubtype="0" fill="hold" nodeType="afterEffect">
+                                  <p:stCondLst>
+                                    <p:cond delay="0"/>
+                                  </p:stCondLst>
+                                  <p:childTnLst>
+                                    <p:set>
+                                      <p:cBhvr>
+                                        <p:cTn id="19" dur="1" fill="hold">
+                                          <p:stCondLst>
+                                            <p:cond delay="0"/>
+                                          </p:stCondLst>
+                                        </p:cTn>
+                                        <p:tgtEl>
+                                          <p:spTgt spid="5"/>
+                                        </p:tgtEl>
+                                        <p:attrNameLst>
+                                          <p:attrName>style.visibility</p:attrName>
+                                        </p:attrNameLst>
+                                      </p:cBhvr>
+                                      <p:to>
+                                        <p:strVal val="visible"/>
+                                      </p:to>
+                                    </p:set>
+                                    <p:animEffect transition="in" filter="fade">
+                                      <p:cBhvr>
+                                        <p:cTn id="20" dur="500"/>
+                                        <p:tgtEl>
+                                          <p:spTgt spid="5"/>
+                                        </p:tgtEl>
+                                      </p:cBhvr>
+                                    </p:animEffect>
+                                  </p:childTnLst>
+                                </p:cTn>
+                              </p:par>
+                            </p:childTnLst>
+                          </p:cTn>
+                        </p:par>
                       </p:childTnLst>
                     </p:cTn>
                   </p:par>
                   <p:par>
-                    <p:cTn id="17" fill="hold">
+                    <p:cTn id="21" fill="hold">
                       <p:stCondLst>
                         <p:cond delay="indefinite"/>
                       </p:stCondLst>
                       <p:childTnLst>
                         <p:par>
-                          <p:cTn id="18" fill="hold">
+                          <p:cTn id="22" fill="hold">
                             <p:stCondLst>
                               <p:cond delay="0"/>
                             </p:stCondLst>
                             <p:childTnLst>
                               <p:par>
-                                <p:cTn id="19" presetID="14" presetClass="entr" presetSubtype="10" fill="hold" grpId="0" nodeType="clickEffect">
+                                <p:cTn id="23" presetID="14" presetClass="entr" presetSubtype="10" fill="hold" grpId="0" nodeType="clickEffect">
                                   <p:stCondLst>
                                     <p:cond delay="0"/>
                                   </p:stCondLst>
@@ -9308,7 +9547,7 @@
                                   <p:childTnLst>
                                     <p:set>
                                       <p:cBhvr>
-                                        <p:cTn id="20" dur="1" fill="hold">
+                                        <p:cTn id="24" dur="1" fill="hold">
                                           <p:stCondLst>
                                             <p:cond delay="0"/>
                                           </p:stCondLst>
@@ -9326,7 +9565,7 @@
                                     </p:set>
                                     <p:animEffect transition="in" filter="randombar(horizontal)">
                                       <p:cBhvr>
-                                        <p:cTn id="21" dur="200"/>
+                                        <p:cTn id="25" dur="200"/>
                                         <p:tgtEl>
                                           <p:spTgt spid="2"/>
                                         </p:tgtEl>
@@ -9339,20 +9578,20 @@
                           </p:cTn>
                         </p:par>
                         <p:par>
-                          <p:cTn id="22" fill="hold">
+                          <p:cTn id="26" fill="hold">
                             <p:stCondLst>
                               <p:cond delay="1440"/>
                             </p:stCondLst>
                             <p:childTnLst>
                               <p:par>
-                                <p:cTn id="23" presetID="4" presetClass="entr" presetSubtype="32" fill="hold" nodeType="afterEffect">
+                                <p:cTn id="27" presetID="4" presetClass="entr" presetSubtype="32" fill="hold" nodeType="afterEffect">
                                   <p:stCondLst>
                                     <p:cond delay="0"/>
                                   </p:stCondLst>
                                   <p:childTnLst>
                                     <p:set>
                                       <p:cBhvr>
-                                        <p:cTn id="24" dur="1" fill="hold">
+                                        <p:cTn id="28" dur="1" fill="hold">
                                           <p:stCondLst>
                                             <p:cond delay="0"/>
                                           </p:stCondLst>
@@ -9370,9 +9609,53 @@
                                     </p:set>
                                     <p:animEffect transition="in" filter="box(out)">
                                       <p:cBhvr>
-                                        <p:cTn id="25" dur="1000"/>
+                                        <p:cTn id="29" dur="1000"/>
                                         <p:tgtEl>
                                           <p:spTgt spid="13"/>
+                                        </p:tgtEl>
+                                      </p:cBhvr>
+                                    </p:animEffect>
+                                  </p:childTnLst>
+                                </p:cTn>
+                              </p:par>
+                            </p:childTnLst>
+                          </p:cTn>
+                        </p:par>
+                        <p:par>
+                          <p:cTn id="30" fill="hold">
+                            <p:stCondLst>
+                              <p:cond delay="2440"/>
+                            </p:stCondLst>
+                            <p:childTnLst>
+                              <p:par>
+                                <p:cTn id="31" presetID="10" presetClass="entr" presetSubtype="0" fill="hold" nodeType="afterEffect">
+                                  <p:stCondLst>
+                                    <p:cond delay="0"/>
+                                  </p:stCondLst>
+                                  <p:childTnLst>
+                                    <p:set>
+                                      <p:cBhvr>
+                                        <p:cTn id="32" dur="1" fill="hold">
+                                          <p:stCondLst>
+                                            <p:cond delay="0"/>
+                                          </p:stCondLst>
+                                        </p:cTn>
+                                        <p:tgtEl>
+                                          <p:spTgt spid="7"/>
+                                        </p:tgtEl>
+                                        <p:attrNameLst>
+                                          <p:attrName>style.visibility</p:attrName>
+                                        </p:attrNameLst>
+                                      </p:cBhvr>
+                                      <p:to>
+                                        <p:strVal val="visible"/>
+                                      </p:to>
+                                    </p:set>
+                                    <p:animEffect transition="in" filter="fade">
+                                      <p:cBhvr>
+                                        <p:cTn id="33" dur="500"/>
+                                        <p:tgtEl>
+                                          <p:spTgt spid="7"/>
                                         </p:tgtEl>
                                       </p:cBhvr>
                                     </p:animEffect>
@@ -9386,19 +9669,19 @@
                     </p:cTn>
                   </p:par>
                   <p:par>
-                    <p:cTn id="26" fill="hold">
+                    <p:cTn id="34" fill="hold">
                       <p:stCondLst>
                         <p:cond delay="indefinite"/>
                       </p:stCondLst>
                       <p:childTnLst>
                         <p:par>
-                          <p:cTn id="27" fill="hold">
+                          <p:cTn id="35" fill="hold">
                             <p:stCondLst>
                               <p:cond delay="0"/>
                             </p:stCondLst>
                             <p:childTnLst>
                               <p:par>
-                                <p:cTn id="28" presetID="14" presetClass="entr" presetSubtype="10" fill="hold" grpId="0" nodeType="clickEffect">
+                                <p:cTn id="36" presetID="14" presetClass="entr" presetSubtype="10" fill="hold" grpId="0" nodeType="clickEffect">
                                   <p:stCondLst>
                                     <p:cond delay="0"/>
                                   </p:stCondLst>
@@ -9408,7 +9691,7 @@
                                   <p:childTnLst>
                                     <p:set>
                                       <p:cBhvr>
-                                        <p:cTn id="29" dur="1" fill="hold">
+                                        <p:cTn id="37" dur="1" fill="hold">
                                           <p:stCondLst>
                                             <p:cond delay="0"/>
                                           </p:stCondLst>
@@ -9426,7 +9709,7 @@
                                     </p:set>
                                     <p:animEffect transition="in" filter="randombar(horizontal)">
                                       <p:cBhvr>
-                                        <p:cTn id="30" dur="200"/>
+                                        <p:cTn id="38" dur="200"/>
                                         <p:tgtEl>
                                           <p:spTgt spid="3"/>
                                         </p:tgtEl>
@@ -9439,20 +9722,20 @@
                           </p:cTn>
                         </p:par>
                         <p:par>
-                          <p:cTn id="31" fill="hold">
+                          <p:cTn id="39" fill="hold">
                             <p:stCondLst>
                               <p:cond delay="2140"/>
                             </p:stCondLst>
                             <p:childTnLst>
                               <p:par>
-                                <p:cTn id="32" presetID="8" presetClass="entr" presetSubtype="32" fill="hold" nodeType="afterEffect">
+                                <p:cTn id="40" presetID="8" presetClass="entr" presetSubtype="32" fill="hold" nodeType="afterEffect">
                                   <p:stCondLst>
                                     <p:cond delay="0"/>
                                   </p:stCondLst>
                                   <p:childTnLst>
                                     <p:set>
                                       <p:cBhvr>
-                                        <p:cTn id="33" dur="1" fill="hold">
+                                        <p:cTn id="41" dur="1" fill="hold">
                                           <p:stCondLst>
                                             <p:cond delay="0"/>
                                           </p:stCondLst>
@@ -9470,9 +9753,53 @@
                                     </p:set>
                                     <p:animEffect transition="in" filter="diamond(out)">
                                       <p:cBhvr>
-                                        <p:cTn id="34" dur="1000"/>
+                                        <p:cTn id="42" dur="1000"/>
                                         <p:tgtEl>
                                           <p:spTgt spid="14"/>
+                                        </p:tgtEl>
+                                      </p:cBhvr>
+                                    </p:animEffect>
+                                  </p:childTnLst>
+                                </p:cTn>
+                              </p:par>
+                            </p:childTnLst>
+                          </p:cTn>
+                        </p:par>
+                        <p:par>
+                          <p:cTn id="43" fill="hold">
+                            <p:stCondLst>
+                              <p:cond delay="3140"/>
+                            </p:stCondLst>
+                            <p:childTnLst>
+                              <p:par>
+                                <p:cTn id="44" presetID="10" presetClass="entr" presetSubtype="0" fill="hold" nodeType="afterEffect">
+                                  <p:stCondLst>
+                                    <p:cond delay="0"/>
+                                  </p:stCondLst>
+                                  <p:childTnLst>
+                                    <p:set>
+                                      <p:cBhvr>
+                                        <p:cTn id="45" dur="1" fill="hold">
+                                          <p:stCondLst>
+                                            <p:cond delay="0"/>
+                                          </p:stCondLst>
+                                        </p:cTn>
+                                        <p:tgtEl>
+                                          <p:spTgt spid="15"/>
+                                        </p:tgtEl>
+                                        <p:attrNameLst>
+                                          <p:attrName>style.visibility</p:attrName>
+                                        </p:attrNameLst>
+                                      </p:cBhvr>
+                                      <p:to>
+                                        <p:strVal val="visible"/>
+                                      </p:to>
+                                    </p:set>
+                                    <p:animEffect transition="in" filter="fade">
+                                      <p:cBhvr>
+                                        <p:cTn id="46" dur="500"/>
+                                        <p:tgtEl>
+                                          <p:spTgt spid="15"/>
                                         </p:tgtEl>
                                       </p:cBhvr>
                                     </p:animEffect>
